--- a/AstrofotografiaProgetto.pptx
+++ b/AstrofotografiaProgetto.pptx
@@ -5,7 +5,7 @@
     <p:sldMasterId id="2147483648" r:id="rId1"/>
   </p:sldMasterIdLst>
   <p:notesMasterIdLst>
-    <p:notesMasterId r:id="rId8"/>
+    <p:notesMasterId r:id="rId9"/>
   </p:notesMasterIdLst>
   <p:sldIdLst>
     <p:sldId id="256" r:id="rId2"/>
@@ -13,7 +13,8 @@
     <p:sldId id="258" r:id="rId4"/>
     <p:sldId id="259" r:id="rId5"/>
     <p:sldId id="260" r:id="rId6"/>
-    <p:sldId id="261" r:id="rId7"/>
+    <p:sldId id="262" r:id="rId7"/>
+    <p:sldId id="261" r:id="rId8"/>
   </p:sldIdLst>
   <p:sldSz cx="12192000" cy="6858000"/>
   <p:notesSz cx="6858000" cy="9144000"/>
@@ -112,6 +113,11 @@
       </a:defRPr>
     </a:lvl9pPr>
   </p:defaultTextStyle>
+  <p:extLst>
+    <p:ext uri="{EFAFB233-063F-42B5-8137-9DF3F51BA10A}">
+      <p15:sldGuideLst xmlns:p15="http://schemas.microsoft.com/office/powerpoint/2012/main"/>
+    </p:ext>
+  </p:extLst>
 </p:presentation>
 </file>
 
@@ -128,7 +134,7 @@
   <pc:docChgLst>
     <pc:chgData name="ignazio emanuele picciche'" userId="0ffc6f3f-5a1e-4bcf-8207-6fcee5da7ade" providerId="ADAL" clId="{17056212-C789-4D94-A224-491696FC5D6E}"/>
     <pc:docChg chg="undo custSel addSld modSld">
-      <pc:chgData name="ignazio emanuele picciche'" userId="0ffc6f3f-5a1e-4bcf-8207-6fcee5da7ade" providerId="ADAL" clId="{17056212-C789-4D94-A224-491696FC5D6E}" dt="2023-12-08T22:07:29.623" v="2448" actId="1076"/>
+      <pc:chgData name="ignazio emanuele picciche'" userId="0ffc6f3f-5a1e-4bcf-8207-6fcee5da7ade" providerId="ADAL" clId="{17056212-C789-4D94-A224-491696FC5D6E}" dt="2023-12-08T22:12:09.612" v="2471" actId="20577"/>
       <pc:docMkLst>
         <pc:docMk/>
       </pc:docMkLst>
@@ -542,6 +548,21 @@
           </ac:spMkLst>
         </pc:spChg>
       </pc:sldChg>
+      <pc:sldChg chg="modSp add mod">
+        <pc:chgData name="ignazio emanuele picciche'" userId="0ffc6f3f-5a1e-4bcf-8207-6fcee5da7ade" providerId="ADAL" clId="{17056212-C789-4D94-A224-491696FC5D6E}" dt="2023-12-08T22:12:09.612" v="2471" actId="20577"/>
+        <pc:sldMkLst>
+          <pc:docMk/>
+          <pc:sldMk cId="203031930" sldId="262"/>
+        </pc:sldMkLst>
+        <pc:spChg chg="mod">
+          <ac:chgData name="ignazio emanuele picciche'" userId="0ffc6f3f-5a1e-4bcf-8207-6fcee5da7ade" providerId="ADAL" clId="{17056212-C789-4D94-A224-491696FC5D6E}" dt="2023-12-08T22:12:09.612" v="2471" actId="20577"/>
+          <ac:spMkLst>
+            <pc:docMk/>
+            <pc:sldMk cId="203031930" sldId="262"/>
+            <ac:spMk id="9" creationId="{7DCA9D16-5034-279C-FF1F-96C45AF4B68F}"/>
+          </ac:spMkLst>
+        </pc:spChg>
+      </pc:sldChg>
     </pc:docChg>
   </pc:docChgLst>
 </pc:chgInfo>
@@ -1131,6 +1152,90 @@
             <a:fld id="{21590A60-A07C-46F9-8B65-B35F273389B3}" type="slidenum">
               <a:rPr lang="en-GB" smtClean="0"/>
               <a:t>6</a:t>
+            </a:fld>
+            <a:endParaRPr lang="en-GB"/>
+          </a:p>
+        </p:txBody>
+      </p:sp>
+    </p:spTree>
+    <p:extLst>
+      <p:ext uri="{BB962C8B-B14F-4D97-AF65-F5344CB8AC3E}">
+        <p14:creationId xmlns:p14="http://schemas.microsoft.com/office/powerpoint/2010/main" val="1931353061"/>
+      </p:ext>
+    </p:extLst>
+  </p:cSld>
+  <p:clrMapOvr>
+    <a:masterClrMapping/>
+  </p:clrMapOvr>
+</p:notes>
+</file>
+
+<file path=ppt/notesSlides/notesSlide4.xml><?xml version="1.0" encoding="utf-8"?>
+<p:notes xmlns:a="http://schemas.openxmlformats.org/drawingml/2006/main" xmlns:r="http://schemas.openxmlformats.org/officeDocument/2006/relationships" xmlns:p="http://schemas.openxmlformats.org/presentationml/2006/main">
+  <p:cSld>
+    <p:spTree>
+      <p:nvGrpSpPr>
+        <p:cNvPr id="1" name=""/>
+        <p:cNvGrpSpPr/>
+        <p:nvPr/>
+      </p:nvGrpSpPr>
+      <p:grpSpPr>
+        <a:xfrm>
+          <a:off x="0" y="0"/>
+          <a:ext cx="0" cy="0"/>
+          <a:chOff x="0" y="0"/>
+          <a:chExt cx="0" cy="0"/>
+        </a:xfrm>
+      </p:grpSpPr>
+      <p:sp>
+        <p:nvSpPr>
+          <p:cNvPr id="2" name="Slide Image Placeholder 1"/>
+          <p:cNvSpPr>
+            <a:spLocks noGrp="1" noRot="1" noChangeAspect="1"/>
+          </p:cNvSpPr>
+          <p:nvPr>
+            <p:ph type="sldImg"/>
+          </p:nvPr>
+        </p:nvSpPr>
+        <p:spPr/>
+      </p:sp>
+      <p:sp>
+        <p:nvSpPr>
+          <p:cNvPr id="3" name="Notes Placeholder 2"/>
+          <p:cNvSpPr>
+            <a:spLocks noGrp="1"/>
+          </p:cNvSpPr>
+          <p:nvPr>
+            <p:ph type="body" idx="1"/>
+          </p:nvPr>
+        </p:nvSpPr>
+        <p:spPr/>
+        <p:txBody>
+          <a:bodyPr/>
+          <a:lstStyle/>
+          <a:p>
+            <a:endParaRPr lang="en-GB" dirty="0"/>
+          </a:p>
+        </p:txBody>
+      </p:sp>
+      <p:sp>
+        <p:nvSpPr>
+          <p:cNvPr id="4" name="Slide Number Placeholder 3"/>
+          <p:cNvSpPr>
+            <a:spLocks noGrp="1"/>
+          </p:cNvSpPr>
+          <p:nvPr>
+            <p:ph type="sldNum" sz="quarter" idx="5"/>
+          </p:nvPr>
+        </p:nvSpPr>
+        <p:spPr/>
+        <p:txBody>
+          <a:bodyPr/>
+          <a:lstStyle/>
+          <a:p>
+            <a:fld id="{21590A60-A07C-46F9-8B65-B35F273389B3}" type="slidenum">
+              <a:rPr lang="en-GB" smtClean="0"/>
+              <a:t>7</a:t>
             </a:fld>
             <a:endParaRPr lang="en-GB"/>
           </a:p>
@@ -6469,6 +6574,218 @@
 </file>
 
 <file path=ppt/slides/slide6.xml><?xml version="1.0" encoding="utf-8"?>
+<p:sld xmlns:a="http://schemas.openxmlformats.org/drawingml/2006/main" xmlns:r="http://schemas.openxmlformats.org/officeDocument/2006/relationships" xmlns:p="http://schemas.openxmlformats.org/presentationml/2006/main">
+  <p:cSld>
+    <p:bg>
+      <p:bgPr>
+        <a:solidFill>
+          <a:srgbClr val="000000"/>
+        </a:solidFill>
+        <a:effectLst/>
+      </p:bgPr>
+    </p:bg>
+    <p:spTree>
+      <p:nvGrpSpPr>
+        <p:cNvPr id="1" name=""/>
+        <p:cNvGrpSpPr/>
+        <p:nvPr/>
+      </p:nvGrpSpPr>
+      <p:grpSpPr>
+        <a:xfrm>
+          <a:off x="0" y="0"/>
+          <a:ext cx="0" cy="0"/>
+          <a:chOff x="0" y="0"/>
+          <a:chExt cx="0" cy="0"/>
+        </a:xfrm>
+      </p:grpSpPr>
+      <p:sp>
+        <p:nvSpPr>
+          <p:cNvPr id="10" name="Rectangle 9">
+            <a:extLst>
+              <a:ext uri="{FF2B5EF4-FFF2-40B4-BE49-F238E27FC236}">
+                <a16:creationId xmlns:a16="http://schemas.microsoft.com/office/drawing/2014/main" id="{71B2258F-86CA-4D4D-8270-BC05FCDEBFB3}"/>
+              </a:ext>
+              <a:ext uri="{C183D7F6-B498-43B3-948B-1728B52AA6E4}">
+                <adec:decorative xmlns:adec="http://schemas.microsoft.com/office/drawing/2017/decorative" val="1"/>
+              </a:ext>
+            </a:extLst>
+          </p:cNvPr>
+          <p:cNvSpPr>
+            <a:spLocks noGrp="1" noRot="1" noChangeAspect="1" noMove="1" noResize="1" noEditPoints="1" noAdjustHandles="1" noChangeArrowheads="1" noChangeShapeType="1" noTextEdit="1"/>
+          </p:cNvSpPr>
+          <p:nvPr>
+            <p:extLst>
+              <p:ext uri="{386F3935-93C4-4BCD-93E2-E3B085C9AB24}">
+                <p16:designElem xmlns:p16="http://schemas.microsoft.com/office/powerpoint/2015/main" val="1"/>
+              </p:ext>
+            </p:extLst>
+          </p:nvPr>
+        </p:nvSpPr>
+        <p:spPr>
+          <a:xfrm>
+            <a:off x="0" y="0"/>
+            <a:ext cx="12192000" cy="6857999"/>
+          </a:xfrm>
+          <a:prstGeom prst="rect">
+            <a:avLst/>
+          </a:prstGeom>
+          <a:solidFill>
+            <a:srgbClr val="000000"/>
+          </a:solidFill>
+          <a:ln>
+            <a:noFill/>
+          </a:ln>
+        </p:spPr>
+        <p:style>
+          <a:lnRef idx="2">
+            <a:schemeClr val="accent1">
+              <a:shade val="50000"/>
+            </a:schemeClr>
+          </a:lnRef>
+          <a:fillRef idx="1">
+            <a:schemeClr val="accent1"/>
+          </a:fillRef>
+          <a:effectRef idx="0">
+            <a:schemeClr val="accent1"/>
+          </a:effectRef>
+          <a:fontRef idx="minor">
+            <a:schemeClr val="lt1"/>
+          </a:fontRef>
+        </p:style>
+        <p:txBody>
+          <a:bodyPr rtlCol="0" anchor="ctr"/>
+          <a:lstStyle/>
+          <a:p>
+            <a:pPr algn="ctr"/>
+            <a:endParaRPr lang="en-US"/>
+          </a:p>
+        </p:txBody>
+      </p:sp>
+      <p:pic>
+        <p:nvPicPr>
+          <p:cNvPr id="5" name="Picture 4" descr="A galaxy in the sky&#10;&#10;Description automatically generated with medium confidence">
+            <a:extLst>
+              <a:ext uri="{FF2B5EF4-FFF2-40B4-BE49-F238E27FC236}">
+                <a16:creationId xmlns:a16="http://schemas.microsoft.com/office/drawing/2014/main" id="{B0F90A88-2372-3D69-96D2-BB8F636DDE9E}"/>
+              </a:ext>
+            </a:extLst>
+          </p:cNvPr>
+          <p:cNvPicPr>
+            <a:picLocks noChangeAspect="1"/>
+          </p:cNvPicPr>
+          <p:nvPr/>
+        </p:nvPicPr>
+        <p:blipFill rotWithShape="1">
+          <a:blip r:embed="rId3">
+            <a:alphaModFix amt="50000"/>
+            <a:extLst>
+              <a:ext uri="{28A0092B-C50C-407E-A947-70E740481C1C}">
+                <a14:useLocalDpi xmlns:a14="http://schemas.microsoft.com/office/drawing/2010/main" val="0"/>
+              </a:ext>
+            </a:extLst>
+          </a:blip>
+          <a:srcRect/>
+          <a:stretch/>
+        </p:blipFill>
+        <p:spPr>
+          <a:xfrm>
+            <a:off x="0" y="0"/>
+            <a:ext cx="12192000" cy="6858000"/>
+          </a:xfrm>
+          <a:prstGeom prst="rect">
+            <a:avLst/>
+          </a:prstGeom>
+        </p:spPr>
+      </p:pic>
+      <p:sp>
+        <p:nvSpPr>
+          <p:cNvPr id="9" name="TextBox 8">
+            <a:extLst>
+              <a:ext uri="{FF2B5EF4-FFF2-40B4-BE49-F238E27FC236}">
+                <a16:creationId xmlns:a16="http://schemas.microsoft.com/office/drawing/2014/main" id="{7DCA9D16-5034-279C-FF1F-96C45AF4B68F}"/>
+              </a:ext>
+            </a:extLst>
+          </p:cNvPr>
+          <p:cNvSpPr txBox="1"/>
+          <p:nvPr/>
+        </p:nvSpPr>
+        <p:spPr>
+          <a:xfrm>
+            <a:off x="301732" y="293576"/>
+            <a:ext cx="3456452" cy="523220"/>
+          </a:xfrm>
+          <a:prstGeom prst="rect">
+            <a:avLst/>
+          </a:prstGeom>
+          <a:noFill/>
+        </p:spPr>
+        <p:txBody>
+          <a:bodyPr wrap="square" rtlCol="0">
+            <a:spAutoFit/>
+          </a:bodyPr>
+          <a:lstStyle/>
+          <a:p>
+            <a:r>
+              <a:rPr lang="en-GB" sz="2800" b="1" dirty="0" err="1"/>
+              <a:t>Casi</a:t>
+            </a:r>
+            <a:r>
+              <a:rPr lang="en-GB" sz="2800" b="1" dirty="0"/>
+              <a:t> limite</a:t>
+            </a:r>
+          </a:p>
+        </p:txBody>
+      </p:sp>
+      <p:pic>
+        <p:nvPicPr>
+          <p:cNvPr id="15" name="Picture 14" descr="A blue and white logo&#10;&#10;Description automatically generated">
+            <a:extLst>
+              <a:ext uri="{FF2B5EF4-FFF2-40B4-BE49-F238E27FC236}">
+                <a16:creationId xmlns:a16="http://schemas.microsoft.com/office/drawing/2014/main" id="{6A2D2119-B5CD-B2DE-2CB9-9300E3B94F14}"/>
+              </a:ext>
+            </a:extLst>
+          </p:cNvPr>
+          <p:cNvPicPr>
+            <a:picLocks noChangeAspect="1"/>
+          </p:cNvPicPr>
+          <p:nvPr/>
+        </p:nvPicPr>
+        <p:blipFill>
+          <a:blip r:embed="rId4">
+            <a:extLst>
+              <a:ext uri="{28A0092B-C50C-407E-A947-70E740481C1C}">
+                <a14:useLocalDpi xmlns:a14="http://schemas.microsoft.com/office/drawing/2010/main" val="0"/>
+              </a:ext>
+            </a:extLst>
+          </a:blip>
+          <a:stretch>
+            <a:fillRect/>
+          </a:stretch>
+        </p:blipFill>
+        <p:spPr>
+          <a:xfrm>
+            <a:off x="10585151" y="264938"/>
+            <a:ext cx="1305117" cy="1098396"/>
+          </a:xfrm>
+          <a:prstGeom prst="rect">
+            <a:avLst/>
+          </a:prstGeom>
+        </p:spPr>
+      </p:pic>
+    </p:spTree>
+    <p:extLst>
+      <p:ext uri="{BB962C8B-B14F-4D97-AF65-F5344CB8AC3E}">
+        <p14:creationId xmlns:p14="http://schemas.microsoft.com/office/powerpoint/2010/main" val="203031930"/>
+      </p:ext>
+    </p:extLst>
+  </p:cSld>
+  <p:clrMapOvr>
+    <a:overrideClrMapping bg1="dk1" tx1="lt1" bg2="dk2" tx2="lt2" accent1="accent1" accent2="accent2" accent3="accent3" accent4="accent4" accent5="accent5" accent6="accent6" hlink="hlink" folHlink="folHlink"/>
+  </p:clrMapOvr>
+</p:sld>
+</file>
+
+<file path=ppt/slides/slide7.xml><?xml version="1.0" encoding="utf-8"?>
 <p:sld xmlns:a="http://schemas.openxmlformats.org/drawingml/2006/main" xmlns:r="http://schemas.openxmlformats.org/officeDocument/2006/relationships" xmlns:p="http://schemas.openxmlformats.org/presentationml/2006/main">
   <p:cSld>
     <p:bg>

--- a/AstrofotografiaProgetto.pptx
+++ b/AstrofotografiaProgetto.pptx
@@ -134,7 +134,7 @@
   <pc:docChgLst>
     <pc:chgData name="ignazio emanuele picciche'" userId="0ffc6f3f-5a1e-4bcf-8207-6fcee5da7ade" providerId="ADAL" clId="{17056212-C789-4D94-A224-491696FC5D6E}"/>
     <pc:docChg chg="undo custSel addSld modSld">
-      <pc:chgData name="ignazio emanuele picciche'" userId="0ffc6f3f-5a1e-4bcf-8207-6fcee5da7ade" providerId="ADAL" clId="{17056212-C789-4D94-A224-491696FC5D6E}" dt="2023-12-08T22:12:09.612" v="2471" actId="20577"/>
+      <pc:chgData name="ignazio emanuele picciche'" userId="0ffc6f3f-5a1e-4bcf-8207-6fcee5da7ade" providerId="ADAL" clId="{17056212-C789-4D94-A224-491696FC5D6E}" dt="2023-12-09T11:30:01.054" v="2472" actId="20577"/>
       <pc:docMkLst>
         <pc:docMk/>
       </pc:docMkLst>
@@ -234,7 +234,7 @@
         </pc:picChg>
       </pc:sldChg>
       <pc:sldChg chg="addSp delSp modSp add mod">
-        <pc:chgData name="ignazio emanuele picciche'" userId="0ffc6f3f-5a1e-4bcf-8207-6fcee5da7ade" providerId="ADAL" clId="{17056212-C789-4D94-A224-491696FC5D6E}" dt="2023-12-08T21:47:49.941" v="1344" actId="1076"/>
+        <pc:chgData name="ignazio emanuele picciche'" userId="0ffc6f3f-5a1e-4bcf-8207-6fcee5da7ade" providerId="ADAL" clId="{17056212-C789-4D94-A224-491696FC5D6E}" dt="2023-12-09T11:30:01.054" v="2472" actId="20577"/>
         <pc:sldMkLst>
           <pc:docMk/>
           <pc:sldMk cId="4172560365" sldId="257"/>
@@ -296,7 +296,7 @@
           </ac:spMkLst>
         </pc:spChg>
         <pc:spChg chg="add mod">
-          <ac:chgData name="ignazio emanuele picciche'" userId="0ffc6f3f-5a1e-4bcf-8207-6fcee5da7ade" providerId="ADAL" clId="{17056212-C789-4D94-A224-491696FC5D6E}" dt="2023-12-08T21:44:14.795" v="1319" actId="14100"/>
+          <ac:chgData name="ignazio emanuele picciche'" userId="0ffc6f3f-5a1e-4bcf-8207-6fcee5da7ade" providerId="ADAL" clId="{17056212-C789-4D94-A224-491696FC5D6E}" dt="2023-12-09T11:30:01.054" v="2472" actId="20577"/>
           <ac:spMkLst>
             <pc:docMk/>
             <pc:sldMk cId="4172560365" sldId="257"/>
@@ -650,7 +650,7 @@
           <a:p>
             <a:fld id="{8079EB34-2BA9-48D9-89DB-E07D4D160F28}" type="datetimeFigureOut">
               <a:rPr lang="en-GB" smtClean="0"/>
-              <a:t>08/12/2023</a:t>
+              <a:t>09/12/2023</a:t>
             </a:fld>
             <a:endParaRPr lang="en-GB"/>
           </a:p>
@@ -1403,7 +1403,7 @@
           <a:p>
             <a:fld id="{CAC63E38-649A-49AF-B7E7-48430D44A5AD}" type="datetimeFigureOut">
               <a:rPr lang="en-GB" smtClean="0"/>
-              <a:t>08/12/2023</a:t>
+              <a:t>09/12/2023</a:t>
             </a:fld>
             <a:endParaRPr lang="en-GB"/>
           </a:p>
@@ -1603,7 +1603,7 @@
           <a:p>
             <a:fld id="{CAC63E38-649A-49AF-B7E7-48430D44A5AD}" type="datetimeFigureOut">
               <a:rPr lang="en-GB" smtClean="0"/>
-              <a:t>08/12/2023</a:t>
+              <a:t>09/12/2023</a:t>
             </a:fld>
             <a:endParaRPr lang="en-GB"/>
           </a:p>
@@ -1813,7 +1813,7 @@
           <a:p>
             <a:fld id="{CAC63E38-649A-49AF-B7E7-48430D44A5AD}" type="datetimeFigureOut">
               <a:rPr lang="en-GB" smtClean="0"/>
-              <a:t>08/12/2023</a:t>
+              <a:t>09/12/2023</a:t>
             </a:fld>
             <a:endParaRPr lang="en-GB"/>
           </a:p>
@@ -2013,7 +2013,7 @@
           <a:p>
             <a:fld id="{CAC63E38-649A-49AF-B7E7-48430D44A5AD}" type="datetimeFigureOut">
               <a:rPr lang="en-GB" smtClean="0"/>
-              <a:t>08/12/2023</a:t>
+              <a:t>09/12/2023</a:t>
             </a:fld>
             <a:endParaRPr lang="en-GB"/>
           </a:p>
@@ -2289,7 +2289,7 @@
           <a:p>
             <a:fld id="{CAC63E38-649A-49AF-B7E7-48430D44A5AD}" type="datetimeFigureOut">
               <a:rPr lang="en-GB" smtClean="0"/>
-              <a:t>08/12/2023</a:t>
+              <a:t>09/12/2023</a:t>
             </a:fld>
             <a:endParaRPr lang="en-GB"/>
           </a:p>
@@ -2557,7 +2557,7 @@
           <a:p>
             <a:fld id="{CAC63E38-649A-49AF-B7E7-48430D44A5AD}" type="datetimeFigureOut">
               <a:rPr lang="en-GB" smtClean="0"/>
-              <a:t>08/12/2023</a:t>
+              <a:t>09/12/2023</a:t>
             </a:fld>
             <a:endParaRPr lang="en-GB"/>
           </a:p>
@@ -2972,7 +2972,7 @@
           <a:p>
             <a:fld id="{CAC63E38-649A-49AF-B7E7-48430D44A5AD}" type="datetimeFigureOut">
               <a:rPr lang="en-GB" smtClean="0"/>
-              <a:t>08/12/2023</a:t>
+              <a:t>09/12/2023</a:t>
             </a:fld>
             <a:endParaRPr lang="en-GB"/>
           </a:p>
@@ -3114,7 +3114,7 @@
           <a:p>
             <a:fld id="{CAC63E38-649A-49AF-B7E7-48430D44A5AD}" type="datetimeFigureOut">
               <a:rPr lang="en-GB" smtClean="0"/>
-              <a:t>08/12/2023</a:t>
+              <a:t>09/12/2023</a:t>
             </a:fld>
             <a:endParaRPr lang="en-GB"/>
           </a:p>
@@ -3227,7 +3227,7 @@
           <a:p>
             <a:fld id="{CAC63E38-649A-49AF-B7E7-48430D44A5AD}" type="datetimeFigureOut">
               <a:rPr lang="en-GB" smtClean="0"/>
-              <a:t>08/12/2023</a:t>
+              <a:t>09/12/2023</a:t>
             </a:fld>
             <a:endParaRPr lang="en-GB"/>
           </a:p>
@@ -3540,7 +3540,7 @@
           <a:p>
             <a:fld id="{CAC63E38-649A-49AF-B7E7-48430D44A5AD}" type="datetimeFigureOut">
               <a:rPr lang="en-GB" smtClean="0"/>
-              <a:t>08/12/2023</a:t>
+              <a:t>09/12/2023</a:t>
             </a:fld>
             <a:endParaRPr lang="en-GB"/>
           </a:p>
@@ -3829,7 +3829,7 @@
           <a:p>
             <a:fld id="{CAC63E38-649A-49AF-B7E7-48430D44A5AD}" type="datetimeFigureOut">
               <a:rPr lang="en-GB" smtClean="0"/>
-              <a:t>08/12/2023</a:t>
+              <a:t>09/12/2023</a:t>
             </a:fld>
             <a:endParaRPr lang="en-GB"/>
           </a:p>
@@ -4072,7 +4072,7 @@
           <a:p>
             <a:fld id="{CAC63E38-649A-49AF-B7E7-48430D44A5AD}" type="datetimeFigureOut">
               <a:rPr lang="en-GB" smtClean="0"/>
-              <a:t>08/12/2023</a:t>
+              <a:t>09/12/2023</a:t>
             </a:fld>
             <a:endParaRPr lang="en-GB"/>
           </a:p>
@@ -5205,7 +5205,7 @@
             </a:r>
             <a:r>
               <a:rPr lang="en-GB" dirty="0" err="1"/>
-              <a:t>rappresentati</a:t>
+              <a:t>rappresentanti</a:t>
             </a:r>
             <a:br>
               <a:rPr lang="en-GB" dirty="0"/>

--- a/AstrofotografiaProgetto.pptx
+++ b/AstrofotografiaProgetto.pptx
@@ -5,16 +5,25 @@
     <p:sldMasterId id="2147483648" r:id="rId1"/>
   </p:sldMasterIdLst>
   <p:notesMasterIdLst>
-    <p:notesMasterId r:id="rId9"/>
+    <p:notesMasterId r:id="rId18"/>
   </p:notesMasterIdLst>
   <p:sldIdLst>
     <p:sldId id="256" r:id="rId2"/>
     <p:sldId id="257" r:id="rId3"/>
     <p:sldId id="258" r:id="rId4"/>
-    <p:sldId id="259" r:id="rId5"/>
-    <p:sldId id="260" r:id="rId6"/>
-    <p:sldId id="262" r:id="rId7"/>
-    <p:sldId id="261" r:id="rId8"/>
+    <p:sldId id="264" r:id="rId5"/>
+    <p:sldId id="272" r:id="rId6"/>
+    <p:sldId id="259" r:id="rId7"/>
+    <p:sldId id="265" r:id="rId8"/>
+    <p:sldId id="266" r:id="rId9"/>
+    <p:sldId id="269" r:id="rId10"/>
+    <p:sldId id="267" r:id="rId11"/>
+    <p:sldId id="268" r:id="rId12"/>
+    <p:sldId id="270" r:id="rId13"/>
+    <p:sldId id="260" r:id="rId14"/>
+    <p:sldId id="262" r:id="rId15"/>
+    <p:sldId id="271" r:id="rId16"/>
+    <p:sldId id="261" r:id="rId17"/>
   </p:sldIdLst>
   <p:sldSz cx="12192000" cy="6858000"/>
   <p:notesSz cx="6858000" cy="9144000"/>
@@ -124,7 +133,7 @@
 <file path=ppt/revisionInfo.xml><?xml version="1.0" encoding="utf-8"?>
 <p1510:revInfo xmlns:a="http://schemas.openxmlformats.org/drawingml/2006/main" xmlns:r="http://schemas.openxmlformats.org/officeDocument/2006/relationships" xmlns:p1510="http://schemas.microsoft.com/office/powerpoint/2015/10/main">
   <p1510:revLst>
-    <p1510:client id="{17056212-C789-4D94-A224-491696FC5D6E}" v="23" dt="2023-12-08T22:06:22.785"/>
+    <p1510:client id="{17056212-C789-4D94-A224-491696FC5D6E}" v="37" dt="2023-12-11T21:55:06.388"/>
   </p1510:revLst>
 </p1510:revInfo>
 </file>
@@ -133,19 +142,19 @@
 <pc:chgInfo xmlns:a="http://schemas.openxmlformats.org/drawingml/2006/main" xmlns:r="http://schemas.openxmlformats.org/officeDocument/2006/relationships" xmlns:ac="http://schemas.microsoft.com/office/drawing/2013/main/command" xmlns:pc="http://schemas.microsoft.com/office/powerpoint/2013/main/command">
   <pc:docChgLst>
     <pc:chgData name="ignazio emanuele picciche'" userId="0ffc6f3f-5a1e-4bcf-8207-6fcee5da7ade" providerId="ADAL" clId="{17056212-C789-4D94-A224-491696FC5D6E}"/>
-    <pc:docChg chg="undo custSel addSld modSld">
-      <pc:chgData name="ignazio emanuele picciche'" userId="0ffc6f3f-5a1e-4bcf-8207-6fcee5da7ade" providerId="ADAL" clId="{17056212-C789-4D94-A224-491696FC5D6E}" dt="2023-12-09T11:30:01.054" v="2472" actId="20577"/>
+    <pc:docChg chg="undo custSel addSld delSld modSld sldOrd">
+      <pc:chgData name="ignazio emanuele picciche'" userId="0ffc6f3f-5a1e-4bcf-8207-6fcee5da7ade" providerId="ADAL" clId="{17056212-C789-4D94-A224-491696FC5D6E}" dt="2023-12-11T22:07:06.784" v="3088" actId="1076"/>
       <pc:docMkLst>
         <pc:docMk/>
       </pc:docMkLst>
       <pc:sldChg chg="addSp delSp modSp new mod setBg setClrOvrMap">
-        <pc:chgData name="ignazio emanuele picciche'" userId="0ffc6f3f-5a1e-4bcf-8207-6fcee5da7ade" providerId="ADAL" clId="{17056212-C789-4D94-A224-491696FC5D6E}" dt="2023-12-08T21:49:07.321" v="1401" actId="1076"/>
+        <pc:chgData name="ignazio emanuele picciche'" userId="0ffc6f3f-5a1e-4bcf-8207-6fcee5da7ade" providerId="ADAL" clId="{17056212-C789-4D94-A224-491696FC5D6E}" dt="2023-12-11T21:46:35.403" v="3044" actId="2711"/>
         <pc:sldMkLst>
           <pc:docMk/>
           <pc:sldMk cId="3643469990" sldId="256"/>
         </pc:sldMkLst>
         <pc:spChg chg="mod">
-          <ac:chgData name="ignazio emanuele picciche'" userId="0ffc6f3f-5a1e-4bcf-8207-6fcee5da7ade" providerId="ADAL" clId="{17056212-C789-4D94-A224-491696FC5D6E}" dt="2023-12-08T21:49:07.321" v="1401" actId="1076"/>
+          <ac:chgData name="ignazio emanuele picciche'" userId="0ffc6f3f-5a1e-4bcf-8207-6fcee5da7ade" providerId="ADAL" clId="{17056212-C789-4D94-A224-491696FC5D6E}" dt="2023-12-11T21:46:35.403" v="3044" actId="2711"/>
           <ac:spMkLst>
             <pc:docMk/>
             <pc:sldMk cId="3643469990" sldId="256"/>
@@ -153,7 +162,7 @@
           </ac:spMkLst>
         </pc:spChg>
         <pc:spChg chg="mod">
-          <ac:chgData name="ignazio emanuele picciche'" userId="0ffc6f3f-5a1e-4bcf-8207-6fcee5da7ade" providerId="ADAL" clId="{17056212-C789-4D94-A224-491696FC5D6E}" dt="2023-12-08T21:23:47.732" v="313" actId="1076"/>
+          <ac:chgData name="ignazio emanuele picciche'" userId="0ffc6f3f-5a1e-4bcf-8207-6fcee5da7ade" providerId="ADAL" clId="{17056212-C789-4D94-A224-491696FC5D6E}" dt="2023-12-11T21:41:52.038" v="3008" actId="20577"/>
           <ac:spMkLst>
             <pc:docMk/>
             <pc:sldMk cId="3643469990" sldId="256"/>
@@ -234,7 +243,7 @@
         </pc:picChg>
       </pc:sldChg>
       <pc:sldChg chg="addSp delSp modSp add mod">
-        <pc:chgData name="ignazio emanuele picciche'" userId="0ffc6f3f-5a1e-4bcf-8207-6fcee5da7ade" providerId="ADAL" clId="{17056212-C789-4D94-A224-491696FC5D6E}" dt="2023-12-09T11:30:01.054" v="2472" actId="20577"/>
+        <pc:chgData name="ignazio emanuele picciche'" userId="0ffc6f3f-5a1e-4bcf-8207-6fcee5da7ade" providerId="ADAL" clId="{17056212-C789-4D94-A224-491696FC5D6E}" dt="2023-12-11T21:48:01.262" v="3058" actId="1076"/>
         <pc:sldMkLst>
           <pc:docMk/>
           <pc:sldMk cId="4172560365" sldId="257"/>
@@ -272,7 +281,7 @@
           </ac:spMkLst>
         </pc:spChg>
         <pc:spChg chg="add mod">
-          <ac:chgData name="ignazio emanuele picciche'" userId="0ffc6f3f-5a1e-4bcf-8207-6fcee5da7ade" providerId="ADAL" clId="{17056212-C789-4D94-A224-491696FC5D6E}" dt="2023-12-08T21:38:13.812" v="1270" actId="1076"/>
+          <ac:chgData name="ignazio emanuele picciche'" userId="0ffc6f3f-5a1e-4bcf-8207-6fcee5da7ade" providerId="ADAL" clId="{17056212-C789-4D94-A224-491696FC5D6E}" dt="2023-12-11T21:47:56.471" v="3056" actId="403"/>
           <ac:spMkLst>
             <pc:docMk/>
             <pc:sldMk cId="4172560365" sldId="257"/>
@@ -296,7 +305,7 @@
           </ac:spMkLst>
         </pc:spChg>
         <pc:spChg chg="add mod">
-          <ac:chgData name="ignazio emanuele picciche'" userId="0ffc6f3f-5a1e-4bcf-8207-6fcee5da7ade" providerId="ADAL" clId="{17056212-C789-4D94-A224-491696FC5D6E}" dt="2023-12-09T11:30:01.054" v="2472" actId="20577"/>
+          <ac:chgData name="ignazio emanuele picciche'" userId="0ffc6f3f-5a1e-4bcf-8207-6fcee5da7ade" providerId="ADAL" clId="{17056212-C789-4D94-A224-491696FC5D6E}" dt="2023-12-11T21:46:57.718" v="3048" actId="1076"/>
           <ac:spMkLst>
             <pc:docMk/>
             <pc:sldMk cId="4172560365" sldId="257"/>
@@ -304,7 +313,7 @@
           </ac:spMkLst>
         </pc:spChg>
         <pc:spChg chg="add mod">
-          <ac:chgData name="ignazio emanuele picciche'" userId="0ffc6f3f-5a1e-4bcf-8207-6fcee5da7ade" providerId="ADAL" clId="{17056212-C789-4D94-A224-491696FC5D6E}" dt="2023-12-08T21:44:11.569" v="1318" actId="14100"/>
+          <ac:chgData name="ignazio emanuele picciche'" userId="0ffc6f3f-5a1e-4bcf-8207-6fcee5da7ade" providerId="ADAL" clId="{17056212-C789-4D94-A224-491696FC5D6E}" dt="2023-12-11T21:47:06.074" v="3049" actId="14100"/>
           <ac:spMkLst>
             <pc:docMk/>
             <pc:sldMk cId="4172560365" sldId="257"/>
@@ -344,7 +353,7 @@
           </ac:picMkLst>
         </pc:picChg>
         <pc:picChg chg="add mod">
-          <ac:chgData name="ignazio emanuele picciche'" userId="0ffc6f3f-5a1e-4bcf-8207-6fcee5da7ade" providerId="ADAL" clId="{17056212-C789-4D94-A224-491696FC5D6E}" dt="2023-12-08T21:47:49.941" v="1344" actId="1076"/>
+          <ac:chgData name="ignazio emanuele picciche'" userId="0ffc6f3f-5a1e-4bcf-8207-6fcee5da7ade" providerId="ADAL" clId="{17056212-C789-4D94-A224-491696FC5D6E}" dt="2023-12-11T21:46:52.777" v="3047" actId="1076"/>
           <ac:picMkLst>
             <pc:docMk/>
             <pc:sldMk cId="4172560365" sldId="257"/>
@@ -400,7 +409,7 @@
           </ac:picMkLst>
         </pc:picChg>
         <pc:picChg chg="add mod">
-          <ac:chgData name="ignazio emanuele picciche'" userId="0ffc6f3f-5a1e-4bcf-8207-6fcee5da7ade" providerId="ADAL" clId="{17056212-C789-4D94-A224-491696FC5D6E}" dt="2023-12-08T21:47:40.103" v="1342" actId="1076"/>
+          <ac:chgData name="ignazio emanuele picciche'" userId="0ffc6f3f-5a1e-4bcf-8207-6fcee5da7ade" providerId="ADAL" clId="{17056212-C789-4D94-A224-491696FC5D6E}" dt="2023-12-11T21:48:01.262" v="3058" actId="1076"/>
           <ac:picMkLst>
             <pc:docMk/>
             <pc:sldMk cId="4172560365" sldId="257"/>
@@ -409,13 +418,13 @@
         </pc:picChg>
       </pc:sldChg>
       <pc:sldChg chg="addSp delSp modSp add mod">
-        <pc:chgData name="ignazio emanuele picciche'" userId="0ffc6f3f-5a1e-4bcf-8207-6fcee5da7ade" providerId="ADAL" clId="{17056212-C789-4D94-A224-491696FC5D6E}" dt="2023-12-08T22:03:49.281" v="2251" actId="20577"/>
+        <pc:chgData name="ignazio emanuele picciche'" userId="0ffc6f3f-5a1e-4bcf-8207-6fcee5da7ade" providerId="ADAL" clId="{17056212-C789-4D94-A224-491696FC5D6E}" dt="2023-12-11T21:55:06.388" v="3068"/>
         <pc:sldMkLst>
           <pc:docMk/>
           <pc:sldMk cId="3719412339" sldId="258"/>
         </pc:sldMkLst>
         <pc:spChg chg="add mod">
-          <ac:chgData name="ignazio emanuele picciche'" userId="0ffc6f3f-5a1e-4bcf-8207-6fcee5da7ade" providerId="ADAL" clId="{17056212-C789-4D94-A224-491696FC5D6E}" dt="2023-12-08T22:03:49.281" v="2251" actId="20577"/>
+          <ac:chgData name="ignazio emanuele picciche'" userId="0ffc6f3f-5a1e-4bcf-8207-6fcee5da7ade" providerId="ADAL" clId="{17056212-C789-4D94-A224-491696FC5D6E}" dt="2023-12-11T21:48:09.443" v="3059" actId="113"/>
           <ac:spMkLst>
             <pc:docMk/>
             <pc:sldMk cId="3719412339" sldId="258"/>
@@ -446,6 +455,14 @@
             <ac:spMk id="19" creationId="{721A6C4C-D13B-4070-83B0-0197640D0B0A}"/>
           </ac:spMkLst>
         </pc:spChg>
+        <pc:picChg chg="add del mod">
+          <ac:chgData name="ignazio emanuele picciche'" userId="0ffc6f3f-5a1e-4bcf-8207-6fcee5da7ade" providerId="ADAL" clId="{17056212-C789-4D94-A224-491696FC5D6E}" dt="2023-12-11T21:55:06.388" v="3068"/>
+          <ac:picMkLst>
+            <pc:docMk/>
+            <pc:sldMk cId="3719412339" sldId="258"/>
+            <ac:picMk id="3" creationId="{E0F81012-C16D-D0F9-737D-A3D2F5CB1196}"/>
+          </ac:picMkLst>
+        </pc:picChg>
         <pc:picChg chg="mod">
           <ac:chgData name="ignazio emanuele picciche'" userId="0ffc6f3f-5a1e-4bcf-8207-6fcee5da7ade" providerId="ADAL" clId="{17056212-C789-4D94-A224-491696FC5D6E}" dt="2023-12-08T21:50:54.820" v="1475" actId="1076"/>
           <ac:picMkLst>
@@ -471,8 +488,8 @@
           </ac:picMkLst>
         </pc:picChg>
       </pc:sldChg>
-      <pc:sldChg chg="addSp delSp modSp add mod">
-        <pc:chgData name="ignazio emanuele picciche'" userId="0ffc6f3f-5a1e-4bcf-8207-6fcee5da7ade" providerId="ADAL" clId="{17056212-C789-4D94-A224-491696FC5D6E}" dt="2023-12-08T21:58:40.897" v="1618" actId="1076"/>
+      <pc:sldChg chg="addSp delSp modSp add mod setBg setClrOvrMap">
+        <pc:chgData name="ignazio emanuele picciche'" userId="0ffc6f3f-5a1e-4bcf-8207-6fcee5da7ade" providerId="ADAL" clId="{17056212-C789-4D94-A224-491696FC5D6E}" dt="2023-12-11T21:38:27.175" v="2958"/>
         <pc:sldMkLst>
           <pc:docMk/>
           <pc:sldMk cId="1499551055" sldId="259"/>
@@ -485,29 +502,1653 @@
             <ac:spMk id="2" creationId="{47F597DE-3A6B-AA76-D8AD-A33C03B6D621}"/>
           </ac:spMkLst>
         </pc:spChg>
-        <pc:picChg chg="add mod">
-          <ac:chgData name="ignazio emanuele picciche'" userId="0ffc6f3f-5a1e-4bcf-8207-6fcee5da7ade" providerId="ADAL" clId="{17056212-C789-4D94-A224-491696FC5D6E}" dt="2023-12-08T21:58:40.897" v="1618" actId="1076"/>
+        <pc:spChg chg="add del">
+          <ac:chgData name="ignazio emanuele picciche'" userId="0ffc6f3f-5a1e-4bcf-8207-6fcee5da7ade" providerId="ADAL" clId="{17056212-C789-4D94-A224-491696FC5D6E}" dt="2023-12-11T21:12:18.922" v="2537" actId="26606"/>
+          <ac:spMkLst>
+            <pc:docMk/>
+            <pc:sldMk cId="1499551055" sldId="259"/>
+            <ac:spMk id="9" creationId="{055EA4EB-FAC0-9D8B-3A97-1BD9D645657E}"/>
+          </ac:spMkLst>
+        </pc:spChg>
+        <pc:spChg chg="add del">
+          <ac:chgData name="ignazio emanuele picciche'" userId="0ffc6f3f-5a1e-4bcf-8207-6fcee5da7ade" providerId="ADAL" clId="{17056212-C789-4D94-A224-491696FC5D6E}" dt="2023-12-11T21:12:52.241" v="2552" actId="26606"/>
+          <ac:spMkLst>
+            <pc:docMk/>
+            <pc:sldMk cId="1499551055" sldId="259"/>
+            <ac:spMk id="9" creationId="{167CC559-B9C1-7B72-2888-6D53CE494608}"/>
+          </ac:spMkLst>
+        </pc:spChg>
+        <pc:spChg chg="add del">
+          <ac:chgData name="ignazio emanuele picciche'" userId="0ffc6f3f-5a1e-4bcf-8207-6fcee5da7ade" providerId="ADAL" clId="{17056212-C789-4D94-A224-491696FC5D6E}" dt="2023-12-11T21:11:41.894" v="2515" actId="26606"/>
+          <ac:spMkLst>
+            <pc:docMk/>
+            <pc:sldMk cId="1499551055" sldId="259"/>
+            <ac:spMk id="9" creationId="{17FC4413-73FA-07CD-21EA-6CEEBDEBD2BB}"/>
+          </ac:spMkLst>
+        </pc:spChg>
+        <pc:spChg chg="add del">
+          <ac:chgData name="ignazio emanuele picciche'" userId="0ffc6f3f-5a1e-4bcf-8207-6fcee5da7ade" providerId="ADAL" clId="{17056212-C789-4D94-A224-491696FC5D6E}" dt="2023-12-11T21:14:18.928" v="2575" actId="26606"/>
+          <ac:spMkLst>
+            <pc:docMk/>
+            <pc:sldMk cId="1499551055" sldId="259"/>
+            <ac:spMk id="9" creationId="{237F2746-79AD-538F-626C-9A7A07E21398}"/>
+          </ac:spMkLst>
+        </pc:spChg>
+        <pc:spChg chg="add del">
+          <ac:chgData name="ignazio emanuele picciche'" userId="0ffc6f3f-5a1e-4bcf-8207-6fcee5da7ade" providerId="ADAL" clId="{17056212-C789-4D94-A224-491696FC5D6E}" dt="2023-12-11T21:12:24.718" v="2540" actId="26606"/>
+          <ac:spMkLst>
+            <pc:docMk/>
+            <pc:sldMk cId="1499551055" sldId="259"/>
+            <ac:spMk id="9" creationId="{293E09DE-B99A-5D7E-60C1-1B45EF8868AB}"/>
+          </ac:spMkLst>
+        </pc:spChg>
+        <pc:spChg chg="add del">
+          <ac:chgData name="ignazio emanuele picciche'" userId="0ffc6f3f-5a1e-4bcf-8207-6fcee5da7ade" providerId="ADAL" clId="{17056212-C789-4D94-A224-491696FC5D6E}" dt="2023-12-11T21:14:34.491" v="2582" actId="26606"/>
+          <ac:spMkLst>
+            <pc:docMk/>
+            <pc:sldMk cId="1499551055" sldId="259"/>
+            <ac:spMk id="9" creationId="{43C350A3-85F8-5329-FF4F-7F9FAD9CC78D}"/>
+          </ac:spMkLst>
+        </pc:spChg>
+        <pc:spChg chg="add del">
+          <ac:chgData name="ignazio emanuele picciche'" userId="0ffc6f3f-5a1e-4bcf-8207-6fcee5da7ade" providerId="ADAL" clId="{17056212-C789-4D94-A224-491696FC5D6E}" dt="2023-12-11T21:12:05.468" v="2526" actId="26606"/>
+          <ac:spMkLst>
+            <pc:docMk/>
+            <pc:sldMk cId="1499551055" sldId="259"/>
+            <ac:spMk id="9" creationId="{45952AF4-0AFF-A4B7-027B-7773043CF827}"/>
+          </ac:spMkLst>
+        </pc:spChg>
+        <pc:spChg chg="add del">
+          <ac:chgData name="ignazio emanuele picciche'" userId="0ffc6f3f-5a1e-4bcf-8207-6fcee5da7ade" providerId="ADAL" clId="{17056212-C789-4D94-A224-491696FC5D6E}" dt="2023-12-11T21:13:02.075" v="2558" actId="26606"/>
+          <ac:spMkLst>
+            <pc:docMk/>
+            <pc:sldMk cId="1499551055" sldId="259"/>
+            <ac:spMk id="9" creationId="{4757CFB3-8D5C-AD4F-CBD6-431ED81865B3}"/>
+          </ac:spMkLst>
+        </pc:spChg>
+        <pc:spChg chg="add del">
+          <ac:chgData name="ignazio emanuele picciche'" userId="0ffc6f3f-5a1e-4bcf-8207-6fcee5da7ade" providerId="ADAL" clId="{17056212-C789-4D94-A224-491696FC5D6E}" dt="2023-12-11T21:11:52.406" v="2518" actId="26606"/>
+          <ac:spMkLst>
+            <pc:docMk/>
+            <pc:sldMk cId="1499551055" sldId="259"/>
+            <ac:spMk id="9" creationId="{551EDC11-F6F3-CABD-C34C-E64FB44ED6D1}"/>
+          </ac:spMkLst>
+        </pc:spChg>
+        <pc:spChg chg="add del">
+          <ac:chgData name="ignazio emanuele picciche'" userId="0ffc6f3f-5a1e-4bcf-8207-6fcee5da7ade" providerId="ADAL" clId="{17056212-C789-4D94-A224-491696FC5D6E}" dt="2023-12-11T21:12:30.187" v="2546" actId="26606"/>
+          <ac:spMkLst>
+            <pc:docMk/>
+            <pc:sldMk cId="1499551055" sldId="259"/>
+            <ac:spMk id="9" creationId="{5C9D0DE5-AF33-571E-DC3B-86939BB33BDA}"/>
+          </ac:spMkLst>
+        </pc:spChg>
+        <pc:spChg chg="add del">
+          <ac:chgData name="ignazio emanuele picciche'" userId="0ffc6f3f-5a1e-4bcf-8207-6fcee5da7ade" providerId="ADAL" clId="{17056212-C789-4D94-A224-491696FC5D6E}" dt="2023-12-11T21:11:57.499" v="2521" actId="26606"/>
+          <ac:spMkLst>
+            <pc:docMk/>
+            <pc:sldMk cId="1499551055" sldId="259"/>
+            <ac:spMk id="9" creationId="{6C25ABB6-97DC-3691-10E4-618A16661C8E}"/>
+          </ac:spMkLst>
+        </pc:spChg>
+        <pc:spChg chg="add del mod replId">
+          <ac:chgData name="ignazio emanuele picciche'" userId="0ffc6f3f-5a1e-4bcf-8207-6fcee5da7ade" providerId="ADAL" clId="{17056212-C789-4D94-A224-491696FC5D6E}" dt="2023-12-11T21:14:34.491" v="2582" actId="26606"/>
+          <ac:spMkLst>
+            <pc:docMk/>
+            <pc:sldMk cId="1499551055" sldId="259"/>
+            <ac:spMk id="9" creationId="{7DCA9D16-5034-279C-FF1F-96C45AF4B68F}"/>
+          </ac:spMkLst>
+        </pc:spChg>
+        <pc:spChg chg="add del">
+          <ac:chgData name="ignazio emanuele picciche'" userId="0ffc6f3f-5a1e-4bcf-8207-6fcee5da7ade" providerId="ADAL" clId="{17056212-C789-4D94-A224-491696FC5D6E}" dt="2023-12-11T21:12:58.688" v="2555" actId="26606"/>
+          <ac:spMkLst>
+            <pc:docMk/>
+            <pc:sldMk cId="1499551055" sldId="259"/>
+            <ac:spMk id="9" creationId="{CC8F250E-A0E6-D630-DA64-06307269A2FA}"/>
+          </ac:spMkLst>
+        </pc:spChg>
+        <pc:spChg chg="add del">
+          <ac:chgData name="ignazio emanuele picciche'" userId="0ffc6f3f-5a1e-4bcf-8207-6fcee5da7ade" providerId="ADAL" clId="{17056212-C789-4D94-A224-491696FC5D6E}" dt="2023-12-11T21:11:41.059" v="2512" actId="26606"/>
+          <ac:spMkLst>
+            <pc:docMk/>
+            <pc:sldMk cId="1499551055" sldId="259"/>
+            <ac:spMk id="9" creationId="{CF5ECB09-485B-9C7E-53F0-7ED5CE443FB4}"/>
+          </ac:spMkLst>
+        </pc:spChg>
+        <pc:spChg chg="add del">
+          <ac:chgData name="ignazio emanuele picciche'" userId="0ffc6f3f-5a1e-4bcf-8207-6fcee5da7ade" providerId="ADAL" clId="{17056212-C789-4D94-A224-491696FC5D6E}" dt="2023-12-11T21:12:12.816" v="2531" actId="26606"/>
+          <ac:spMkLst>
+            <pc:docMk/>
+            <pc:sldMk cId="1499551055" sldId="259"/>
+            <ac:spMk id="9" creationId="{E42A1126-5D85-B70B-529F-0D1A5EE9D987}"/>
+          </ac:spMkLst>
+        </pc:spChg>
+        <pc:spChg chg="add del">
+          <ac:chgData name="ignazio emanuele picciche'" userId="0ffc6f3f-5a1e-4bcf-8207-6fcee5da7ade" providerId="ADAL" clId="{17056212-C789-4D94-A224-491696FC5D6E}" dt="2023-12-11T21:13:04.030" v="2561" actId="26606"/>
+          <ac:spMkLst>
+            <pc:docMk/>
+            <pc:sldMk cId="1499551055" sldId="259"/>
+            <ac:spMk id="9" creationId="{E8DB5A25-FF84-EBAA-8C77-5D97F775488D}"/>
+          </ac:spMkLst>
+        </pc:spChg>
+        <pc:spChg chg="add del">
+          <ac:chgData name="ignazio emanuele picciche'" userId="0ffc6f3f-5a1e-4bcf-8207-6fcee5da7ade" providerId="ADAL" clId="{17056212-C789-4D94-A224-491696FC5D6E}" dt="2023-12-11T21:13:41.646" v="2566" actId="26606"/>
+          <ac:spMkLst>
+            <pc:docMk/>
+            <pc:sldMk cId="1499551055" sldId="259"/>
+            <ac:spMk id="9" creationId="{FDAC466A-55EC-1A2F-F3B1-8E9D7593F1B8}"/>
+          </ac:spMkLst>
+        </pc:spChg>
+        <pc:spChg chg="add del">
+          <ac:chgData name="ignazio emanuele picciche'" userId="0ffc6f3f-5a1e-4bcf-8207-6fcee5da7ade" providerId="ADAL" clId="{17056212-C789-4D94-A224-491696FC5D6E}" dt="2023-12-11T21:14:34.491" v="2582" actId="26606"/>
+          <ac:spMkLst>
+            <pc:docMk/>
+            <pc:sldMk cId="1499551055" sldId="259"/>
+            <ac:spMk id="10" creationId="{71B2258F-86CA-4D4D-8270-BC05FCDEBFB3}"/>
+          </ac:spMkLst>
+        </pc:spChg>
+        <pc:spChg chg="add del">
+          <ac:chgData name="ignazio emanuele picciche'" userId="0ffc6f3f-5a1e-4bcf-8207-6fcee5da7ade" providerId="ADAL" clId="{17056212-C789-4D94-A224-491696FC5D6E}" dt="2023-12-11T21:12:12.816" v="2531" actId="26606"/>
+          <ac:spMkLst>
+            <pc:docMk/>
+            <pc:sldMk cId="1499551055" sldId="259"/>
+            <ac:spMk id="20" creationId="{27BDFED6-6E33-4606-AFE2-886ADB1C018E}"/>
+          </ac:spMkLst>
+        </pc:spChg>
+        <pc:spChg chg="add del">
+          <ac:chgData name="ignazio emanuele picciche'" userId="0ffc6f3f-5a1e-4bcf-8207-6fcee5da7ade" providerId="ADAL" clId="{17056212-C789-4D94-A224-491696FC5D6E}" dt="2023-12-11T21:11:41.059" v="2512" actId="26606"/>
+          <ac:spMkLst>
+            <pc:docMk/>
+            <pc:sldMk cId="1499551055" sldId="259"/>
+            <ac:spMk id="21" creationId="{022BDE4A-8A20-4A69-9C5A-581C82036A4D}"/>
+          </ac:spMkLst>
+        </pc:spChg>
+        <pc:spChg chg="add mod">
+          <ac:chgData name="ignazio emanuele picciche'" userId="0ffc6f3f-5a1e-4bcf-8207-6fcee5da7ade" providerId="ADAL" clId="{17056212-C789-4D94-A224-491696FC5D6E}" dt="2023-12-11T21:15:49.176" v="2607" actId="1076"/>
+          <ac:spMkLst>
+            <pc:docMk/>
+            <pc:sldMk cId="1499551055" sldId="259"/>
+            <ac:spMk id="22" creationId="{8CF4B406-EA7E-B37B-213A-A8308F8FC216}"/>
+          </ac:spMkLst>
+        </pc:spChg>
+        <pc:spChg chg="add del">
+          <ac:chgData name="ignazio emanuele picciche'" userId="0ffc6f3f-5a1e-4bcf-8207-6fcee5da7ade" providerId="ADAL" clId="{17056212-C789-4D94-A224-491696FC5D6E}" dt="2023-12-11T21:11:41.894" v="2515" actId="26606"/>
+          <ac:spMkLst>
+            <pc:docMk/>
+            <pc:sldMk cId="1499551055" sldId="259"/>
+            <ac:spMk id="23" creationId="{99ED5833-B85B-4103-8A3B-CAB0308E6C15}"/>
+          </ac:spMkLst>
+        </pc:spChg>
+        <pc:spChg chg="add del">
+          <ac:chgData name="ignazio emanuele picciche'" userId="0ffc6f3f-5a1e-4bcf-8207-6fcee5da7ade" providerId="ADAL" clId="{17056212-C789-4D94-A224-491696FC5D6E}" dt="2023-12-11T21:12:12.816" v="2531" actId="26606"/>
+          <ac:spMkLst>
+            <pc:docMk/>
+            <pc:sldMk cId="1499551055" sldId="259"/>
+            <ac:spMk id="25" creationId="{890DEF05-784E-4B61-89E4-04C4ECF4E5A0}"/>
+          </ac:spMkLst>
+        </pc:spChg>
+        <pc:spChg chg="add del">
+          <ac:chgData name="ignazio emanuele picciche'" userId="0ffc6f3f-5a1e-4bcf-8207-6fcee5da7ade" providerId="ADAL" clId="{17056212-C789-4D94-A224-491696FC5D6E}" dt="2023-12-11T21:14:18.928" v="2575" actId="26606"/>
+          <ac:spMkLst>
+            <pc:docMk/>
+            <pc:sldMk cId="1499551055" sldId="259"/>
+            <ac:spMk id="26" creationId="{679245A0-EF2A-46FE-AC09-8CD34B197288}"/>
+          </ac:spMkLst>
+        </pc:spChg>
+        <pc:spChg chg="add del">
+          <ac:chgData name="ignazio emanuele picciche'" userId="0ffc6f3f-5a1e-4bcf-8207-6fcee5da7ade" providerId="ADAL" clId="{17056212-C789-4D94-A224-491696FC5D6E}" dt="2023-12-11T21:11:52.406" v="2518" actId="26606"/>
+          <ac:spMkLst>
+            <pc:docMk/>
+            <pc:sldMk cId="1499551055" sldId="259"/>
+            <ac:spMk id="28" creationId="{F8446B12-7391-4711-8B31-112A0B896C76}"/>
+          </ac:spMkLst>
+        </pc:spChg>
+        <pc:spChg chg="add del">
+          <ac:chgData name="ignazio emanuele picciche'" userId="0ffc6f3f-5a1e-4bcf-8207-6fcee5da7ade" providerId="ADAL" clId="{17056212-C789-4D94-A224-491696FC5D6E}" dt="2023-12-11T21:12:17.249" v="2534" actId="26606"/>
+          <ac:spMkLst>
+            <pc:docMk/>
+            <pc:sldMk cId="1499551055" sldId="259"/>
+            <ac:spMk id="30" creationId="{FA69AAE0-49D5-4C8B-8BA2-55898C00E05E}"/>
+          </ac:spMkLst>
+        </pc:spChg>
+        <pc:spChg chg="add del">
+          <ac:chgData name="ignazio emanuele picciche'" userId="0ffc6f3f-5a1e-4bcf-8207-6fcee5da7ade" providerId="ADAL" clId="{17056212-C789-4D94-A224-491696FC5D6E}" dt="2023-12-11T21:12:27.742" v="2543" actId="26606"/>
+          <ac:spMkLst>
+            <pc:docMk/>
+            <pc:sldMk cId="1499551055" sldId="259"/>
+            <ac:spMk id="31" creationId="{C52EE5A8-045B-4D39-8ED1-513334085EEC}"/>
+          </ac:spMkLst>
+        </pc:spChg>
+        <pc:spChg chg="add del">
+          <ac:chgData name="ignazio emanuele picciche'" userId="0ffc6f3f-5a1e-4bcf-8207-6fcee5da7ade" providerId="ADAL" clId="{17056212-C789-4D94-A224-491696FC5D6E}" dt="2023-12-11T21:14:34.491" v="2582" actId="26606"/>
+          <ac:spMkLst>
+            <pc:docMk/>
+            <pc:sldMk cId="1499551055" sldId="259"/>
+            <ac:spMk id="32" creationId="{F0087D53-9295-4463-AAE4-D5C626046E9F}"/>
+          </ac:spMkLst>
+        </pc:spChg>
+        <pc:spChg chg="add del">
+          <ac:chgData name="ignazio emanuele picciche'" userId="0ffc6f3f-5a1e-4bcf-8207-6fcee5da7ade" providerId="ADAL" clId="{17056212-C789-4D94-A224-491696FC5D6E}" dt="2023-12-11T21:14:34.491" v="2582" actId="26606"/>
+          <ac:spMkLst>
+            <pc:docMk/>
+            <pc:sldMk cId="1499551055" sldId="259"/>
+            <ac:spMk id="33" creationId="{D6A9C53F-5F90-40A5-8C85-5412D39C8C68}"/>
+          </ac:spMkLst>
+        </pc:spChg>
+        <pc:spChg chg="add del">
+          <ac:chgData name="ignazio emanuele picciche'" userId="0ffc6f3f-5a1e-4bcf-8207-6fcee5da7ade" providerId="ADAL" clId="{17056212-C789-4D94-A224-491696FC5D6E}" dt="2023-12-11T21:12:18.922" v="2537" actId="26606"/>
+          <ac:spMkLst>
+            <pc:docMk/>
+            <pc:sldMk cId="1499551055" sldId="259"/>
+            <ac:spMk id="35" creationId="{0A597D97-203B-498B-95D3-E90DC961039F}"/>
+          </ac:spMkLst>
+        </pc:spChg>
+        <pc:spChg chg="add del">
+          <ac:chgData name="ignazio emanuele picciche'" userId="0ffc6f3f-5a1e-4bcf-8207-6fcee5da7ade" providerId="ADAL" clId="{17056212-C789-4D94-A224-491696FC5D6E}" dt="2023-12-11T21:11:57.499" v="2521" actId="26606"/>
+          <ac:spMkLst>
+            <pc:docMk/>
+            <pc:sldMk cId="1499551055" sldId="259"/>
+            <ac:spMk id="36" creationId="{C4879EFC-8E62-4E00-973C-C45EE9EC676D}"/>
+          </ac:spMkLst>
+        </pc:spChg>
+        <pc:spChg chg="add del">
+          <ac:chgData name="ignazio emanuele picciche'" userId="0ffc6f3f-5a1e-4bcf-8207-6fcee5da7ade" providerId="ADAL" clId="{17056212-C789-4D94-A224-491696FC5D6E}" dt="2023-12-11T21:11:57.499" v="2521" actId="26606"/>
+          <ac:spMkLst>
+            <pc:docMk/>
+            <pc:sldMk cId="1499551055" sldId="259"/>
+            <ac:spMk id="37" creationId="{D6A9C53F-5F90-40A5-8C85-5412D39C8C68}"/>
+          </ac:spMkLst>
+        </pc:spChg>
+        <pc:spChg chg="add del">
+          <ac:chgData name="ignazio emanuele picciche'" userId="0ffc6f3f-5a1e-4bcf-8207-6fcee5da7ade" providerId="ADAL" clId="{17056212-C789-4D94-A224-491696FC5D6E}" dt="2023-12-11T21:12:18.922" v="2537" actId="26606"/>
+          <ac:spMkLst>
+            <pc:docMk/>
+            <pc:sldMk cId="1499551055" sldId="259"/>
+            <ac:spMk id="38" creationId="{6A6EF10E-DF41-4BD3-8EB4-6F646531DC26}"/>
+          </ac:spMkLst>
+        </pc:spChg>
+        <pc:spChg chg="add del">
+          <ac:chgData name="ignazio emanuele picciche'" userId="0ffc6f3f-5a1e-4bcf-8207-6fcee5da7ade" providerId="ADAL" clId="{17056212-C789-4D94-A224-491696FC5D6E}" dt="2023-12-11T21:12:05.468" v="2526" actId="26606"/>
+          <ac:spMkLst>
+            <pc:docMk/>
+            <pc:sldMk cId="1499551055" sldId="259"/>
+            <ac:spMk id="42" creationId="{FA69AAE0-49D5-4C8B-8BA2-55898C00E05E}"/>
+          </ac:spMkLst>
+        </pc:spChg>
+        <pc:spChg chg="add del">
+          <ac:chgData name="ignazio emanuele picciche'" userId="0ffc6f3f-5a1e-4bcf-8207-6fcee5da7ade" providerId="ADAL" clId="{17056212-C789-4D94-A224-491696FC5D6E}" dt="2023-12-11T21:12:24.718" v="2540" actId="26606"/>
+          <ac:spMkLst>
+            <pc:docMk/>
+            <pc:sldMk cId="1499551055" sldId="259"/>
+            <ac:spMk id="43" creationId="{F0087D53-9295-4463-AAE4-D5C626046E9F}"/>
+          </ac:spMkLst>
+        </pc:spChg>
+        <pc:spChg chg="add del">
+          <ac:chgData name="ignazio emanuele picciche'" userId="0ffc6f3f-5a1e-4bcf-8207-6fcee5da7ade" providerId="ADAL" clId="{17056212-C789-4D94-A224-491696FC5D6E}" dt="2023-12-11T21:12:24.718" v="2540" actId="26606"/>
+          <ac:spMkLst>
+            <pc:docMk/>
+            <pc:sldMk cId="1499551055" sldId="259"/>
+            <ac:spMk id="44" creationId="{D6A9C53F-5F90-40A5-8C85-5412D39C8C68}"/>
+          </ac:spMkLst>
+        </pc:spChg>
+        <pc:spChg chg="add del">
+          <ac:chgData name="ignazio emanuele picciche'" userId="0ffc6f3f-5a1e-4bcf-8207-6fcee5da7ade" providerId="ADAL" clId="{17056212-C789-4D94-A224-491696FC5D6E}" dt="2023-12-11T21:12:27.742" v="2543" actId="26606"/>
+          <ac:spMkLst>
+            <pc:docMk/>
+            <pc:sldMk cId="1499551055" sldId="259"/>
+            <ac:spMk id="49" creationId="{6234BCC6-39B9-47D9-8BF8-C665401AE23C}"/>
+          </ac:spMkLst>
+        </pc:spChg>
+        <pc:spChg chg="add del">
+          <ac:chgData name="ignazio emanuele picciche'" userId="0ffc6f3f-5a1e-4bcf-8207-6fcee5da7ade" providerId="ADAL" clId="{17056212-C789-4D94-A224-491696FC5D6E}" dt="2023-12-11T21:12:27.742" v="2543" actId="26606"/>
+          <ac:spMkLst>
+            <pc:docMk/>
+            <pc:sldMk cId="1499551055" sldId="259"/>
+            <ac:spMk id="50" creationId="{72A9CE9D-DAC3-40AF-B504-78A64A909F9D}"/>
+          </ac:spMkLst>
+        </pc:spChg>
+        <pc:spChg chg="add del">
+          <ac:chgData name="ignazio emanuele picciche'" userId="0ffc6f3f-5a1e-4bcf-8207-6fcee5da7ade" providerId="ADAL" clId="{17056212-C789-4D94-A224-491696FC5D6E}" dt="2023-12-11T21:12:27.742" v="2543" actId="26606"/>
+          <ac:spMkLst>
+            <pc:docMk/>
+            <pc:sldMk cId="1499551055" sldId="259"/>
+            <ac:spMk id="51" creationId="{506D7452-6CDE-4381-86CE-07B2459383D5}"/>
+          </ac:spMkLst>
+        </pc:spChg>
+        <pc:spChg chg="add del">
+          <ac:chgData name="ignazio emanuele picciche'" userId="0ffc6f3f-5a1e-4bcf-8207-6fcee5da7ade" providerId="ADAL" clId="{17056212-C789-4D94-A224-491696FC5D6E}" dt="2023-12-11T21:12:27.742" v="2543" actId="26606"/>
+          <ac:spMkLst>
+            <pc:docMk/>
+            <pc:sldMk cId="1499551055" sldId="259"/>
+            <ac:spMk id="52" creationId="{762DA937-8B55-4317-BD32-98D7AF30E39E}"/>
+          </ac:spMkLst>
+        </pc:spChg>
+        <pc:spChg chg="add del">
+          <ac:chgData name="ignazio emanuele picciche'" userId="0ffc6f3f-5a1e-4bcf-8207-6fcee5da7ade" providerId="ADAL" clId="{17056212-C789-4D94-A224-491696FC5D6E}" dt="2023-12-11T21:12:30.187" v="2546" actId="26606"/>
+          <ac:spMkLst>
+            <pc:docMk/>
+            <pc:sldMk cId="1499551055" sldId="259"/>
+            <ac:spMk id="57" creationId="{F8446B12-7391-4711-8B31-112A0B896C76}"/>
+          </ac:spMkLst>
+        </pc:spChg>
+        <pc:spChg chg="add del">
+          <ac:chgData name="ignazio emanuele picciche'" userId="0ffc6f3f-5a1e-4bcf-8207-6fcee5da7ade" providerId="ADAL" clId="{17056212-C789-4D94-A224-491696FC5D6E}" dt="2023-12-11T21:12:38.498" v="2549" actId="26606"/>
+          <ac:spMkLst>
+            <pc:docMk/>
+            <pc:sldMk cId="1499551055" sldId="259"/>
+            <ac:spMk id="64" creationId="{99ED5833-B85B-4103-8A3B-CAB0308E6C15}"/>
+          </ac:spMkLst>
+        </pc:spChg>
+        <pc:spChg chg="add del">
+          <ac:chgData name="ignazio emanuele picciche'" userId="0ffc6f3f-5a1e-4bcf-8207-6fcee5da7ade" providerId="ADAL" clId="{17056212-C789-4D94-A224-491696FC5D6E}" dt="2023-12-11T21:12:58.688" v="2555" actId="26606"/>
+          <ac:spMkLst>
+            <pc:docMk/>
+            <pc:sldMk cId="1499551055" sldId="259"/>
+            <ac:spMk id="74" creationId="{FA69AAE0-49D5-4C8B-8BA2-55898C00E05E}"/>
+          </ac:spMkLst>
+        </pc:spChg>
+        <pc:spChg chg="add del">
+          <ac:chgData name="ignazio emanuele picciche'" userId="0ffc6f3f-5a1e-4bcf-8207-6fcee5da7ade" providerId="ADAL" clId="{17056212-C789-4D94-A224-491696FC5D6E}" dt="2023-12-11T21:13:02.075" v="2558" actId="26606"/>
+          <ac:spMkLst>
+            <pc:docMk/>
+            <pc:sldMk cId="1499551055" sldId="259"/>
+            <ac:spMk id="79" creationId="{6234BCC6-39B9-47D9-8BF8-C665401AE23C}"/>
+          </ac:spMkLst>
+        </pc:spChg>
+        <pc:spChg chg="add del">
+          <ac:chgData name="ignazio emanuele picciche'" userId="0ffc6f3f-5a1e-4bcf-8207-6fcee5da7ade" providerId="ADAL" clId="{17056212-C789-4D94-A224-491696FC5D6E}" dt="2023-12-11T21:13:02.075" v="2558" actId="26606"/>
+          <ac:spMkLst>
+            <pc:docMk/>
+            <pc:sldMk cId="1499551055" sldId="259"/>
+            <ac:spMk id="80" creationId="{72A9CE9D-DAC3-40AF-B504-78A64A909F9D}"/>
+          </ac:spMkLst>
+        </pc:spChg>
+        <pc:spChg chg="add del">
+          <ac:chgData name="ignazio emanuele picciche'" userId="0ffc6f3f-5a1e-4bcf-8207-6fcee5da7ade" providerId="ADAL" clId="{17056212-C789-4D94-A224-491696FC5D6E}" dt="2023-12-11T21:13:02.075" v="2558" actId="26606"/>
+          <ac:spMkLst>
+            <pc:docMk/>
+            <pc:sldMk cId="1499551055" sldId="259"/>
+            <ac:spMk id="81" creationId="{506D7452-6CDE-4381-86CE-07B2459383D5}"/>
+          </ac:spMkLst>
+        </pc:spChg>
+        <pc:spChg chg="add del">
+          <ac:chgData name="ignazio emanuele picciche'" userId="0ffc6f3f-5a1e-4bcf-8207-6fcee5da7ade" providerId="ADAL" clId="{17056212-C789-4D94-A224-491696FC5D6E}" dt="2023-12-11T21:13:02.075" v="2558" actId="26606"/>
+          <ac:spMkLst>
+            <pc:docMk/>
+            <pc:sldMk cId="1499551055" sldId="259"/>
+            <ac:spMk id="82" creationId="{762DA937-8B55-4317-BD32-98D7AF30E39E}"/>
+          </ac:spMkLst>
+        </pc:spChg>
+        <pc:spChg chg="add del">
+          <ac:chgData name="ignazio emanuele picciche'" userId="0ffc6f3f-5a1e-4bcf-8207-6fcee5da7ade" providerId="ADAL" clId="{17056212-C789-4D94-A224-491696FC5D6E}" dt="2023-12-11T21:13:02.075" v="2558" actId="26606"/>
+          <ac:spMkLst>
+            <pc:docMk/>
+            <pc:sldMk cId="1499551055" sldId="259"/>
+            <ac:spMk id="83" creationId="{C52EE5A8-045B-4D39-8ED1-513334085EEC}"/>
+          </ac:spMkLst>
+        </pc:spChg>
+        <pc:spChg chg="add del">
+          <ac:chgData name="ignazio emanuele picciche'" userId="0ffc6f3f-5a1e-4bcf-8207-6fcee5da7ade" providerId="ADAL" clId="{17056212-C789-4D94-A224-491696FC5D6E}" dt="2023-12-11T21:13:04.030" v="2561" actId="26606"/>
+          <ac:spMkLst>
+            <pc:docMk/>
+            <pc:sldMk cId="1499551055" sldId="259"/>
+            <ac:spMk id="88" creationId="{99ED5833-B85B-4103-8A3B-CAB0308E6C15}"/>
+          </ac:spMkLst>
+        </pc:spChg>
+        <pc:spChg chg="add del">
+          <ac:chgData name="ignazio emanuele picciche'" userId="0ffc6f3f-5a1e-4bcf-8207-6fcee5da7ade" providerId="ADAL" clId="{17056212-C789-4D94-A224-491696FC5D6E}" dt="2023-12-11T21:13:41.646" v="2566" actId="26606"/>
+          <ac:spMkLst>
+            <pc:docMk/>
+            <pc:sldMk cId="1499551055" sldId="259"/>
+            <ac:spMk id="93" creationId="{C4879EFC-8E62-4E00-973C-C45EE9EC676D}"/>
+          </ac:spMkLst>
+        </pc:spChg>
+        <pc:spChg chg="add del">
+          <ac:chgData name="ignazio emanuele picciche'" userId="0ffc6f3f-5a1e-4bcf-8207-6fcee5da7ade" providerId="ADAL" clId="{17056212-C789-4D94-A224-491696FC5D6E}" dt="2023-12-11T21:13:41.646" v="2566" actId="26606"/>
+          <ac:spMkLst>
+            <pc:docMk/>
+            <pc:sldMk cId="1499551055" sldId="259"/>
+            <ac:spMk id="94" creationId="{D6A9C53F-5F90-40A5-8C85-5412D39C8C68}"/>
+          </ac:spMkLst>
+        </pc:spChg>
+        <pc:grpChg chg="add del">
+          <ac:chgData name="ignazio emanuele picciche'" userId="0ffc6f3f-5a1e-4bcf-8207-6fcee5da7ade" providerId="ADAL" clId="{17056212-C789-4D94-A224-491696FC5D6E}" dt="2023-12-11T21:11:52.406" v="2518" actId="26606"/>
+          <ac:grpSpMkLst>
+            <pc:docMk/>
+            <pc:sldMk cId="1499551055" sldId="259"/>
+            <ac:grpSpMk id="29" creationId="{AC0B7807-0C83-4963-821A-69B172722E49}"/>
+          </ac:grpSpMkLst>
+        </pc:grpChg>
+        <pc:grpChg chg="add del">
+          <ac:chgData name="ignazio emanuele picciche'" userId="0ffc6f3f-5a1e-4bcf-8207-6fcee5da7ade" providerId="ADAL" clId="{17056212-C789-4D94-A224-491696FC5D6E}" dt="2023-12-11T21:12:30.187" v="2546" actId="26606"/>
+          <ac:grpSpMkLst>
+            <pc:docMk/>
+            <pc:sldMk cId="1499551055" sldId="259"/>
+            <ac:grpSpMk id="58" creationId="{AC0B7807-0C83-4963-821A-69B172722E49}"/>
+          </ac:grpSpMkLst>
+        </pc:grpChg>
+        <pc:picChg chg="add del">
+          <ac:chgData name="ignazio emanuele picciche'" userId="0ffc6f3f-5a1e-4bcf-8207-6fcee5da7ade" providerId="ADAL" clId="{17056212-C789-4D94-A224-491696FC5D6E}" dt="2023-12-11T21:08:04.662" v="2475" actId="478"/>
+          <ac:picMkLst>
+            <pc:docMk/>
+            <pc:sldMk cId="1499551055" sldId="259"/>
+            <ac:picMk id="3" creationId="{9493B776-DE87-E9D4-60E1-5AA8DD8D598B}"/>
+          </ac:picMkLst>
+        </pc:picChg>
+        <pc:picChg chg="add del mod">
+          <ac:chgData name="ignazio emanuele picciche'" userId="0ffc6f3f-5a1e-4bcf-8207-6fcee5da7ade" providerId="ADAL" clId="{17056212-C789-4D94-A224-491696FC5D6E}" dt="2023-12-11T21:08:03.028" v="2473" actId="478"/>
           <ac:picMkLst>
             <pc:docMk/>
             <pc:sldMk cId="1499551055" sldId="259"/>
             <ac:picMk id="4" creationId="{048C2C6A-2F95-F81F-CD2F-27F3E776FFCE}"/>
           </ac:picMkLst>
         </pc:picChg>
+        <pc:picChg chg="add del">
+          <ac:chgData name="ignazio emanuele picciche'" userId="0ffc6f3f-5a1e-4bcf-8207-6fcee5da7ade" providerId="ADAL" clId="{17056212-C789-4D94-A224-491696FC5D6E}" dt="2023-12-11T21:12:52.241" v="2552" actId="26606"/>
+          <ac:picMkLst>
+            <pc:docMk/>
+            <pc:sldMk cId="1499551055" sldId="259"/>
+            <ac:picMk id="5" creationId="{0FFC7DB5-31C9-6CCF-E673-5C781D392849}"/>
+          </ac:picMkLst>
+        </pc:picChg>
+        <pc:picChg chg="add del">
+          <ac:chgData name="ignazio emanuele picciche'" userId="0ffc6f3f-5a1e-4bcf-8207-6fcee5da7ade" providerId="ADAL" clId="{17056212-C789-4D94-A224-491696FC5D6E}" dt="2023-12-11T21:12:05.468" v="2526" actId="26606"/>
+          <ac:picMkLst>
+            <pc:docMk/>
+            <pc:sldMk cId="1499551055" sldId="259"/>
+            <ac:picMk id="5" creationId="{17DB85AA-0834-BDB1-3F43-22B036639AC0}"/>
+          </ac:picMkLst>
+        </pc:picChg>
+        <pc:picChg chg="add del">
+          <ac:chgData name="ignazio emanuele picciche'" userId="0ffc6f3f-5a1e-4bcf-8207-6fcee5da7ade" providerId="ADAL" clId="{17056212-C789-4D94-A224-491696FC5D6E}" dt="2023-12-11T21:13:02.075" v="2558" actId="26606"/>
+          <ac:picMkLst>
+            <pc:docMk/>
+            <pc:sldMk cId="1499551055" sldId="259"/>
+            <ac:picMk id="5" creationId="{20CA86B6-F1F5-2E0E-D0D0-885A0E819AFE}"/>
+          </ac:picMkLst>
+        </pc:picChg>
+        <pc:picChg chg="add del">
+          <ac:chgData name="ignazio emanuele picciche'" userId="0ffc6f3f-5a1e-4bcf-8207-6fcee5da7ade" providerId="ADAL" clId="{17056212-C789-4D94-A224-491696FC5D6E}" dt="2023-12-11T21:11:57.499" v="2521" actId="26606"/>
+          <ac:picMkLst>
+            <pc:docMk/>
+            <pc:sldMk cId="1499551055" sldId="259"/>
+            <ac:picMk id="5" creationId="{27130222-05F4-8C85-2C2C-4FAB873853A8}"/>
+          </ac:picMkLst>
+        </pc:picChg>
+        <pc:picChg chg="add del">
+          <ac:chgData name="ignazio emanuele picciche'" userId="0ffc6f3f-5a1e-4bcf-8207-6fcee5da7ade" providerId="ADAL" clId="{17056212-C789-4D94-A224-491696FC5D6E}" dt="2023-12-11T21:12:24.718" v="2540" actId="26606"/>
+          <ac:picMkLst>
+            <pc:docMk/>
+            <pc:sldMk cId="1499551055" sldId="259"/>
+            <ac:picMk id="5" creationId="{37AAEBB8-1C0E-C51E-F5B4-B69BC3D2AA5C}"/>
+          </ac:picMkLst>
+        </pc:picChg>
+        <pc:picChg chg="add del">
+          <ac:chgData name="ignazio emanuele picciche'" userId="0ffc6f3f-5a1e-4bcf-8207-6fcee5da7ade" providerId="ADAL" clId="{17056212-C789-4D94-A224-491696FC5D6E}" dt="2023-12-11T21:11:41.894" v="2515" actId="26606"/>
+          <ac:picMkLst>
+            <pc:docMk/>
+            <pc:sldMk cId="1499551055" sldId="259"/>
+            <ac:picMk id="5" creationId="{556E4E1C-78DD-0171-346B-5F22491C2934}"/>
+          </ac:picMkLst>
+        </pc:picChg>
+        <pc:picChg chg="add del mod">
+          <ac:chgData name="ignazio emanuele picciche'" userId="0ffc6f3f-5a1e-4bcf-8207-6fcee5da7ade" providerId="ADAL" clId="{17056212-C789-4D94-A224-491696FC5D6E}" dt="2023-12-11T21:14:34.491" v="2582" actId="26606"/>
+          <ac:picMkLst>
+            <pc:docMk/>
+            <pc:sldMk cId="1499551055" sldId="259"/>
+            <ac:picMk id="5" creationId="{59D4CBE1-C384-F7FA-6D1A-B364E6F6A277}"/>
+          </ac:picMkLst>
+        </pc:picChg>
+        <pc:picChg chg="add del">
+          <ac:chgData name="ignazio emanuele picciche'" userId="0ffc6f3f-5a1e-4bcf-8207-6fcee5da7ade" providerId="ADAL" clId="{17056212-C789-4D94-A224-491696FC5D6E}" dt="2023-12-11T21:11:41.059" v="2512" actId="26606"/>
+          <ac:picMkLst>
+            <pc:docMk/>
+            <pc:sldMk cId="1499551055" sldId="259"/>
+            <ac:picMk id="5" creationId="{6C595F3B-247F-E29B-612D-350243BFDB7A}"/>
+          </ac:picMkLst>
+        </pc:picChg>
+        <pc:picChg chg="add del">
+          <ac:chgData name="ignazio emanuele picciche'" userId="0ffc6f3f-5a1e-4bcf-8207-6fcee5da7ade" providerId="ADAL" clId="{17056212-C789-4D94-A224-491696FC5D6E}" dt="2023-12-11T21:11:52.406" v="2518" actId="26606"/>
+          <ac:picMkLst>
+            <pc:docMk/>
+            <pc:sldMk cId="1499551055" sldId="259"/>
+            <ac:picMk id="5" creationId="{83826292-9E6B-A116-73FF-E5F9A3BD363A}"/>
+          </ac:picMkLst>
+        </pc:picChg>
+        <pc:picChg chg="add del">
+          <ac:chgData name="ignazio emanuele picciche'" userId="0ffc6f3f-5a1e-4bcf-8207-6fcee5da7ade" providerId="ADAL" clId="{17056212-C789-4D94-A224-491696FC5D6E}" dt="2023-12-11T21:12:12.816" v="2531" actId="26606"/>
+          <ac:picMkLst>
+            <pc:docMk/>
+            <pc:sldMk cId="1499551055" sldId="259"/>
+            <ac:picMk id="5" creationId="{85D8F633-4D3A-75EA-E186-99463CFF43BC}"/>
+          </ac:picMkLst>
+        </pc:picChg>
+        <pc:picChg chg="add del mod replId">
+          <ac:chgData name="ignazio emanuele picciche'" userId="0ffc6f3f-5a1e-4bcf-8207-6fcee5da7ade" providerId="ADAL" clId="{17056212-C789-4D94-A224-491696FC5D6E}" dt="2023-12-11T21:14:34.491" v="2582" actId="26606"/>
+          <ac:picMkLst>
+            <pc:docMk/>
+            <pc:sldMk cId="1499551055" sldId="259"/>
+            <ac:picMk id="5" creationId="{B0F90A88-2372-3D69-96D2-BB8F636DDE9E}"/>
+          </ac:picMkLst>
+        </pc:picChg>
+        <pc:picChg chg="add del">
+          <ac:chgData name="ignazio emanuele picciche'" userId="0ffc6f3f-5a1e-4bcf-8207-6fcee5da7ade" providerId="ADAL" clId="{17056212-C789-4D94-A224-491696FC5D6E}" dt="2023-12-11T21:14:18.928" v="2575" actId="26606"/>
+          <ac:picMkLst>
+            <pc:docMk/>
+            <pc:sldMk cId="1499551055" sldId="259"/>
+            <ac:picMk id="5" creationId="{B42F9684-72FE-8961-4FC3-92B2CA5E3CCB}"/>
+          </ac:picMkLst>
+        </pc:picChg>
+        <pc:picChg chg="add del">
+          <ac:chgData name="ignazio emanuele picciche'" userId="0ffc6f3f-5a1e-4bcf-8207-6fcee5da7ade" providerId="ADAL" clId="{17056212-C789-4D94-A224-491696FC5D6E}" dt="2023-12-11T21:12:18.922" v="2537" actId="26606"/>
+          <ac:picMkLst>
+            <pc:docMk/>
+            <pc:sldMk cId="1499551055" sldId="259"/>
+            <ac:picMk id="5" creationId="{BDD692CD-6C36-E194-7EC8-74BA239B4AC7}"/>
+          </ac:picMkLst>
+        </pc:picChg>
+        <pc:picChg chg="add del">
+          <ac:chgData name="ignazio emanuele picciche'" userId="0ffc6f3f-5a1e-4bcf-8207-6fcee5da7ade" providerId="ADAL" clId="{17056212-C789-4D94-A224-491696FC5D6E}" dt="2023-12-11T21:12:30.187" v="2546" actId="26606"/>
+          <ac:picMkLst>
+            <pc:docMk/>
+            <pc:sldMk cId="1499551055" sldId="259"/>
+            <ac:picMk id="5" creationId="{C2C541C3-210D-6AD6-B1AD-A319AEB4598C}"/>
+          </ac:picMkLst>
+        </pc:picChg>
+        <pc:picChg chg="add del mod">
+          <ac:chgData name="ignazio emanuele picciche'" userId="0ffc6f3f-5a1e-4bcf-8207-6fcee5da7ade" providerId="ADAL" clId="{17056212-C789-4D94-A224-491696FC5D6E}" dt="2023-12-11T21:13:41.646" v="2566" actId="26606"/>
+          <ac:picMkLst>
+            <pc:docMk/>
+            <pc:sldMk cId="1499551055" sldId="259"/>
+            <ac:picMk id="5" creationId="{CC550AB9-8F5A-77ED-66DA-A235088FD644}"/>
+          </ac:picMkLst>
+        </pc:picChg>
+        <pc:picChg chg="add del">
+          <ac:chgData name="ignazio emanuele picciche'" userId="0ffc6f3f-5a1e-4bcf-8207-6fcee5da7ade" providerId="ADAL" clId="{17056212-C789-4D94-A224-491696FC5D6E}" dt="2023-12-11T21:12:58.688" v="2555" actId="26606"/>
+          <ac:picMkLst>
+            <pc:docMk/>
+            <pc:sldMk cId="1499551055" sldId="259"/>
+            <ac:picMk id="5" creationId="{EBEDF21C-FABE-A513-E85E-56F4EBD7FF5E}"/>
+          </ac:picMkLst>
+        </pc:picChg>
+        <pc:picChg chg="add del">
+          <ac:chgData name="ignazio emanuele picciche'" userId="0ffc6f3f-5a1e-4bcf-8207-6fcee5da7ade" providerId="ADAL" clId="{17056212-C789-4D94-A224-491696FC5D6E}" dt="2023-12-11T21:13:04.030" v="2561" actId="26606"/>
+          <ac:picMkLst>
+            <pc:docMk/>
+            <pc:sldMk cId="1499551055" sldId="259"/>
+            <ac:picMk id="5" creationId="{F23F1251-265B-5A5B-1C7F-0977427F34C6}"/>
+          </ac:picMkLst>
+        </pc:picChg>
+        <pc:picChg chg="add del mod">
+          <ac:chgData name="ignazio emanuele picciche'" userId="0ffc6f3f-5a1e-4bcf-8207-6fcee5da7ade" providerId="ADAL" clId="{17056212-C789-4D94-A224-491696FC5D6E}" dt="2023-12-11T21:08:38.274" v="2500" actId="478"/>
+          <ac:picMkLst>
+            <pc:docMk/>
+            <pc:sldMk cId="1499551055" sldId="259"/>
+            <ac:picMk id="7" creationId="{EA6D0492-0113-F808-9313-8E547B835585}"/>
+          </ac:picMkLst>
+        </pc:picChg>
+        <pc:picChg chg="add del mod">
+          <ac:chgData name="ignazio emanuele picciche'" userId="0ffc6f3f-5a1e-4bcf-8207-6fcee5da7ade" providerId="ADAL" clId="{17056212-C789-4D94-A224-491696FC5D6E}" dt="2023-12-11T21:10:18.906" v="2504" actId="22"/>
+          <ac:picMkLst>
+            <pc:docMk/>
+            <pc:sldMk cId="1499551055" sldId="259"/>
+            <ac:picMk id="11" creationId="{59381C23-796F-8C4D-F567-1DA1E0ECCDBE}"/>
+          </ac:picMkLst>
+        </pc:picChg>
+        <pc:picChg chg="add del">
+          <ac:chgData name="ignazio emanuele picciche'" userId="0ffc6f3f-5a1e-4bcf-8207-6fcee5da7ade" providerId="ADAL" clId="{17056212-C789-4D94-A224-491696FC5D6E}" dt="2023-12-11T21:10:41.782" v="2506" actId="22"/>
+          <ac:picMkLst>
+            <pc:docMk/>
+            <pc:sldMk cId="1499551055" sldId="259"/>
+            <ac:picMk id="13" creationId="{B8BF73EA-723C-D199-545A-1663A2056BF6}"/>
+          </ac:picMkLst>
+        </pc:picChg>
+        <pc:picChg chg="add del">
+          <ac:chgData name="ignazio emanuele picciche'" userId="0ffc6f3f-5a1e-4bcf-8207-6fcee5da7ade" providerId="ADAL" clId="{17056212-C789-4D94-A224-491696FC5D6E}" dt="2023-12-11T21:13:41.646" v="2566" actId="26606"/>
+          <ac:picMkLst>
+            <pc:docMk/>
+            <pc:sldMk cId="1499551055" sldId="259"/>
+            <ac:picMk id="15" creationId="{021B77B5-B347-8D51-CC27-C981B44D141F}"/>
+          </ac:picMkLst>
+        </pc:picChg>
+        <pc:picChg chg="add del">
+          <ac:chgData name="ignazio emanuele picciche'" userId="0ffc6f3f-5a1e-4bcf-8207-6fcee5da7ade" providerId="ADAL" clId="{17056212-C789-4D94-A224-491696FC5D6E}" dt="2023-12-11T21:12:05.468" v="2526" actId="26606"/>
+          <ac:picMkLst>
+            <pc:docMk/>
+            <pc:sldMk cId="1499551055" sldId="259"/>
+            <ac:picMk id="15" creationId="{0CCC5007-B4AE-1EE7-A174-64F8B4AB2330}"/>
+          </ac:picMkLst>
+        </pc:picChg>
+        <pc:picChg chg="add del">
+          <ac:chgData name="ignazio emanuele picciche'" userId="0ffc6f3f-5a1e-4bcf-8207-6fcee5da7ade" providerId="ADAL" clId="{17056212-C789-4D94-A224-491696FC5D6E}" dt="2023-12-11T21:12:12.816" v="2531" actId="26606"/>
+          <ac:picMkLst>
+            <pc:docMk/>
+            <pc:sldMk cId="1499551055" sldId="259"/>
+            <ac:picMk id="15" creationId="{2ABA433E-E604-6F82-449A-1DB212E62A0A}"/>
+          </ac:picMkLst>
+        </pc:picChg>
+        <pc:picChg chg="add del">
+          <ac:chgData name="ignazio emanuele picciche'" userId="0ffc6f3f-5a1e-4bcf-8207-6fcee5da7ade" providerId="ADAL" clId="{17056212-C789-4D94-A224-491696FC5D6E}" dt="2023-12-11T21:12:30.187" v="2546" actId="26606"/>
+          <ac:picMkLst>
+            <pc:docMk/>
+            <pc:sldMk cId="1499551055" sldId="259"/>
+            <ac:picMk id="15" creationId="{39B5E739-3D38-4736-616A-D0855198AC2C}"/>
+          </ac:picMkLst>
+        </pc:picChg>
+        <pc:picChg chg="add del">
+          <ac:chgData name="ignazio emanuele picciche'" userId="0ffc6f3f-5a1e-4bcf-8207-6fcee5da7ade" providerId="ADAL" clId="{17056212-C789-4D94-A224-491696FC5D6E}" dt="2023-12-11T21:14:18.928" v="2575" actId="26606"/>
+          <ac:picMkLst>
+            <pc:docMk/>
+            <pc:sldMk cId="1499551055" sldId="259"/>
+            <ac:picMk id="15" creationId="{4ECCCC68-1AEE-EC99-EC8C-18F706842265}"/>
+          </ac:picMkLst>
+        </pc:picChg>
+        <pc:picChg chg="add del">
+          <ac:chgData name="ignazio emanuele picciche'" userId="0ffc6f3f-5a1e-4bcf-8207-6fcee5da7ade" providerId="ADAL" clId="{17056212-C789-4D94-A224-491696FC5D6E}" dt="2023-12-11T21:11:52.406" v="2518" actId="26606"/>
+          <ac:picMkLst>
+            <pc:docMk/>
+            <pc:sldMk cId="1499551055" sldId="259"/>
+            <ac:picMk id="15" creationId="{618BD2A0-D89A-54BF-50CB-29EECEC25DBA}"/>
+          </ac:picMkLst>
+        </pc:picChg>
+        <pc:picChg chg="add del">
+          <ac:chgData name="ignazio emanuele picciche'" userId="0ffc6f3f-5a1e-4bcf-8207-6fcee5da7ade" providerId="ADAL" clId="{17056212-C789-4D94-A224-491696FC5D6E}" dt="2023-12-11T21:13:04.030" v="2561" actId="26606"/>
+          <ac:picMkLst>
+            <pc:docMk/>
+            <pc:sldMk cId="1499551055" sldId="259"/>
+            <ac:picMk id="15" creationId="{67BEF326-22CA-D4E8-665E-2F26264661BF}"/>
+          </ac:picMkLst>
+        </pc:picChg>
+        <pc:picChg chg="add del mod replId">
+          <ac:chgData name="ignazio emanuele picciche'" userId="0ffc6f3f-5a1e-4bcf-8207-6fcee5da7ade" providerId="ADAL" clId="{17056212-C789-4D94-A224-491696FC5D6E}" dt="2023-12-11T21:14:34.491" v="2582" actId="26606"/>
+          <ac:picMkLst>
+            <pc:docMk/>
+            <pc:sldMk cId="1499551055" sldId="259"/>
+            <ac:picMk id="15" creationId="{6A2D2119-B5CD-B2DE-2CB9-9300E3B94F14}"/>
+          </ac:picMkLst>
+        </pc:picChg>
+        <pc:picChg chg="add del">
+          <ac:chgData name="ignazio emanuele picciche'" userId="0ffc6f3f-5a1e-4bcf-8207-6fcee5da7ade" providerId="ADAL" clId="{17056212-C789-4D94-A224-491696FC5D6E}" dt="2023-12-11T21:12:58.688" v="2555" actId="26606"/>
+          <ac:picMkLst>
+            <pc:docMk/>
+            <pc:sldMk cId="1499551055" sldId="259"/>
+            <ac:picMk id="15" creationId="{6C18FA3A-5E05-CD0A-2319-270673DD638B}"/>
+          </ac:picMkLst>
+        </pc:picChg>
+        <pc:picChg chg="add del">
+          <ac:chgData name="ignazio emanuele picciche'" userId="0ffc6f3f-5a1e-4bcf-8207-6fcee5da7ade" providerId="ADAL" clId="{17056212-C789-4D94-A224-491696FC5D6E}" dt="2023-12-11T21:11:57.499" v="2521" actId="26606"/>
+          <ac:picMkLst>
+            <pc:docMk/>
+            <pc:sldMk cId="1499551055" sldId="259"/>
+            <ac:picMk id="15" creationId="{7A87A522-4BA5-831E-6DAA-7833F8EA338F}"/>
+          </ac:picMkLst>
+        </pc:picChg>
+        <pc:picChg chg="add del">
+          <ac:chgData name="ignazio emanuele picciche'" userId="0ffc6f3f-5a1e-4bcf-8207-6fcee5da7ade" providerId="ADAL" clId="{17056212-C789-4D94-A224-491696FC5D6E}" dt="2023-12-11T21:12:24.718" v="2540" actId="26606"/>
+          <ac:picMkLst>
+            <pc:docMk/>
+            <pc:sldMk cId="1499551055" sldId="259"/>
+            <ac:picMk id="15" creationId="{86E121B3-5431-1259-0D8F-B79988C2C6AF}"/>
+          </ac:picMkLst>
+        </pc:picChg>
+        <pc:picChg chg="add del">
+          <ac:chgData name="ignazio emanuele picciche'" userId="0ffc6f3f-5a1e-4bcf-8207-6fcee5da7ade" providerId="ADAL" clId="{17056212-C789-4D94-A224-491696FC5D6E}" dt="2023-12-11T21:14:34.491" v="2582" actId="26606"/>
+          <ac:picMkLst>
+            <pc:docMk/>
+            <pc:sldMk cId="1499551055" sldId="259"/>
+            <ac:picMk id="15" creationId="{88FDF4DD-D2B0-7D21-9CA8-EA4A641631BB}"/>
+          </ac:picMkLst>
+        </pc:picChg>
+        <pc:picChg chg="add del">
+          <ac:chgData name="ignazio emanuele picciche'" userId="0ffc6f3f-5a1e-4bcf-8207-6fcee5da7ade" providerId="ADAL" clId="{17056212-C789-4D94-A224-491696FC5D6E}" dt="2023-12-11T21:12:18.922" v="2537" actId="26606"/>
+          <ac:picMkLst>
+            <pc:docMk/>
+            <pc:sldMk cId="1499551055" sldId="259"/>
+            <ac:picMk id="15" creationId="{9317CF1E-7428-A334-B65A-553FA1E3902F}"/>
+          </ac:picMkLst>
+        </pc:picChg>
+        <pc:picChg chg="add del">
+          <ac:chgData name="ignazio emanuele picciche'" userId="0ffc6f3f-5a1e-4bcf-8207-6fcee5da7ade" providerId="ADAL" clId="{17056212-C789-4D94-A224-491696FC5D6E}" dt="2023-12-11T21:13:02.075" v="2558" actId="26606"/>
+          <ac:picMkLst>
+            <pc:docMk/>
+            <pc:sldMk cId="1499551055" sldId="259"/>
+            <ac:picMk id="15" creationId="{A84E8AE2-414A-4AE4-022A-9D8005098D24}"/>
+          </ac:picMkLst>
+        </pc:picChg>
+        <pc:picChg chg="add del">
+          <ac:chgData name="ignazio emanuele picciche'" userId="0ffc6f3f-5a1e-4bcf-8207-6fcee5da7ade" providerId="ADAL" clId="{17056212-C789-4D94-A224-491696FC5D6E}" dt="2023-12-11T21:12:52.241" v="2552" actId="26606"/>
+          <ac:picMkLst>
+            <pc:docMk/>
+            <pc:sldMk cId="1499551055" sldId="259"/>
+            <ac:picMk id="15" creationId="{AD645E2D-BC94-C6B8-2F0E-9F8F434121AB}"/>
+          </ac:picMkLst>
+        </pc:picChg>
+        <pc:picChg chg="add del">
+          <ac:chgData name="ignazio emanuele picciche'" userId="0ffc6f3f-5a1e-4bcf-8207-6fcee5da7ade" providerId="ADAL" clId="{17056212-C789-4D94-A224-491696FC5D6E}" dt="2023-12-11T21:11:41.894" v="2515" actId="26606"/>
+          <ac:picMkLst>
+            <pc:docMk/>
+            <pc:sldMk cId="1499551055" sldId="259"/>
+            <ac:picMk id="15" creationId="{BF3FADE0-B3FF-55ED-FBA1-BD8285E7172D}"/>
+          </ac:picMkLst>
+        </pc:picChg>
+        <pc:picChg chg="add del">
+          <ac:chgData name="ignazio emanuele picciche'" userId="0ffc6f3f-5a1e-4bcf-8207-6fcee5da7ade" providerId="ADAL" clId="{17056212-C789-4D94-A224-491696FC5D6E}" dt="2023-12-11T21:11:41.059" v="2512" actId="26606"/>
+          <ac:picMkLst>
+            <pc:docMk/>
+            <pc:sldMk cId="1499551055" sldId="259"/>
+            <ac:picMk id="15" creationId="{E2E81DB4-01CC-E1F6-0566-7C593D83B518}"/>
+          </ac:picMkLst>
+        </pc:picChg>
+        <pc:picChg chg="add del">
+          <ac:chgData name="ignazio emanuele picciche'" userId="0ffc6f3f-5a1e-4bcf-8207-6fcee5da7ade" providerId="ADAL" clId="{17056212-C789-4D94-A224-491696FC5D6E}" dt="2023-12-11T21:11:52.406" v="2518" actId="26606"/>
+          <ac:picMkLst>
+            <pc:docMk/>
+            <pc:sldMk cId="1499551055" sldId="259"/>
+            <ac:picMk id="16" creationId="{07FC7CEE-1F4B-44B1-EDB6-8CCA45068C44}"/>
+          </ac:picMkLst>
+        </pc:picChg>
+        <pc:picChg chg="add del">
+          <ac:chgData name="ignazio emanuele picciche'" userId="0ffc6f3f-5a1e-4bcf-8207-6fcee5da7ade" providerId="ADAL" clId="{17056212-C789-4D94-A224-491696FC5D6E}" dt="2023-12-11T21:11:41.059" v="2512" actId="26606"/>
+          <ac:picMkLst>
+            <pc:docMk/>
+            <pc:sldMk cId="1499551055" sldId="259"/>
+            <ac:picMk id="16" creationId="{58B04B67-9168-7E5C-31B9-267D00ECD8BD}"/>
+          </ac:picMkLst>
+        </pc:picChg>
+        <pc:picChg chg="add del">
+          <ac:chgData name="ignazio emanuele picciche'" userId="0ffc6f3f-5a1e-4bcf-8207-6fcee5da7ade" providerId="ADAL" clId="{17056212-C789-4D94-A224-491696FC5D6E}" dt="2023-12-11T21:11:57.499" v="2521" actId="26606"/>
+          <ac:picMkLst>
+            <pc:docMk/>
+            <pc:sldMk cId="1499551055" sldId="259"/>
+            <ac:picMk id="16" creationId="{6B607249-7B63-6B6A-E9CE-06A0285ABE70}"/>
+          </ac:picMkLst>
+        </pc:picChg>
+        <pc:picChg chg="add del">
+          <ac:chgData name="ignazio emanuele picciche'" userId="0ffc6f3f-5a1e-4bcf-8207-6fcee5da7ade" providerId="ADAL" clId="{17056212-C789-4D94-A224-491696FC5D6E}" dt="2023-12-11T21:11:41.894" v="2515" actId="26606"/>
+          <ac:picMkLst>
+            <pc:docMk/>
+            <pc:sldMk cId="1499551055" sldId="259"/>
+            <ac:picMk id="16" creationId="{868BA821-76E0-325A-B443-26F387CAA3B0}"/>
+          </ac:picMkLst>
+        </pc:picChg>
+        <pc:picChg chg="add del mod replId">
+          <ac:chgData name="ignazio emanuele picciche'" userId="0ffc6f3f-5a1e-4bcf-8207-6fcee5da7ade" providerId="ADAL" clId="{17056212-C789-4D94-A224-491696FC5D6E}" dt="2023-12-11T21:12:07.650" v="2527" actId="22"/>
+          <ac:picMkLst>
+            <pc:docMk/>
+            <pc:sldMk cId="1499551055" sldId="259"/>
+            <ac:picMk id="16" creationId="{A41C5FC7-E260-FA5E-EEE5-EE35A7CEF395}"/>
+          </ac:picMkLst>
+        </pc:picChg>
+        <pc:picChg chg="add del mod">
+          <ac:chgData name="ignazio emanuele picciche'" userId="0ffc6f3f-5a1e-4bcf-8207-6fcee5da7ade" providerId="ADAL" clId="{17056212-C789-4D94-A224-491696FC5D6E}" dt="2023-12-11T21:12:05.468" v="2526" actId="26606"/>
+          <ac:picMkLst>
+            <pc:docMk/>
+            <pc:sldMk cId="1499551055" sldId="259"/>
+            <ac:picMk id="16" creationId="{BB8034DC-209D-828C-7A6A-8C9AFA24E745}"/>
+          </ac:picMkLst>
+        </pc:picChg>
+        <pc:picChg chg="add del mod replId">
+          <ac:chgData name="ignazio emanuele picciche'" userId="0ffc6f3f-5a1e-4bcf-8207-6fcee5da7ade" providerId="ADAL" clId="{17056212-C789-4D94-A224-491696FC5D6E}" dt="2023-12-11T21:13:45.192" v="2567" actId="22"/>
+          <ac:picMkLst>
+            <pc:docMk/>
+            <pc:sldMk cId="1499551055" sldId="259"/>
+            <ac:picMk id="18" creationId="{067AA7E4-5264-BB31-6175-FCB3858FB6DE}"/>
+          </ac:picMkLst>
+        </pc:picChg>
+        <pc:picChg chg="add del">
+          <ac:chgData name="ignazio emanuele picciche'" userId="0ffc6f3f-5a1e-4bcf-8207-6fcee5da7ade" providerId="ADAL" clId="{17056212-C789-4D94-A224-491696FC5D6E}" dt="2023-12-11T21:12:24.718" v="2540" actId="26606"/>
+          <ac:picMkLst>
+            <pc:docMk/>
+            <pc:sldMk cId="1499551055" sldId="259"/>
+            <ac:picMk id="18" creationId="{3A4119F7-19B0-AFE8-59D9-4E1507838127}"/>
+          </ac:picMkLst>
+        </pc:picChg>
+        <pc:picChg chg="add del">
+          <ac:chgData name="ignazio emanuele picciche'" userId="0ffc6f3f-5a1e-4bcf-8207-6fcee5da7ade" providerId="ADAL" clId="{17056212-C789-4D94-A224-491696FC5D6E}" dt="2023-12-11T21:12:18.922" v="2537" actId="26606"/>
+          <ac:picMkLst>
+            <pc:docMk/>
+            <pc:sldMk cId="1499551055" sldId="259"/>
+            <ac:picMk id="18" creationId="{84F347CF-3C3E-F019-147A-F67C0F4F194C}"/>
+          </ac:picMkLst>
+        </pc:picChg>
+        <pc:picChg chg="add del">
+          <ac:chgData name="ignazio emanuele picciche'" userId="0ffc6f3f-5a1e-4bcf-8207-6fcee5da7ade" providerId="ADAL" clId="{17056212-C789-4D94-A224-491696FC5D6E}" dt="2023-12-11T21:13:41.646" v="2566" actId="26606"/>
+          <ac:picMkLst>
+            <pc:docMk/>
+            <pc:sldMk cId="1499551055" sldId="259"/>
+            <ac:picMk id="18" creationId="{93B9F122-58E2-1289-2E89-81442443FC85}"/>
+          </ac:picMkLst>
+        </pc:picChg>
+        <pc:picChg chg="add del">
+          <ac:chgData name="ignazio emanuele picciche'" userId="0ffc6f3f-5a1e-4bcf-8207-6fcee5da7ade" providerId="ADAL" clId="{17056212-C789-4D94-A224-491696FC5D6E}" dt="2023-12-11T21:12:52.241" v="2552" actId="26606"/>
+          <ac:picMkLst>
+            <pc:docMk/>
+            <pc:sldMk cId="1499551055" sldId="259"/>
+            <ac:picMk id="18" creationId="{9C707621-64FD-0435-DA2B-616F5CC44DA9}"/>
+          </ac:picMkLst>
+        </pc:picChg>
+        <pc:picChg chg="add del">
+          <ac:chgData name="ignazio emanuele picciche'" userId="0ffc6f3f-5a1e-4bcf-8207-6fcee5da7ade" providerId="ADAL" clId="{17056212-C789-4D94-A224-491696FC5D6E}" dt="2023-12-11T21:13:04.030" v="2561" actId="26606"/>
+          <ac:picMkLst>
+            <pc:docMk/>
+            <pc:sldMk cId="1499551055" sldId="259"/>
+            <ac:picMk id="18" creationId="{A9E4384E-6AF5-242A-9815-1128A983DF1A}"/>
+          </ac:picMkLst>
+        </pc:picChg>
+        <pc:picChg chg="add del">
+          <ac:chgData name="ignazio emanuele picciche'" userId="0ffc6f3f-5a1e-4bcf-8207-6fcee5da7ade" providerId="ADAL" clId="{17056212-C789-4D94-A224-491696FC5D6E}" dt="2023-12-11T21:12:58.688" v="2555" actId="26606"/>
+          <ac:picMkLst>
+            <pc:docMk/>
+            <pc:sldMk cId="1499551055" sldId="259"/>
+            <ac:picMk id="18" creationId="{DD5900C9-8DDD-F9D6-ED3F-FD9D75746FDB}"/>
+          </ac:picMkLst>
+        </pc:picChg>
+        <pc:picChg chg="add del">
+          <ac:chgData name="ignazio emanuele picciche'" userId="0ffc6f3f-5a1e-4bcf-8207-6fcee5da7ade" providerId="ADAL" clId="{17056212-C789-4D94-A224-491696FC5D6E}" dt="2023-12-11T21:12:30.187" v="2546" actId="26606"/>
+          <ac:picMkLst>
+            <pc:docMk/>
+            <pc:sldMk cId="1499551055" sldId="259"/>
+            <ac:picMk id="18" creationId="{E11B8357-7300-461A-D10F-797456873526}"/>
+          </ac:picMkLst>
+        </pc:picChg>
+        <pc:picChg chg="add del">
+          <ac:chgData name="ignazio emanuele picciche'" userId="0ffc6f3f-5a1e-4bcf-8207-6fcee5da7ade" providerId="ADAL" clId="{17056212-C789-4D94-A224-491696FC5D6E}" dt="2023-12-11T21:13:02.075" v="2558" actId="26606"/>
+          <ac:picMkLst>
+            <pc:docMk/>
+            <pc:sldMk cId="1499551055" sldId="259"/>
+            <ac:picMk id="18" creationId="{F2A5168A-6781-1837-7C17-AA49934B479E}"/>
+          </ac:picMkLst>
+        </pc:picChg>
+        <pc:picChg chg="add del">
+          <ac:chgData name="ignazio emanuele picciche'" userId="0ffc6f3f-5a1e-4bcf-8207-6fcee5da7ade" providerId="ADAL" clId="{17056212-C789-4D94-A224-491696FC5D6E}" dt="2023-12-11T21:12:12.816" v="2531" actId="26606"/>
+          <ac:picMkLst>
+            <pc:docMk/>
+            <pc:sldMk cId="1499551055" sldId="259"/>
+            <ac:picMk id="18" creationId="{FD4EFA2A-6737-BA86-D339-1376D1F69533}"/>
+          </ac:picMkLst>
+        </pc:picChg>
+        <pc:picChg chg="add del">
+          <ac:chgData name="ignazio emanuele picciche'" userId="0ffc6f3f-5a1e-4bcf-8207-6fcee5da7ade" providerId="ADAL" clId="{17056212-C789-4D94-A224-491696FC5D6E}" dt="2023-12-11T21:14:18.928" v="2575" actId="26606"/>
+          <ac:picMkLst>
+            <pc:docMk/>
+            <pc:sldMk cId="1499551055" sldId="259"/>
+            <ac:picMk id="21" creationId="{16DAC8EE-0EBF-C7C3-108C-65A4BB54CA25}"/>
+          </ac:picMkLst>
+        </pc:picChg>
+        <pc:picChg chg="add del mod replId">
+          <ac:chgData name="ignazio emanuele picciche'" userId="0ffc6f3f-5a1e-4bcf-8207-6fcee5da7ade" providerId="ADAL" clId="{17056212-C789-4D94-A224-491696FC5D6E}" dt="2023-12-11T21:38:26.921" v="2957" actId="478"/>
+          <ac:picMkLst>
+            <pc:docMk/>
+            <pc:sldMk cId="1499551055" sldId="259"/>
+            <ac:picMk id="21" creationId="{7D424A2E-7D85-4F2D-42E4-38D2D83D2EA6}"/>
+          </ac:picMkLst>
+        </pc:picChg>
+        <pc:picChg chg="add del">
+          <ac:chgData name="ignazio emanuele picciche'" userId="0ffc6f3f-5a1e-4bcf-8207-6fcee5da7ade" providerId="ADAL" clId="{17056212-C789-4D94-A224-491696FC5D6E}" dt="2023-12-11T21:14:34.491" v="2582" actId="26606"/>
+          <ac:picMkLst>
+            <pc:docMk/>
+            <pc:sldMk cId="1499551055" sldId="259"/>
+            <ac:picMk id="21" creationId="{FE5577C1-7FDE-1B93-E969-E376E9F6B753}"/>
+          </ac:picMkLst>
+        </pc:picChg>
+        <pc:picChg chg="add del mod">
+          <ac:chgData name="ignazio emanuele picciche'" userId="0ffc6f3f-5a1e-4bcf-8207-6fcee5da7ade" providerId="ADAL" clId="{17056212-C789-4D94-A224-491696FC5D6E}" dt="2023-12-11T21:19:40.215" v="2652" actId="21"/>
+          <ac:picMkLst>
+            <pc:docMk/>
+            <pc:sldMk cId="1499551055" sldId="259"/>
+            <ac:picMk id="23" creationId="{CC728C40-9275-F872-11BC-C757A595ED2E}"/>
+          </ac:picMkLst>
+        </pc:picChg>
+        <pc:picChg chg="add del mod">
+          <ac:chgData name="ignazio emanuele picciche'" userId="0ffc6f3f-5a1e-4bcf-8207-6fcee5da7ade" providerId="ADAL" clId="{17056212-C789-4D94-A224-491696FC5D6E}" dt="2023-12-11T21:38:25.783" v="2956" actId="21"/>
+          <ac:picMkLst>
+            <pc:docMk/>
+            <pc:sldMk cId="1499551055" sldId="259"/>
+            <ac:picMk id="25" creationId="{60B34FF2-531F-E6A0-8B3E-AE0DBEAD4105}"/>
+          </ac:picMkLst>
+        </pc:picChg>
+        <pc:picChg chg="add mod">
+          <ac:chgData name="ignazio emanuele picciche'" userId="0ffc6f3f-5a1e-4bcf-8207-6fcee5da7ade" providerId="ADAL" clId="{17056212-C789-4D94-A224-491696FC5D6E}" dt="2023-12-11T21:38:27.175" v="2958"/>
+          <ac:picMkLst>
+            <pc:docMk/>
+            <pc:sldMk cId="1499551055" sldId="259"/>
+            <ac:picMk id="27" creationId="{8CD1D9C9-DFDF-C062-07BD-FA3C7466DA84}"/>
+          </ac:picMkLst>
+        </pc:picChg>
+        <pc:cxnChg chg="add del">
+          <ac:chgData name="ignazio emanuele picciche'" userId="0ffc6f3f-5a1e-4bcf-8207-6fcee5da7ade" providerId="ADAL" clId="{17056212-C789-4D94-A224-491696FC5D6E}" dt="2023-12-11T21:12:12.816" v="2531" actId="26606"/>
+          <ac:cxnSpMkLst>
+            <pc:docMk/>
+            <pc:sldMk cId="1499551055" sldId="259"/>
+            <ac:cxnSpMk id="27" creationId="{C41BAEC7-F7B0-4224-8B18-8F74B7D87F0B}"/>
+          </ac:cxnSpMkLst>
+        </pc:cxnChg>
+        <pc:cxnChg chg="add del">
+          <ac:chgData name="ignazio emanuele picciche'" userId="0ffc6f3f-5a1e-4bcf-8207-6fcee5da7ade" providerId="ADAL" clId="{17056212-C789-4D94-A224-491696FC5D6E}" dt="2023-12-11T21:12:52.241" v="2552" actId="26606"/>
+          <ac:cxnSpMkLst>
+            <pc:docMk/>
+            <pc:sldMk cId="1499551055" sldId="259"/>
+            <ac:cxnSpMk id="69" creationId="{7667AA61-5C27-F30F-D229-06CBE5709F33}"/>
+          </ac:cxnSpMkLst>
+        </pc:cxnChg>
       </pc:sldChg>
-      <pc:sldChg chg="delSp modSp add mod">
-        <pc:chgData name="ignazio emanuele picciche'" userId="0ffc6f3f-5a1e-4bcf-8207-6fcee5da7ade" providerId="ADAL" clId="{17056212-C789-4D94-A224-491696FC5D6E}" dt="2023-12-08T22:05:43.380" v="2321" actId="20577"/>
+      <pc:sldChg chg="addSp delSp modSp add mod setBg setClrOvrMap">
+        <pc:chgData name="ignazio emanuele picciche'" userId="0ffc6f3f-5a1e-4bcf-8207-6fcee5da7ade" providerId="ADAL" clId="{17056212-C789-4D94-A224-491696FC5D6E}" dt="2023-12-11T22:07:06.784" v="3088" actId="1076"/>
         <pc:sldMkLst>
           <pc:docMk/>
           <pc:sldMk cId="7161756" sldId="260"/>
         </pc:sldMkLst>
-        <pc:spChg chg="mod">
-          <ac:chgData name="ignazio emanuele picciche'" userId="0ffc6f3f-5a1e-4bcf-8207-6fcee5da7ade" providerId="ADAL" clId="{17056212-C789-4D94-A224-491696FC5D6E}" dt="2023-12-08T22:05:43.380" v="2321" actId="20577"/>
+        <pc:spChg chg="add del">
+          <ac:chgData name="ignazio emanuele picciche'" userId="0ffc6f3f-5a1e-4bcf-8207-6fcee5da7ade" providerId="ADAL" clId="{17056212-C789-4D94-A224-491696FC5D6E}" dt="2023-12-11T21:44:45.370" v="3041" actId="26606"/>
           <ac:spMkLst>
             <pc:docMk/>
             <pc:sldMk cId="7161756" sldId="260"/>
-            <ac:spMk id="9" creationId="{7DCA9D16-5034-279C-FF1F-96C45AF4B68F}"/>
-          </ac:spMkLst>
-        </pc:spChg>
+            <ac:spMk id="9" creationId="{186D4809-3E9F-F98B-515A-7D7D55ABCDAE}"/>
+          </ac:spMkLst>
+        </pc:spChg>
+        <pc:spChg chg="add del">
+          <ac:chgData name="ignazio emanuele picciche'" userId="0ffc6f3f-5a1e-4bcf-8207-6fcee5da7ade" providerId="ADAL" clId="{17056212-C789-4D94-A224-491696FC5D6E}" dt="2023-12-11T21:40:58.197" v="2982" actId="26606"/>
+          <ac:spMkLst>
+            <pc:docMk/>
+            <pc:sldMk cId="7161756" sldId="260"/>
+            <ac:spMk id="9" creationId="{2C6924AB-7B97-4FC2-2261-C73E059EE736}"/>
+          </ac:spMkLst>
+        </pc:spChg>
+        <pc:spChg chg="add del">
+          <ac:chgData name="ignazio emanuele picciche'" userId="0ffc6f3f-5a1e-4bcf-8207-6fcee5da7ade" providerId="ADAL" clId="{17056212-C789-4D94-A224-491696FC5D6E}" dt="2023-12-11T21:43:11.679" v="3021" actId="26606"/>
+          <ac:spMkLst>
+            <pc:docMk/>
+            <pc:sldMk cId="7161756" sldId="260"/>
+            <ac:spMk id="9" creationId="{418CB0EF-7563-DB3B-614C-A169634E77AF}"/>
+          </ac:spMkLst>
+        </pc:spChg>
+        <pc:spChg chg="add del">
+          <ac:chgData name="ignazio emanuele picciche'" userId="0ffc6f3f-5a1e-4bcf-8207-6fcee5da7ade" providerId="ADAL" clId="{17056212-C789-4D94-A224-491696FC5D6E}" dt="2023-12-11T21:42:22.477" v="3011" actId="26606"/>
+          <ac:spMkLst>
+            <pc:docMk/>
+            <pc:sldMk cId="7161756" sldId="260"/>
+            <ac:spMk id="9" creationId="{5330DB2D-D295-8B91-CEFB-8562D1B31EE9}"/>
+          </ac:spMkLst>
+        </pc:spChg>
+        <pc:spChg chg="add del">
+          <ac:chgData name="ignazio emanuele picciche'" userId="0ffc6f3f-5a1e-4bcf-8207-6fcee5da7ade" providerId="ADAL" clId="{17056212-C789-4D94-A224-491696FC5D6E}" dt="2023-12-11T21:42:50.487" v="3016" actId="26606"/>
+          <ac:spMkLst>
+            <pc:docMk/>
+            <pc:sldMk cId="7161756" sldId="260"/>
+            <ac:spMk id="9" creationId="{6849C144-5FC0-62F1-DA95-123D9130542A}"/>
+          </ac:spMkLst>
+        </pc:spChg>
+        <pc:spChg chg="add del">
+          <ac:chgData name="ignazio emanuele picciche'" userId="0ffc6f3f-5a1e-4bcf-8207-6fcee5da7ade" providerId="ADAL" clId="{17056212-C789-4D94-A224-491696FC5D6E}" dt="2023-12-11T21:43:17.874" v="3024" actId="26606"/>
+          <ac:spMkLst>
+            <pc:docMk/>
+            <pc:sldMk cId="7161756" sldId="260"/>
+            <ac:spMk id="9" creationId="{6F5D616E-9A5A-462A-616F-7B4AFC0546DE}"/>
+          </ac:spMkLst>
+        </pc:spChg>
+        <pc:spChg chg="add del">
+          <ac:chgData name="ignazio emanuele picciche'" userId="0ffc6f3f-5a1e-4bcf-8207-6fcee5da7ade" providerId="ADAL" clId="{17056212-C789-4D94-A224-491696FC5D6E}" dt="2023-12-11T21:41:25.712" v="2999" actId="26606"/>
+          <ac:spMkLst>
+            <pc:docMk/>
+            <pc:sldMk cId="7161756" sldId="260"/>
+            <ac:spMk id="9" creationId="{7D3CDE05-2E79-418B-E44B-188439BBE6B7}"/>
+          </ac:spMkLst>
+        </pc:spChg>
+        <pc:spChg chg="add del">
+          <ac:chgData name="ignazio emanuele picciche'" userId="0ffc6f3f-5a1e-4bcf-8207-6fcee5da7ade" providerId="ADAL" clId="{17056212-C789-4D94-A224-491696FC5D6E}" dt="2023-12-11T21:40:26.855" v="2979" actId="26606"/>
+          <ac:spMkLst>
+            <pc:docMk/>
+            <pc:sldMk cId="7161756" sldId="260"/>
+            <ac:spMk id="9" creationId="{A6720401-71A5-1173-E01C-4ADE0B85DB98}"/>
+          </ac:spMkLst>
+        </pc:spChg>
+        <pc:spChg chg="add del">
+          <ac:chgData name="ignazio emanuele picciche'" userId="0ffc6f3f-5a1e-4bcf-8207-6fcee5da7ade" providerId="ADAL" clId="{17056212-C789-4D94-A224-491696FC5D6E}" dt="2023-12-11T21:43:28.815" v="3027" actId="26606"/>
+          <ac:spMkLst>
+            <pc:docMk/>
+            <pc:sldMk cId="7161756" sldId="260"/>
+            <ac:spMk id="9" creationId="{AADC5DFC-1612-0F33-930D-8601816D0CA1}"/>
+          </ac:spMkLst>
+        </pc:spChg>
+        <pc:spChg chg="add del">
+          <ac:chgData name="ignazio emanuele picciche'" userId="0ffc6f3f-5a1e-4bcf-8207-6fcee5da7ade" providerId="ADAL" clId="{17056212-C789-4D94-A224-491696FC5D6E}" dt="2023-12-11T21:41:13.161" v="2987" actId="26606"/>
+          <ac:spMkLst>
+            <pc:docMk/>
+            <pc:sldMk cId="7161756" sldId="260"/>
+            <ac:spMk id="9" creationId="{B116CFF4-B9F6-CCF8-84D8-1087C4B227BB}"/>
+          </ac:spMkLst>
+        </pc:spChg>
+        <pc:spChg chg="add del">
+          <ac:chgData name="ignazio emanuele picciche'" userId="0ffc6f3f-5a1e-4bcf-8207-6fcee5da7ade" providerId="ADAL" clId="{17056212-C789-4D94-A224-491696FC5D6E}" dt="2023-12-11T21:39:40.692" v="2968" actId="26606"/>
+          <ac:spMkLst>
+            <pc:docMk/>
+            <pc:sldMk cId="7161756" sldId="260"/>
+            <ac:spMk id="9" creationId="{BC10E023-EB81-0ABC-CB5E-5308B101ED7D}"/>
+          </ac:spMkLst>
+        </pc:spChg>
+        <pc:spChg chg="add del">
+          <ac:chgData name="ignazio emanuele picciche'" userId="0ffc6f3f-5a1e-4bcf-8207-6fcee5da7ade" providerId="ADAL" clId="{17056212-C789-4D94-A224-491696FC5D6E}" dt="2023-12-11T21:41:21.270" v="2996" actId="26606"/>
+          <ac:spMkLst>
+            <pc:docMk/>
+            <pc:sldMk cId="7161756" sldId="260"/>
+            <ac:spMk id="9" creationId="{D844243E-2BAC-E40C-145A-45EEF12F0A7E}"/>
+          </ac:spMkLst>
+        </pc:spChg>
+        <pc:spChg chg="add del mod replId">
+          <ac:chgData name="ignazio emanuele picciche'" userId="0ffc6f3f-5a1e-4bcf-8207-6fcee5da7ade" providerId="ADAL" clId="{17056212-C789-4D94-A224-491696FC5D6E}" dt="2023-12-11T22:07:06.784" v="3088" actId="1076"/>
+          <ac:spMkLst>
+            <pc:docMk/>
+            <pc:sldMk cId="7161756" sldId="260"/>
+            <ac:spMk id="9" creationId="{FA980C36-225C-A498-36F0-7EFC62C49593}"/>
+          </ac:spMkLst>
+        </pc:spChg>
+        <pc:spChg chg="add del">
+          <ac:chgData name="ignazio emanuele picciche'" userId="0ffc6f3f-5a1e-4bcf-8207-6fcee5da7ade" providerId="ADAL" clId="{17056212-C789-4D94-A224-491696FC5D6E}" dt="2023-12-11T21:40:10.023" v="2974" actId="26606"/>
+          <ac:spMkLst>
+            <pc:docMk/>
+            <pc:sldMk cId="7161756" sldId="260"/>
+            <ac:spMk id="9" creationId="{FD511ABC-C11D-0394-A13E-152212CFB5CF}"/>
+          </ac:spMkLst>
+        </pc:spChg>
+        <pc:spChg chg="add del">
+          <ac:chgData name="ignazio emanuele picciche'" userId="0ffc6f3f-5a1e-4bcf-8207-6fcee5da7ade" providerId="ADAL" clId="{17056212-C789-4D94-A224-491696FC5D6E}" dt="2023-12-11T21:40:10.095" v="2976" actId="26606"/>
+          <ac:spMkLst>
+            <pc:docMk/>
+            <pc:sldMk cId="7161756" sldId="260"/>
+            <ac:spMk id="10" creationId="{71B2258F-86CA-4D4D-8270-BC05FCDEBFB3}"/>
+          </ac:spMkLst>
+        </pc:spChg>
+        <pc:spChg chg="add del">
+          <ac:chgData name="ignazio emanuele picciche'" userId="0ffc6f3f-5a1e-4bcf-8207-6fcee5da7ade" providerId="ADAL" clId="{17056212-C789-4D94-A224-491696FC5D6E}" dt="2023-12-11T21:39:40.692" v="2968" actId="26606"/>
+          <ac:spMkLst>
+            <pc:docMk/>
+            <pc:sldMk cId="7161756" sldId="260"/>
+            <ac:spMk id="20" creationId="{870A1295-61BC-4214-AA3E-D396673024D0}"/>
+          </ac:spMkLst>
+        </pc:spChg>
+        <pc:spChg chg="add del">
+          <ac:chgData name="ignazio emanuele picciche'" userId="0ffc6f3f-5a1e-4bcf-8207-6fcee5da7ade" providerId="ADAL" clId="{17056212-C789-4D94-A224-491696FC5D6E}" dt="2023-12-11T21:39:50.851" v="2971" actId="26606"/>
+          <ac:spMkLst>
+            <pc:docMk/>
+            <pc:sldMk cId="7161756" sldId="260"/>
+            <ac:spMk id="28" creationId="{ECC07320-C2CA-4E29-8481-9D9E143C7788}"/>
+          </ac:spMkLst>
+        </pc:spChg>
+        <pc:spChg chg="add del">
+          <ac:chgData name="ignazio emanuele picciche'" userId="0ffc6f3f-5a1e-4bcf-8207-6fcee5da7ade" providerId="ADAL" clId="{17056212-C789-4D94-A224-491696FC5D6E}" dt="2023-12-11T21:39:50.851" v="2971" actId="26606"/>
+          <ac:spMkLst>
+            <pc:docMk/>
+            <pc:sldMk cId="7161756" sldId="260"/>
+            <ac:spMk id="29" creationId="{178FB36B-5BFE-42CA-BC60-1115E0D95EEC}"/>
+          </ac:spMkLst>
+        </pc:spChg>
+        <pc:spChg chg="add del">
+          <ac:chgData name="ignazio emanuele picciche'" userId="0ffc6f3f-5a1e-4bcf-8207-6fcee5da7ade" providerId="ADAL" clId="{17056212-C789-4D94-A224-491696FC5D6E}" dt="2023-12-11T21:40:10.023" v="2974" actId="26606"/>
+          <ac:spMkLst>
+            <pc:docMk/>
+            <pc:sldMk cId="7161756" sldId="260"/>
+            <ac:spMk id="33" creationId="{7DA3C418-758E-4180-A5D0-8655D6804587}"/>
+          </ac:spMkLst>
+        </pc:spChg>
+        <pc:spChg chg="add del">
+          <ac:chgData name="ignazio emanuele picciche'" userId="0ffc6f3f-5a1e-4bcf-8207-6fcee5da7ade" providerId="ADAL" clId="{17056212-C789-4D94-A224-491696FC5D6E}" dt="2023-12-11T21:40:10.023" v="2974" actId="26606"/>
+          <ac:spMkLst>
+            <pc:docMk/>
+            <pc:sldMk cId="7161756" sldId="260"/>
+            <ac:spMk id="34" creationId="{28C8EF06-5EC3-4883-AFAF-D74FF46550FB}"/>
+          </ac:spMkLst>
+        </pc:spChg>
+        <pc:spChg chg="add del">
+          <ac:chgData name="ignazio emanuele picciche'" userId="0ffc6f3f-5a1e-4bcf-8207-6fcee5da7ade" providerId="ADAL" clId="{17056212-C789-4D94-A224-491696FC5D6E}" dt="2023-12-11T21:40:58.242" v="2984" actId="26606"/>
+          <ac:spMkLst>
+            <pc:docMk/>
+            <pc:sldMk cId="7161756" sldId="260"/>
+            <ac:spMk id="38" creationId="{ECC07320-C2CA-4E29-8481-9D9E143C7788}"/>
+          </ac:spMkLst>
+        </pc:spChg>
+        <pc:spChg chg="add del">
+          <ac:chgData name="ignazio emanuele picciche'" userId="0ffc6f3f-5a1e-4bcf-8207-6fcee5da7ade" providerId="ADAL" clId="{17056212-C789-4D94-A224-491696FC5D6E}" dt="2023-12-11T21:40:58.242" v="2984" actId="26606"/>
+          <ac:spMkLst>
+            <pc:docMk/>
+            <pc:sldMk cId="7161756" sldId="260"/>
+            <ac:spMk id="39" creationId="{178FB36B-5BFE-42CA-BC60-1115E0D95EEC}"/>
+          </ac:spMkLst>
+        </pc:spChg>
+        <pc:spChg chg="add del mod replId">
+          <ac:chgData name="ignazio emanuele picciche'" userId="0ffc6f3f-5a1e-4bcf-8207-6fcee5da7ade" providerId="ADAL" clId="{17056212-C789-4D94-A224-491696FC5D6E}" dt="2023-12-11T21:40:10.095" v="2976" actId="26606"/>
+          <ac:spMkLst>
+            <pc:docMk/>
+            <pc:sldMk cId="7161756" sldId="260"/>
+            <ac:spMk id="41" creationId="{7DCA9D16-5034-279C-FF1F-96C45AF4B68F}"/>
+          </ac:spMkLst>
+        </pc:spChg>
+        <pc:spChg chg="add del">
+          <ac:chgData name="ignazio emanuele picciche'" userId="0ffc6f3f-5a1e-4bcf-8207-6fcee5da7ade" providerId="ADAL" clId="{17056212-C789-4D94-A224-491696FC5D6E}" dt="2023-12-11T21:40:58.197" v="2982" actId="26606"/>
+          <ac:spMkLst>
+            <pc:docMk/>
+            <pc:sldMk cId="7161756" sldId="260"/>
+            <ac:spMk id="43" creationId="{0671A8AE-40A1-4631-A6B8-581AFF065482}"/>
+          </ac:spMkLst>
+        </pc:spChg>
+        <pc:spChg chg="add del">
+          <ac:chgData name="ignazio emanuele picciche'" userId="0ffc6f3f-5a1e-4bcf-8207-6fcee5da7ade" providerId="ADAL" clId="{17056212-C789-4D94-A224-491696FC5D6E}" dt="2023-12-11T21:40:26.855" v="2979" actId="26606"/>
+          <ac:spMkLst>
+            <pc:docMk/>
+            <pc:sldMk cId="7161756" sldId="260"/>
+            <ac:spMk id="44" creationId="{06DA9DF9-31F7-4056-B42E-878CC92417B8}"/>
+          </ac:spMkLst>
+        </pc:spChg>
+        <pc:spChg chg="add del">
+          <ac:chgData name="ignazio emanuele picciche'" userId="0ffc6f3f-5a1e-4bcf-8207-6fcee5da7ade" providerId="ADAL" clId="{17056212-C789-4D94-A224-491696FC5D6E}" dt="2023-12-11T21:40:58.197" v="2982" actId="26606"/>
+          <ac:spMkLst>
+            <pc:docMk/>
+            <pc:sldMk cId="7161756" sldId="260"/>
+            <ac:spMk id="46" creationId="{AB58EF07-17C2-48CF-ABB0-EEF1F17CB8F0}"/>
+          </ac:spMkLst>
+        </pc:spChg>
+        <pc:spChg chg="add del">
+          <ac:chgData name="ignazio emanuele picciche'" userId="0ffc6f3f-5a1e-4bcf-8207-6fcee5da7ade" providerId="ADAL" clId="{17056212-C789-4D94-A224-491696FC5D6E}" dt="2023-12-11T21:40:58.197" v="2982" actId="26606"/>
+          <ac:spMkLst>
+            <pc:docMk/>
+            <pc:sldMk cId="7161756" sldId="260"/>
+            <ac:spMk id="48" creationId="{AF2F604E-43BE-4DC3-B983-E071523364F8}"/>
+          </ac:spMkLst>
+        </pc:spChg>
+        <pc:spChg chg="add del">
+          <ac:chgData name="ignazio emanuele picciche'" userId="0ffc6f3f-5a1e-4bcf-8207-6fcee5da7ade" providerId="ADAL" clId="{17056212-C789-4D94-A224-491696FC5D6E}" dt="2023-12-11T21:40:58.197" v="2982" actId="26606"/>
+          <ac:spMkLst>
+            <pc:docMk/>
+            <pc:sldMk cId="7161756" sldId="260"/>
+            <ac:spMk id="50" creationId="{08C9B587-E65E-4B52-B37C-ABEBB6E87928}"/>
+          </ac:spMkLst>
+        </pc:spChg>
+        <pc:spChg chg="add del">
+          <ac:chgData name="ignazio emanuele picciche'" userId="0ffc6f3f-5a1e-4bcf-8207-6fcee5da7ade" providerId="ADAL" clId="{17056212-C789-4D94-A224-491696FC5D6E}" dt="2023-12-11T21:41:25.832" v="3001" actId="26606"/>
+          <ac:spMkLst>
+            <pc:docMk/>
+            <pc:sldMk cId="7161756" sldId="260"/>
+            <ac:spMk id="52" creationId="{ECC07320-C2CA-4E29-8481-9D9E143C7788}"/>
+          </ac:spMkLst>
+        </pc:spChg>
+        <pc:spChg chg="add del">
+          <ac:chgData name="ignazio emanuele picciche'" userId="0ffc6f3f-5a1e-4bcf-8207-6fcee5da7ade" providerId="ADAL" clId="{17056212-C789-4D94-A224-491696FC5D6E}" dt="2023-12-11T21:41:25.832" v="3001" actId="26606"/>
+          <ac:spMkLst>
+            <pc:docMk/>
+            <pc:sldMk cId="7161756" sldId="260"/>
+            <ac:spMk id="53" creationId="{178FB36B-5BFE-42CA-BC60-1115E0D95EEC}"/>
+          </ac:spMkLst>
+        </pc:spChg>
+        <pc:spChg chg="add del mod replId">
+          <ac:chgData name="ignazio emanuele picciche'" userId="0ffc6f3f-5a1e-4bcf-8207-6fcee5da7ade" providerId="ADAL" clId="{17056212-C789-4D94-A224-491696FC5D6E}" dt="2023-12-11T21:40:58.242" v="2984" actId="26606"/>
+          <ac:spMkLst>
+            <pc:docMk/>
+            <pc:sldMk cId="7161756" sldId="260"/>
+            <ac:spMk id="55" creationId="{6F4C6091-1A23-C163-D9C6-92156A1618F1}"/>
+          </ac:spMkLst>
+        </pc:spChg>
+        <pc:spChg chg="add del">
+          <ac:chgData name="ignazio emanuele picciche'" userId="0ffc6f3f-5a1e-4bcf-8207-6fcee5da7ade" providerId="ADAL" clId="{17056212-C789-4D94-A224-491696FC5D6E}" dt="2023-12-11T21:41:13.161" v="2987" actId="26606"/>
+          <ac:spMkLst>
+            <pc:docMk/>
+            <pc:sldMk cId="7161756" sldId="260"/>
+            <ac:spMk id="58" creationId="{C1DD1A8A-57D5-4A81-AD04-532B043C5611}"/>
+          </ac:spMkLst>
+        </pc:spChg>
+        <pc:spChg chg="add del">
+          <ac:chgData name="ignazio emanuele picciche'" userId="0ffc6f3f-5a1e-4bcf-8207-6fcee5da7ade" providerId="ADAL" clId="{17056212-C789-4D94-A224-491696FC5D6E}" dt="2023-12-11T21:41:13.161" v="2987" actId="26606"/>
+          <ac:spMkLst>
+            <pc:docMk/>
+            <pc:sldMk cId="7161756" sldId="260"/>
+            <ac:spMk id="60" creationId="{007891EC-4501-44ED-A8C8-B11B6DB767AB}"/>
+          </ac:spMkLst>
+        </pc:spChg>
+        <pc:spChg chg="add del">
+          <ac:chgData name="ignazio emanuele picciche'" userId="0ffc6f3f-5a1e-4bcf-8207-6fcee5da7ade" providerId="ADAL" clId="{17056212-C789-4D94-A224-491696FC5D6E}" dt="2023-12-11T21:41:16.036" v="2990" actId="26606"/>
+          <ac:spMkLst>
+            <pc:docMk/>
+            <pc:sldMk cId="7161756" sldId="260"/>
+            <ac:spMk id="62" creationId="{ECC07320-C2CA-4E29-8481-9D9E143C7788}"/>
+          </ac:spMkLst>
+        </pc:spChg>
+        <pc:spChg chg="add del">
+          <ac:chgData name="ignazio emanuele picciche'" userId="0ffc6f3f-5a1e-4bcf-8207-6fcee5da7ade" providerId="ADAL" clId="{17056212-C789-4D94-A224-491696FC5D6E}" dt="2023-12-11T21:41:16.036" v="2990" actId="26606"/>
+          <ac:spMkLst>
+            <pc:docMk/>
+            <pc:sldMk cId="7161756" sldId="260"/>
+            <ac:spMk id="63" creationId="{178FB36B-5BFE-42CA-BC60-1115E0D95EEC}"/>
+          </ac:spMkLst>
+        </pc:spChg>
+        <pc:spChg chg="add del">
+          <ac:chgData name="ignazio emanuele picciche'" userId="0ffc6f3f-5a1e-4bcf-8207-6fcee5da7ade" providerId="ADAL" clId="{17056212-C789-4D94-A224-491696FC5D6E}" dt="2023-12-11T21:42:22.534" v="3013" actId="26606"/>
+          <ac:spMkLst>
+            <pc:docMk/>
+            <pc:sldMk cId="7161756" sldId="260"/>
+            <ac:spMk id="64" creationId="{08C9B587-E65E-4B52-B37C-ABEBB6E87928}"/>
+          </ac:spMkLst>
+        </pc:spChg>
+        <pc:spChg chg="add del">
+          <ac:chgData name="ignazio emanuele picciche'" userId="0ffc6f3f-5a1e-4bcf-8207-6fcee5da7ade" providerId="ADAL" clId="{17056212-C789-4D94-A224-491696FC5D6E}" dt="2023-12-11T21:41:18.698" v="2993" actId="26606"/>
+          <ac:spMkLst>
+            <pc:docMk/>
+            <pc:sldMk cId="7161756" sldId="260"/>
+            <ac:spMk id="67" creationId="{0671A8AE-40A1-4631-A6B8-581AFF065482}"/>
+          </ac:spMkLst>
+        </pc:spChg>
+        <pc:spChg chg="add del">
+          <ac:chgData name="ignazio emanuele picciche'" userId="0ffc6f3f-5a1e-4bcf-8207-6fcee5da7ade" providerId="ADAL" clId="{17056212-C789-4D94-A224-491696FC5D6E}" dt="2023-12-11T21:41:18.698" v="2993" actId="26606"/>
+          <ac:spMkLst>
+            <pc:docMk/>
+            <pc:sldMk cId="7161756" sldId="260"/>
+            <ac:spMk id="68" creationId="{AB58EF07-17C2-48CF-ABB0-EEF1F17CB8F0}"/>
+          </ac:spMkLst>
+        </pc:spChg>
+        <pc:spChg chg="add del">
+          <ac:chgData name="ignazio emanuele picciche'" userId="0ffc6f3f-5a1e-4bcf-8207-6fcee5da7ade" providerId="ADAL" clId="{17056212-C789-4D94-A224-491696FC5D6E}" dt="2023-12-11T21:41:18.698" v="2993" actId="26606"/>
+          <ac:spMkLst>
+            <pc:docMk/>
+            <pc:sldMk cId="7161756" sldId="260"/>
+            <ac:spMk id="69" creationId="{AF2F604E-43BE-4DC3-B983-E071523364F8}"/>
+          </ac:spMkLst>
+        </pc:spChg>
+        <pc:spChg chg="add del">
+          <ac:chgData name="ignazio emanuele picciche'" userId="0ffc6f3f-5a1e-4bcf-8207-6fcee5da7ade" providerId="ADAL" clId="{17056212-C789-4D94-A224-491696FC5D6E}" dt="2023-12-11T21:41:18.698" v="2993" actId="26606"/>
+          <ac:spMkLst>
+            <pc:docMk/>
+            <pc:sldMk cId="7161756" sldId="260"/>
+            <ac:spMk id="70" creationId="{08C9B587-E65E-4B52-B37C-ABEBB6E87928}"/>
+          </ac:spMkLst>
+        </pc:spChg>
+        <pc:spChg chg="add del">
+          <ac:chgData name="ignazio emanuele picciche'" userId="0ffc6f3f-5a1e-4bcf-8207-6fcee5da7ade" providerId="ADAL" clId="{17056212-C789-4D94-A224-491696FC5D6E}" dt="2023-12-11T21:41:21.270" v="2996" actId="26606"/>
+          <ac:spMkLst>
+            <pc:docMk/>
+            <pc:sldMk cId="7161756" sldId="260"/>
+            <ac:spMk id="74" creationId="{ECC07320-C2CA-4E29-8481-9D9E143C7788}"/>
+          </ac:spMkLst>
+        </pc:spChg>
+        <pc:spChg chg="add del">
+          <ac:chgData name="ignazio emanuele picciche'" userId="0ffc6f3f-5a1e-4bcf-8207-6fcee5da7ade" providerId="ADAL" clId="{17056212-C789-4D94-A224-491696FC5D6E}" dt="2023-12-11T21:41:21.270" v="2996" actId="26606"/>
+          <ac:spMkLst>
+            <pc:docMk/>
+            <pc:sldMk cId="7161756" sldId="260"/>
+            <ac:spMk id="75" creationId="{178FB36B-5BFE-42CA-BC60-1115E0D95EEC}"/>
+          </ac:spMkLst>
+        </pc:spChg>
+        <pc:spChg chg="add del">
+          <ac:chgData name="ignazio emanuele picciche'" userId="0ffc6f3f-5a1e-4bcf-8207-6fcee5da7ade" providerId="ADAL" clId="{17056212-C789-4D94-A224-491696FC5D6E}" dt="2023-12-11T21:41:25.712" v="2999" actId="26606"/>
+          <ac:spMkLst>
+            <pc:docMk/>
+            <pc:sldMk cId="7161756" sldId="260"/>
+            <ac:spMk id="79" creationId="{3A930249-8242-4E2B-AF17-C01826488321}"/>
+          </ac:spMkLst>
+        </pc:spChg>
+        <pc:spChg chg="add del">
+          <ac:chgData name="ignazio emanuele picciche'" userId="0ffc6f3f-5a1e-4bcf-8207-6fcee5da7ade" providerId="ADAL" clId="{17056212-C789-4D94-A224-491696FC5D6E}" dt="2023-12-11T21:41:25.712" v="2999" actId="26606"/>
+          <ac:spMkLst>
+            <pc:docMk/>
+            <pc:sldMk cId="7161756" sldId="260"/>
+            <ac:spMk id="80" creationId="{A5BDD999-C5E1-4B3E-A710-768673819165}"/>
+          </ac:spMkLst>
+        </pc:spChg>
+        <pc:spChg chg="add del">
+          <ac:chgData name="ignazio emanuele picciche'" userId="0ffc6f3f-5a1e-4bcf-8207-6fcee5da7ade" providerId="ADAL" clId="{17056212-C789-4D94-A224-491696FC5D6E}" dt="2023-12-11T21:42:22.534" v="3013" actId="26606"/>
+          <ac:spMkLst>
+            <pc:docMk/>
+            <pc:sldMk cId="7161756" sldId="260"/>
+            <ac:spMk id="84" creationId="{0671A8AE-40A1-4631-A6B8-581AFF065482}"/>
+          </ac:spMkLst>
+        </pc:spChg>
+        <pc:spChg chg="add del">
+          <ac:chgData name="ignazio emanuele picciche'" userId="0ffc6f3f-5a1e-4bcf-8207-6fcee5da7ade" providerId="ADAL" clId="{17056212-C789-4D94-A224-491696FC5D6E}" dt="2023-12-11T21:42:22.534" v="3013" actId="26606"/>
+          <ac:spMkLst>
+            <pc:docMk/>
+            <pc:sldMk cId="7161756" sldId="260"/>
+            <ac:spMk id="85" creationId="{AB58EF07-17C2-48CF-ABB0-EEF1F17CB8F0}"/>
+          </ac:spMkLst>
+        </pc:spChg>
+        <pc:spChg chg="add del">
+          <ac:chgData name="ignazio emanuele picciche'" userId="0ffc6f3f-5a1e-4bcf-8207-6fcee5da7ade" providerId="ADAL" clId="{17056212-C789-4D94-A224-491696FC5D6E}" dt="2023-12-11T21:42:22.534" v="3013" actId="26606"/>
+          <ac:spMkLst>
+            <pc:docMk/>
+            <pc:sldMk cId="7161756" sldId="260"/>
+            <ac:spMk id="86" creationId="{AF2F604E-43BE-4DC3-B983-E071523364F8}"/>
+          </ac:spMkLst>
+        </pc:spChg>
+        <pc:spChg chg="add del mod replId">
+          <ac:chgData name="ignazio emanuele picciche'" userId="0ffc6f3f-5a1e-4bcf-8207-6fcee5da7ade" providerId="ADAL" clId="{17056212-C789-4D94-A224-491696FC5D6E}" dt="2023-12-11T21:41:25.832" v="3001" actId="26606"/>
+          <ac:spMkLst>
+            <pc:docMk/>
+            <pc:sldMk cId="7161756" sldId="260"/>
+            <ac:spMk id="88" creationId="{0E34FB24-4051-73EA-89B6-EF415F694611}"/>
+          </ac:spMkLst>
+        </pc:spChg>
+        <pc:spChg chg="add del">
+          <ac:chgData name="ignazio emanuele picciche'" userId="0ffc6f3f-5a1e-4bcf-8207-6fcee5da7ade" providerId="ADAL" clId="{17056212-C789-4D94-A224-491696FC5D6E}" dt="2023-12-11T21:42:22.477" v="3011" actId="26606"/>
+          <ac:spMkLst>
+            <pc:docMk/>
+            <pc:sldMk cId="7161756" sldId="260"/>
+            <ac:spMk id="91" creationId="{22A397E7-BF60-45B2-84C7-B074B76C37A7}"/>
+          </ac:spMkLst>
+        </pc:spChg>
+        <pc:spChg chg="add del">
+          <ac:chgData name="ignazio emanuele picciche'" userId="0ffc6f3f-5a1e-4bcf-8207-6fcee5da7ade" providerId="ADAL" clId="{17056212-C789-4D94-A224-491696FC5D6E}" dt="2023-12-11T21:42:22.477" v="3011" actId="26606"/>
+          <ac:spMkLst>
+            <pc:docMk/>
+            <pc:sldMk cId="7161756" sldId="260"/>
+            <ac:spMk id="93" creationId="{890DEF05-784E-4B61-89E4-04C4ECF4E5A0}"/>
+          </ac:spMkLst>
+        </pc:spChg>
+        <pc:spChg chg="add del">
+          <ac:chgData name="ignazio emanuele picciche'" userId="0ffc6f3f-5a1e-4bcf-8207-6fcee5da7ade" providerId="ADAL" clId="{17056212-C789-4D94-A224-491696FC5D6E}" dt="2023-12-11T21:42:50.613" v="3018" actId="26606"/>
+          <ac:spMkLst>
+            <pc:docMk/>
+            <pc:sldMk cId="7161756" sldId="260"/>
+            <ac:spMk id="97" creationId="{ECC07320-C2CA-4E29-8481-9D9E143C7788}"/>
+          </ac:spMkLst>
+        </pc:spChg>
+        <pc:spChg chg="add del">
+          <ac:chgData name="ignazio emanuele picciche'" userId="0ffc6f3f-5a1e-4bcf-8207-6fcee5da7ade" providerId="ADAL" clId="{17056212-C789-4D94-A224-491696FC5D6E}" dt="2023-12-11T21:42:50.613" v="3018" actId="26606"/>
+          <ac:spMkLst>
+            <pc:docMk/>
+            <pc:sldMk cId="7161756" sldId="260"/>
+            <ac:spMk id="98" creationId="{178FB36B-5BFE-42CA-BC60-1115E0D95EEC}"/>
+          </ac:spMkLst>
+        </pc:spChg>
+        <pc:spChg chg="add del mod replId">
+          <ac:chgData name="ignazio emanuele picciche'" userId="0ffc6f3f-5a1e-4bcf-8207-6fcee5da7ade" providerId="ADAL" clId="{17056212-C789-4D94-A224-491696FC5D6E}" dt="2023-12-11T21:42:22.534" v="3013" actId="26606"/>
+          <ac:spMkLst>
+            <pc:docMk/>
+            <pc:sldMk cId="7161756" sldId="260"/>
+            <ac:spMk id="100" creationId="{2E030C53-E4D1-C9CE-031C-BB3939D2AE03}"/>
+          </ac:spMkLst>
+        </pc:spChg>
+        <pc:spChg chg="add del">
+          <ac:chgData name="ignazio emanuele picciche'" userId="0ffc6f3f-5a1e-4bcf-8207-6fcee5da7ade" providerId="ADAL" clId="{17056212-C789-4D94-A224-491696FC5D6E}" dt="2023-12-11T21:42:50.487" v="3016" actId="26606"/>
+          <ac:spMkLst>
+            <pc:docMk/>
+            <pc:sldMk cId="7161756" sldId="260"/>
+            <ac:spMk id="103" creationId="{0671A8AE-40A1-4631-A6B8-581AFF065482}"/>
+          </ac:spMkLst>
+        </pc:spChg>
+        <pc:spChg chg="add del">
+          <ac:chgData name="ignazio emanuele picciche'" userId="0ffc6f3f-5a1e-4bcf-8207-6fcee5da7ade" providerId="ADAL" clId="{17056212-C789-4D94-A224-491696FC5D6E}" dt="2023-12-11T21:42:50.487" v="3016" actId="26606"/>
+          <ac:spMkLst>
+            <pc:docMk/>
+            <pc:sldMk cId="7161756" sldId="260"/>
+            <ac:spMk id="105" creationId="{AB58EF07-17C2-48CF-ABB0-EEF1F17CB8F0}"/>
+          </ac:spMkLst>
+        </pc:spChg>
+        <pc:spChg chg="add del">
+          <ac:chgData name="ignazio emanuele picciche'" userId="0ffc6f3f-5a1e-4bcf-8207-6fcee5da7ade" providerId="ADAL" clId="{17056212-C789-4D94-A224-491696FC5D6E}" dt="2023-12-11T21:42:50.487" v="3016" actId="26606"/>
+          <ac:spMkLst>
+            <pc:docMk/>
+            <pc:sldMk cId="7161756" sldId="260"/>
+            <ac:spMk id="107" creationId="{AF2F604E-43BE-4DC3-B983-E071523364F8}"/>
+          </ac:spMkLst>
+        </pc:spChg>
+        <pc:spChg chg="add del">
+          <ac:chgData name="ignazio emanuele picciche'" userId="0ffc6f3f-5a1e-4bcf-8207-6fcee5da7ade" providerId="ADAL" clId="{17056212-C789-4D94-A224-491696FC5D6E}" dt="2023-12-11T21:42:50.487" v="3016" actId="26606"/>
+          <ac:spMkLst>
+            <pc:docMk/>
+            <pc:sldMk cId="7161756" sldId="260"/>
+            <ac:spMk id="109" creationId="{08C9B587-E65E-4B52-B37C-ABEBB6E87928}"/>
+          </ac:spMkLst>
+        </pc:spChg>
+        <pc:spChg chg="add del">
+          <ac:chgData name="ignazio emanuele picciche'" userId="0ffc6f3f-5a1e-4bcf-8207-6fcee5da7ade" providerId="ADAL" clId="{17056212-C789-4D94-A224-491696FC5D6E}" dt="2023-12-11T21:43:28.878" v="3029" actId="26606"/>
+          <ac:spMkLst>
+            <pc:docMk/>
+            <pc:sldMk cId="7161756" sldId="260"/>
+            <ac:spMk id="111" creationId="{9C6777B5-64F4-4200-B099-34168B69FE53}"/>
+          </ac:spMkLst>
+        </pc:spChg>
+        <pc:spChg chg="add del">
+          <ac:chgData name="ignazio emanuele picciche'" userId="0ffc6f3f-5a1e-4bcf-8207-6fcee5da7ade" providerId="ADAL" clId="{17056212-C789-4D94-A224-491696FC5D6E}" dt="2023-12-11T21:43:28.878" v="3029" actId="26606"/>
+          <ac:spMkLst>
+            <pc:docMk/>
+            <pc:sldMk cId="7161756" sldId="260"/>
+            <ac:spMk id="112" creationId="{9B37791B-B040-4694-BFDC-8DD132D86E8E}"/>
+          </ac:spMkLst>
+        </pc:spChg>
+        <pc:spChg chg="add del mod replId">
+          <ac:chgData name="ignazio emanuele picciche'" userId="0ffc6f3f-5a1e-4bcf-8207-6fcee5da7ade" providerId="ADAL" clId="{17056212-C789-4D94-A224-491696FC5D6E}" dt="2023-12-11T21:42:50.613" v="3018" actId="26606"/>
+          <ac:spMkLst>
+            <pc:docMk/>
+            <pc:sldMk cId="7161756" sldId="260"/>
+            <ac:spMk id="116" creationId="{7DBAF97E-DFCD-081F-F855-C951BDB305EB}"/>
+          </ac:spMkLst>
+        </pc:spChg>
+        <pc:spChg chg="add del">
+          <ac:chgData name="ignazio emanuele picciche'" userId="0ffc6f3f-5a1e-4bcf-8207-6fcee5da7ade" providerId="ADAL" clId="{17056212-C789-4D94-A224-491696FC5D6E}" dt="2023-12-11T21:43:11.679" v="3021" actId="26606"/>
+          <ac:spMkLst>
+            <pc:docMk/>
+            <pc:sldMk cId="7161756" sldId="260"/>
+            <ac:spMk id="119" creationId="{D776D29F-0A2C-4F75-8582-7C7DFCBD11D5}"/>
+          </ac:spMkLst>
+        </pc:spChg>
+        <pc:spChg chg="add del">
+          <ac:chgData name="ignazio emanuele picciche'" userId="0ffc6f3f-5a1e-4bcf-8207-6fcee5da7ade" providerId="ADAL" clId="{17056212-C789-4D94-A224-491696FC5D6E}" dt="2023-12-11T21:43:11.679" v="3021" actId="26606"/>
+          <ac:spMkLst>
+            <pc:docMk/>
+            <pc:sldMk cId="7161756" sldId="260"/>
+            <ac:spMk id="121" creationId="{C4D41903-2C9D-4F9E-AA1F-6161F8A6FC01}"/>
+          </ac:spMkLst>
+        </pc:spChg>
+        <pc:spChg chg="add del">
+          <ac:chgData name="ignazio emanuele picciche'" userId="0ffc6f3f-5a1e-4bcf-8207-6fcee5da7ade" providerId="ADAL" clId="{17056212-C789-4D94-A224-491696FC5D6E}" dt="2023-12-11T21:43:11.679" v="3021" actId="26606"/>
+          <ac:spMkLst>
+            <pc:docMk/>
+            <pc:sldMk cId="7161756" sldId="260"/>
+            <ac:spMk id="123" creationId="{9E4574B5-C90E-412D-BAB0-B9F483290C67}"/>
+          </ac:spMkLst>
+        </pc:spChg>
+        <pc:spChg chg="add del">
+          <ac:chgData name="ignazio emanuele picciche'" userId="0ffc6f3f-5a1e-4bcf-8207-6fcee5da7ade" providerId="ADAL" clId="{17056212-C789-4D94-A224-491696FC5D6E}" dt="2023-12-11T21:43:17.874" v="3024" actId="26606"/>
+          <ac:spMkLst>
+            <pc:docMk/>
+            <pc:sldMk cId="7161756" sldId="260"/>
+            <ac:spMk id="125" creationId="{08C9B587-E65E-4B52-B37C-ABEBB6E87928}"/>
+          </ac:spMkLst>
+        </pc:spChg>
+        <pc:spChg chg="add del">
+          <ac:chgData name="ignazio emanuele picciche'" userId="0ffc6f3f-5a1e-4bcf-8207-6fcee5da7ade" providerId="ADAL" clId="{17056212-C789-4D94-A224-491696FC5D6E}" dt="2023-12-11T21:43:17.874" v="3024" actId="26606"/>
+          <ac:spMkLst>
+            <pc:docMk/>
+            <pc:sldMk cId="7161756" sldId="260"/>
+            <ac:spMk id="126" creationId="{E91DC736-0EF8-4F87-9146-EBF1D2EE4D3D}"/>
+          </ac:spMkLst>
+        </pc:spChg>
+        <pc:spChg chg="add del">
+          <ac:chgData name="ignazio emanuele picciche'" userId="0ffc6f3f-5a1e-4bcf-8207-6fcee5da7ade" providerId="ADAL" clId="{17056212-C789-4D94-A224-491696FC5D6E}" dt="2023-12-11T21:43:17.874" v="3024" actId="26606"/>
+          <ac:spMkLst>
+            <pc:docMk/>
+            <pc:sldMk cId="7161756" sldId="260"/>
+            <ac:spMk id="127" creationId="{097CD68E-23E3-4007-8847-CD0944C4F7BE}"/>
+          </ac:spMkLst>
+        </pc:spChg>
+        <pc:spChg chg="add del">
+          <ac:chgData name="ignazio emanuele picciche'" userId="0ffc6f3f-5a1e-4bcf-8207-6fcee5da7ade" providerId="ADAL" clId="{17056212-C789-4D94-A224-491696FC5D6E}" dt="2023-12-11T21:43:17.874" v="3024" actId="26606"/>
+          <ac:spMkLst>
+            <pc:docMk/>
+            <pc:sldMk cId="7161756" sldId="260"/>
+            <ac:spMk id="128" creationId="{AF2F604E-43BE-4DC3-B983-E071523364F8}"/>
+          </ac:spMkLst>
+        </pc:spChg>
+        <pc:spChg chg="add del">
+          <ac:chgData name="ignazio emanuele picciche'" userId="0ffc6f3f-5a1e-4bcf-8207-6fcee5da7ade" providerId="ADAL" clId="{17056212-C789-4D94-A224-491696FC5D6E}" dt="2023-12-11T21:43:28.815" v="3027" actId="26606"/>
+          <ac:spMkLst>
+            <pc:docMk/>
+            <pc:sldMk cId="7161756" sldId="260"/>
+            <ac:spMk id="132" creationId="{ECC07320-C2CA-4E29-8481-9D9E143C7788}"/>
+          </ac:spMkLst>
+        </pc:spChg>
+        <pc:spChg chg="add del">
+          <ac:chgData name="ignazio emanuele picciche'" userId="0ffc6f3f-5a1e-4bcf-8207-6fcee5da7ade" providerId="ADAL" clId="{17056212-C789-4D94-A224-491696FC5D6E}" dt="2023-12-11T21:43:28.815" v="3027" actId="26606"/>
+          <ac:spMkLst>
+            <pc:docMk/>
+            <pc:sldMk cId="7161756" sldId="260"/>
+            <ac:spMk id="133" creationId="{178FB36B-5BFE-42CA-BC60-1115E0D95EEC}"/>
+          </ac:spMkLst>
+        </pc:spChg>
+        <pc:spChg chg="add del">
+          <ac:chgData name="ignazio emanuele picciche'" userId="0ffc6f3f-5a1e-4bcf-8207-6fcee5da7ade" providerId="ADAL" clId="{17056212-C789-4D94-A224-491696FC5D6E}" dt="2023-12-11T21:44:14.783" v="3032" actId="26606"/>
+          <ac:spMkLst>
+            <pc:docMk/>
+            <pc:sldMk cId="7161756" sldId="260"/>
+            <ac:spMk id="137" creationId="{0671A8AE-40A1-4631-A6B8-581AFF065482}"/>
+          </ac:spMkLst>
+        </pc:spChg>
+        <pc:spChg chg="add del">
+          <ac:chgData name="ignazio emanuele picciche'" userId="0ffc6f3f-5a1e-4bcf-8207-6fcee5da7ade" providerId="ADAL" clId="{17056212-C789-4D94-A224-491696FC5D6E}" dt="2023-12-11T21:44:14.783" v="3032" actId="26606"/>
+          <ac:spMkLst>
+            <pc:docMk/>
+            <pc:sldMk cId="7161756" sldId="260"/>
+            <ac:spMk id="138" creationId="{AB58EF07-17C2-48CF-ABB0-EEF1F17CB8F0}"/>
+          </ac:spMkLst>
+        </pc:spChg>
+        <pc:spChg chg="add del">
+          <ac:chgData name="ignazio emanuele picciche'" userId="0ffc6f3f-5a1e-4bcf-8207-6fcee5da7ade" providerId="ADAL" clId="{17056212-C789-4D94-A224-491696FC5D6E}" dt="2023-12-11T21:44:14.783" v="3032" actId="26606"/>
+          <ac:spMkLst>
+            <pc:docMk/>
+            <pc:sldMk cId="7161756" sldId="260"/>
+            <ac:spMk id="139" creationId="{AF2F604E-43BE-4DC3-B983-E071523364F8}"/>
+          </ac:spMkLst>
+        </pc:spChg>
+        <pc:spChg chg="add del">
+          <ac:chgData name="ignazio emanuele picciche'" userId="0ffc6f3f-5a1e-4bcf-8207-6fcee5da7ade" providerId="ADAL" clId="{17056212-C789-4D94-A224-491696FC5D6E}" dt="2023-12-11T21:44:14.783" v="3032" actId="26606"/>
+          <ac:spMkLst>
+            <pc:docMk/>
+            <pc:sldMk cId="7161756" sldId="260"/>
+            <ac:spMk id="140" creationId="{08C9B587-E65E-4B52-B37C-ABEBB6E87928}"/>
+          </ac:spMkLst>
+        </pc:spChg>
+        <pc:spChg chg="add del mod replId">
+          <ac:chgData name="ignazio emanuele picciche'" userId="0ffc6f3f-5a1e-4bcf-8207-6fcee5da7ade" providerId="ADAL" clId="{17056212-C789-4D94-A224-491696FC5D6E}" dt="2023-12-11T21:43:28.878" v="3029" actId="26606"/>
+          <ac:spMkLst>
+            <pc:docMk/>
+            <pc:sldMk cId="7161756" sldId="260"/>
+            <ac:spMk id="142" creationId="{76EF272E-B9E3-49B8-C025-A541AA4DEC16}"/>
+          </ac:spMkLst>
+        </pc:spChg>
+        <pc:spChg chg="add del mod replId">
+          <ac:chgData name="ignazio emanuele picciche'" userId="0ffc6f3f-5a1e-4bcf-8207-6fcee5da7ade" providerId="ADAL" clId="{17056212-C789-4D94-A224-491696FC5D6E}" dt="2023-12-11T21:44:14.783" v="3032" actId="26606"/>
+          <ac:spMkLst>
+            <pc:docMk/>
+            <pc:sldMk cId="7161756" sldId="260"/>
+            <ac:spMk id="143" creationId="{B9FF2C50-7287-02A3-BE7A-29E6868418EC}"/>
+          </ac:spMkLst>
+        </pc:spChg>
+        <pc:spChg chg="add del">
+          <ac:chgData name="ignazio emanuele picciche'" userId="0ffc6f3f-5a1e-4bcf-8207-6fcee5da7ade" providerId="ADAL" clId="{17056212-C789-4D94-A224-491696FC5D6E}" dt="2023-12-11T21:44:28.730" v="3035" actId="26606"/>
+          <ac:spMkLst>
+            <pc:docMk/>
+            <pc:sldMk cId="7161756" sldId="260"/>
+            <ac:spMk id="145" creationId="{657F69E0-C4B0-4BEC-A689-4F8D877F05D4}"/>
+          </ac:spMkLst>
+        </pc:spChg>
+        <pc:spChg chg="add del">
+          <ac:chgData name="ignazio emanuele picciche'" userId="0ffc6f3f-5a1e-4bcf-8207-6fcee5da7ade" providerId="ADAL" clId="{17056212-C789-4D94-A224-491696FC5D6E}" dt="2023-12-11T21:44:28.730" v="3035" actId="26606"/>
+          <ac:spMkLst>
+            <pc:docMk/>
+            <pc:sldMk cId="7161756" sldId="260"/>
+            <ac:spMk id="147" creationId="{9F6380B4-6A1C-481E-8408-B4E6C75B9B81}"/>
+          </ac:spMkLst>
+        </pc:spChg>
+        <pc:spChg chg="add del">
+          <ac:chgData name="ignazio emanuele picciche'" userId="0ffc6f3f-5a1e-4bcf-8207-6fcee5da7ade" providerId="ADAL" clId="{17056212-C789-4D94-A224-491696FC5D6E}" dt="2023-12-11T21:44:28.667" v="3034" actId="26606"/>
+          <ac:spMkLst>
+            <pc:docMk/>
+            <pc:sldMk cId="7161756" sldId="260"/>
+            <ac:spMk id="152" creationId="{E2CFBC99-FB8F-41F7-A81D-A5288D688D79}"/>
+          </ac:spMkLst>
+        </pc:spChg>
+        <pc:spChg chg="add del">
+          <ac:chgData name="ignazio emanuele picciche'" userId="0ffc6f3f-5a1e-4bcf-8207-6fcee5da7ade" providerId="ADAL" clId="{17056212-C789-4D94-A224-491696FC5D6E}" dt="2023-12-11T21:44:28.667" v="3034" actId="26606"/>
+          <ac:spMkLst>
+            <pc:docMk/>
+            <pc:sldMk cId="7161756" sldId="260"/>
+            <ac:spMk id="154" creationId="{A435A76B-D478-4F38-9D76-040E49ADC674}"/>
+          </ac:spMkLst>
+        </pc:spChg>
+        <pc:spChg chg="add del">
+          <ac:chgData name="ignazio emanuele picciche'" userId="0ffc6f3f-5a1e-4bcf-8207-6fcee5da7ade" providerId="ADAL" clId="{17056212-C789-4D94-A224-491696FC5D6E}" dt="2023-12-11T21:44:45.370" v="3041" actId="26606"/>
+          <ac:spMkLst>
+            <pc:docMk/>
+            <pc:sldMk cId="7161756" sldId="260"/>
+            <ac:spMk id="156" creationId="{AF2F604E-43BE-4DC3-B983-E071523364F8}"/>
+          </ac:spMkLst>
+        </pc:spChg>
+        <pc:spChg chg="add del">
+          <ac:chgData name="ignazio emanuele picciche'" userId="0ffc6f3f-5a1e-4bcf-8207-6fcee5da7ade" providerId="ADAL" clId="{17056212-C789-4D94-A224-491696FC5D6E}" dt="2023-12-11T21:44:45.370" v="3041" actId="26606"/>
+          <ac:spMkLst>
+            <pc:docMk/>
+            <pc:sldMk cId="7161756" sldId="260"/>
+            <ac:spMk id="157" creationId="{0671A8AE-40A1-4631-A6B8-581AFF065482}"/>
+          </ac:spMkLst>
+        </pc:spChg>
+        <pc:spChg chg="add del">
+          <ac:chgData name="ignazio emanuele picciche'" userId="0ffc6f3f-5a1e-4bcf-8207-6fcee5da7ade" providerId="ADAL" clId="{17056212-C789-4D94-A224-491696FC5D6E}" dt="2023-12-11T21:44:45.370" v="3041" actId="26606"/>
+          <ac:spMkLst>
+            <pc:docMk/>
+            <pc:sldMk cId="7161756" sldId="260"/>
+            <ac:spMk id="158" creationId="{08C9B587-E65E-4B52-B37C-ABEBB6E87928}"/>
+          </ac:spMkLst>
+        </pc:spChg>
+        <pc:spChg chg="add del">
+          <ac:chgData name="ignazio emanuele picciche'" userId="0ffc6f3f-5a1e-4bcf-8207-6fcee5da7ade" providerId="ADAL" clId="{17056212-C789-4D94-A224-491696FC5D6E}" dt="2023-12-11T21:44:45.370" v="3041" actId="26606"/>
+          <ac:spMkLst>
+            <pc:docMk/>
+            <pc:sldMk cId="7161756" sldId="260"/>
+            <ac:spMk id="159" creationId="{AB58EF07-17C2-48CF-ABB0-EEF1F17CB8F0}"/>
+          </ac:spMkLst>
+        </pc:spChg>
+        <pc:spChg chg="add del">
+          <ac:chgData name="ignazio emanuele picciche'" userId="0ffc6f3f-5a1e-4bcf-8207-6fcee5da7ade" providerId="ADAL" clId="{17056212-C789-4D94-A224-491696FC5D6E}" dt="2023-12-11T21:44:45.370" v="3041" actId="26606"/>
+          <ac:spMkLst>
+            <pc:docMk/>
+            <pc:sldMk cId="7161756" sldId="260"/>
+            <ac:spMk id="164" creationId="{526E0BFB-CDF1-4990-8C11-AC849311E0A8}"/>
+          </ac:spMkLst>
+        </pc:spChg>
+        <pc:spChg chg="add del">
+          <ac:chgData name="ignazio emanuele picciche'" userId="0ffc6f3f-5a1e-4bcf-8207-6fcee5da7ade" providerId="ADAL" clId="{17056212-C789-4D94-A224-491696FC5D6E}" dt="2023-12-11T21:44:45.370" v="3041" actId="26606"/>
+          <ac:spMkLst>
+            <pc:docMk/>
+            <pc:sldMk cId="7161756" sldId="260"/>
+            <ac:spMk id="166" creationId="{6069A1F8-9BEB-4786-9694-FC48B2D75D21}"/>
+          </ac:spMkLst>
+        </pc:spChg>
+        <pc:spChg chg="add del">
+          <ac:chgData name="ignazio emanuele picciche'" userId="0ffc6f3f-5a1e-4bcf-8207-6fcee5da7ade" providerId="ADAL" clId="{17056212-C789-4D94-A224-491696FC5D6E}" dt="2023-12-11T21:44:45.370" v="3041" actId="26606"/>
+          <ac:spMkLst>
+            <pc:docMk/>
+            <pc:sldMk cId="7161756" sldId="260"/>
+            <ac:spMk id="168" creationId="{AF2F604E-43BE-4DC3-B983-E071523364F8}"/>
+          </ac:spMkLst>
+        </pc:spChg>
+        <pc:spChg chg="add del">
+          <ac:chgData name="ignazio emanuele picciche'" userId="0ffc6f3f-5a1e-4bcf-8207-6fcee5da7ade" providerId="ADAL" clId="{17056212-C789-4D94-A224-491696FC5D6E}" dt="2023-12-11T21:44:45.370" v="3041" actId="26606"/>
+          <ac:spMkLst>
+            <pc:docMk/>
+            <pc:sldMk cId="7161756" sldId="260"/>
+            <ac:spMk id="170" creationId="{08C9B587-E65E-4B52-B37C-ABEBB6E87928}"/>
+          </ac:spMkLst>
+        </pc:spChg>
+        <pc:grpChg chg="add del">
+          <ac:chgData name="ignazio emanuele picciche'" userId="0ffc6f3f-5a1e-4bcf-8207-6fcee5da7ade" providerId="ADAL" clId="{17056212-C789-4D94-A224-491696FC5D6E}" dt="2023-12-11T21:39:40.692" v="2968" actId="26606"/>
+          <ac:grpSpMkLst>
+            <pc:docMk/>
+            <pc:sldMk cId="7161756" sldId="260"/>
+            <ac:grpSpMk id="22" creationId="{0B139475-2B26-4CA9-9413-DE741E49F7BB}"/>
+          </ac:grpSpMkLst>
+        </pc:grpChg>
+        <pc:grpChg chg="add del">
+          <ac:chgData name="ignazio emanuele picciche'" userId="0ffc6f3f-5a1e-4bcf-8207-6fcee5da7ade" providerId="ADAL" clId="{17056212-C789-4D94-A224-491696FC5D6E}" dt="2023-12-11T21:43:28.878" v="3029" actId="26606"/>
+          <ac:grpSpMkLst>
+            <pc:docMk/>
+            <pc:sldMk cId="7161756" sldId="260"/>
+            <ac:grpSpMk id="113" creationId="{4252769E-B9F0-4068-A645-5BBEF16E9C28}"/>
+          </ac:grpSpMkLst>
+        </pc:grpChg>
         <pc:picChg chg="del">
           <ac:chgData name="ignazio emanuele picciche'" userId="0ffc6f3f-5a1e-4bcf-8207-6fcee5da7ade" providerId="ADAL" clId="{17056212-C789-4D94-A224-491696FC5D6E}" dt="2023-12-08T22:04:17.370" v="2275" actId="478"/>
           <ac:picMkLst>
@@ -516,6 +2157,350 @@
             <ac:picMk id="4" creationId="{048C2C6A-2F95-F81F-CD2F-27F3E776FFCE}"/>
           </ac:picMkLst>
         </pc:picChg>
+        <pc:picChg chg="add del">
+          <ac:chgData name="ignazio emanuele picciche'" userId="0ffc6f3f-5a1e-4bcf-8207-6fcee5da7ade" providerId="ADAL" clId="{17056212-C789-4D94-A224-491696FC5D6E}" dt="2023-12-11T21:41:21.270" v="2996" actId="26606"/>
+          <ac:picMkLst>
+            <pc:docMk/>
+            <pc:sldMk cId="7161756" sldId="260"/>
+            <ac:picMk id="5" creationId="{06B74FAE-4557-FB44-C298-3C6A8BFEFB00}"/>
+          </ac:picMkLst>
+        </pc:picChg>
+        <pc:picChg chg="add del">
+          <ac:chgData name="ignazio emanuele picciche'" userId="0ffc6f3f-5a1e-4bcf-8207-6fcee5da7ade" providerId="ADAL" clId="{17056212-C789-4D94-A224-491696FC5D6E}" dt="2023-12-11T21:39:40.692" v="2968" actId="26606"/>
+          <ac:picMkLst>
+            <pc:docMk/>
+            <pc:sldMk cId="7161756" sldId="260"/>
+            <ac:picMk id="5" creationId="{3A5698A5-E333-AE85-8F4D-B436A428E860}"/>
+          </ac:picMkLst>
+        </pc:picChg>
+        <pc:picChg chg="add del">
+          <ac:chgData name="ignazio emanuele picciche'" userId="0ffc6f3f-5a1e-4bcf-8207-6fcee5da7ade" providerId="ADAL" clId="{17056212-C789-4D94-A224-491696FC5D6E}" dt="2023-12-11T21:40:10.023" v="2974" actId="26606"/>
+          <ac:picMkLst>
+            <pc:docMk/>
+            <pc:sldMk cId="7161756" sldId="260"/>
+            <ac:picMk id="5" creationId="{40E7ADAB-BA01-F08F-EA3E-7C05F48197F5}"/>
+          </ac:picMkLst>
+        </pc:picChg>
+        <pc:picChg chg="add del">
+          <ac:chgData name="ignazio emanuele picciche'" userId="0ffc6f3f-5a1e-4bcf-8207-6fcee5da7ade" providerId="ADAL" clId="{17056212-C789-4D94-A224-491696FC5D6E}" dt="2023-12-11T21:44:45.370" v="3041" actId="26606"/>
+          <ac:picMkLst>
+            <pc:docMk/>
+            <pc:sldMk cId="7161756" sldId="260"/>
+            <ac:picMk id="5" creationId="{57EFE8CE-60AA-FEC1-0BC8-0FC3998A3E1D}"/>
+          </ac:picMkLst>
+        </pc:picChg>
+        <pc:picChg chg="add del">
+          <ac:chgData name="ignazio emanuele picciche'" userId="0ffc6f3f-5a1e-4bcf-8207-6fcee5da7ade" providerId="ADAL" clId="{17056212-C789-4D94-A224-491696FC5D6E}" dt="2023-12-11T21:42:22.477" v="3011" actId="26606"/>
+          <ac:picMkLst>
+            <pc:docMk/>
+            <pc:sldMk cId="7161756" sldId="260"/>
+            <ac:picMk id="5" creationId="{62AFB680-CA7D-5054-328F-3BDC8EF50618}"/>
+          </ac:picMkLst>
+        </pc:picChg>
+        <pc:picChg chg="add del">
+          <ac:chgData name="ignazio emanuele picciche'" userId="0ffc6f3f-5a1e-4bcf-8207-6fcee5da7ade" providerId="ADAL" clId="{17056212-C789-4D94-A224-491696FC5D6E}" dt="2023-12-11T21:42:50.487" v="3016" actId="26606"/>
+          <ac:picMkLst>
+            <pc:docMk/>
+            <pc:sldMk cId="7161756" sldId="260"/>
+            <ac:picMk id="5" creationId="{6B236987-14DB-BEB3-E8FB-BC67A04DAA4A}"/>
+          </ac:picMkLst>
+        </pc:picChg>
+        <pc:picChg chg="add del">
+          <ac:chgData name="ignazio emanuele picciche'" userId="0ffc6f3f-5a1e-4bcf-8207-6fcee5da7ade" providerId="ADAL" clId="{17056212-C789-4D94-A224-491696FC5D6E}" dt="2023-12-11T21:43:11.679" v="3021" actId="26606"/>
+          <ac:picMkLst>
+            <pc:docMk/>
+            <pc:sldMk cId="7161756" sldId="260"/>
+            <ac:picMk id="5" creationId="{75B2FC17-0BC4-BD80-BC7C-B1391C989F61}"/>
+          </ac:picMkLst>
+        </pc:picChg>
+        <pc:picChg chg="add del">
+          <ac:chgData name="ignazio emanuele picciche'" userId="0ffc6f3f-5a1e-4bcf-8207-6fcee5da7ade" providerId="ADAL" clId="{17056212-C789-4D94-A224-491696FC5D6E}" dt="2023-12-11T21:41:25.712" v="2999" actId="26606"/>
+          <ac:picMkLst>
+            <pc:docMk/>
+            <pc:sldMk cId="7161756" sldId="260"/>
+            <ac:picMk id="5" creationId="{9AF7AD1B-E0BD-F80B-9B8D-EBBD95561AF6}"/>
+          </ac:picMkLst>
+        </pc:picChg>
+        <pc:picChg chg="add del mod replId">
+          <ac:chgData name="ignazio emanuele picciche'" userId="0ffc6f3f-5a1e-4bcf-8207-6fcee5da7ade" providerId="ADAL" clId="{17056212-C789-4D94-A224-491696FC5D6E}" dt="2023-12-11T21:44:45.370" v="3041" actId="26606"/>
+          <ac:picMkLst>
+            <pc:docMk/>
+            <pc:sldMk cId="7161756" sldId="260"/>
+            <ac:picMk id="5" creationId="{9B254167-D288-DA7A-A5FB-AA39C3909D03}"/>
+          </ac:picMkLst>
+        </pc:picChg>
+        <pc:picChg chg="add del">
+          <ac:chgData name="ignazio emanuele picciche'" userId="0ffc6f3f-5a1e-4bcf-8207-6fcee5da7ade" providerId="ADAL" clId="{17056212-C789-4D94-A224-491696FC5D6E}" dt="2023-12-11T21:43:17.874" v="3024" actId="26606"/>
+          <ac:picMkLst>
+            <pc:docMk/>
+            <pc:sldMk cId="7161756" sldId="260"/>
+            <ac:picMk id="5" creationId="{A6353C57-274E-3D49-B3E5-7902B1629324}"/>
+          </ac:picMkLst>
+        </pc:picChg>
+        <pc:picChg chg="add del">
+          <ac:chgData name="ignazio emanuele picciche'" userId="0ffc6f3f-5a1e-4bcf-8207-6fcee5da7ade" providerId="ADAL" clId="{17056212-C789-4D94-A224-491696FC5D6E}" dt="2023-12-11T21:43:28.815" v="3027" actId="26606"/>
+          <ac:picMkLst>
+            <pc:docMk/>
+            <pc:sldMk cId="7161756" sldId="260"/>
+            <ac:picMk id="5" creationId="{A930E2A3-6FA5-1795-FFF8-B88644226D0F}"/>
+          </ac:picMkLst>
+        </pc:picChg>
+        <pc:picChg chg="add del">
+          <ac:chgData name="ignazio emanuele picciche'" userId="0ffc6f3f-5a1e-4bcf-8207-6fcee5da7ade" providerId="ADAL" clId="{17056212-C789-4D94-A224-491696FC5D6E}" dt="2023-12-11T21:40:26.855" v="2979" actId="26606"/>
+          <ac:picMkLst>
+            <pc:docMk/>
+            <pc:sldMk cId="7161756" sldId="260"/>
+            <ac:picMk id="5" creationId="{C46C7291-F385-3A4F-BDCE-B7BD908AFBE1}"/>
+          </ac:picMkLst>
+        </pc:picChg>
+        <pc:picChg chg="add del">
+          <ac:chgData name="ignazio emanuele picciche'" userId="0ffc6f3f-5a1e-4bcf-8207-6fcee5da7ade" providerId="ADAL" clId="{17056212-C789-4D94-A224-491696FC5D6E}" dt="2023-12-11T21:41:13.161" v="2987" actId="26606"/>
+          <ac:picMkLst>
+            <pc:docMk/>
+            <pc:sldMk cId="7161756" sldId="260"/>
+            <ac:picMk id="5" creationId="{D255D4B7-3800-5634-95A9-42D8986D3D25}"/>
+          </ac:picMkLst>
+        </pc:picChg>
+        <pc:picChg chg="add del">
+          <ac:chgData name="ignazio emanuele picciche'" userId="0ffc6f3f-5a1e-4bcf-8207-6fcee5da7ade" providerId="ADAL" clId="{17056212-C789-4D94-A224-491696FC5D6E}" dt="2023-12-11T21:40:58.197" v="2982" actId="26606"/>
+          <ac:picMkLst>
+            <pc:docMk/>
+            <pc:sldMk cId="7161756" sldId="260"/>
+            <ac:picMk id="5" creationId="{D2A3630E-F5BB-8E4F-4A22-BF69F6484206}"/>
+          </ac:picMkLst>
+        </pc:picChg>
+        <pc:picChg chg="add del">
+          <ac:chgData name="ignazio emanuele picciche'" userId="0ffc6f3f-5a1e-4bcf-8207-6fcee5da7ade" providerId="ADAL" clId="{17056212-C789-4D94-A224-491696FC5D6E}" dt="2023-12-11T21:40:10.023" v="2974" actId="26606"/>
+          <ac:picMkLst>
+            <pc:docMk/>
+            <pc:sldMk cId="7161756" sldId="260"/>
+            <ac:picMk id="15" creationId="{20512BE6-1E1C-941A-4CDC-C604EE730845}"/>
+          </ac:picMkLst>
+        </pc:picChg>
+        <pc:picChg chg="add del">
+          <ac:chgData name="ignazio emanuele picciche'" userId="0ffc6f3f-5a1e-4bcf-8207-6fcee5da7ade" providerId="ADAL" clId="{17056212-C789-4D94-A224-491696FC5D6E}" dt="2023-12-11T21:41:13.161" v="2987" actId="26606"/>
+          <ac:picMkLst>
+            <pc:docMk/>
+            <pc:sldMk cId="7161756" sldId="260"/>
+            <ac:picMk id="15" creationId="{3CE7167B-10E3-55B2-7091-B202A0D55D11}"/>
+          </ac:picMkLst>
+        </pc:picChg>
+        <pc:picChg chg="add del mod replId">
+          <ac:chgData name="ignazio emanuele picciche'" userId="0ffc6f3f-5a1e-4bcf-8207-6fcee5da7ade" providerId="ADAL" clId="{17056212-C789-4D94-A224-491696FC5D6E}" dt="2023-12-11T21:44:45.370" v="3041" actId="26606"/>
+          <ac:picMkLst>
+            <pc:docMk/>
+            <pc:sldMk cId="7161756" sldId="260"/>
+            <ac:picMk id="15" creationId="{405B6DB1-CAE4-9CE5-0350-7039F8029D34}"/>
+          </ac:picMkLst>
+        </pc:picChg>
+        <pc:picChg chg="add del">
+          <ac:chgData name="ignazio emanuele picciche'" userId="0ffc6f3f-5a1e-4bcf-8207-6fcee5da7ade" providerId="ADAL" clId="{17056212-C789-4D94-A224-491696FC5D6E}" dt="2023-12-11T21:40:26.855" v="2979" actId="26606"/>
+          <ac:picMkLst>
+            <pc:docMk/>
+            <pc:sldMk cId="7161756" sldId="260"/>
+            <ac:picMk id="15" creationId="{61B07A3F-6435-C096-8CFD-B0652322667C}"/>
+          </ac:picMkLst>
+        </pc:picChg>
+        <pc:picChg chg="add del">
+          <ac:chgData name="ignazio emanuele picciche'" userId="0ffc6f3f-5a1e-4bcf-8207-6fcee5da7ade" providerId="ADAL" clId="{17056212-C789-4D94-A224-491696FC5D6E}" dt="2023-12-11T21:39:40.692" v="2968" actId="26606"/>
+          <ac:picMkLst>
+            <pc:docMk/>
+            <pc:sldMk cId="7161756" sldId="260"/>
+            <ac:picMk id="15" creationId="{665C6885-D734-2F02-6C5E-A3341BB3F96D}"/>
+          </ac:picMkLst>
+        </pc:picChg>
+        <pc:picChg chg="add del">
+          <ac:chgData name="ignazio emanuele picciche'" userId="0ffc6f3f-5a1e-4bcf-8207-6fcee5da7ade" providerId="ADAL" clId="{17056212-C789-4D94-A224-491696FC5D6E}" dt="2023-12-11T21:42:50.487" v="3016" actId="26606"/>
+          <ac:picMkLst>
+            <pc:docMk/>
+            <pc:sldMk cId="7161756" sldId="260"/>
+            <ac:picMk id="15" creationId="{66F2CD7E-0FAB-22C7-1974-3A91E9AAD084}"/>
+          </ac:picMkLst>
+        </pc:picChg>
+        <pc:picChg chg="add del">
+          <ac:chgData name="ignazio emanuele picciche'" userId="0ffc6f3f-5a1e-4bcf-8207-6fcee5da7ade" providerId="ADAL" clId="{17056212-C789-4D94-A224-491696FC5D6E}" dt="2023-12-11T21:43:11.679" v="3021" actId="26606"/>
+          <ac:picMkLst>
+            <pc:docMk/>
+            <pc:sldMk cId="7161756" sldId="260"/>
+            <ac:picMk id="15" creationId="{6D3BD80E-AC88-36A3-E125-CA4759756695}"/>
+          </ac:picMkLst>
+        </pc:picChg>
+        <pc:picChg chg="add del">
+          <ac:chgData name="ignazio emanuele picciche'" userId="0ffc6f3f-5a1e-4bcf-8207-6fcee5da7ade" providerId="ADAL" clId="{17056212-C789-4D94-A224-491696FC5D6E}" dt="2023-12-11T21:40:58.197" v="2982" actId="26606"/>
+          <ac:picMkLst>
+            <pc:docMk/>
+            <pc:sldMk cId="7161756" sldId="260"/>
+            <ac:picMk id="15" creationId="{77271522-1C50-AB2A-8EC9-0B2A1CF71231}"/>
+          </ac:picMkLst>
+        </pc:picChg>
+        <pc:picChg chg="add del">
+          <ac:chgData name="ignazio emanuele picciche'" userId="0ffc6f3f-5a1e-4bcf-8207-6fcee5da7ade" providerId="ADAL" clId="{17056212-C789-4D94-A224-491696FC5D6E}" dt="2023-12-11T21:43:17.874" v="3024" actId="26606"/>
+          <ac:picMkLst>
+            <pc:docMk/>
+            <pc:sldMk cId="7161756" sldId="260"/>
+            <ac:picMk id="15" creationId="{7DFD5C4A-0D69-E729-F79A-63A82A9EB527}"/>
+          </ac:picMkLst>
+        </pc:picChg>
+        <pc:picChg chg="add del">
+          <ac:chgData name="ignazio emanuele picciche'" userId="0ffc6f3f-5a1e-4bcf-8207-6fcee5da7ade" providerId="ADAL" clId="{17056212-C789-4D94-A224-491696FC5D6E}" dt="2023-12-11T21:43:28.815" v="3027" actId="26606"/>
+          <ac:picMkLst>
+            <pc:docMk/>
+            <pc:sldMk cId="7161756" sldId="260"/>
+            <ac:picMk id="15" creationId="{970B8B79-24F8-6771-CE2C-B41F47B92485}"/>
+          </ac:picMkLst>
+        </pc:picChg>
+        <pc:picChg chg="add del">
+          <ac:chgData name="ignazio emanuele picciche'" userId="0ffc6f3f-5a1e-4bcf-8207-6fcee5da7ade" providerId="ADAL" clId="{17056212-C789-4D94-A224-491696FC5D6E}" dt="2023-12-11T21:41:21.270" v="2996" actId="26606"/>
+          <ac:picMkLst>
+            <pc:docMk/>
+            <pc:sldMk cId="7161756" sldId="260"/>
+            <ac:picMk id="15" creationId="{9EC9A51D-2043-3B46-13A7-8F60302C9FA7}"/>
+          </ac:picMkLst>
+        </pc:picChg>
+        <pc:picChg chg="add del">
+          <ac:chgData name="ignazio emanuele picciche'" userId="0ffc6f3f-5a1e-4bcf-8207-6fcee5da7ade" providerId="ADAL" clId="{17056212-C789-4D94-A224-491696FC5D6E}" dt="2023-12-11T21:44:45.370" v="3041" actId="26606"/>
+          <ac:picMkLst>
+            <pc:docMk/>
+            <pc:sldMk cId="7161756" sldId="260"/>
+            <ac:picMk id="15" creationId="{C25B65A7-BF57-3E56-CB2D-31C8228FF0B5}"/>
+          </ac:picMkLst>
+        </pc:picChg>
+        <pc:picChg chg="add del">
+          <ac:chgData name="ignazio emanuele picciche'" userId="0ffc6f3f-5a1e-4bcf-8207-6fcee5da7ade" providerId="ADAL" clId="{17056212-C789-4D94-A224-491696FC5D6E}" dt="2023-12-11T21:41:25.712" v="2999" actId="26606"/>
+          <ac:picMkLst>
+            <pc:docMk/>
+            <pc:sldMk cId="7161756" sldId="260"/>
+            <ac:picMk id="15" creationId="{CB7B459E-9637-5A8B-BBF0-064322720E1B}"/>
+          </ac:picMkLst>
+        </pc:picChg>
+        <pc:picChg chg="add del">
+          <ac:chgData name="ignazio emanuele picciche'" userId="0ffc6f3f-5a1e-4bcf-8207-6fcee5da7ade" providerId="ADAL" clId="{17056212-C789-4D94-A224-491696FC5D6E}" dt="2023-12-11T21:42:22.477" v="3011" actId="26606"/>
+          <ac:picMkLst>
+            <pc:docMk/>
+            <pc:sldMk cId="7161756" sldId="260"/>
+            <ac:picMk id="15" creationId="{E8AAF1FF-BD08-B8F0-B6A4-25C0D6445325}"/>
+          </ac:picMkLst>
+        </pc:picChg>
+        <pc:picChg chg="add del mod replId">
+          <ac:chgData name="ignazio emanuele picciche'" userId="0ffc6f3f-5a1e-4bcf-8207-6fcee5da7ade" providerId="ADAL" clId="{17056212-C789-4D94-A224-491696FC5D6E}" dt="2023-12-11T21:40:10.095" v="2976" actId="26606"/>
+          <ac:picMkLst>
+            <pc:docMk/>
+            <pc:sldMk cId="7161756" sldId="260"/>
+            <ac:picMk id="40" creationId="{B0F90A88-2372-3D69-96D2-BB8F636DDE9E}"/>
+          </ac:picMkLst>
+        </pc:picChg>
+        <pc:picChg chg="add del mod replId">
+          <ac:chgData name="ignazio emanuele picciche'" userId="0ffc6f3f-5a1e-4bcf-8207-6fcee5da7ade" providerId="ADAL" clId="{17056212-C789-4D94-A224-491696FC5D6E}" dt="2023-12-11T21:40:10.095" v="2976" actId="26606"/>
+          <ac:picMkLst>
+            <pc:docMk/>
+            <pc:sldMk cId="7161756" sldId="260"/>
+            <ac:picMk id="42" creationId="{6A2D2119-B5CD-B2DE-2CB9-9300E3B94F14}"/>
+          </ac:picMkLst>
+        </pc:picChg>
+        <pc:picChg chg="add del mod replId">
+          <ac:chgData name="ignazio emanuele picciche'" userId="0ffc6f3f-5a1e-4bcf-8207-6fcee5da7ade" providerId="ADAL" clId="{17056212-C789-4D94-A224-491696FC5D6E}" dt="2023-12-11T21:40:58.242" v="2984" actId="26606"/>
+          <ac:picMkLst>
+            <pc:docMk/>
+            <pc:sldMk cId="7161756" sldId="260"/>
+            <ac:picMk id="54" creationId="{0077022B-666B-651D-986D-F945ED5ECAED}"/>
+          </ac:picMkLst>
+        </pc:picChg>
+        <pc:picChg chg="add del mod replId">
+          <ac:chgData name="ignazio emanuele picciche'" userId="0ffc6f3f-5a1e-4bcf-8207-6fcee5da7ade" providerId="ADAL" clId="{17056212-C789-4D94-A224-491696FC5D6E}" dt="2023-12-11T21:40:58.242" v="2984" actId="26606"/>
+          <ac:picMkLst>
+            <pc:docMk/>
+            <pc:sldMk cId="7161756" sldId="260"/>
+            <ac:picMk id="56" creationId="{24643175-7C5C-449B-0182-C13A1043FBDB}"/>
+          </ac:picMkLst>
+        </pc:picChg>
+        <pc:picChg chg="add del mod replId">
+          <ac:chgData name="ignazio emanuele picciche'" userId="0ffc6f3f-5a1e-4bcf-8207-6fcee5da7ade" providerId="ADAL" clId="{17056212-C789-4D94-A224-491696FC5D6E}" dt="2023-12-11T21:41:25.832" v="3001" actId="26606"/>
+          <ac:picMkLst>
+            <pc:docMk/>
+            <pc:sldMk cId="7161756" sldId="260"/>
+            <ac:picMk id="87" creationId="{34E3004E-A5D2-836A-4493-EBCC67B29235}"/>
+          </ac:picMkLst>
+        </pc:picChg>
+        <pc:picChg chg="add del mod replId">
+          <ac:chgData name="ignazio emanuele picciche'" userId="0ffc6f3f-5a1e-4bcf-8207-6fcee5da7ade" providerId="ADAL" clId="{17056212-C789-4D94-A224-491696FC5D6E}" dt="2023-12-11T21:41:25.832" v="3001" actId="26606"/>
+          <ac:picMkLst>
+            <pc:docMk/>
+            <pc:sldMk cId="7161756" sldId="260"/>
+            <ac:picMk id="89" creationId="{E129264D-FC35-7BF6-B005-05975E912A67}"/>
+          </ac:picMkLst>
+        </pc:picChg>
+        <pc:picChg chg="add del mod replId">
+          <ac:chgData name="ignazio emanuele picciche'" userId="0ffc6f3f-5a1e-4bcf-8207-6fcee5da7ade" providerId="ADAL" clId="{17056212-C789-4D94-A224-491696FC5D6E}" dt="2023-12-11T21:42:22.534" v="3013" actId="26606"/>
+          <ac:picMkLst>
+            <pc:docMk/>
+            <pc:sldMk cId="7161756" sldId="260"/>
+            <ac:picMk id="99" creationId="{1917850C-7E0D-0D04-EB5A-07A0CEBF0079}"/>
+          </ac:picMkLst>
+        </pc:picChg>
+        <pc:picChg chg="add del mod replId">
+          <ac:chgData name="ignazio emanuele picciche'" userId="0ffc6f3f-5a1e-4bcf-8207-6fcee5da7ade" providerId="ADAL" clId="{17056212-C789-4D94-A224-491696FC5D6E}" dt="2023-12-11T21:42:22.534" v="3013" actId="26606"/>
+          <ac:picMkLst>
+            <pc:docMk/>
+            <pc:sldMk cId="7161756" sldId="260"/>
+            <ac:picMk id="101" creationId="{3C794E1C-841B-FC81-6549-A3768C90DD1D}"/>
+          </ac:picMkLst>
+        </pc:picChg>
+        <pc:picChg chg="add del mod replId">
+          <ac:chgData name="ignazio emanuele picciche'" userId="0ffc6f3f-5a1e-4bcf-8207-6fcee5da7ade" providerId="ADAL" clId="{17056212-C789-4D94-A224-491696FC5D6E}" dt="2023-12-11T21:42:50.613" v="3018" actId="26606"/>
+          <ac:picMkLst>
+            <pc:docMk/>
+            <pc:sldMk cId="7161756" sldId="260"/>
+            <ac:picMk id="115" creationId="{A5755358-DD29-92AE-B00E-69437FE98B72}"/>
+          </ac:picMkLst>
+        </pc:picChg>
+        <pc:picChg chg="add del mod replId">
+          <ac:chgData name="ignazio emanuele picciche'" userId="0ffc6f3f-5a1e-4bcf-8207-6fcee5da7ade" providerId="ADAL" clId="{17056212-C789-4D94-A224-491696FC5D6E}" dt="2023-12-11T21:42:50.613" v="3018" actId="26606"/>
+          <ac:picMkLst>
+            <pc:docMk/>
+            <pc:sldMk cId="7161756" sldId="260"/>
+            <ac:picMk id="117" creationId="{A222767C-8DEF-69A1-3AB0-4534E07DACF5}"/>
+          </ac:picMkLst>
+        </pc:picChg>
+        <pc:picChg chg="add del mod replId">
+          <ac:chgData name="ignazio emanuele picciche'" userId="0ffc6f3f-5a1e-4bcf-8207-6fcee5da7ade" providerId="ADAL" clId="{17056212-C789-4D94-A224-491696FC5D6E}" dt="2023-12-11T21:43:28.878" v="3029" actId="26606"/>
+          <ac:picMkLst>
+            <pc:docMk/>
+            <pc:sldMk cId="7161756" sldId="260"/>
+            <ac:picMk id="141" creationId="{894540D1-6803-985B-D2B9-FCCA190DB4AB}"/>
+          </ac:picMkLst>
+        </pc:picChg>
+        <pc:picChg chg="add del mod replId">
+          <ac:chgData name="ignazio emanuele picciche'" userId="0ffc6f3f-5a1e-4bcf-8207-6fcee5da7ade" providerId="ADAL" clId="{17056212-C789-4D94-A224-491696FC5D6E}" dt="2023-12-11T21:44:14.783" v="3032" actId="26606"/>
+          <ac:picMkLst>
+            <pc:docMk/>
+            <pc:sldMk cId="7161756" sldId="260"/>
+            <ac:picMk id="142" creationId="{407EC622-6B8C-DF79-FC90-368188C2B2CD}"/>
+          </ac:picMkLst>
+        </pc:picChg>
+        <pc:picChg chg="add del mod replId">
+          <ac:chgData name="ignazio emanuele picciche'" userId="0ffc6f3f-5a1e-4bcf-8207-6fcee5da7ade" providerId="ADAL" clId="{17056212-C789-4D94-A224-491696FC5D6E}" dt="2023-12-11T21:43:28.878" v="3029" actId="26606"/>
+          <ac:picMkLst>
+            <pc:docMk/>
+            <pc:sldMk cId="7161756" sldId="260"/>
+            <ac:picMk id="143" creationId="{BB526E6B-B226-2A5B-D1C2-819F0290364C}"/>
+          </ac:picMkLst>
+        </pc:picChg>
+        <pc:picChg chg="add del mod replId">
+          <ac:chgData name="ignazio emanuele picciche'" userId="0ffc6f3f-5a1e-4bcf-8207-6fcee5da7ade" providerId="ADAL" clId="{17056212-C789-4D94-A224-491696FC5D6E}" dt="2023-12-11T21:44:14.783" v="3032" actId="26606"/>
+          <ac:picMkLst>
+            <pc:docMk/>
+            <pc:sldMk cId="7161756" sldId="260"/>
+            <ac:picMk id="144" creationId="{D83075EF-1774-3F24-2001-D146172DFAAF}"/>
+          </ac:picMkLst>
+        </pc:picChg>
+        <pc:cxnChg chg="add del">
+          <ac:chgData name="ignazio emanuele picciche'" userId="0ffc6f3f-5a1e-4bcf-8207-6fcee5da7ade" providerId="ADAL" clId="{17056212-C789-4D94-A224-491696FC5D6E}" dt="2023-12-11T21:42:22.477" v="3011" actId="26606"/>
+          <ac:cxnSpMkLst>
+            <pc:docMk/>
+            <pc:sldMk cId="7161756" sldId="260"/>
+            <ac:cxnSpMk id="95" creationId="{C41BAEC7-F7B0-4224-8B18-8F74B7D87F0B}"/>
+          </ac:cxnSpMkLst>
+        </pc:cxnChg>
       </pc:sldChg>
       <pc:sldChg chg="addSp delSp modSp add mod">
         <pc:chgData name="ignazio emanuele picciche'" userId="0ffc6f3f-5a1e-4bcf-8207-6fcee5da7ade" providerId="ADAL" clId="{17056212-C789-4D94-A224-491696FC5D6E}" dt="2023-12-08T22:07:29.623" v="2448" actId="1076"/>
@@ -549,19 +2534,464 @@
         </pc:spChg>
       </pc:sldChg>
       <pc:sldChg chg="modSp add mod">
-        <pc:chgData name="ignazio emanuele picciche'" userId="0ffc6f3f-5a1e-4bcf-8207-6fcee5da7ade" providerId="ADAL" clId="{17056212-C789-4D94-A224-491696FC5D6E}" dt="2023-12-08T22:12:09.612" v="2471" actId="20577"/>
+        <pc:chgData name="ignazio emanuele picciche'" userId="0ffc6f3f-5a1e-4bcf-8207-6fcee5da7ade" providerId="ADAL" clId="{17056212-C789-4D94-A224-491696FC5D6E}" dt="2023-12-11T21:54:09.408" v="3065" actId="14100"/>
         <pc:sldMkLst>
           <pc:docMk/>
           <pc:sldMk cId="203031930" sldId="262"/>
         </pc:sldMkLst>
         <pc:spChg chg="mod">
-          <ac:chgData name="ignazio emanuele picciche'" userId="0ffc6f3f-5a1e-4bcf-8207-6fcee5da7ade" providerId="ADAL" clId="{17056212-C789-4D94-A224-491696FC5D6E}" dt="2023-12-08T22:12:09.612" v="2471" actId="20577"/>
+          <ac:chgData name="ignazio emanuele picciche'" userId="0ffc6f3f-5a1e-4bcf-8207-6fcee5da7ade" providerId="ADAL" clId="{17056212-C789-4D94-A224-491696FC5D6E}" dt="2023-12-11T21:54:09.408" v="3065" actId="14100"/>
           <ac:spMkLst>
             <pc:docMk/>
             <pc:sldMk cId="203031930" sldId="262"/>
             <ac:spMk id="9" creationId="{7DCA9D16-5034-279C-FF1F-96C45AF4B68F}"/>
           </ac:spMkLst>
         </pc:spChg>
+      </pc:sldChg>
+      <pc:sldChg chg="delSp add del mod">
+        <pc:chgData name="ignazio emanuele picciche'" userId="0ffc6f3f-5a1e-4bcf-8207-6fcee5da7ade" providerId="ADAL" clId="{17056212-C789-4D94-A224-491696FC5D6E}" dt="2023-12-11T21:15:07.407" v="2601" actId="47"/>
+        <pc:sldMkLst>
+          <pc:docMk/>
+          <pc:sldMk cId="3220636983" sldId="263"/>
+        </pc:sldMkLst>
+        <pc:picChg chg="del">
+          <ac:chgData name="ignazio emanuele picciche'" userId="0ffc6f3f-5a1e-4bcf-8207-6fcee5da7ade" providerId="ADAL" clId="{17056212-C789-4D94-A224-491696FC5D6E}" dt="2023-12-11T21:08:24.438" v="2481" actId="478"/>
+          <ac:picMkLst>
+            <pc:docMk/>
+            <pc:sldMk cId="3220636983" sldId="263"/>
+            <ac:picMk id="7" creationId="{EA6D0492-0113-F808-9313-8E547B835585}"/>
+          </ac:picMkLst>
+        </pc:picChg>
+      </pc:sldChg>
+      <pc:sldChg chg="addSp delSp modSp add mod ord setBg setClrOvrMap">
+        <pc:chgData name="ignazio emanuele picciche'" userId="0ffc6f3f-5a1e-4bcf-8207-6fcee5da7ade" providerId="ADAL" clId="{17056212-C789-4D94-A224-491696FC5D6E}" dt="2023-12-11T21:55:25.706" v="3075" actId="1076"/>
+        <pc:sldMkLst>
+          <pc:docMk/>
+          <pc:sldMk cId="4010493108" sldId="264"/>
+        </pc:sldMkLst>
+        <pc:spChg chg="add mod">
+          <ac:chgData name="ignazio emanuele picciche'" userId="0ffc6f3f-5a1e-4bcf-8207-6fcee5da7ade" providerId="ADAL" clId="{17056212-C789-4D94-A224-491696FC5D6E}" dt="2023-12-11T21:55:25.706" v="3075" actId="1076"/>
+          <ac:spMkLst>
+            <pc:docMk/>
+            <pc:sldMk cId="4010493108" sldId="264"/>
+            <ac:spMk id="9" creationId="{8A85CD29-74A8-5748-77B6-9E9B1C54F1AA}"/>
+          </ac:spMkLst>
+        </pc:spChg>
+        <pc:spChg chg="del">
+          <ac:chgData name="ignazio emanuele picciche'" userId="0ffc6f3f-5a1e-4bcf-8207-6fcee5da7ade" providerId="ADAL" clId="{17056212-C789-4D94-A224-491696FC5D6E}" dt="2023-12-11T21:55:17.089" v="3073" actId="26606"/>
+          <ac:spMkLst>
+            <pc:docMk/>
+            <pc:sldMk cId="4010493108" sldId="264"/>
+            <ac:spMk id="10" creationId="{71B2258F-86CA-4D4D-8270-BC05FCDEBFB3}"/>
+          </ac:spMkLst>
+        </pc:spChg>
+        <pc:spChg chg="del mod replId">
+          <ac:chgData name="ignazio emanuele picciche'" userId="0ffc6f3f-5a1e-4bcf-8207-6fcee5da7ade" providerId="ADAL" clId="{17056212-C789-4D94-A224-491696FC5D6E}" dt="2023-12-11T21:55:17.089" v="3073" actId="26606"/>
+          <ac:spMkLst>
+            <pc:docMk/>
+            <pc:sldMk cId="4010493108" sldId="264"/>
+            <ac:spMk id="18" creationId="{7DCA9D16-5034-279C-FF1F-96C45AF4B68F}"/>
+          </ac:spMkLst>
+        </pc:spChg>
+        <pc:spChg chg="add">
+          <ac:chgData name="ignazio emanuele picciche'" userId="0ffc6f3f-5a1e-4bcf-8207-6fcee5da7ade" providerId="ADAL" clId="{17056212-C789-4D94-A224-491696FC5D6E}" dt="2023-12-11T21:55:17.089" v="3073" actId="26606"/>
+          <ac:spMkLst>
+            <pc:docMk/>
+            <pc:sldMk cId="4010493108" sldId="264"/>
+            <ac:spMk id="20" creationId="{0671A8AE-40A1-4631-A6B8-581AFF065482}"/>
+          </ac:spMkLst>
+        </pc:spChg>
+        <pc:spChg chg="add">
+          <ac:chgData name="ignazio emanuele picciche'" userId="0ffc6f3f-5a1e-4bcf-8207-6fcee5da7ade" providerId="ADAL" clId="{17056212-C789-4D94-A224-491696FC5D6E}" dt="2023-12-11T21:55:17.089" v="3073" actId="26606"/>
+          <ac:spMkLst>
+            <pc:docMk/>
+            <pc:sldMk cId="4010493108" sldId="264"/>
+            <ac:spMk id="22" creationId="{AB58EF07-17C2-48CF-ABB0-EEF1F17CB8F0}"/>
+          </ac:spMkLst>
+        </pc:spChg>
+        <pc:spChg chg="add">
+          <ac:chgData name="ignazio emanuele picciche'" userId="0ffc6f3f-5a1e-4bcf-8207-6fcee5da7ade" providerId="ADAL" clId="{17056212-C789-4D94-A224-491696FC5D6E}" dt="2023-12-11T21:55:17.089" v="3073" actId="26606"/>
+          <ac:spMkLst>
+            <pc:docMk/>
+            <pc:sldMk cId="4010493108" sldId="264"/>
+            <ac:spMk id="24" creationId="{AF2F604E-43BE-4DC3-B983-E071523364F8}"/>
+          </ac:spMkLst>
+        </pc:spChg>
+        <pc:spChg chg="add">
+          <ac:chgData name="ignazio emanuele picciche'" userId="0ffc6f3f-5a1e-4bcf-8207-6fcee5da7ade" providerId="ADAL" clId="{17056212-C789-4D94-A224-491696FC5D6E}" dt="2023-12-11T21:55:17.089" v="3073" actId="26606"/>
+          <ac:spMkLst>
+            <pc:docMk/>
+            <pc:sldMk cId="4010493108" sldId="264"/>
+            <ac:spMk id="26" creationId="{08C9B587-E65E-4B52-B37C-ABEBB6E87928}"/>
+          </ac:spMkLst>
+        </pc:spChg>
+        <pc:picChg chg="add">
+          <ac:chgData name="ignazio emanuele picciche'" userId="0ffc6f3f-5a1e-4bcf-8207-6fcee5da7ade" providerId="ADAL" clId="{17056212-C789-4D94-A224-491696FC5D6E}" dt="2023-12-11T21:55:17.089" v="3073" actId="26606"/>
+          <ac:picMkLst>
+            <pc:docMk/>
+            <pc:sldMk cId="4010493108" sldId="264"/>
+            <ac:picMk id="5" creationId="{EF883F5C-BE2D-BAF8-A931-22493DA34993}"/>
+          </ac:picMkLst>
+        </pc:picChg>
+        <pc:picChg chg="add del mod">
+          <ac:chgData name="ignazio emanuele picciche'" userId="0ffc6f3f-5a1e-4bcf-8207-6fcee5da7ade" providerId="ADAL" clId="{17056212-C789-4D94-A224-491696FC5D6E}" dt="2023-12-11T21:55:13.906" v="3071" actId="478"/>
+          <ac:picMkLst>
+            <pc:docMk/>
+            <pc:sldMk cId="4010493108" sldId="264"/>
+            <ac:picMk id="7" creationId="{EA6D0492-0113-F808-9313-8E547B835585}"/>
+          </ac:picMkLst>
+        </pc:picChg>
+        <pc:picChg chg="add">
+          <ac:chgData name="ignazio emanuele picciche'" userId="0ffc6f3f-5a1e-4bcf-8207-6fcee5da7ade" providerId="ADAL" clId="{17056212-C789-4D94-A224-491696FC5D6E}" dt="2023-12-11T21:55:17.089" v="3073" actId="26606"/>
+          <ac:picMkLst>
+            <pc:docMk/>
+            <pc:sldMk cId="4010493108" sldId="264"/>
+            <ac:picMk id="15" creationId="{979BB11A-FC31-94C4-76E8-B054B1DA63DD}"/>
+          </ac:picMkLst>
+        </pc:picChg>
+        <pc:picChg chg="del mod replId">
+          <ac:chgData name="ignazio emanuele picciche'" userId="0ffc6f3f-5a1e-4bcf-8207-6fcee5da7ade" providerId="ADAL" clId="{17056212-C789-4D94-A224-491696FC5D6E}" dt="2023-12-11T21:55:17.089" v="3073" actId="26606"/>
+          <ac:picMkLst>
+            <pc:docMk/>
+            <pc:sldMk cId="4010493108" sldId="264"/>
+            <ac:picMk id="17" creationId="{B0F90A88-2372-3D69-96D2-BB8F636DDE9E}"/>
+          </ac:picMkLst>
+        </pc:picChg>
+        <pc:picChg chg="del mod replId">
+          <ac:chgData name="ignazio emanuele picciche'" userId="0ffc6f3f-5a1e-4bcf-8207-6fcee5da7ade" providerId="ADAL" clId="{17056212-C789-4D94-A224-491696FC5D6E}" dt="2023-12-11T21:55:17.089" v="3073" actId="26606"/>
+          <ac:picMkLst>
+            <pc:docMk/>
+            <pc:sldMk cId="4010493108" sldId="264"/>
+            <ac:picMk id="19" creationId="{6A2D2119-B5CD-B2DE-2CB9-9300E3B94F14}"/>
+          </ac:picMkLst>
+        </pc:picChg>
+      </pc:sldChg>
+      <pc:sldChg chg="addSp delSp modSp add mod">
+        <pc:chgData name="ignazio emanuele picciche'" userId="0ffc6f3f-5a1e-4bcf-8207-6fcee5da7ade" providerId="ADAL" clId="{17056212-C789-4D94-A224-491696FC5D6E}" dt="2023-12-11T21:29:09.034" v="2840" actId="1076"/>
+        <pc:sldMkLst>
+          <pc:docMk/>
+          <pc:sldMk cId="2556038533" sldId="265"/>
+        </pc:sldMkLst>
+        <pc:spChg chg="mod">
+          <ac:chgData name="ignazio emanuele picciche'" userId="0ffc6f3f-5a1e-4bcf-8207-6fcee5da7ade" providerId="ADAL" clId="{17056212-C789-4D94-A224-491696FC5D6E}" dt="2023-12-11T21:18:56.310" v="2643" actId="20577"/>
+          <ac:spMkLst>
+            <pc:docMk/>
+            <pc:sldMk cId="2556038533" sldId="265"/>
+            <ac:spMk id="9" creationId="{7DCA9D16-5034-279C-FF1F-96C45AF4B68F}"/>
+          </ac:spMkLst>
+        </pc:spChg>
+        <pc:picChg chg="add del mod">
+          <ac:chgData name="ignazio emanuele picciche'" userId="0ffc6f3f-5a1e-4bcf-8207-6fcee5da7ade" providerId="ADAL" clId="{17056212-C789-4D94-A224-491696FC5D6E}" dt="2023-12-11T21:17:28.124" v="2613" actId="478"/>
+          <ac:picMkLst>
+            <pc:docMk/>
+            <pc:sldMk cId="2556038533" sldId="265"/>
+            <ac:picMk id="3" creationId="{A190E431-7A3A-1DCC-FB91-3FAFB4DBB15D}"/>
+          </ac:picMkLst>
+        </pc:picChg>
+        <pc:picChg chg="add del mod">
+          <ac:chgData name="ignazio emanuele picciche'" userId="0ffc6f3f-5a1e-4bcf-8207-6fcee5da7ade" providerId="ADAL" clId="{17056212-C789-4D94-A224-491696FC5D6E}" dt="2023-12-11T21:19:22.165" v="2647" actId="21"/>
+          <ac:picMkLst>
+            <pc:docMk/>
+            <pc:sldMk cId="2556038533" sldId="265"/>
+            <ac:picMk id="6" creationId="{3EE8B355-D66D-1AA0-364C-5AD56A225047}"/>
+          </ac:picMkLst>
+        </pc:picChg>
+        <pc:picChg chg="add del mod">
+          <ac:chgData name="ignazio emanuele picciche'" userId="0ffc6f3f-5a1e-4bcf-8207-6fcee5da7ade" providerId="ADAL" clId="{17056212-C789-4D94-A224-491696FC5D6E}" dt="2023-12-11T21:29:09.034" v="2840" actId="1076"/>
+          <ac:picMkLst>
+            <pc:docMk/>
+            <pc:sldMk cId="2556038533" sldId="265"/>
+            <ac:picMk id="7" creationId="{617CF344-A06A-DCAA-A74A-F3D9BBA32679}"/>
+          </ac:picMkLst>
+        </pc:picChg>
+        <pc:picChg chg="del">
+          <ac:chgData name="ignazio emanuele picciche'" userId="0ffc6f3f-5a1e-4bcf-8207-6fcee5da7ade" providerId="ADAL" clId="{17056212-C789-4D94-A224-491696FC5D6E}" dt="2023-12-11T21:16:58.023" v="2609" actId="478"/>
+          <ac:picMkLst>
+            <pc:docMk/>
+            <pc:sldMk cId="2556038533" sldId="265"/>
+            <ac:picMk id="21" creationId="{7D424A2E-7D85-4F2D-42E4-38D2D83D2EA6}"/>
+          </ac:picMkLst>
+        </pc:picChg>
+      </pc:sldChg>
+      <pc:sldChg chg="addSp delSp modSp add mod">
+        <pc:chgData name="ignazio emanuele picciche'" userId="0ffc6f3f-5a1e-4bcf-8207-6fcee5da7ade" providerId="ADAL" clId="{17056212-C789-4D94-A224-491696FC5D6E}" dt="2023-12-11T21:21:52.906" v="2714"/>
+        <pc:sldMkLst>
+          <pc:docMk/>
+          <pc:sldMk cId="3966135989" sldId="266"/>
+        </pc:sldMkLst>
+        <pc:spChg chg="mod">
+          <ac:chgData name="ignazio emanuele picciche'" userId="0ffc6f3f-5a1e-4bcf-8207-6fcee5da7ade" providerId="ADAL" clId="{17056212-C789-4D94-A224-491696FC5D6E}" dt="2023-12-11T21:20:48.233" v="2706" actId="14100"/>
+          <ac:spMkLst>
+            <pc:docMk/>
+            <pc:sldMk cId="3966135989" sldId="266"/>
+            <ac:spMk id="9" creationId="{7DCA9D16-5034-279C-FF1F-96C45AF4B68F}"/>
+          </ac:spMkLst>
+        </pc:spChg>
+        <pc:picChg chg="add del mod">
+          <ac:chgData name="ignazio emanuele picciche'" userId="0ffc6f3f-5a1e-4bcf-8207-6fcee5da7ade" providerId="ADAL" clId="{17056212-C789-4D94-A224-491696FC5D6E}" dt="2023-12-11T21:21:50.390" v="2712" actId="21"/>
+          <ac:picMkLst>
+            <pc:docMk/>
+            <pc:sldMk cId="3966135989" sldId="266"/>
+            <ac:picMk id="3" creationId="{18C7ECF1-9ECC-4FE3-2A5D-CAA28AAA2947}"/>
+          </ac:picMkLst>
+        </pc:picChg>
+        <pc:picChg chg="add mod">
+          <ac:chgData name="ignazio emanuele picciche'" userId="0ffc6f3f-5a1e-4bcf-8207-6fcee5da7ade" providerId="ADAL" clId="{17056212-C789-4D94-A224-491696FC5D6E}" dt="2023-12-11T21:21:52.906" v="2714"/>
+          <ac:picMkLst>
+            <pc:docMk/>
+            <pc:sldMk cId="3966135989" sldId="266"/>
+            <ac:picMk id="4" creationId="{9BF51828-B3D8-8E82-A4F3-CB61A789BBE7}"/>
+          </ac:picMkLst>
+        </pc:picChg>
+        <pc:picChg chg="del">
+          <ac:chgData name="ignazio emanuele picciche'" userId="0ffc6f3f-5a1e-4bcf-8207-6fcee5da7ade" providerId="ADAL" clId="{17056212-C789-4D94-A224-491696FC5D6E}" dt="2023-12-11T21:21:52.759" v="2713" actId="478"/>
+          <ac:picMkLst>
+            <pc:docMk/>
+            <pc:sldMk cId="3966135989" sldId="266"/>
+            <ac:picMk id="7" creationId="{617CF344-A06A-DCAA-A74A-F3D9BBA32679}"/>
+          </ac:picMkLst>
+        </pc:picChg>
+      </pc:sldChg>
+      <pc:sldChg chg="addSp delSp modSp add mod">
+        <pc:chgData name="ignazio emanuele picciche'" userId="0ffc6f3f-5a1e-4bcf-8207-6fcee5da7ade" providerId="ADAL" clId="{17056212-C789-4D94-A224-491696FC5D6E}" dt="2023-12-11T21:29:13.773" v="2841" actId="1076"/>
+        <pc:sldMkLst>
+          <pc:docMk/>
+          <pc:sldMk cId="2218798297" sldId="267"/>
+        </pc:sldMkLst>
+        <pc:spChg chg="mod">
+          <ac:chgData name="ignazio emanuele picciche'" userId="0ffc6f3f-5a1e-4bcf-8207-6fcee5da7ade" providerId="ADAL" clId="{17056212-C789-4D94-A224-491696FC5D6E}" dt="2023-12-11T21:24:53.311" v="2798" actId="20577"/>
+          <ac:spMkLst>
+            <pc:docMk/>
+            <pc:sldMk cId="2218798297" sldId="267"/>
+            <ac:spMk id="9" creationId="{7DCA9D16-5034-279C-FF1F-96C45AF4B68F}"/>
+          </ac:spMkLst>
+        </pc:spChg>
+        <pc:picChg chg="add del mod">
+          <ac:chgData name="ignazio emanuele picciche'" userId="0ffc6f3f-5a1e-4bcf-8207-6fcee5da7ade" providerId="ADAL" clId="{17056212-C789-4D94-A224-491696FC5D6E}" dt="2023-12-11T21:24:08.268" v="2758" actId="21"/>
+          <ac:picMkLst>
+            <pc:docMk/>
+            <pc:sldMk cId="2218798297" sldId="267"/>
+            <ac:picMk id="3" creationId="{8D9FF2D7-9BFD-56F4-EC82-F91AABEC5139}"/>
+          </ac:picMkLst>
+        </pc:picChg>
+        <pc:picChg chg="del">
+          <ac:chgData name="ignazio emanuele picciche'" userId="0ffc6f3f-5a1e-4bcf-8207-6fcee5da7ade" providerId="ADAL" clId="{17056212-C789-4D94-A224-491696FC5D6E}" dt="2023-12-11T21:24:09.502" v="2759" actId="478"/>
+          <ac:picMkLst>
+            <pc:docMk/>
+            <pc:sldMk cId="2218798297" sldId="267"/>
+            <ac:picMk id="4" creationId="{9BF51828-B3D8-8E82-A4F3-CB61A789BBE7}"/>
+          </ac:picMkLst>
+        </pc:picChg>
+        <pc:picChg chg="add del mod">
+          <ac:chgData name="ignazio emanuele picciche'" userId="0ffc6f3f-5a1e-4bcf-8207-6fcee5da7ade" providerId="ADAL" clId="{17056212-C789-4D94-A224-491696FC5D6E}" dt="2023-12-11T21:26:03.719" v="2805" actId="478"/>
+          <ac:picMkLst>
+            <pc:docMk/>
+            <pc:sldMk cId="2218798297" sldId="267"/>
+            <ac:picMk id="6" creationId="{2B44443E-DD9D-07E4-3CE0-CB0C776DF147}"/>
+          </ac:picMkLst>
+        </pc:picChg>
+        <pc:picChg chg="add del mod">
+          <ac:chgData name="ignazio emanuele picciche'" userId="0ffc6f3f-5a1e-4bcf-8207-6fcee5da7ade" providerId="ADAL" clId="{17056212-C789-4D94-A224-491696FC5D6E}" dt="2023-12-11T21:26:02.604" v="2804" actId="21"/>
+          <ac:picMkLst>
+            <pc:docMk/>
+            <pc:sldMk cId="2218798297" sldId="267"/>
+            <ac:picMk id="8" creationId="{2FA57E73-8EFE-FF89-A107-EED6727D29DE}"/>
+          </ac:picMkLst>
+        </pc:picChg>
+        <pc:picChg chg="add mod">
+          <ac:chgData name="ignazio emanuele picciche'" userId="0ffc6f3f-5a1e-4bcf-8207-6fcee5da7ade" providerId="ADAL" clId="{17056212-C789-4D94-A224-491696FC5D6E}" dt="2023-12-11T21:29:13.773" v="2841" actId="1076"/>
+          <ac:picMkLst>
+            <pc:docMk/>
+            <pc:sldMk cId="2218798297" sldId="267"/>
+            <ac:picMk id="11" creationId="{F6CCD525-1C79-4BD6-8668-51E9A96706D5}"/>
+          </ac:picMkLst>
+        </pc:picChg>
+      </pc:sldChg>
+      <pc:sldChg chg="addSp delSp modSp add mod">
+        <pc:chgData name="ignazio emanuele picciche'" userId="0ffc6f3f-5a1e-4bcf-8207-6fcee5da7ade" providerId="ADAL" clId="{17056212-C789-4D94-A224-491696FC5D6E}" dt="2023-12-11T21:29:49.234" v="2850"/>
+        <pc:sldMkLst>
+          <pc:docMk/>
+          <pc:sldMk cId="938858099" sldId="268"/>
+        </pc:sldMkLst>
+        <pc:spChg chg="mod">
+          <ac:chgData name="ignazio emanuele picciche'" userId="0ffc6f3f-5a1e-4bcf-8207-6fcee5da7ade" providerId="ADAL" clId="{17056212-C789-4D94-A224-491696FC5D6E}" dt="2023-12-11T21:28:08.823" v="2827" actId="20577"/>
+          <ac:spMkLst>
+            <pc:docMk/>
+            <pc:sldMk cId="938858099" sldId="268"/>
+            <ac:spMk id="9" creationId="{7DCA9D16-5034-279C-FF1F-96C45AF4B68F}"/>
+          </ac:spMkLst>
+        </pc:spChg>
+        <pc:picChg chg="add del">
+          <ac:chgData name="ignazio emanuele picciche'" userId="0ffc6f3f-5a1e-4bcf-8207-6fcee5da7ade" providerId="ADAL" clId="{17056212-C789-4D94-A224-491696FC5D6E}" dt="2023-12-11T21:28:31.234" v="2830" actId="22"/>
+          <ac:picMkLst>
+            <pc:docMk/>
+            <pc:sldMk cId="938858099" sldId="268"/>
+            <ac:picMk id="3" creationId="{52C6954F-EC6D-4BDE-1BFE-336DE84C347E}"/>
+          </ac:picMkLst>
+        </pc:picChg>
+        <pc:picChg chg="add del mod">
+          <ac:chgData name="ignazio emanuele picciche'" userId="0ffc6f3f-5a1e-4bcf-8207-6fcee5da7ade" providerId="ADAL" clId="{17056212-C789-4D94-A224-491696FC5D6E}" dt="2023-12-11T21:29:27.377" v="2845" actId="21"/>
+          <ac:picMkLst>
+            <pc:docMk/>
+            <pc:sldMk cId="938858099" sldId="268"/>
+            <ac:picMk id="6" creationId="{5E0B8DD4-BEF0-2D3F-E198-9293F11DD7CB}"/>
+          </ac:picMkLst>
+        </pc:picChg>
+        <pc:picChg chg="add mod">
+          <ac:chgData name="ignazio emanuele picciche'" userId="0ffc6f3f-5a1e-4bcf-8207-6fcee5da7ade" providerId="ADAL" clId="{17056212-C789-4D94-A224-491696FC5D6E}" dt="2023-12-11T21:29:49.234" v="2850"/>
+          <ac:picMkLst>
+            <pc:docMk/>
+            <pc:sldMk cId="938858099" sldId="268"/>
+            <ac:picMk id="7" creationId="{514D5FDC-F092-B404-EFE6-FF28402C9178}"/>
+          </ac:picMkLst>
+        </pc:picChg>
+        <pc:picChg chg="add del">
+          <ac:chgData name="ignazio emanuele picciche'" userId="0ffc6f3f-5a1e-4bcf-8207-6fcee5da7ade" providerId="ADAL" clId="{17056212-C789-4D94-A224-491696FC5D6E}" dt="2023-12-11T21:29:48.967" v="2849" actId="478"/>
+          <ac:picMkLst>
+            <pc:docMk/>
+            <pc:sldMk cId="938858099" sldId="268"/>
+            <ac:picMk id="11" creationId="{F6CCD525-1C79-4BD6-8668-51E9A96706D5}"/>
+          </ac:picMkLst>
+        </pc:picChg>
+      </pc:sldChg>
+      <pc:sldChg chg="addSp delSp modSp add mod">
+        <pc:chgData name="ignazio emanuele picciche'" userId="0ffc6f3f-5a1e-4bcf-8207-6fcee5da7ade" providerId="ADAL" clId="{17056212-C789-4D94-A224-491696FC5D6E}" dt="2023-12-11T21:32:27.368" v="2920"/>
+        <pc:sldMkLst>
+          <pc:docMk/>
+          <pc:sldMk cId="3547871776" sldId="269"/>
+        </pc:sldMkLst>
+        <pc:spChg chg="mod">
+          <ac:chgData name="ignazio emanuele picciche'" userId="0ffc6f3f-5a1e-4bcf-8207-6fcee5da7ade" providerId="ADAL" clId="{17056212-C789-4D94-A224-491696FC5D6E}" dt="2023-12-11T21:31:26.773" v="2912" actId="20577"/>
+          <ac:spMkLst>
+            <pc:docMk/>
+            <pc:sldMk cId="3547871776" sldId="269"/>
+            <ac:spMk id="9" creationId="{7DCA9D16-5034-279C-FF1F-96C45AF4B68F}"/>
+          </ac:spMkLst>
+        </pc:spChg>
+        <pc:picChg chg="add del mod">
+          <ac:chgData name="ignazio emanuele picciche'" userId="0ffc6f3f-5a1e-4bcf-8207-6fcee5da7ade" providerId="ADAL" clId="{17056212-C789-4D94-A224-491696FC5D6E}" dt="2023-12-11T21:32:25.791" v="2918" actId="21"/>
+          <ac:picMkLst>
+            <pc:docMk/>
+            <pc:sldMk cId="3547871776" sldId="269"/>
+            <ac:picMk id="3" creationId="{8BDE667D-E2B6-ED2D-184C-63B54DC916CF}"/>
+          </ac:picMkLst>
+        </pc:picChg>
+        <pc:picChg chg="del">
+          <ac:chgData name="ignazio emanuele picciche'" userId="0ffc6f3f-5a1e-4bcf-8207-6fcee5da7ade" providerId="ADAL" clId="{17056212-C789-4D94-A224-491696FC5D6E}" dt="2023-12-11T21:32:27.131" v="2919" actId="478"/>
+          <ac:picMkLst>
+            <pc:docMk/>
+            <pc:sldMk cId="3547871776" sldId="269"/>
+            <ac:picMk id="4" creationId="{9BF51828-B3D8-8E82-A4F3-CB61A789BBE7}"/>
+          </ac:picMkLst>
+        </pc:picChg>
+        <pc:picChg chg="add mod">
+          <ac:chgData name="ignazio emanuele picciche'" userId="0ffc6f3f-5a1e-4bcf-8207-6fcee5da7ade" providerId="ADAL" clId="{17056212-C789-4D94-A224-491696FC5D6E}" dt="2023-12-11T21:32:27.368" v="2920"/>
+          <ac:picMkLst>
+            <pc:docMk/>
+            <pc:sldMk cId="3547871776" sldId="269"/>
+            <ac:picMk id="6" creationId="{1EF4F6C7-0610-01F2-CF86-8CA9370A5B2B}"/>
+          </ac:picMkLst>
+        </pc:picChg>
+      </pc:sldChg>
+      <pc:sldChg chg="addSp delSp modSp add del mod ord">
+        <pc:chgData name="ignazio emanuele picciche'" userId="0ffc6f3f-5a1e-4bcf-8207-6fcee5da7ade" providerId="ADAL" clId="{17056212-C789-4D94-A224-491696FC5D6E}" dt="2023-12-11T21:30:29.496" v="2853" actId="2696"/>
+        <pc:sldMkLst>
+          <pc:docMk/>
+          <pc:sldMk cId="4268557545" sldId="269"/>
+        </pc:sldMkLst>
+        <pc:picChg chg="add del mod">
+          <ac:chgData name="ignazio emanuele picciche'" userId="0ffc6f3f-5a1e-4bcf-8207-6fcee5da7ade" providerId="ADAL" clId="{17056212-C789-4D94-A224-491696FC5D6E}" dt="2023-12-11T21:29:45.270" v="2848" actId="21"/>
+          <ac:picMkLst>
+            <pc:docMk/>
+            <pc:sldMk cId="4268557545" sldId="269"/>
+            <ac:picMk id="2" creationId="{E3020DC8-F347-D5E1-DC35-D06690C659D3}"/>
+          </ac:picMkLst>
+        </pc:picChg>
+      </pc:sldChg>
+      <pc:sldChg chg="addSp delSp modSp add mod">
+        <pc:chgData name="ignazio emanuele picciche'" userId="0ffc6f3f-5a1e-4bcf-8207-6fcee5da7ade" providerId="ADAL" clId="{17056212-C789-4D94-A224-491696FC5D6E}" dt="2023-12-11T22:05:25.612" v="3083" actId="1076"/>
+        <pc:sldMkLst>
+          <pc:docMk/>
+          <pc:sldMk cId="56176647" sldId="270"/>
+        </pc:sldMkLst>
+        <pc:spChg chg="mod">
+          <ac:chgData name="ignazio emanuele picciche'" userId="0ffc6f3f-5a1e-4bcf-8207-6fcee5da7ade" providerId="ADAL" clId="{17056212-C789-4D94-A224-491696FC5D6E}" dt="2023-12-11T21:33:52.024" v="2933" actId="14100"/>
+          <ac:spMkLst>
+            <pc:docMk/>
+            <pc:sldMk cId="56176647" sldId="270"/>
+            <ac:spMk id="9" creationId="{7DCA9D16-5034-279C-FF1F-96C45AF4B68F}"/>
+          </ac:spMkLst>
+        </pc:spChg>
+        <pc:spChg chg="del">
+          <ac:chgData name="ignazio emanuele picciche'" userId="0ffc6f3f-5a1e-4bcf-8207-6fcee5da7ade" providerId="ADAL" clId="{17056212-C789-4D94-A224-491696FC5D6E}" dt="2023-12-11T21:33:54.496" v="2934" actId="478"/>
+          <ac:spMkLst>
+            <pc:docMk/>
+            <pc:sldMk cId="56176647" sldId="270"/>
+            <ac:spMk id="22" creationId="{8CF4B406-EA7E-B37B-213A-A8308F8FC216}"/>
+          </ac:spMkLst>
+        </pc:spChg>
+        <pc:picChg chg="add del mod">
+          <ac:chgData name="ignazio emanuele picciche'" userId="0ffc6f3f-5a1e-4bcf-8207-6fcee5da7ade" providerId="ADAL" clId="{17056212-C789-4D94-A224-491696FC5D6E}" dt="2023-12-11T21:34:19.065" v="2942" actId="22"/>
+          <ac:picMkLst>
+            <pc:docMk/>
+            <pc:sldMk cId="56176647" sldId="270"/>
+            <ac:picMk id="3" creationId="{606A6FF2-3F11-5F0F-EE58-355E2CC9EECB}"/>
+          </ac:picMkLst>
+        </pc:picChg>
+        <pc:picChg chg="add del mod">
+          <ac:chgData name="ignazio emanuele picciche'" userId="0ffc6f3f-5a1e-4bcf-8207-6fcee5da7ade" providerId="ADAL" clId="{17056212-C789-4D94-A224-491696FC5D6E}" dt="2023-12-11T21:35:17.320" v="2946" actId="478"/>
+          <ac:picMkLst>
+            <pc:docMk/>
+            <pc:sldMk cId="56176647" sldId="270"/>
+            <ac:picMk id="6" creationId="{E7822EE8-8996-0BC0-B3EE-6486141882C0}"/>
+          </ac:picMkLst>
+        </pc:picChg>
+        <pc:picChg chg="del">
+          <ac:chgData name="ignazio emanuele picciche'" userId="0ffc6f3f-5a1e-4bcf-8207-6fcee5da7ade" providerId="ADAL" clId="{17056212-C789-4D94-A224-491696FC5D6E}" dt="2023-12-11T21:33:44.796" v="2922" actId="478"/>
+          <ac:picMkLst>
+            <pc:docMk/>
+            <pc:sldMk cId="56176647" sldId="270"/>
+            <ac:picMk id="7" creationId="{514D5FDC-F092-B404-EFE6-FF28402C9178}"/>
+          </ac:picMkLst>
+        </pc:picChg>
+        <pc:picChg chg="add del mod">
+          <ac:chgData name="ignazio emanuele picciche'" userId="0ffc6f3f-5a1e-4bcf-8207-6fcee5da7ade" providerId="ADAL" clId="{17056212-C789-4D94-A224-491696FC5D6E}" dt="2023-12-11T21:39:03.720" v="2963" actId="21"/>
+          <ac:picMkLst>
+            <pc:docMk/>
+            <pc:sldMk cId="56176647" sldId="270"/>
+            <ac:picMk id="11" creationId="{4184E70E-866E-EB06-4556-F3E20D04617E}"/>
+          </ac:picMkLst>
+        </pc:picChg>
+        <pc:picChg chg="add del mod">
+          <ac:chgData name="ignazio emanuele picciche'" userId="0ffc6f3f-5a1e-4bcf-8207-6fcee5da7ade" providerId="ADAL" clId="{17056212-C789-4D94-A224-491696FC5D6E}" dt="2023-12-11T21:39:11.312" v="2965"/>
+          <ac:picMkLst>
+            <pc:docMk/>
+            <pc:sldMk cId="56176647" sldId="270"/>
+            <ac:picMk id="12" creationId="{21F1D2EE-1D67-5433-8310-F33D8FD3E4A7}"/>
+          </ac:picMkLst>
+        </pc:picChg>
+        <pc:picChg chg="add mod">
+          <ac:chgData name="ignazio emanuele picciche'" userId="0ffc6f3f-5a1e-4bcf-8207-6fcee5da7ade" providerId="ADAL" clId="{17056212-C789-4D94-A224-491696FC5D6E}" dt="2023-12-11T22:05:25.612" v="3083" actId="1076"/>
+          <ac:picMkLst>
+            <pc:docMk/>
+            <pc:sldMk cId="56176647" sldId="270"/>
+            <ac:picMk id="14" creationId="{9AC326F5-A5B0-B660-D152-104DAEA41E98}"/>
+          </ac:picMkLst>
+        </pc:picChg>
+      </pc:sldChg>
+      <pc:sldChg chg="add">
+        <pc:chgData name="ignazio emanuele picciche'" userId="0ffc6f3f-5a1e-4bcf-8207-6fcee5da7ade" providerId="ADAL" clId="{17056212-C789-4D94-A224-491696FC5D6E}" dt="2023-12-11T21:54:01.631" v="3060" actId="2890"/>
+        <pc:sldMkLst>
+          <pc:docMk/>
+          <pc:sldMk cId="1668053405" sldId="271"/>
+        </pc:sldMkLst>
+      </pc:sldChg>
+      <pc:sldChg chg="add">
+        <pc:chgData name="ignazio emanuele picciche'" userId="0ffc6f3f-5a1e-4bcf-8207-6fcee5da7ade" providerId="ADAL" clId="{17056212-C789-4D94-A224-491696FC5D6E}" dt="2023-12-11T21:55:11.363" v="3070" actId="2890"/>
+        <pc:sldMkLst>
+          <pc:docMk/>
+          <pc:sldMk cId="945971025" sldId="272"/>
+        </pc:sldMkLst>
       </pc:sldChg>
     </pc:docChg>
   </pc:docChgLst>
@@ -650,7 +3080,7 @@
           <a:p>
             <a:fld id="{8079EB34-2BA9-48D9-89DB-E07D4D160F28}" type="datetimeFigureOut">
               <a:rPr lang="en-GB" smtClean="0"/>
-              <a:t>09/12/2023</a:t>
+              <a:t>11/12/2023</a:t>
             </a:fld>
             <a:endParaRPr lang="en-GB"/>
           </a:p>
@@ -992,7 +3422,343 @@
     </p:spTree>
     <p:extLst>
       <p:ext uri="{BB962C8B-B14F-4D97-AF65-F5344CB8AC3E}">
-        <p14:creationId xmlns:p14="http://schemas.microsoft.com/office/powerpoint/2010/main" val="4280250711"/>
+        <p14:creationId xmlns:p14="http://schemas.microsoft.com/office/powerpoint/2010/main" val="3372735551"/>
+      </p:ext>
+    </p:extLst>
+  </p:cSld>
+  <p:clrMapOvr>
+    <a:masterClrMapping/>
+  </p:clrMapOvr>
+</p:notes>
+</file>
+
+<file path=ppt/notesSlides/notesSlide10.xml><?xml version="1.0" encoding="utf-8"?>
+<p:notes xmlns:a="http://schemas.openxmlformats.org/drawingml/2006/main" xmlns:r="http://schemas.openxmlformats.org/officeDocument/2006/relationships" xmlns:p="http://schemas.openxmlformats.org/presentationml/2006/main">
+  <p:cSld>
+    <p:spTree>
+      <p:nvGrpSpPr>
+        <p:cNvPr id="1" name=""/>
+        <p:cNvGrpSpPr/>
+        <p:nvPr/>
+      </p:nvGrpSpPr>
+      <p:grpSpPr>
+        <a:xfrm>
+          <a:off x="0" y="0"/>
+          <a:ext cx="0" cy="0"/>
+          <a:chOff x="0" y="0"/>
+          <a:chExt cx="0" cy="0"/>
+        </a:xfrm>
+      </p:grpSpPr>
+      <p:sp>
+        <p:nvSpPr>
+          <p:cNvPr id="2" name="Slide Image Placeholder 1"/>
+          <p:cNvSpPr>
+            <a:spLocks noGrp="1" noRot="1" noChangeAspect="1"/>
+          </p:cNvSpPr>
+          <p:nvPr>
+            <p:ph type="sldImg"/>
+          </p:nvPr>
+        </p:nvSpPr>
+        <p:spPr/>
+      </p:sp>
+      <p:sp>
+        <p:nvSpPr>
+          <p:cNvPr id="3" name="Notes Placeholder 2"/>
+          <p:cNvSpPr>
+            <a:spLocks noGrp="1"/>
+          </p:cNvSpPr>
+          <p:nvPr>
+            <p:ph type="body" idx="1"/>
+          </p:nvPr>
+        </p:nvSpPr>
+        <p:spPr/>
+        <p:txBody>
+          <a:bodyPr/>
+          <a:lstStyle/>
+          <a:p>
+            <a:endParaRPr lang="en-GB" dirty="0"/>
+          </a:p>
+        </p:txBody>
+      </p:sp>
+      <p:sp>
+        <p:nvSpPr>
+          <p:cNvPr id="4" name="Slide Number Placeholder 3"/>
+          <p:cNvSpPr>
+            <a:spLocks noGrp="1"/>
+          </p:cNvSpPr>
+          <p:nvPr>
+            <p:ph type="sldNum" sz="quarter" idx="5"/>
+          </p:nvPr>
+        </p:nvSpPr>
+        <p:spPr/>
+        <p:txBody>
+          <a:bodyPr/>
+          <a:lstStyle/>
+          <a:p>
+            <a:fld id="{21590A60-A07C-46F9-8B65-B35F273389B3}" type="slidenum">
+              <a:rPr lang="en-GB" smtClean="0"/>
+              <a:t>13</a:t>
+            </a:fld>
+            <a:endParaRPr lang="en-GB"/>
+          </a:p>
+        </p:txBody>
+      </p:sp>
+    </p:spTree>
+    <p:extLst>
+      <p:ext uri="{BB962C8B-B14F-4D97-AF65-F5344CB8AC3E}">
+        <p14:creationId xmlns:p14="http://schemas.microsoft.com/office/powerpoint/2010/main" val="208692632"/>
+      </p:ext>
+    </p:extLst>
+  </p:cSld>
+  <p:clrMapOvr>
+    <a:masterClrMapping/>
+  </p:clrMapOvr>
+</p:notes>
+</file>
+
+<file path=ppt/notesSlides/notesSlide11.xml><?xml version="1.0" encoding="utf-8"?>
+<p:notes xmlns:a="http://schemas.openxmlformats.org/drawingml/2006/main" xmlns:r="http://schemas.openxmlformats.org/officeDocument/2006/relationships" xmlns:p="http://schemas.openxmlformats.org/presentationml/2006/main">
+  <p:cSld>
+    <p:spTree>
+      <p:nvGrpSpPr>
+        <p:cNvPr id="1" name=""/>
+        <p:cNvGrpSpPr/>
+        <p:nvPr/>
+      </p:nvGrpSpPr>
+      <p:grpSpPr>
+        <a:xfrm>
+          <a:off x="0" y="0"/>
+          <a:ext cx="0" cy="0"/>
+          <a:chOff x="0" y="0"/>
+          <a:chExt cx="0" cy="0"/>
+        </a:xfrm>
+      </p:grpSpPr>
+      <p:sp>
+        <p:nvSpPr>
+          <p:cNvPr id="2" name="Slide Image Placeholder 1"/>
+          <p:cNvSpPr>
+            <a:spLocks noGrp="1" noRot="1" noChangeAspect="1"/>
+          </p:cNvSpPr>
+          <p:nvPr>
+            <p:ph type="sldImg"/>
+          </p:nvPr>
+        </p:nvSpPr>
+        <p:spPr/>
+      </p:sp>
+      <p:sp>
+        <p:nvSpPr>
+          <p:cNvPr id="3" name="Notes Placeholder 2"/>
+          <p:cNvSpPr>
+            <a:spLocks noGrp="1"/>
+          </p:cNvSpPr>
+          <p:nvPr>
+            <p:ph type="body" idx="1"/>
+          </p:nvPr>
+        </p:nvSpPr>
+        <p:spPr/>
+        <p:txBody>
+          <a:bodyPr/>
+          <a:lstStyle/>
+          <a:p>
+            <a:endParaRPr lang="en-GB" dirty="0"/>
+          </a:p>
+        </p:txBody>
+      </p:sp>
+      <p:sp>
+        <p:nvSpPr>
+          <p:cNvPr id="4" name="Slide Number Placeholder 3"/>
+          <p:cNvSpPr>
+            <a:spLocks noGrp="1"/>
+          </p:cNvSpPr>
+          <p:nvPr>
+            <p:ph type="sldNum" sz="quarter" idx="5"/>
+          </p:nvPr>
+        </p:nvSpPr>
+        <p:spPr/>
+        <p:txBody>
+          <a:bodyPr/>
+          <a:lstStyle/>
+          <a:p>
+            <a:fld id="{21590A60-A07C-46F9-8B65-B35F273389B3}" type="slidenum">
+              <a:rPr lang="en-GB" smtClean="0"/>
+              <a:t>14</a:t>
+            </a:fld>
+            <a:endParaRPr lang="en-GB"/>
+          </a:p>
+        </p:txBody>
+      </p:sp>
+    </p:spTree>
+    <p:extLst>
+      <p:ext uri="{BB962C8B-B14F-4D97-AF65-F5344CB8AC3E}">
+        <p14:creationId xmlns:p14="http://schemas.microsoft.com/office/powerpoint/2010/main" val="1931353061"/>
+      </p:ext>
+    </p:extLst>
+  </p:cSld>
+  <p:clrMapOvr>
+    <a:masterClrMapping/>
+  </p:clrMapOvr>
+</p:notes>
+</file>
+
+<file path=ppt/notesSlides/notesSlide12.xml><?xml version="1.0" encoding="utf-8"?>
+<p:notes xmlns:a="http://schemas.openxmlformats.org/drawingml/2006/main" xmlns:r="http://schemas.openxmlformats.org/officeDocument/2006/relationships" xmlns:p="http://schemas.openxmlformats.org/presentationml/2006/main">
+  <p:cSld>
+    <p:spTree>
+      <p:nvGrpSpPr>
+        <p:cNvPr id="1" name=""/>
+        <p:cNvGrpSpPr/>
+        <p:nvPr/>
+      </p:nvGrpSpPr>
+      <p:grpSpPr>
+        <a:xfrm>
+          <a:off x="0" y="0"/>
+          <a:ext cx="0" cy="0"/>
+          <a:chOff x="0" y="0"/>
+          <a:chExt cx="0" cy="0"/>
+        </a:xfrm>
+      </p:grpSpPr>
+      <p:sp>
+        <p:nvSpPr>
+          <p:cNvPr id="2" name="Slide Image Placeholder 1"/>
+          <p:cNvSpPr>
+            <a:spLocks noGrp="1" noRot="1" noChangeAspect="1"/>
+          </p:cNvSpPr>
+          <p:nvPr>
+            <p:ph type="sldImg"/>
+          </p:nvPr>
+        </p:nvSpPr>
+        <p:spPr/>
+      </p:sp>
+      <p:sp>
+        <p:nvSpPr>
+          <p:cNvPr id="3" name="Notes Placeholder 2"/>
+          <p:cNvSpPr>
+            <a:spLocks noGrp="1"/>
+          </p:cNvSpPr>
+          <p:nvPr>
+            <p:ph type="body" idx="1"/>
+          </p:nvPr>
+        </p:nvSpPr>
+        <p:spPr/>
+        <p:txBody>
+          <a:bodyPr/>
+          <a:lstStyle/>
+          <a:p>
+            <a:endParaRPr lang="en-GB" dirty="0"/>
+          </a:p>
+        </p:txBody>
+      </p:sp>
+      <p:sp>
+        <p:nvSpPr>
+          <p:cNvPr id="4" name="Slide Number Placeholder 3"/>
+          <p:cNvSpPr>
+            <a:spLocks noGrp="1"/>
+          </p:cNvSpPr>
+          <p:nvPr>
+            <p:ph type="sldNum" sz="quarter" idx="5"/>
+          </p:nvPr>
+        </p:nvSpPr>
+        <p:spPr/>
+        <p:txBody>
+          <a:bodyPr/>
+          <a:lstStyle/>
+          <a:p>
+            <a:fld id="{21590A60-A07C-46F9-8B65-B35F273389B3}" type="slidenum">
+              <a:rPr lang="en-GB" smtClean="0"/>
+              <a:t>15</a:t>
+            </a:fld>
+            <a:endParaRPr lang="en-GB"/>
+          </a:p>
+        </p:txBody>
+      </p:sp>
+    </p:spTree>
+    <p:extLst>
+      <p:ext uri="{BB962C8B-B14F-4D97-AF65-F5344CB8AC3E}">
+        <p14:creationId xmlns:p14="http://schemas.microsoft.com/office/powerpoint/2010/main" val="2710309120"/>
+      </p:ext>
+    </p:extLst>
+  </p:cSld>
+  <p:clrMapOvr>
+    <a:masterClrMapping/>
+  </p:clrMapOvr>
+</p:notes>
+</file>
+
+<file path=ppt/notesSlides/notesSlide13.xml><?xml version="1.0" encoding="utf-8"?>
+<p:notes xmlns:a="http://schemas.openxmlformats.org/drawingml/2006/main" xmlns:r="http://schemas.openxmlformats.org/officeDocument/2006/relationships" xmlns:p="http://schemas.openxmlformats.org/presentationml/2006/main">
+  <p:cSld>
+    <p:spTree>
+      <p:nvGrpSpPr>
+        <p:cNvPr id="1" name=""/>
+        <p:cNvGrpSpPr/>
+        <p:nvPr/>
+      </p:nvGrpSpPr>
+      <p:grpSpPr>
+        <a:xfrm>
+          <a:off x="0" y="0"/>
+          <a:ext cx="0" cy="0"/>
+          <a:chOff x="0" y="0"/>
+          <a:chExt cx="0" cy="0"/>
+        </a:xfrm>
+      </p:grpSpPr>
+      <p:sp>
+        <p:nvSpPr>
+          <p:cNvPr id="2" name="Slide Image Placeholder 1"/>
+          <p:cNvSpPr>
+            <a:spLocks noGrp="1" noRot="1" noChangeAspect="1"/>
+          </p:cNvSpPr>
+          <p:nvPr>
+            <p:ph type="sldImg"/>
+          </p:nvPr>
+        </p:nvSpPr>
+        <p:spPr/>
+      </p:sp>
+      <p:sp>
+        <p:nvSpPr>
+          <p:cNvPr id="3" name="Notes Placeholder 2"/>
+          <p:cNvSpPr>
+            <a:spLocks noGrp="1"/>
+          </p:cNvSpPr>
+          <p:nvPr>
+            <p:ph type="body" idx="1"/>
+          </p:nvPr>
+        </p:nvSpPr>
+        <p:spPr/>
+        <p:txBody>
+          <a:bodyPr/>
+          <a:lstStyle/>
+          <a:p>
+            <a:endParaRPr lang="en-GB" dirty="0"/>
+          </a:p>
+        </p:txBody>
+      </p:sp>
+      <p:sp>
+        <p:nvSpPr>
+          <p:cNvPr id="4" name="Slide Number Placeholder 3"/>
+          <p:cNvSpPr>
+            <a:spLocks noGrp="1"/>
+          </p:cNvSpPr>
+          <p:nvPr>
+            <p:ph type="sldNum" sz="quarter" idx="5"/>
+          </p:nvPr>
+        </p:nvSpPr>
+        <p:spPr/>
+        <p:txBody>
+          <a:bodyPr/>
+          <a:lstStyle/>
+          <a:p>
+            <a:fld id="{21590A60-A07C-46F9-8B65-B35F273389B3}" type="slidenum">
+              <a:rPr lang="en-GB" smtClean="0"/>
+              <a:t>16</a:t>
+            </a:fld>
+            <a:endParaRPr lang="en-GB"/>
+          </a:p>
+        </p:txBody>
+      </p:sp>
+    </p:spTree>
+    <p:extLst>
+      <p:ext uri="{BB962C8B-B14F-4D97-AF65-F5344CB8AC3E}">
+        <p14:creationId xmlns:p14="http://schemas.microsoft.com/office/powerpoint/2010/main" val="2169955865"/>
       </p:ext>
     </p:extLst>
   </p:cSld>
@@ -1076,7 +3842,7 @@
     </p:spTree>
     <p:extLst>
       <p:ext uri="{BB962C8B-B14F-4D97-AF65-F5344CB8AC3E}">
-        <p14:creationId xmlns:p14="http://schemas.microsoft.com/office/powerpoint/2010/main" val="208692632"/>
+        <p14:creationId xmlns:p14="http://schemas.microsoft.com/office/powerpoint/2010/main" val="3478200258"/>
       </p:ext>
     </p:extLst>
   </p:cSld>
@@ -1160,7 +3926,7 @@
     </p:spTree>
     <p:extLst>
       <p:ext uri="{BB962C8B-B14F-4D97-AF65-F5344CB8AC3E}">
-        <p14:creationId xmlns:p14="http://schemas.microsoft.com/office/powerpoint/2010/main" val="1931353061"/>
+        <p14:creationId xmlns:p14="http://schemas.microsoft.com/office/powerpoint/2010/main" val="4280250711"/>
       </p:ext>
     </p:extLst>
   </p:cSld>
@@ -1244,7 +4010,427 @@
     </p:spTree>
     <p:extLst>
       <p:ext uri="{BB962C8B-B14F-4D97-AF65-F5344CB8AC3E}">
-        <p14:creationId xmlns:p14="http://schemas.microsoft.com/office/powerpoint/2010/main" val="2169955865"/>
+        <p14:creationId xmlns:p14="http://schemas.microsoft.com/office/powerpoint/2010/main" val="983958585"/>
+      </p:ext>
+    </p:extLst>
+  </p:cSld>
+  <p:clrMapOvr>
+    <a:masterClrMapping/>
+  </p:clrMapOvr>
+</p:notes>
+</file>
+
+<file path=ppt/notesSlides/notesSlide5.xml><?xml version="1.0" encoding="utf-8"?>
+<p:notes xmlns:a="http://schemas.openxmlformats.org/drawingml/2006/main" xmlns:r="http://schemas.openxmlformats.org/officeDocument/2006/relationships" xmlns:p="http://schemas.openxmlformats.org/presentationml/2006/main">
+  <p:cSld>
+    <p:spTree>
+      <p:nvGrpSpPr>
+        <p:cNvPr id="1" name=""/>
+        <p:cNvGrpSpPr/>
+        <p:nvPr/>
+      </p:nvGrpSpPr>
+      <p:grpSpPr>
+        <a:xfrm>
+          <a:off x="0" y="0"/>
+          <a:ext cx="0" cy="0"/>
+          <a:chOff x="0" y="0"/>
+          <a:chExt cx="0" cy="0"/>
+        </a:xfrm>
+      </p:grpSpPr>
+      <p:sp>
+        <p:nvSpPr>
+          <p:cNvPr id="2" name="Slide Image Placeholder 1"/>
+          <p:cNvSpPr>
+            <a:spLocks noGrp="1" noRot="1" noChangeAspect="1"/>
+          </p:cNvSpPr>
+          <p:nvPr>
+            <p:ph type="sldImg"/>
+          </p:nvPr>
+        </p:nvSpPr>
+        <p:spPr/>
+      </p:sp>
+      <p:sp>
+        <p:nvSpPr>
+          <p:cNvPr id="3" name="Notes Placeholder 2"/>
+          <p:cNvSpPr>
+            <a:spLocks noGrp="1"/>
+          </p:cNvSpPr>
+          <p:nvPr>
+            <p:ph type="body" idx="1"/>
+          </p:nvPr>
+        </p:nvSpPr>
+        <p:spPr/>
+        <p:txBody>
+          <a:bodyPr/>
+          <a:lstStyle/>
+          <a:p>
+            <a:endParaRPr lang="en-GB" dirty="0"/>
+          </a:p>
+        </p:txBody>
+      </p:sp>
+      <p:sp>
+        <p:nvSpPr>
+          <p:cNvPr id="4" name="Slide Number Placeholder 3"/>
+          <p:cNvSpPr>
+            <a:spLocks noGrp="1"/>
+          </p:cNvSpPr>
+          <p:nvPr>
+            <p:ph type="sldNum" sz="quarter" idx="5"/>
+          </p:nvPr>
+        </p:nvSpPr>
+        <p:spPr/>
+        <p:txBody>
+          <a:bodyPr/>
+          <a:lstStyle/>
+          <a:p>
+            <a:fld id="{21590A60-A07C-46F9-8B65-B35F273389B3}" type="slidenum">
+              <a:rPr lang="en-GB" smtClean="0"/>
+              <a:t>8</a:t>
+            </a:fld>
+            <a:endParaRPr lang="en-GB"/>
+          </a:p>
+        </p:txBody>
+      </p:sp>
+    </p:spTree>
+    <p:extLst>
+      <p:ext uri="{BB962C8B-B14F-4D97-AF65-F5344CB8AC3E}">
+        <p14:creationId xmlns:p14="http://schemas.microsoft.com/office/powerpoint/2010/main" val="2994259302"/>
+      </p:ext>
+    </p:extLst>
+  </p:cSld>
+  <p:clrMapOvr>
+    <a:masterClrMapping/>
+  </p:clrMapOvr>
+</p:notes>
+</file>
+
+<file path=ppt/notesSlides/notesSlide6.xml><?xml version="1.0" encoding="utf-8"?>
+<p:notes xmlns:a="http://schemas.openxmlformats.org/drawingml/2006/main" xmlns:r="http://schemas.openxmlformats.org/officeDocument/2006/relationships" xmlns:p="http://schemas.openxmlformats.org/presentationml/2006/main">
+  <p:cSld>
+    <p:spTree>
+      <p:nvGrpSpPr>
+        <p:cNvPr id="1" name=""/>
+        <p:cNvGrpSpPr/>
+        <p:nvPr/>
+      </p:nvGrpSpPr>
+      <p:grpSpPr>
+        <a:xfrm>
+          <a:off x="0" y="0"/>
+          <a:ext cx="0" cy="0"/>
+          <a:chOff x="0" y="0"/>
+          <a:chExt cx="0" cy="0"/>
+        </a:xfrm>
+      </p:grpSpPr>
+      <p:sp>
+        <p:nvSpPr>
+          <p:cNvPr id="2" name="Slide Image Placeholder 1"/>
+          <p:cNvSpPr>
+            <a:spLocks noGrp="1" noRot="1" noChangeAspect="1"/>
+          </p:cNvSpPr>
+          <p:nvPr>
+            <p:ph type="sldImg"/>
+          </p:nvPr>
+        </p:nvSpPr>
+        <p:spPr/>
+      </p:sp>
+      <p:sp>
+        <p:nvSpPr>
+          <p:cNvPr id="3" name="Notes Placeholder 2"/>
+          <p:cNvSpPr>
+            <a:spLocks noGrp="1"/>
+          </p:cNvSpPr>
+          <p:nvPr>
+            <p:ph type="body" idx="1"/>
+          </p:nvPr>
+        </p:nvSpPr>
+        <p:spPr/>
+        <p:txBody>
+          <a:bodyPr/>
+          <a:lstStyle/>
+          <a:p>
+            <a:endParaRPr lang="en-GB" dirty="0"/>
+          </a:p>
+        </p:txBody>
+      </p:sp>
+      <p:sp>
+        <p:nvSpPr>
+          <p:cNvPr id="4" name="Slide Number Placeholder 3"/>
+          <p:cNvSpPr>
+            <a:spLocks noGrp="1"/>
+          </p:cNvSpPr>
+          <p:nvPr>
+            <p:ph type="sldNum" sz="quarter" idx="5"/>
+          </p:nvPr>
+        </p:nvSpPr>
+        <p:spPr/>
+        <p:txBody>
+          <a:bodyPr/>
+          <a:lstStyle/>
+          <a:p>
+            <a:fld id="{21590A60-A07C-46F9-8B65-B35F273389B3}" type="slidenum">
+              <a:rPr lang="en-GB" smtClean="0"/>
+              <a:t>9</a:t>
+            </a:fld>
+            <a:endParaRPr lang="en-GB"/>
+          </a:p>
+        </p:txBody>
+      </p:sp>
+    </p:spTree>
+    <p:extLst>
+      <p:ext uri="{BB962C8B-B14F-4D97-AF65-F5344CB8AC3E}">
+        <p14:creationId xmlns:p14="http://schemas.microsoft.com/office/powerpoint/2010/main" val="16718299"/>
+      </p:ext>
+    </p:extLst>
+  </p:cSld>
+  <p:clrMapOvr>
+    <a:masterClrMapping/>
+  </p:clrMapOvr>
+</p:notes>
+</file>
+
+<file path=ppt/notesSlides/notesSlide7.xml><?xml version="1.0" encoding="utf-8"?>
+<p:notes xmlns:a="http://schemas.openxmlformats.org/drawingml/2006/main" xmlns:r="http://schemas.openxmlformats.org/officeDocument/2006/relationships" xmlns:p="http://schemas.openxmlformats.org/presentationml/2006/main">
+  <p:cSld>
+    <p:spTree>
+      <p:nvGrpSpPr>
+        <p:cNvPr id="1" name=""/>
+        <p:cNvGrpSpPr/>
+        <p:nvPr/>
+      </p:nvGrpSpPr>
+      <p:grpSpPr>
+        <a:xfrm>
+          <a:off x="0" y="0"/>
+          <a:ext cx="0" cy="0"/>
+          <a:chOff x="0" y="0"/>
+          <a:chExt cx="0" cy="0"/>
+        </a:xfrm>
+      </p:grpSpPr>
+      <p:sp>
+        <p:nvSpPr>
+          <p:cNvPr id="2" name="Slide Image Placeholder 1"/>
+          <p:cNvSpPr>
+            <a:spLocks noGrp="1" noRot="1" noChangeAspect="1"/>
+          </p:cNvSpPr>
+          <p:nvPr>
+            <p:ph type="sldImg"/>
+          </p:nvPr>
+        </p:nvSpPr>
+        <p:spPr/>
+      </p:sp>
+      <p:sp>
+        <p:nvSpPr>
+          <p:cNvPr id="3" name="Notes Placeholder 2"/>
+          <p:cNvSpPr>
+            <a:spLocks noGrp="1"/>
+          </p:cNvSpPr>
+          <p:nvPr>
+            <p:ph type="body" idx="1"/>
+          </p:nvPr>
+        </p:nvSpPr>
+        <p:spPr/>
+        <p:txBody>
+          <a:bodyPr/>
+          <a:lstStyle/>
+          <a:p>
+            <a:endParaRPr lang="en-GB" dirty="0"/>
+          </a:p>
+        </p:txBody>
+      </p:sp>
+      <p:sp>
+        <p:nvSpPr>
+          <p:cNvPr id="4" name="Slide Number Placeholder 3"/>
+          <p:cNvSpPr>
+            <a:spLocks noGrp="1"/>
+          </p:cNvSpPr>
+          <p:nvPr>
+            <p:ph type="sldNum" sz="quarter" idx="5"/>
+          </p:nvPr>
+        </p:nvSpPr>
+        <p:spPr/>
+        <p:txBody>
+          <a:bodyPr/>
+          <a:lstStyle/>
+          <a:p>
+            <a:fld id="{21590A60-A07C-46F9-8B65-B35F273389B3}" type="slidenum">
+              <a:rPr lang="en-GB" smtClean="0"/>
+              <a:t>10</a:t>
+            </a:fld>
+            <a:endParaRPr lang="en-GB"/>
+          </a:p>
+        </p:txBody>
+      </p:sp>
+    </p:spTree>
+    <p:extLst>
+      <p:ext uri="{BB962C8B-B14F-4D97-AF65-F5344CB8AC3E}">
+        <p14:creationId xmlns:p14="http://schemas.microsoft.com/office/powerpoint/2010/main" val="2241310016"/>
+      </p:ext>
+    </p:extLst>
+  </p:cSld>
+  <p:clrMapOvr>
+    <a:masterClrMapping/>
+  </p:clrMapOvr>
+</p:notes>
+</file>
+
+<file path=ppt/notesSlides/notesSlide8.xml><?xml version="1.0" encoding="utf-8"?>
+<p:notes xmlns:a="http://schemas.openxmlformats.org/drawingml/2006/main" xmlns:r="http://schemas.openxmlformats.org/officeDocument/2006/relationships" xmlns:p="http://schemas.openxmlformats.org/presentationml/2006/main">
+  <p:cSld>
+    <p:spTree>
+      <p:nvGrpSpPr>
+        <p:cNvPr id="1" name=""/>
+        <p:cNvGrpSpPr/>
+        <p:nvPr/>
+      </p:nvGrpSpPr>
+      <p:grpSpPr>
+        <a:xfrm>
+          <a:off x="0" y="0"/>
+          <a:ext cx="0" cy="0"/>
+          <a:chOff x="0" y="0"/>
+          <a:chExt cx="0" cy="0"/>
+        </a:xfrm>
+      </p:grpSpPr>
+      <p:sp>
+        <p:nvSpPr>
+          <p:cNvPr id="2" name="Slide Image Placeholder 1"/>
+          <p:cNvSpPr>
+            <a:spLocks noGrp="1" noRot="1" noChangeAspect="1"/>
+          </p:cNvSpPr>
+          <p:nvPr>
+            <p:ph type="sldImg"/>
+          </p:nvPr>
+        </p:nvSpPr>
+        <p:spPr/>
+      </p:sp>
+      <p:sp>
+        <p:nvSpPr>
+          <p:cNvPr id="3" name="Notes Placeholder 2"/>
+          <p:cNvSpPr>
+            <a:spLocks noGrp="1"/>
+          </p:cNvSpPr>
+          <p:nvPr>
+            <p:ph type="body" idx="1"/>
+          </p:nvPr>
+        </p:nvSpPr>
+        <p:spPr/>
+        <p:txBody>
+          <a:bodyPr/>
+          <a:lstStyle/>
+          <a:p>
+            <a:endParaRPr lang="en-GB" dirty="0"/>
+          </a:p>
+        </p:txBody>
+      </p:sp>
+      <p:sp>
+        <p:nvSpPr>
+          <p:cNvPr id="4" name="Slide Number Placeholder 3"/>
+          <p:cNvSpPr>
+            <a:spLocks noGrp="1"/>
+          </p:cNvSpPr>
+          <p:nvPr>
+            <p:ph type="sldNum" sz="quarter" idx="5"/>
+          </p:nvPr>
+        </p:nvSpPr>
+        <p:spPr/>
+        <p:txBody>
+          <a:bodyPr/>
+          <a:lstStyle/>
+          <a:p>
+            <a:fld id="{21590A60-A07C-46F9-8B65-B35F273389B3}" type="slidenum">
+              <a:rPr lang="en-GB" smtClean="0"/>
+              <a:t>11</a:t>
+            </a:fld>
+            <a:endParaRPr lang="en-GB"/>
+          </a:p>
+        </p:txBody>
+      </p:sp>
+    </p:spTree>
+    <p:extLst>
+      <p:ext uri="{BB962C8B-B14F-4D97-AF65-F5344CB8AC3E}">
+        <p14:creationId xmlns:p14="http://schemas.microsoft.com/office/powerpoint/2010/main" val="3215917034"/>
+      </p:ext>
+    </p:extLst>
+  </p:cSld>
+  <p:clrMapOvr>
+    <a:masterClrMapping/>
+  </p:clrMapOvr>
+</p:notes>
+</file>
+
+<file path=ppt/notesSlides/notesSlide9.xml><?xml version="1.0" encoding="utf-8"?>
+<p:notes xmlns:a="http://schemas.openxmlformats.org/drawingml/2006/main" xmlns:r="http://schemas.openxmlformats.org/officeDocument/2006/relationships" xmlns:p="http://schemas.openxmlformats.org/presentationml/2006/main">
+  <p:cSld>
+    <p:spTree>
+      <p:nvGrpSpPr>
+        <p:cNvPr id="1" name=""/>
+        <p:cNvGrpSpPr/>
+        <p:nvPr/>
+      </p:nvGrpSpPr>
+      <p:grpSpPr>
+        <a:xfrm>
+          <a:off x="0" y="0"/>
+          <a:ext cx="0" cy="0"/>
+          <a:chOff x="0" y="0"/>
+          <a:chExt cx="0" cy="0"/>
+        </a:xfrm>
+      </p:grpSpPr>
+      <p:sp>
+        <p:nvSpPr>
+          <p:cNvPr id="2" name="Slide Image Placeholder 1"/>
+          <p:cNvSpPr>
+            <a:spLocks noGrp="1" noRot="1" noChangeAspect="1"/>
+          </p:cNvSpPr>
+          <p:nvPr>
+            <p:ph type="sldImg"/>
+          </p:nvPr>
+        </p:nvSpPr>
+        <p:spPr/>
+      </p:sp>
+      <p:sp>
+        <p:nvSpPr>
+          <p:cNvPr id="3" name="Notes Placeholder 2"/>
+          <p:cNvSpPr>
+            <a:spLocks noGrp="1"/>
+          </p:cNvSpPr>
+          <p:nvPr>
+            <p:ph type="body" idx="1"/>
+          </p:nvPr>
+        </p:nvSpPr>
+        <p:spPr/>
+        <p:txBody>
+          <a:bodyPr/>
+          <a:lstStyle/>
+          <a:p>
+            <a:endParaRPr lang="en-GB" dirty="0"/>
+          </a:p>
+        </p:txBody>
+      </p:sp>
+      <p:sp>
+        <p:nvSpPr>
+          <p:cNvPr id="4" name="Slide Number Placeholder 3"/>
+          <p:cNvSpPr>
+            <a:spLocks noGrp="1"/>
+          </p:cNvSpPr>
+          <p:nvPr>
+            <p:ph type="sldNum" sz="quarter" idx="5"/>
+          </p:nvPr>
+        </p:nvSpPr>
+        <p:spPr/>
+        <p:txBody>
+          <a:bodyPr/>
+          <a:lstStyle/>
+          <a:p>
+            <a:fld id="{21590A60-A07C-46F9-8B65-B35F273389B3}" type="slidenum">
+              <a:rPr lang="en-GB" smtClean="0"/>
+              <a:t>12</a:t>
+            </a:fld>
+            <a:endParaRPr lang="en-GB"/>
+          </a:p>
+        </p:txBody>
+      </p:sp>
+    </p:spTree>
+    <p:extLst>
+      <p:ext uri="{BB962C8B-B14F-4D97-AF65-F5344CB8AC3E}">
+        <p14:creationId xmlns:p14="http://schemas.microsoft.com/office/powerpoint/2010/main" val="3256839959"/>
       </p:ext>
     </p:extLst>
   </p:cSld>
@@ -1403,7 +4589,7 @@
           <a:p>
             <a:fld id="{CAC63E38-649A-49AF-B7E7-48430D44A5AD}" type="datetimeFigureOut">
               <a:rPr lang="en-GB" smtClean="0"/>
-              <a:t>09/12/2023</a:t>
+              <a:t>11/12/2023</a:t>
             </a:fld>
             <a:endParaRPr lang="en-GB"/>
           </a:p>
@@ -1603,7 +4789,7 @@
           <a:p>
             <a:fld id="{CAC63E38-649A-49AF-B7E7-48430D44A5AD}" type="datetimeFigureOut">
               <a:rPr lang="en-GB" smtClean="0"/>
-              <a:t>09/12/2023</a:t>
+              <a:t>11/12/2023</a:t>
             </a:fld>
             <a:endParaRPr lang="en-GB"/>
           </a:p>
@@ -1813,7 +4999,7 @@
           <a:p>
             <a:fld id="{CAC63E38-649A-49AF-B7E7-48430D44A5AD}" type="datetimeFigureOut">
               <a:rPr lang="en-GB" smtClean="0"/>
-              <a:t>09/12/2023</a:t>
+              <a:t>11/12/2023</a:t>
             </a:fld>
             <a:endParaRPr lang="en-GB"/>
           </a:p>
@@ -2013,7 +5199,7 @@
           <a:p>
             <a:fld id="{CAC63E38-649A-49AF-B7E7-48430D44A5AD}" type="datetimeFigureOut">
               <a:rPr lang="en-GB" smtClean="0"/>
-              <a:t>09/12/2023</a:t>
+              <a:t>11/12/2023</a:t>
             </a:fld>
             <a:endParaRPr lang="en-GB"/>
           </a:p>
@@ -2289,7 +5475,7 @@
           <a:p>
             <a:fld id="{CAC63E38-649A-49AF-B7E7-48430D44A5AD}" type="datetimeFigureOut">
               <a:rPr lang="en-GB" smtClean="0"/>
-              <a:t>09/12/2023</a:t>
+              <a:t>11/12/2023</a:t>
             </a:fld>
             <a:endParaRPr lang="en-GB"/>
           </a:p>
@@ -2557,7 +5743,7 @@
           <a:p>
             <a:fld id="{CAC63E38-649A-49AF-B7E7-48430D44A5AD}" type="datetimeFigureOut">
               <a:rPr lang="en-GB" smtClean="0"/>
-              <a:t>09/12/2023</a:t>
+              <a:t>11/12/2023</a:t>
             </a:fld>
             <a:endParaRPr lang="en-GB"/>
           </a:p>
@@ -2972,7 +6158,7 @@
           <a:p>
             <a:fld id="{CAC63E38-649A-49AF-B7E7-48430D44A5AD}" type="datetimeFigureOut">
               <a:rPr lang="en-GB" smtClean="0"/>
-              <a:t>09/12/2023</a:t>
+              <a:t>11/12/2023</a:t>
             </a:fld>
             <a:endParaRPr lang="en-GB"/>
           </a:p>
@@ -3114,7 +6300,7 @@
           <a:p>
             <a:fld id="{CAC63E38-649A-49AF-B7E7-48430D44A5AD}" type="datetimeFigureOut">
               <a:rPr lang="en-GB" smtClean="0"/>
-              <a:t>09/12/2023</a:t>
+              <a:t>11/12/2023</a:t>
             </a:fld>
             <a:endParaRPr lang="en-GB"/>
           </a:p>
@@ -3227,7 +6413,7 @@
           <a:p>
             <a:fld id="{CAC63E38-649A-49AF-B7E7-48430D44A5AD}" type="datetimeFigureOut">
               <a:rPr lang="en-GB" smtClean="0"/>
-              <a:t>09/12/2023</a:t>
+              <a:t>11/12/2023</a:t>
             </a:fld>
             <a:endParaRPr lang="en-GB"/>
           </a:p>
@@ -3540,7 +6726,7 @@
           <a:p>
             <a:fld id="{CAC63E38-649A-49AF-B7E7-48430D44A5AD}" type="datetimeFigureOut">
               <a:rPr lang="en-GB" smtClean="0"/>
-              <a:t>09/12/2023</a:t>
+              <a:t>11/12/2023</a:t>
             </a:fld>
             <a:endParaRPr lang="en-GB"/>
           </a:p>
@@ -3829,7 +7015,7 @@
           <a:p>
             <a:fld id="{CAC63E38-649A-49AF-B7E7-48430D44A5AD}" type="datetimeFigureOut">
               <a:rPr lang="en-GB" smtClean="0"/>
-              <a:t>09/12/2023</a:t>
+              <a:t>11/12/2023</a:t>
             </a:fld>
             <a:endParaRPr lang="en-GB"/>
           </a:p>
@@ -4072,7 +7258,7 @@
           <a:p>
             <a:fld id="{CAC63E38-649A-49AF-B7E7-48430D44A5AD}" type="datetimeFigureOut">
               <a:rPr lang="en-GB" smtClean="0"/>
-              <a:t>09/12/2023</a:t>
+              <a:t>11/12/2023</a:t>
             </a:fld>
             <a:endParaRPr lang="en-GB"/>
           </a:p>
@@ -4722,7 +7908,7 @@
                   <a:srgbClr val="FFFFFF"/>
                 </a:solidFill>
               </a:rPr>
-              <a:t>qualità</a:t>
+              <a:t>bontà</a:t>
             </a:r>
             <a:r>
               <a:rPr lang="en-GB" dirty="0">
@@ -4906,6 +8092,1996 @@
     <p:extLst>
       <p:ext uri="{BB962C8B-B14F-4D97-AF65-F5344CB8AC3E}">
         <p14:creationId xmlns:p14="http://schemas.microsoft.com/office/powerpoint/2010/main" val="3643469990"/>
+      </p:ext>
+    </p:extLst>
+  </p:cSld>
+  <p:clrMapOvr>
+    <a:overrideClrMapping bg1="dk1" tx1="lt1" bg2="dk2" tx2="lt2" accent1="accent1" accent2="accent2" accent3="accent3" accent4="accent4" accent5="accent5" accent6="accent6" hlink="hlink" folHlink="folHlink"/>
+  </p:clrMapOvr>
+</p:sld>
+</file>
+
+<file path=ppt/slides/slide10.xml><?xml version="1.0" encoding="utf-8"?>
+<p:sld xmlns:a="http://schemas.openxmlformats.org/drawingml/2006/main" xmlns:r="http://schemas.openxmlformats.org/officeDocument/2006/relationships" xmlns:p="http://schemas.openxmlformats.org/presentationml/2006/main">
+  <p:cSld>
+    <p:bg>
+      <p:bgPr>
+        <a:solidFill>
+          <a:srgbClr val="000000"/>
+        </a:solidFill>
+        <a:effectLst/>
+      </p:bgPr>
+    </p:bg>
+    <p:spTree>
+      <p:nvGrpSpPr>
+        <p:cNvPr id="1" name=""/>
+        <p:cNvGrpSpPr/>
+        <p:nvPr/>
+      </p:nvGrpSpPr>
+      <p:grpSpPr>
+        <a:xfrm>
+          <a:off x="0" y="0"/>
+          <a:ext cx="0" cy="0"/>
+          <a:chOff x="0" y="0"/>
+          <a:chExt cx="0" cy="0"/>
+        </a:xfrm>
+      </p:grpSpPr>
+      <p:sp>
+        <p:nvSpPr>
+          <p:cNvPr id="10" name="Rectangle 9">
+            <a:extLst>
+              <a:ext uri="{FF2B5EF4-FFF2-40B4-BE49-F238E27FC236}">
+                <a16:creationId xmlns:a16="http://schemas.microsoft.com/office/drawing/2014/main" id="{71B2258F-86CA-4D4D-8270-BC05FCDEBFB3}"/>
+              </a:ext>
+              <a:ext uri="{C183D7F6-B498-43B3-948B-1728B52AA6E4}">
+                <adec:decorative xmlns:adec="http://schemas.microsoft.com/office/drawing/2017/decorative" val="1"/>
+              </a:ext>
+            </a:extLst>
+          </p:cNvPr>
+          <p:cNvSpPr>
+            <a:spLocks noGrp="1" noRot="1" noChangeAspect="1" noMove="1" noResize="1" noEditPoints="1" noAdjustHandles="1" noChangeArrowheads="1" noChangeShapeType="1" noTextEdit="1"/>
+          </p:cNvSpPr>
+          <p:nvPr>
+            <p:extLst>
+              <p:ext uri="{386F3935-93C4-4BCD-93E2-E3B085C9AB24}">
+                <p16:designElem xmlns:p16="http://schemas.microsoft.com/office/powerpoint/2015/main" val="1"/>
+              </p:ext>
+            </p:extLst>
+          </p:nvPr>
+        </p:nvSpPr>
+        <p:spPr>
+          <a:xfrm>
+            <a:off x="0" y="0"/>
+            <a:ext cx="12192000" cy="6857999"/>
+          </a:xfrm>
+          <a:prstGeom prst="rect">
+            <a:avLst/>
+          </a:prstGeom>
+          <a:solidFill>
+            <a:srgbClr val="000000"/>
+          </a:solidFill>
+          <a:ln>
+            <a:noFill/>
+          </a:ln>
+        </p:spPr>
+        <p:style>
+          <a:lnRef idx="2">
+            <a:schemeClr val="accent1">
+              <a:shade val="50000"/>
+            </a:schemeClr>
+          </a:lnRef>
+          <a:fillRef idx="1">
+            <a:schemeClr val="accent1"/>
+          </a:fillRef>
+          <a:effectRef idx="0">
+            <a:schemeClr val="accent1"/>
+          </a:effectRef>
+          <a:fontRef idx="minor">
+            <a:schemeClr val="lt1"/>
+          </a:fontRef>
+        </p:style>
+        <p:txBody>
+          <a:bodyPr rtlCol="0" anchor="ctr"/>
+          <a:lstStyle/>
+          <a:p>
+            <a:pPr algn="ctr"/>
+            <a:endParaRPr lang="en-US"/>
+          </a:p>
+        </p:txBody>
+      </p:sp>
+      <p:pic>
+        <p:nvPicPr>
+          <p:cNvPr id="5" name="Picture 4" descr="A galaxy in the sky&#10;&#10;Description automatically generated with medium confidence">
+            <a:extLst>
+              <a:ext uri="{FF2B5EF4-FFF2-40B4-BE49-F238E27FC236}">
+                <a16:creationId xmlns:a16="http://schemas.microsoft.com/office/drawing/2014/main" id="{B0F90A88-2372-3D69-96D2-BB8F636DDE9E}"/>
+              </a:ext>
+            </a:extLst>
+          </p:cNvPr>
+          <p:cNvPicPr>
+            <a:picLocks noChangeAspect="1"/>
+          </p:cNvPicPr>
+          <p:nvPr/>
+        </p:nvPicPr>
+        <p:blipFill rotWithShape="1">
+          <a:blip r:embed="rId3">
+            <a:alphaModFix amt="50000"/>
+            <a:extLst>
+              <a:ext uri="{28A0092B-C50C-407E-A947-70E740481C1C}">
+                <a14:useLocalDpi xmlns:a14="http://schemas.microsoft.com/office/drawing/2010/main" val="0"/>
+              </a:ext>
+            </a:extLst>
+          </a:blip>
+          <a:srcRect/>
+          <a:stretch/>
+        </p:blipFill>
+        <p:spPr>
+          <a:xfrm>
+            <a:off x="0" y="0"/>
+            <a:ext cx="12192000" cy="6858000"/>
+          </a:xfrm>
+          <a:prstGeom prst="rect">
+            <a:avLst/>
+          </a:prstGeom>
+        </p:spPr>
+      </p:pic>
+      <p:sp>
+        <p:nvSpPr>
+          <p:cNvPr id="9" name="TextBox 8">
+            <a:extLst>
+              <a:ext uri="{FF2B5EF4-FFF2-40B4-BE49-F238E27FC236}">
+                <a16:creationId xmlns:a16="http://schemas.microsoft.com/office/drawing/2014/main" id="{7DCA9D16-5034-279C-FF1F-96C45AF4B68F}"/>
+              </a:ext>
+            </a:extLst>
+          </p:cNvPr>
+          <p:cNvSpPr txBox="1"/>
+          <p:nvPr/>
+        </p:nvSpPr>
+        <p:spPr>
+          <a:xfrm>
+            <a:off x="301732" y="293576"/>
+            <a:ext cx="5943620" cy="523220"/>
+          </a:xfrm>
+          <a:prstGeom prst="rect">
+            <a:avLst/>
+          </a:prstGeom>
+          <a:noFill/>
+        </p:spPr>
+        <p:txBody>
+          <a:bodyPr wrap="square" rtlCol="0">
+            <a:spAutoFit/>
+          </a:bodyPr>
+          <a:lstStyle/>
+          <a:p>
+            <a:r>
+              <a:rPr lang="en-GB" sz="2800" b="1" dirty="0" err="1"/>
+              <a:t>Turbolenza</a:t>
+            </a:r>
+            <a:r>
+              <a:rPr lang="en-GB" sz="2800" b="1" dirty="0"/>
+              <a:t> </a:t>
+            </a:r>
+            <a:r>
+              <a:rPr lang="en-GB" sz="2800" b="1" dirty="0" err="1"/>
+              <a:t>atmosferica</a:t>
+            </a:r>
+            <a:r>
+              <a:rPr lang="en-GB" sz="2800" b="1" dirty="0"/>
+              <a:t> (m/s)</a:t>
+            </a:r>
+          </a:p>
+        </p:txBody>
+      </p:sp>
+      <p:pic>
+        <p:nvPicPr>
+          <p:cNvPr id="15" name="Picture 14" descr="A blue and white logo&#10;&#10;Description automatically generated">
+            <a:extLst>
+              <a:ext uri="{FF2B5EF4-FFF2-40B4-BE49-F238E27FC236}">
+                <a16:creationId xmlns:a16="http://schemas.microsoft.com/office/drawing/2014/main" id="{6A2D2119-B5CD-B2DE-2CB9-9300E3B94F14}"/>
+              </a:ext>
+            </a:extLst>
+          </p:cNvPr>
+          <p:cNvPicPr>
+            <a:picLocks noChangeAspect="1"/>
+          </p:cNvPicPr>
+          <p:nvPr/>
+        </p:nvPicPr>
+        <p:blipFill>
+          <a:blip r:embed="rId4">
+            <a:extLst>
+              <a:ext uri="{28A0092B-C50C-407E-A947-70E740481C1C}">
+                <a14:useLocalDpi xmlns:a14="http://schemas.microsoft.com/office/drawing/2010/main" val="0"/>
+              </a:ext>
+            </a:extLst>
+          </a:blip>
+          <a:stretch>
+            <a:fillRect/>
+          </a:stretch>
+        </p:blipFill>
+        <p:spPr>
+          <a:xfrm>
+            <a:off x="10585151" y="264938"/>
+            <a:ext cx="1305117" cy="1098396"/>
+          </a:xfrm>
+          <a:prstGeom prst="rect">
+            <a:avLst/>
+          </a:prstGeom>
+        </p:spPr>
+      </p:pic>
+      <p:sp>
+        <p:nvSpPr>
+          <p:cNvPr id="22" name="TextBox 21">
+            <a:extLst>
+              <a:ext uri="{FF2B5EF4-FFF2-40B4-BE49-F238E27FC236}">
+                <a16:creationId xmlns:a16="http://schemas.microsoft.com/office/drawing/2014/main" id="{8CF4B406-EA7E-B37B-213A-A8308F8FC216}"/>
+              </a:ext>
+            </a:extLst>
+          </p:cNvPr>
+          <p:cNvSpPr txBox="1"/>
+          <p:nvPr/>
+        </p:nvSpPr>
+        <p:spPr>
+          <a:xfrm>
+            <a:off x="301732" y="5022218"/>
+            <a:ext cx="1483098" cy="369332"/>
+          </a:xfrm>
+          <a:prstGeom prst="rect">
+            <a:avLst/>
+          </a:prstGeom>
+          <a:noFill/>
+        </p:spPr>
+        <p:txBody>
+          <a:bodyPr wrap="none" rtlCol="0">
+            <a:spAutoFit/>
+          </a:bodyPr>
+          <a:lstStyle/>
+          <a:p>
+            <a:r>
+              <a:rPr lang="en-GB" dirty="0" err="1"/>
+              <a:t>Descrizione</a:t>
+            </a:r>
+            <a:r>
+              <a:rPr lang="en-GB" dirty="0"/>
+              <a:t>….</a:t>
+            </a:r>
+          </a:p>
+        </p:txBody>
+      </p:sp>
+      <p:pic>
+        <p:nvPicPr>
+          <p:cNvPr id="11" name="Picture 10">
+            <a:extLst>
+              <a:ext uri="{FF2B5EF4-FFF2-40B4-BE49-F238E27FC236}">
+                <a16:creationId xmlns:a16="http://schemas.microsoft.com/office/drawing/2014/main" id="{F6CCD525-1C79-4BD6-8668-51E9A96706D5}"/>
+              </a:ext>
+            </a:extLst>
+          </p:cNvPr>
+          <p:cNvPicPr>
+            <a:picLocks noChangeAspect="1"/>
+          </p:cNvPicPr>
+          <p:nvPr/>
+        </p:nvPicPr>
+        <p:blipFill>
+          <a:blip r:embed="rId5"/>
+          <a:stretch>
+            <a:fillRect/>
+          </a:stretch>
+        </p:blipFill>
+        <p:spPr>
+          <a:xfrm>
+            <a:off x="2975070" y="1110372"/>
+            <a:ext cx="6241859" cy="3792457"/>
+          </a:xfrm>
+          <a:prstGeom prst="rect">
+            <a:avLst/>
+          </a:prstGeom>
+        </p:spPr>
+      </p:pic>
+    </p:spTree>
+    <p:extLst>
+      <p:ext uri="{BB962C8B-B14F-4D97-AF65-F5344CB8AC3E}">
+        <p14:creationId xmlns:p14="http://schemas.microsoft.com/office/powerpoint/2010/main" val="2218798297"/>
+      </p:ext>
+    </p:extLst>
+  </p:cSld>
+  <p:clrMapOvr>
+    <a:overrideClrMapping bg1="dk1" tx1="lt1" bg2="dk2" tx2="lt2" accent1="accent1" accent2="accent2" accent3="accent3" accent4="accent4" accent5="accent5" accent6="accent6" hlink="hlink" folHlink="folHlink"/>
+  </p:clrMapOvr>
+</p:sld>
+</file>
+
+<file path=ppt/slides/slide11.xml><?xml version="1.0" encoding="utf-8"?>
+<p:sld xmlns:a="http://schemas.openxmlformats.org/drawingml/2006/main" xmlns:r="http://schemas.openxmlformats.org/officeDocument/2006/relationships" xmlns:p="http://schemas.openxmlformats.org/presentationml/2006/main">
+  <p:cSld>
+    <p:bg>
+      <p:bgPr>
+        <a:solidFill>
+          <a:srgbClr val="000000"/>
+        </a:solidFill>
+        <a:effectLst/>
+      </p:bgPr>
+    </p:bg>
+    <p:spTree>
+      <p:nvGrpSpPr>
+        <p:cNvPr id="1" name=""/>
+        <p:cNvGrpSpPr/>
+        <p:nvPr/>
+      </p:nvGrpSpPr>
+      <p:grpSpPr>
+        <a:xfrm>
+          <a:off x="0" y="0"/>
+          <a:ext cx="0" cy="0"/>
+          <a:chOff x="0" y="0"/>
+          <a:chExt cx="0" cy="0"/>
+        </a:xfrm>
+      </p:grpSpPr>
+      <p:sp>
+        <p:nvSpPr>
+          <p:cNvPr id="10" name="Rectangle 9">
+            <a:extLst>
+              <a:ext uri="{FF2B5EF4-FFF2-40B4-BE49-F238E27FC236}">
+                <a16:creationId xmlns:a16="http://schemas.microsoft.com/office/drawing/2014/main" id="{71B2258F-86CA-4D4D-8270-BC05FCDEBFB3}"/>
+              </a:ext>
+              <a:ext uri="{C183D7F6-B498-43B3-948B-1728B52AA6E4}">
+                <adec:decorative xmlns:adec="http://schemas.microsoft.com/office/drawing/2017/decorative" val="1"/>
+              </a:ext>
+            </a:extLst>
+          </p:cNvPr>
+          <p:cNvSpPr>
+            <a:spLocks noGrp="1" noRot="1" noChangeAspect="1" noMove="1" noResize="1" noEditPoints="1" noAdjustHandles="1" noChangeArrowheads="1" noChangeShapeType="1" noTextEdit="1"/>
+          </p:cNvSpPr>
+          <p:nvPr>
+            <p:extLst>
+              <p:ext uri="{386F3935-93C4-4BCD-93E2-E3B085C9AB24}">
+                <p16:designElem xmlns:p16="http://schemas.microsoft.com/office/powerpoint/2015/main" val="1"/>
+              </p:ext>
+            </p:extLst>
+          </p:nvPr>
+        </p:nvSpPr>
+        <p:spPr>
+          <a:xfrm>
+            <a:off x="0" y="0"/>
+            <a:ext cx="12192000" cy="6857999"/>
+          </a:xfrm>
+          <a:prstGeom prst="rect">
+            <a:avLst/>
+          </a:prstGeom>
+          <a:solidFill>
+            <a:srgbClr val="000000"/>
+          </a:solidFill>
+          <a:ln>
+            <a:noFill/>
+          </a:ln>
+        </p:spPr>
+        <p:style>
+          <a:lnRef idx="2">
+            <a:schemeClr val="accent1">
+              <a:shade val="50000"/>
+            </a:schemeClr>
+          </a:lnRef>
+          <a:fillRef idx="1">
+            <a:schemeClr val="accent1"/>
+          </a:fillRef>
+          <a:effectRef idx="0">
+            <a:schemeClr val="accent1"/>
+          </a:effectRef>
+          <a:fontRef idx="minor">
+            <a:schemeClr val="lt1"/>
+          </a:fontRef>
+        </p:style>
+        <p:txBody>
+          <a:bodyPr rtlCol="0" anchor="ctr"/>
+          <a:lstStyle/>
+          <a:p>
+            <a:pPr algn="ctr"/>
+            <a:endParaRPr lang="en-US"/>
+          </a:p>
+        </p:txBody>
+      </p:sp>
+      <p:pic>
+        <p:nvPicPr>
+          <p:cNvPr id="5" name="Picture 4" descr="A galaxy in the sky&#10;&#10;Description automatically generated with medium confidence">
+            <a:extLst>
+              <a:ext uri="{FF2B5EF4-FFF2-40B4-BE49-F238E27FC236}">
+                <a16:creationId xmlns:a16="http://schemas.microsoft.com/office/drawing/2014/main" id="{B0F90A88-2372-3D69-96D2-BB8F636DDE9E}"/>
+              </a:ext>
+            </a:extLst>
+          </p:cNvPr>
+          <p:cNvPicPr>
+            <a:picLocks noChangeAspect="1"/>
+          </p:cNvPicPr>
+          <p:nvPr/>
+        </p:nvPicPr>
+        <p:blipFill rotWithShape="1">
+          <a:blip r:embed="rId3">
+            <a:alphaModFix amt="50000"/>
+            <a:extLst>
+              <a:ext uri="{28A0092B-C50C-407E-A947-70E740481C1C}">
+                <a14:useLocalDpi xmlns:a14="http://schemas.microsoft.com/office/drawing/2010/main" val="0"/>
+              </a:ext>
+            </a:extLst>
+          </a:blip>
+          <a:srcRect/>
+          <a:stretch/>
+        </p:blipFill>
+        <p:spPr>
+          <a:xfrm>
+            <a:off x="0" y="0"/>
+            <a:ext cx="12192000" cy="6858000"/>
+          </a:xfrm>
+          <a:prstGeom prst="rect">
+            <a:avLst/>
+          </a:prstGeom>
+        </p:spPr>
+      </p:pic>
+      <p:sp>
+        <p:nvSpPr>
+          <p:cNvPr id="9" name="TextBox 8">
+            <a:extLst>
+              <a:ext uri="{FF2B5EF4-FFF2-40B4-BE49-F238E27FC236}">
+                <a16:creationId xmlns:a16="http://schemas.microsoft.com/office/drawing/2014/main" id="{7DCA9D16-5034-279C-FF1F-96C45AF4B68F}"/>
+              </a:ext>
+            </a:extLst>
+          </p:cNvPr>
+          <p:cNvSpPr txBox="1"/>
+          <p:nvPr/>
+        </p:nvSpPr>
+        <p:spPr>
+          <a:xfrm>
+            <a:off x="301732" y="293576"/>
+            <a:ext cx="5943620" cy="523220"/>
+          </a:xfrm>
+          <a:prstGeom prst="rect">
+            <a:avLst/>
+          </a:prstGeom>
+          <a:noFill/>
+        </p:spPr>
+        <p:txBody>
+          <a:bodyPr wrap="square" rtlCol="0">
+            <a:spAutoFit/>
+          </a:bodyPr>
+          <a:lstStyle/>
+          <a:p>
+            <a:r>
+              <a:rPr lang="en-GB" sz="2800" b="1" dirty="0" err="1"/>
+              <a:t>Bontà</a:t>
+            </a:r>
+            <a:r>
+              <a:rPr lang="en-GB" sz="2800" b="1" dirty="0"/>
+              <a:t> </a:t>
+            </a:r>
+            <a:r>
+              <a:rPr lang="en-GB" sz="2800" b="1" dirty="0" err="1"/>
+              <a:t>dello</a:t>
+            </a:r>
+            <a:r>
+              <a:rPr lang="en-GB" sz="2800" b="1" dirty="0"/>
+              <a:t> </a:t>
+            </a:r>
+            <a:r>
+              <a:rPr lang="en-GB" sz="2800" b="1" dirty="0" err="1"/>
+              <a:t>scatto</a:t>
+            </a:r>
+            <a:endParaRPr lang="en-GB" sz="2800" b="1" dirty="0"/>
+          </a:p>
+        </p:txBody>
+      </p:sp>
+      <p:pic>
+        <p:nvPicPr>
+          <p:cNvPr id="15" name="Picture 14" descr="A blue and white logo&#10;&#10;Description automatically generated">
+            <a:extLst>
+              <a:ext uri="{FF2B5EF4-FFF2-40B4-BE49-F238E27FC236}">
+                <a16:creationId xmlns:a16="http://schemas.microsoft.com/office/drawing/2014/main" id="{6A2D2119-B5CD-B2DE-2CB9-9300E3B94F14}"/>
+              </a:ext>
+            </a:extLst>
+          </p:cNvPr>
+          <p:cNvPicPr>
+            <a:picLocks noChangeAspect="1"/>
+          </p:cNvPicPr>
+          <p:nvPr/>
+        </p:nvPicPr>
+        <p:blipFill>
+          <a:blip r:embed="rId4">
+            <a:extLst>
+              <a:ext uri="{28A0092B-C50C-407E-A947-70E740481C1C}">
+                <a14:useLocalDpi xmlns:a14="http://schemas.microsoft.com/office/drawing/2010/main" val="0"/>
+              </a:ext>
+            </a:extLst>
+          </a:blip>
+          <a:stretch>
+            <a:fillRect/>
+          </a:stretch>
+        </p:blipFill>
+        <p:spPr>
+          <a:xfrm>
+            <a:off x="10585151" y="264938"/>
+            <a:ext cx="1305117" cy="1098396"/>
+          </a:xfrm>
+          <a:prstGeom prst="rect">
+            <a:avLst/>
+          </a:prstGeom>
+        </p:spPr>
+      </p:pic>
+      <p:sp>
+        <p:nvSpPr>
+          <p:cNvPr id="22" name="TextBox 21">
+            <a:extLst>
+              <a:ext uri="{FF2B5EF4-FFF2-40B4-BE49-F238E27FC236}">
+                <a16:creationId xmlns:a16="http://schemas.microsoft.com/office/drawing/2014/main" id="{8CF4B406-EA7E-B37B-213A-A8308F8FC216}"/>
+              </a:ext>
+            </a:extLst>
+          </p:cNvPr>
+          <p:cNvSpPr txBox="1"/>
+          <p:nvPr/>
+        </p:nvSpPr>
+        <p:spPr>
+          <a:xfrm>
+            <a:off x="301732" y="5022218"/>
+            <a:ext cx="1483098" cy="369332"/>
+          </a:xfrm>
+          <a:prstGeom prst="rect">
+            <a:avLst/>
+          </a:prstGeom>
+          <a:noFill/>
+        </p:spPr>
+        <p:txBody>
+          <a:bodyPr wrap="none" rtlCol="0">
+            <a:spAutoFit/>
+          </a:bodyPr>
+          <a:lstStyle/>
+          <a:p>
+            <a:r>
+              <a:rPr lang="en-GB" dirty="0" err="1"/>
+              <a:t>Descrizione</a:t>
+            </a:r>
+            <a:r>
+              <a:rPr lang="en-GB" dirty="0"/>
+              <a:t>….</a:t>
+            </a:r>
+          </a:p>
+        </p:txBody>
+      </p:sp>
+      <p:pic>
+        <p:nvPicPr>
+          <p:cNvPr id="7" name="Picture 6">
+            <a:extLst>
+              <a:ext uri="{FF2B5EF4-FFF2-40B4-BE49-F238E27FC236}">
+                <a16:creationId xmlns:a16="http://schemas.microsoft.com/office/drawing/2014/main" id="{514D5FDC-F092-B404-EFE6-FF28402C9178}"/>
+              </a:ext>
+            </a:extLst>
+          </p:cNvPr>
+          <p:cNvPicPr>
+            <a:picLocks noChangeAspect="1"/>
+          </p:cNvPicPr>
+          <p:nvPr/>
+        </p:nvPicPr>
+        <p:blipFill>
+          <a:blip r:embed="rId5"/>
+          <a:stretch>
+            <a:fillRect/>
+          </a:stretch>
+        </p:blipFill>
+        <p:spPr>
+          <a:xfrm>
+            <a:off x="2979842" y="1110372"/>
+            <a:ext cx="6228651" cy="3728061"/>
+          </a:xfrm>
+          <a:prstGeom prst="rect">
+            <a:avLst/>
+          </a:prstGeom>
+        </p:spPr>
+      </p:pic>
+    </p:spTree>
+    <p:extLst>
+      <p:ext uri="{BB962C8B-B14F-4D97-AF65-F5344CB8AC3E}">
+        <p14:creationId xmlns:p14="http://schemas.microsoft.com/office/powerpoint/2010/main" val="938858099"/>
+      </p:ext>
+    </p:extLst>
+  </p:cSld>
+  <p:clrMapOvr>
+    <a:overrideClrMapping bg1="dk1" tx1="lt1" bg2="dk2" tx2="lt2" accent1="accent1" accent2="accent2" accent3="accent3" accent4="accent4" accent5="accent5" accent6="accent6" hlink="hlink" folHlink="folHlink"/>
+  </p:clrMapOvr>
+</p:sld>
+</file>
+
+<file path=ppt/slides/slide12.xml><?xml version="1.0" encoding="utf-8"?>
+<p:sld xmlns:a="http://schemas.openxmlformats.org/drawingml/2006/main" xmlns:r="http://schemas.openxmlformats.org/officeDocument/2006/relationships" xmlns:p="http://schemas.openxmlformats.org/presentationml/2006/main">
+  <p:cSld>
+    <p:bg>
+      <p:bgPr>
+        <a:solidFill>
+          <a:srgbClr val="000000"/>
+        </a:solidFill>
+        <a:effectLst/>
+      </p:bgPr>
+    </p:bg>
+    <p:spTree>
+      <p:nvGrpSpPr>
+        <p:cNvPr id="1" name=""/>
+        <p:cNvGrpSpPr/>
+        <p:nvPr/>
+      </p:nvGrpSpPr>
+      <p:grpSpPr>
+        <a:xfrm>
+          <a:off x="0" y="0"/>
+          <a:ext cx="0" cy="0"/>
+          <a:chOff x="0" y="0"/>
+          <a:chExt cx="0" cy="0"/>
+        </a:xfrm>
+      </p:grpSpPr>
+      <p:sp>
+        <p:nvSpPr>
+          <p:cNvPr id="10" name="Rectangle 9">
+            <a:extLst>
+              <a:ext uri="{FF2B5EF4-FFF2-40B4-BE49-F238E27FC236}">
+                <a16:creationId xmlns:a16="http://schemas.microsoft.com/office/drawing/2014/main" id="{71B2258F-86CA-4D4D-8270-BC05FCDEBFB3}"/>
+              </a:ext>
+              <a:ext uri="{C183D7F6-B498-43B3-948B-1728B52AA6E4}">
+                <adec:decorative xmlns:adec="http://schemas.microsoft.com/office/drawing/2017/decorative" val="1"/>
+              </a:ext>
+            </a:extLst>
+          </p:cNvPr>
+          <p:cNvSpPr>
+            <a:spLocks noGrp="1" noRot="1" noChangeAspect="1" noMove="1" noResize="1" noEditPoints="1" noAdjustHandles="1" noChangeArrowheads="1" noChangeShapeType="1" noTextEdit="1"/>
+          </p:cNvSpPr>
+          <p:nvPr>
+            <p:extLst>
+              <p:ext uri="{386F3935-93C4-4BCD-93E2-E3B085C9AB24}">
+                <p16:designElem xmlns:p16="http://schemas.microsoft.com/office/powerpoint/2015/main" val="1"/>
+              </p:ext>
+            </p:extLst>
+          </p:nvPr>
+        </p:nvSpPr>
+        <p:spPr>
+          <a:xfrm>
+            <a:off x="0" y="0"/>
+            <a:ext cx="12192000" cy="6857999"/>
+          </a:xfrm>
+          <a:prstGeom prst="rect">
+            <a:avLst/>
+          </a:prstGeom>
+          <a:solidFill>
+            <a:srgbClr val="000000"/>
+          </a:solidFill>
+          <a:ln>
+            <a:noFill/>
+          </a:ln>
+        </p:spPr>
+        <p:style>
+          <a:lnRef idx="2">
+            <a:schemeClr val="accent1">
+              <a:shade val="50000"/>
+            </a:schemeClr>
+          </a:lnRef>
+          <a:fillRef idx="1">
+            <a:schemeClr val="accent1"/>
+          </a:fillRef>
+          <a:effectRef idx="0">
+            <a:schemeClr val="accent1"/>
+          </a:effectRef>
+          <a:fontRef idx="minor">
+            <a:schemeClr val="lt1"/>
+          </a:fontRef>
+        </p:style>
+        <p:txBody>
+          <a:bodyPr rtlCol="0" anchor="ctr"/>
+          <a:lstStyle/>
+          <a:p>
+            <a:pPr algn="ctr"/>
+            <a:endParaRPr lang="en-US"/>
+          </a:p>
+        </p:txBody>
+      </p:sp>
+      <p:pic>
+        <p:nvPicPr>
+          <p:cNvPr id="5" name="Picture 4" descr="A galaxy in the sky&#10;&#10;Description automatically generated with medium confidence">
+            <a:extLst>
+              <a:ext uri="{FF2B5EF4-FFF2-40B4-BE49-F238E27FC236}">
+                <a16:creationId xmlns:a16="http://schemas.microsoft.com/office/drawing/2014/main" id="{B0F90A88-2372-3D69-96D2-BB8F636DDE9E}"/>
+              </a:ext>
+            </a:extLst>
+          </p:cNvPr>
+          <p:cNvPicPr>
+            <a:picLocks noChangeAspect="1"/>
+          </p:cNvPicPr>
+          <p:nvPr/>
+        </p:nvPicPr>
+        <p:blipFill rotWithShape="1">
+          <a:blip r:embed="rId3">
+            <a:alphaModFix amt="50000"/>
+            <a:extLst>
+              <a:ext uri="{28A0092B-C50C-407E-A947-70E740481C1C}">
+                <a14:useLocalDpi xmlns:a14="http://schemas.microsoft.com/office/drawing/2010/main" val="0"/>
+              </a:ext>
+            </a:extLst>
+          </a:blip>
+          <a:srcRect/>
+          <a:stretch/>
+        </p:blipFill>
+        <p:spPr>
+          <a:xfrm>
+            <a:off x="0" y="0"/>
+            <a:ext cx="12192000" cy="6858000"/>
+          </a:xfrm>
+          <a:prstGeom prst="rect">
+            <a:avLst/>
+          </a:prstGeom>
+        </p:spPr>
+      </p:pic>
+      <p:sp>
+        <p:nvSpPr>
+          <p:cNvPr id="9" name="TextBox 8">
+            <a:extLst>
+              <a:ext uri="{FF2B5EF4-FFF2-40B4-BE49-F238E27FC236}">
+                <a16:creationId xmlns:a16="http://schemas.microsoft.com/office/drawing/2014/main" id="{7DCA9D16-5034-279C-FF1F-96C45AF4B68F}"/>
+              </a:ext>
+            </a:extLst>
+          </p:cNvPr>
+          <p:cNvSpPr txBox="1"/>
+          <p:nvPr/>
+        </p:nvSpPr>
+        <p:spPr>
+          <a:xfrm>
+            <a:off x="301732" y="293576"/>
+            <a:ext cx="1305117" cy="523220"/>
+          </a:xfrm>
+          <a:prstGeom prst="rect">
+            <a:avLst/>
+          </a:prstGeom>
+          <a:noFill/>
+        </p:spPr>
+        <p:txBody>
+          <a:bodyPr wrap="square" rtlCol="0">
+            <a:spAutoFit/>
+          </a:bodyPr>
+          <a:lstStyle/>
+          <a:p>
+            <a:r>
+              <a:rPr lang="en-GB" sz="2800" b="1" dirty="0" err="1"/>
+              <a:t>Regole</a:t>
+            </a:r>
+            <a:endParaRPr lang="en-GB" sz="2800" b="1" dirty="0"/>
+          </a:p>
+        </p:txBody>
+      </p:sp>
+      <p:pic>
+        <p:nvPicPr>
+          <p:cNvPr id="15" name="Picture 14" descr="A blue and white logo&#10;&#10;Description automatically generated">
+            <a:extLst>
+              <a:ext uri="{FF2B5EF4-FFF2-40B4-BE49-F238E27FC236}">
+                <a16:creationId xmlns:a16="http://schemas.microsoft.com/office/drawing/2014/main" id="{6A2D2119-B5CD-B2DE-2CB9-9300E3B94F14}"/>
+              </a:ext>
+            </a:extLst>
+          </p:cNvPr>
+          <p:cNvPicPr>
+            <a:picLocks noChangeAspect="1"/>
+          </p:cNvPicPr>
+          <p:nvPr/>
+        </p:nvPicPr>
+        <p:blipFill>
+          <a:blip r:embed="rId4">
+            <a:extLst>
+              <a:ext uri="{28A0092B-C50C-407E-A947-70E740481C1C}">
+                <a14:useLocalDpi xmlns:a14="http://schemas.microsoft.com/office/drawing/2010/main" val="0"/>
+              </a:ext>
+            </a:extLst>
+          </a:blip>
+          <a:stretch>
+            <a:fillRect/>
+          </a:stretch>
+        </p:blipFill>
+        <p:spPr>
+          <a:xfrm>
+            <a:off x="10585151" y="264938"/>
+            <a:ext cx="1305117" cy="1098396"/>
+          </a:xfrm>
+          <a:prstGeom prst="rect">
+            <a:avLst/>
+          </a:prstGeom>
+        </p:spPr>
+      </p:pic>
+      <p:pic>
+        <p:nvPicPr>
+          <p:cNvPr id="14" name="Picture 13">
+            <a:extLst>
+              <a:ext uri="{FF2B5EF4-FFF2-40B4-BE49-F238E27FC236}">
+                <a16:creationId xmlns:a16="http://schemas.microsoft.com/office/drawing/2014/main" id="{9AC326F5-A5B0-B660-D152-104DAEA41E98}"/>
+              </a:ext>
+            </a:extLst>
+          </p:cNvPr>
+          <p:cNvPicPr>
+            <a:picLocks noChangeAspect="1"/>
+          </p:cNvPicPr>
+          <p:nvPr/>
+        </p:nvPicPr>
+        <p:blipFill>
+          <a:blip r:embed="rId5"/>
+          <a:stretch>
+            <a:fillRect/>
+          </a:stretch>
+        </p:blipFill>
+        <p:spPr>
+          <a:xfrm>
+            <a:off x="5026494" y="1843327"/>
+            <a:ext cx="6863774" cy="4534678"/>
+          </a:xfrm>
+          <a:prstGeom prst="rect">
+            <a:avLst/>
+          </a:prstGeom>
+        </p:spPr>
+      </p:pic>
+    </p:spTree>
+    <p:extLst>
+      <p:ext uri="{BB962C8B-B14F-4D97-AF65-F5344CB8AC3E}">
+        <p14:creationId xmlns:p14="http://schemas.microsoft.com/office/powerpoint/2010/main" val="56176647"/>
+      </p:ext>
+    </p:extLst>
+  </p:cSld>
+  <p:clrMapOvr>
+    <a:overrideClrMapping bg1="dk1" tx1="lt1" bg2="dk2" tx2="lt2" accent1="accent1" accent2="accent2" accent3="accent3" accent4="accent4" accent5="accent5" accent6="accent6" hlink="hlink" folHlink="folHlink"/>
+  </p:clrMapOvr>
+</p:sld>
+</file>
+
+<file path=ppt/slides/slide13.xml><?xml version="1.0" encoding="utf-8"?>
+<p:sld xmlns:a="http://schemas.openxmlformats.org/drawingml/2006/main" xmlns:r="http://schemas.openxmlformats.org/officeDocument/2006/relationships" xmlns:p="http://schemas.openxmlformats.org/presentationml/2006/main">
+  <p:cSld>
+    <p:bg>
+      <p:bgPr>
+        <a:solidFill>
+          <a:schemeClr val="bg1"/>
+        </a:solidFill>
+        <a:effectLst/>
+      </p:bgPr>
+    </p:bg>
+    <p:spTree>
+      <p:nvGrpSpPr>
+        <p:cNvPr id="1" name=""/>
+        <p:cNvGrpSpPr/>
+        <p:nvPr/>
+      </p:nvGrpSpPr>
+      <p:grpSpPr>
+        <a:xfrm>
+          <a:off x="0" y="0"/>
+          <a:ext cx="0" cy="0"/>
+          <a:chOff x="0" y="0"/>
+          <a:chExt cx="0" cy="0"/>
+        </a:xfrm>
+      </p:grpSpPr>
+      <p:sp useBgFill="1">
+        <p:nvSpPr>
+          <p:cNvPr id="157" name="Rectangle 156">
+            <a:extLst>
+              <a:ext uri="{FF2B5EF4-FFF2-40B4-BE49-F238E27FC236}">
+                <a16:creationId xmlns:a16="http://schemas.microsoft.com/office/drawing/2014/main" id="{0671A8AE-40A1-4631-A6B8-581AFF065482}"/>
+              </a:ext>
+              <a:ext uri="{C183D7F6-B498-43B3-948B-1728B52AA6E4}">
+                <adec:decorative xmlns:adec="http://schemas.microsoft.com/office/drawing/2017/decorative" val="1"/>
+              </a:ext>
+            </a:extLst>
+          </p:cNvPr>
+          <p:cNvSpPr>
+            <a:spLocks noGrp="1" noRot="1" noChangeAspect="1" noMove="1" noResize="1" noEditPoints="1" noAdjustHandles="1" noChangeArrowheads="1" noChangeShapeType="1" noTextEdit="1"/>
+          </p:cNvSpPr>
+          <p:nvPr>
+            <p:extLst>
+              <p:ext uri="{386F3935-93C4-4BCD-93E2-E3B085C9AB24}">
+                <p16:designElem xmlns:p16="http://schemas.microsoft.com/office/powerpoint/2015/main" val="1"/>
+              </p:ext>
+            </p:extLst>
+          </p:nvPr>
+        </p:nvSpPr>
+        <p:spPr>
+          <a:xfrm>
+            <a:off x="0" y="0"/>
+            <a:ext cx="12192000" cy="6858000"/>
+          </a:xfrm>
+          <a:prstGeom prst="rect">
+            <a:avLst/>
+          </a:prstGeom>
+          <a:ln>
+            <a:noFill/>
+          </a:ln>
+        </p:spPr>
+        <p:style>
+          <a:lnRef idx="2">
+            <a:schemeClr val="accent1">
+              <a:shade val="50000"/>
+            </a:schemeClr>
+          </a:lnRef>
+          <a:fillRef idx="1">
+            <a:schemeClr val="accent1"/>
+          </a:fillRef>
+          <a:effectRef idx="0">
+            <a:schemeClr val="accent1"/>
+          </a:effectRef>
+          <a:fontRef idx="minor">
+            <a:schemeClr val="lt1"/>
+          </a:fontRef>
+        </p:style>
+        <p:txBody>
+          <a:bodyPr rtlCol="0" anchor="ctr"/>
+          <a:lstStyle/>
+          <a:p>
+            <a:pPr algn="ctr"/>
+            <a:endParaRPr lang="en-US"/>
+          </a:p>
+        </p:txBody>
+      </p:sp>
+      <p:pic>
+        <p:nvPicPr>
+          <p:cNvPr id="5" name="Picture 4" descr="A galaxy in the sky&#10;&#10;Description automatically generated with medium confidence">
+            <a:extLst>
+              <a:ext uri="{FF2B5EF4-FFF2-40B4-BE49-F238E27FC236}">
+                <a16:creationId xmlns:a16="http://schemas.microsoft.com/office/drawing/2014/main" id="{9B254167-D288-DA7A-A5FB-AA39C3909D03}"/>
+              </a:ext>
+            </a:extLst>
+          </p:cNvPr>
+          <p:cNvPicPr>
+            <a:picLocks noChangeAspect="1"/>
+          </p:cNvPicPr>
+          <p:nvPr/>
+        </p:nvPicPr>
+        <p:blipFill rotWithShape="1">
+          <a:blip r:embed="rId3">
+            <a:extLst>
+              <a:ext uri="{28A0092B-C50C-407E-A947-70E740481C1C}">
+                <a14:useLocalDpi xmlns:a14="http://schemas.microsoft.com/office/drawing/2010/main" val="0"/>
+              </a:ext>
+            </a:extLst>
+          </a:blip>
+          <a:srcRect t="4645" r="35364" b="4446"/>
+          <a:stretch/>
+        </p:blipFill>
+        <p:spPr>
+          <a:xfrm>
+            <a:off x="3523488" y="10"/>
+            <a:ext cx="8668512" cy="6857990"/>
+          </a:xfrm>
+          <a:prstGeom prst="rect">
+            <a:avLst/>
+          </a:prstGeom>
+        </p:spPr>
+      </p:pic>
+      <p:sp>
+        <p:nvSpPr>
+          <p:cNvPr id="159" name="Rectangle 158">
+            <a:extLst>
+              <a:ext uri="{FF2B5EF4-FFF2-40B4-BE49-F238E27FC236}">
+                <a16:creationId xmlns:a16="http://schemas.microsoft.com/office/drawing/2014/main" id="{AB58EF07-17C2-48CF-ABB0-EEF1F17CB8F0}"/>
+              </a:ext>
+              <a:ext uri="{C183D7F6-B498-43B3-948B-1728B52AA6E4}">
+                <adec:decorative xmlns:adec="http://schemas.microsoft.com/office/drawing/2017/decorative" val="1"/>
+              </a:ext>
+            </a:extLst>
+          </p:cNvPr>
+          <p:cNvSpPr>
+            <a:spLocks noGrp="1" noRot="1" noChangeAspect="1" noMove="1" noResize="1" noEditPoints="1" noAdjustHandles="1" noChangeArrowheads="1" noChangeShapeType="1" noTextEdit="1"/>
+          </p:cNvSpPr>
+          <p:nvPr>
+            <p:extLst>
+              <p:ext uri="{386F3935-93C4-4BCD-93E2-E3B085C9AB24}">
+                <p16:designElem xmlns:p16="http://schemas.microsoft.com/office/powerpoint/2015/main" val="1"/>
+              </p:ext>
+            </p:extLst>
+          </p:nvPr>
+        </p:nvSpPr>
+        <p:spPr>
+          <a:xfrm>
+            <a:off x="3" y="0"/>
+            <a:ext cx="9339206" cy="6858000"/>
+          </a:xfrm>
+          <a:prstGeom prst="rect">
+            <a:avLst/>
+          </a:prstGeom>
+          <a:gradFill>
+            <a:gsLst>
+              <a:gs pos="58000">
+                <a:schemeClr val="tx1"/>
+              </a:gs>
+              <a:gs pos="33000">
+                <a:schemeClr val="tx1">
+                  <a:alpha val="64000"/>
+                </a:schemeClr>
+              </a:gs>
+              <a:gs pos="0">
+                <a:schemeClr val="tx1">
+                  <a:alpha val="0"/>
+                </a:schemeClr>
+              </a:gs>
+              <a:gs pos="100000">
+                <a:schemeClr val="tx1"/>
+              </a:gs>
+            </a:gsLst>
+            <a:lin ang="10800000" scaled="0"/>
+          </a:gradFill>
+          <a:ln>
+            <a:noFill/>
+          </a:ln>
+        </p:spPr>
+        <p:style>
+          <a:lnRef idx="2">
+            <a:schemeClr val="accent1">
+              <a:shade val="50000"/>
+            </a:schemeClr>
+          </a:lnRef>
+          <a:fillRef idx="1">
+            <a:schemeClr val="accent1"/>
+          </a:fillRef>
+          <a:effectRef idx="0">
+            <a:schemeClr val="accent1"/>
+          </a:effectRef>
+          <a:fontRef idx="minor">
+            <a:schemeClr val="lt1"/>
+          </a:fontRef>
+        </p:style>
+        <p:txBody>
+          <a:bodyPr rtlCol="0" anchor="ctr"/>
+          <a:lstStyle/>
+          <a:p>
+            <a:pPr algn="ctr"/>
+            <a:endParaRPr lang="en-US" dirty="0"/>
+          </a:p>
+        </p:txBody>
+      </p:sp>
+      <p:sp>
+        <p:nvSpPr>
+          <p:cNvPr id="9" name="TextBox 8">
+            <a:extLst>
+              <a:ext uri="{FF2B5EF4-FFF2-40B4-BE49-F238E27FC236}">
+                <a16:creationId xmlns:a16="http://schemas.microsoft.com/office/drawing/2014/main" id="{FA980C36-225C-A498-36F0-7EFC62C49593}"/>
+              </a:ext>
+            </a:extLst>
+          </p:cNvPr>
+          <p:cNvSpPr txBox="1"/>
+          <p:nvPr/>
+        </p:nvSpPr>
+        <p:spPr>
+          <a:xfrm>
+            <a:off x="481029" y="2699680"/>
+            <a:ext cx="4023360" cy="1458640"/>
+          </a:xfrm>
+          <a:prstGeom prst="rect">
+            <a:avLst/>
+          </a:prstGeom>
+        </p:spPr>
+        <p:txBody>
+          <a:bodyPr vert="horz" lIns="91440" tIns="45720" rIns="91440" bIns="45720" rtlCol="0" anchor="b">
+            <a:normAutofit/>
+          </a:bodyPr>
+          <a:lstStyle/>
+          <a:p>
+            <a:pPr>
+              <a:lnSpc>
+                <a:spcPct val="90000"/>
+              </a:lnSpc>
+              <a:spcBef>
+                <a:spcPct val="0"/>
+              </a:spcBef>
+              <a:spcAft>
+                <a:spcPts val="600"/>
+              </a:spcAft>
+            </a:pPr>
+            <a:r>
+              <a:rPr lang="en-US" sz="4800" b="1" dirty="0" err="1">
+                <a:solidFill>
+                  <a:schemeClr val="bg1"/>
+                </a:solidFill>
+                <a:latin typeface="+mj-lt"/>
+                <a:ea typeface="+mj-ea"/>
+                <a:cs typeface="+mj-cs"/>
+              </a:rPr>
+              <a:t>Casi</a:t>
+            </a:r>
+            <a:r>
+              <a:rPr lang="en-US" sz="4800" b="1" dirty="0">
+                <a:solidFill>
+                  <a:schemeClr val="bg1"/>
+                </a:solidFill>
+                <a:latin typeface="+mj-lt"/>
+                <a:ea typeface="+mj-ea"/>
+                <a:cs typeface="+mj-cs"/>
+              </a:rPr>
+              <a:t> di test / Demo</a:t>
+            </a:r>
+          </a:p>
+        </p:txBody>
+      </p:sp>
+      <p:sp>
+        <p:nvSpPr>
+          <p:cNvPr id="156" name="Rectangle 155">
+            <a:extLst>
+              <a:ext uri="{FF2B5EF4-FFF2-40B4-BE49-F238E27FC236}">
+                <a16:creationId xmlns:a16="http://schemas.microsoft.com/office/drawing/2014/main" id="{AF2F604E-43BE-4DC3-B983-E071523364F8}"/>
+              </a:ext>
+              <a:ext uri="{C183D7F6-B498-43B3-948B-1728B52AA6E4}">
+                <adec:decorative xmlns:adec="http://schemas.microsoft.com/office/drawing/2017/decorative" val="1"/>
+              </a:ext>
+            </a:extLst>
+          </p:cNvPr>
+          <p:cNvSpPr>
+            <a:spLocks noGrp="1" noRot="1" noChangeAspect="1" noMove="1" noResize="1" noEditPoints="1" noAdjustHandles="1" noChangeArrowheads="1" noChangeShapeType="1" noTextEdit="1"/>
+          </p:cNvSpPr>
+          <p:nvPr>
+            <p:extLst>
+              <p:ext uri="{386F3935-93C4-4BCD-93E2-E3B085C9AB24}">
+                <p16:designElem xmlns:p16="http://schemas.microsoft.com/office/powerpoint/2015/main" val="1"/>
+              </p:ext>
+            </p:extLst>
+          </p:nvPr>
+        </p:nvSpPr>
+        <p:spPr>
+          <a:xfrm rot="5400000">
+            <a:off x="759921" y="346791"/>
+            <a:ext cx="146304" cy="704088"/>
+          </a:xfrm>
+          <a:prstGeom prst="rect">
+            <a:avLst/>
+          </a:prstGeom>
+          <a:solidFill>
+            <a:schemeClr val="accent2"/>
+          </a:solidFill>
+          <a:ln>
+            <a:noFill/>
+          </a:ln>
+        </p:spPr>
+        <p:style>
+          <a:lnRef idx="2">
+            <a:schemeClr val="accent1">
+              <a:shade val="50000"/>
+            </a:schemeClr>
+          </a:lnRef>
+          <a:fillRef idx="1">
+            <a:schemeClr val="accent1"/>
+          </a:fillRef>
+          <a:effectRef idx="0">
+            <a:schemeClr val="accent1"/>
+          </a:effectRef>
+          <a:fontRef idx="minor">
+            <a:schemeClr val="lt1"/>
+          </a:fontRef>
+        </p:style>
+        <p:txBody>
+          <a:bodyPr rtlCol="0" anchor="ctr"/>
+          <a:lstStyle/>
+          <a:p>
+            <a:pPr algn="ctr"/>
+            <a:endParaRPr lang="en-US">
+              <a:solidFill>
+                <a:prstClr val="white"/>
+              </a:solidFill>
+              <a:latin typeface="Calibri" panose="020F0502020204030204"/>
+            </a:endParaRPr>
+          </a:p>
+        </p:txBody>
+      </p:sp>
+      <p:sp>
+        <p:nvSpPr>
+          <p:cNvPr id="158" name="Rectangle 157">
+            <a:extLst>
+              <a:ext uri="{FF2B5EF4-FFF2-40B4-BE49-F238E27FC236}">
+                <a16:creationId xmlns:a16="http://schemas.microsoft.com/office/drawing/2014/main" id="{08C9B587-E65E-4B52-B37C-ABEBB6E87928}"/>
+              </a:ext>
+              <a:ext uri="{C183D7F6-B498-43B3-948B-1728B52AA6E4}">
+                <adec:decorative xmlns:adec="http://schemas.microsoft.com/office/drawing/2017/decorative" val="1"/>
+              </a:ext>
+            </a:extLst>
+          </p:cNvPr>
+          <p:cNvSpPr>
+            <a:spLocks noGrp="1" noRot="1" noChangeAspect="1" noMove="1" noResize="1" noEditPoints="1" noAdjustHandles="1" noChangeArrowheads="1" noChangeShapeType="1" noTextEdit="1"/>
+          </p:cNvSpPr>
+          <p:nvPr>
+            <p:extLst>
+              <p:ext uri="{386F3935-93C4-4BCD-93E2-E3B085C9AB24}">
+                <p16:designElem xmlns:p16="http://schemas.microsoft.com/office/powerpoint/2015/main" val="1"/>
+              </p:ext>
+            </p:extLst>
+          </p:nvPr>
+        </p:nvSpPr>
+        <p:spPr>
+          <a:xfrm>
+            <a:off x="481029" y="4546920"/>
+            <a:ext cx="3977640" cy="18288"/>
+          </a:xfrm>
+          <a:prstGeom prst="rect">
+            <a:avLst/>
+          </a:prstGeom>
+          <a:solidFill>
+            <a:schemeClr val="tx1"/>
+          </a:solidFill>
+          <a:ln w="3175">
+            <a:noFill/>
+          </a:ln>
+          <a:effectLst/>
+        </p:spPr>
+        <p:style>
+          <a:lnRef idx="2">
+            <a:schemeClr val="accent1">
+              <a:shade val="50000"/>
+            </a:schemeClr>
+          </a:lnRef>
+          <a:fillRef idx="1">
+            <a:schemeClr val="accent1"/>
+          </a:fillRef>
+          <a:effectRef idx="0">
+            <a:schemeClr val="accent1"/>
+          </a:effectRef>
+          <a:fontRef idx="minor">
+            <a:schemeClr val="lt1"/>
+          </a:fontRef>
+        </p:style>
+        <p:txBody>
+          <a:bodyPr rtlCol="0" anchor="ctr"/>
+          <a:lstStyle/>
+          <a:p>
+            <a:pPr marL="0" marR="0" lvl="0" indent="0" algn="ctr" defTabSz="914400" rtl="0" eaLnBrk="1" fontAlgn="auto" latinLnBrk="0" hangingPunct="1">
+              <a:lnSpc>
+                <a:spcPct val="100000"/>
+              </a:lnSpc>
+              <a:spcBef>
+                <a:spcPts val="0"/>
+              </a:spcBef>
+              <a:spcAft>
+                <a:spcPts val="0"/>
+              </a:spcAft>
+              <a:buClrTx/>
+              <a:buSzTx/>
+              <a:buFontTx/>
+              <a:buNone/>
+              <a:tabLst/>
+              <a:defRPr/>
+            </a:pPr>
+            <a:endParaRPr kumimoji="0" lang="en-US" sz="1800" b="0" i="0" u="none" strike="noStrike" kern="1200" cap="none" spc="0" normalizeH="0" baseline="0" noProof="0">
+              <a:ln>
+                <a:noFill/>
+              </a:ln>
+              <a:solidFill>
+                <a:prstClr val="white"/>
+              </a:solidFill>
+              <a:effectLst/>
+              <a:uLnTx/>
+              <a:uFillTx/>
+              <a:latin typeface="Calibri" panose="020F0502020204030204"/>
+              <a:ea typeface="+mn-ea"/>
+              <a:cs typeface="+mn-cs"/>
+            </a:endParaRPr>
+          </a:p>
+        </p:txBody>
+      </p:sp>
+      <p:pic>
+        <p:nvPicPr>
+          <p:cNvPr id="15" name="Picture 14" descr="A blue and white logo&#10;&#10;Description automatically generated">
+            <a:extLst>
+              <a:ext uri="{FF2B5EF4-FFF2-40B4-BE49-F238E27FC236}">
+                <a16:creationId xmlns:a16="http://schemas.microsoft.com/office/drawing/2014/main" id="{405B6DB1-CAE4-9CE5-0350-7039F8029D34}"/>
+              </a:ext>
+            </a:extLst>
+          </p:cNvPr>
+          <p:cNvPicPr>
+            <a:picLocks noChangeAspect="1"/>
+          </p:cNvPicPr>
+          <p:nvPr/>
+        </p:nvPicPr>
+        <p:blipFill>
+          <a:blip r:embed="rId4">
+            <a:extLst>
+              <a:ext uri="{28A0092B-C50C-407E-A947-70E740481C1C}">
+                <a14:useLocalDpi xmlns:a14="http://schemas.microsoft.com/office/drawing/2010/main" val="0"/>
+              </a:ext>
+            </a:extLst>
+          </a:blip>
+          <a:stretch>
+            <a:fillRect/>
+          </a:stretch>
+        </p:blipFill>
+        <p:spPr>
+          <a:xfrm>
+            <a:off x="10585151" y="264938"/>
+            <a:ext cx="1305117" cy="1098396"/>
+          </a:xfrm>
+          <a:prstGeom prst="rect">
+            <a:avLst/>
+          </a:prstGeom>
+        </p:spPr>
+      </p:pic>
+    </p:spTree>
+    <p:extLst>
+      <p:ext uri="{BB962C8B-B14F-4D97-AF65-F5344CB8AC3E}">
+        <p14:creationId xmlns:p14="http://schemas.microsoft.com/office/powerpoint/2010/main" val="7161756"/>
+      </p:ext>
+    </p:extLst>
+  </p:cSld>
+  <p:clrMapOvr>
+    <a:masterClrMapping/>
+  </p:clrMapOvr>
+</p:sld>
+</file>
+
+<file path=ppt/slides/slide14.xml><?xml version="1.0" encoding="utf-8"?>
+<p:sld xmlns:a="http://schemas.openxmlformats.org/drawingml/2006/main" xmlns:r="http://schemas.openxmlformats.org/officeDocument/2006/relationships" xmlns:p="http://schemas.openxmlformats.org/presentationml/2006/main">
+  <p:cSld>
+    <p:bg>
+      <p:bgPr>
+        <a:solidFill>
+          <a:srgbClr val="000000"/>
+        </a:solidFill>
+        <a:effectLst/>
+      </p:bgPr>
+    </p:bg>
+    <p:spTree>
+      <p:nvGrpSpPr>
+        <p:cNvPr id="1" name=""/>
+        <p:cNvGrpSpPr/>
+        <p:nvPr/>
+      </p:nvGrpSpPr>
+      <p:grpSpPr>
+        <a:xfrm>
+          <a:off x="0" y="0"/>
+          <a:ext cx="0" cy="0"/>
+          <a:chOff x="0" y="0"/>
+          <a:chExt cx="0" cy="0"/>
+        </a:xfrm>
+      </p:grpSpPr>
+      <p:sp>
+        <p:nvSpPr>
+          <p:cNvPr id="10" name="Rectangle 9">
+            <a:extLst>
+              <a:ext uri="{FF2B5EF4-FFF2-40B4-BE49-F238E27FC236}">
+                <a16:creationId xmlns:a16="http://schemas.microsoft.com/office/drawing/2014/main" id="{71B2258F-86CA-4D4D-8270-BC05FCDEBFB3}"/>
+              </a:ext>
+              <a:ext uri="{C183D7F6-B498-43B3-948B-1728B52AA6E4}">
+                <adec:decorative xmlns:adec="http://schemas.microsoft.com/office/drawing/2017/decorative" val="1"/>
+              </a:ext>
+            </a:extLst>
+          </p:cNvPr>
+          <p:cNvSpPr>
+            <a:spLocks noGrp="1" noRot="1" noChangeAspect="1" noMove="1" noResize="1" noEditPoints="1" noAdjustHandles="1" noChangeArrowheads="1" noChangeShapeType="1" noTextEdit="1"/>
+          </p:cNvSpPr>
+          <p:nvPr>
+            <p:extLst>
+              <p:ext uri="{386F3935-93C4-4BCD-93E2-E3B085C9AB24}">
+                <p16:designElem xmlns:p16="http://schemas.microsoft.com/office/powerpoint/2015/main" val="1"/>
+              </p:ext>
+            </p:extLst>
+          </p:nvPr>
+        </p:nvSpPr>
+        <p:spPr>
+          <a:xfrm>
+            <a:off x="0" y="0"/>
+            <a:ext cx="12192000" cy="6857999"/>
+          </a:xfrm>
+          <a:prstGeom prst="rect">
+            <a:avLst/>
+          </a:prstGeom>
+          <a:solidFill>
+            <a:srgbClr val="000000"/>
+          </a:solidFill>
+          <a:ln>
+            <a:noFill/>
+          </a:ln>
+        </p:spPr>
+        <p:style>
+          <a:lnRef idx="2">
+            <a:schemeClr val="accent1">
+              <a:shade val="50000"/>
+            </a:schemeClr>
+          </a:lnRef>
+          <a:fillRef idx="1">
+            <a:schemeClr val="accent1"/>
+          </a:fillRef>
+          <a:effectRef idx="0">
+            <a:schemeClr val="accent1"/>
+          </a:effectRef>
+          <a:fontRef idx="minor">
+            <a:schemeClr val="lt1"/>
+          </a:fontRef>
+        </p:style>
+        <p:txBody>
+          <a:bodyPr rtlCol="0" anchor="ctr"/>
+          <a:lstStyle/>
+          <a:p>
+            <a:pPr algn="ctr"/>
+            <a:endParaRPr lang="en-US"/>
+          </a:p>
+        </p:txBody>
+      </p:sp>
+      <p:pic>
+        <p:nvPicPr>
+          <p:cNvPr id="5" name="Picture 4" descr="A galaxy in the sky&#10;&#10;Description automatically generated with medium confidence">
+            <a:extLst>
+              <a:ext uri="{FF2B5EF4-FFF2-40B4-BE49-F238E27FC236}">
+                <a16:creationId xmlns:a16="http://schemas.microsoft.com/office/drawing/2014/main" id="{B0F90A88-2372-3D69-96D2-BB8F636DDE9E}"/>
+              </a:ext>
+            </a:extLst>
+          </p:cNvPr>
+          <p:cNvPicPr>
+            <a:picLocks noChangeAspect="1"/>
+          </p:cNvPicPr>
+          <p:nvPr/>
+        </p:nvPicPr>
+        <p:blipFill rotWithShape="1">
+          <a:blip r:embed="rId3">
+            <a:alphaModFix amt="50000"/>
+            <a:extLst>
+              <a:ext uri="{28A0092B-C50C-407E-A947-70E740481C1C}">
+                <a14:useLocalDpi xmlns:a14="http://schemas.microsoft.com/office/drawing/2010/main" val="0"/>
+              </a:ext>
+            </a:extLst>
+          </a:blip>
+          <a:srcRect/>
+          <a:stretch/>
+        </p:blipFill>
+        <p:spPr>
+          <a:xfrm>
+            <a:off x="0" y="0"/>
+            <a:ext cx="12192000" cy="6858000"/>
+          </a:xfrm>
+          <a:prstGeom prst="rect">
+            <a:avLst/>
+          </a:prstGeom>
+        </p:spPr>
+      </p:pic>
+      <p:sp>
+        <p:nvSpPr>
+          <p:cNvPr id="9" name="TextBox 8">
+            <a:extLst>
+              <a:ext uri="{FF2B5EF4-FFF2-40B4-BE49-F238E27FC236}">
+                <a16:creationId xmlns:a16="http://schemas.microsoft.com/office/drawing/2014/main" id="{7DCA9D16-5034-279C-FF1F-96C45AF4B68F}"/>
+              </a:ext>
+            </a:extLst>
+          </p:cNvPr>
+          <p:cNvSpPr txBox="1"/>
+          <p:nvPr/>
+        </p:nvSpPr>
+        <p:spPr>
+          <a:xfrm>
+            <a:off x="301732" y="293576"/>
+            <a:ext cx="978428" cy="523220"/>
+          </a:xfrm>
+          <a:prstGeom prst="rect">
+            <a:avLst/>
+          </a:prstGeom>
+          <a:noFill/>
+        </p:spPr>
+        <p:txBody>
+          <a:bodyPr wrap="square" rtlCol="0">
+            <a:spAutoFit/>
+          </a:bodyPr>
+          <a:lstStyle/>
+          <a:p>
+            <a:r>
+              <a:rPr lang="en-GB" sz="2800" b="1" dirty="0"/>
+              <a:t>Test</a:t>
+            </a:r>
+          </a:p>
+        </p:txBody>
+      </p:sp>
+      <p:pic>
+        <p:nvPicPr>
+          <p:cNvPr id="15" name="Picture 14" descr="A blue and white logo&#10;&#10;Description automatically generated">
+            <a:extLst>
+              <a:ext uri="{FF2B5EF4-FFF2-40B4-BE49-F238E27FC236}">
+                <a16:creationId xmlns:a16="http://schemas.microsoft.com/office/drawing/2014/main" id="{6A2D2119-B5CD-B2DE-2CB9-9300E3B94F14}"/>
+              </a:ext>
+            </a:extLst>
+          </p:cNvPr>
+          <p:cNvPicPr>
+            <a:picLocks noChangeAspect="1"/>
+          </p:cNvPicPr>
+          <p:nvPr/>
+        </p:nvPicPr>
+        <p:blipFill>
+          <a:blip r:embed="rId4">
+            <a:extLst>
+              <a:ext uri="{28A0092B-C50C-407E-A947-70E740481C1C}">
+                <a14:useLocalDpi xmlns:a14="http://schemas.microsoft.com/office/drawing/2010/main" val="0"/>
+              </a:ext>
+            </a:extLst>
+          </a:blip>
+          <a:stretch>
+            <a:fillRect/>
+          </a:stretch>
+        </p:blipFill>
+        <p:spPr>
+          <a:xfrm>
+            <a:off x="10585151" y="264938"/>
+            <a:ext cx="1305117" cy="1098396"/>
+          </a:xfrm>
+          <a:prstGeom prst="rect">
+            <a:avLst/>
+          </a:prstGeom>
+        </p:spPr>
+      </p:pic>
+    </p:spTree>
+    <p:extLst>
+      <p:ext uri="{BB962C8B-B14F-4D97-AF65-F5344CB8AC3E}">
+        <p14:creationId xmlns:p14="http://schemas.microsoft.com/office/powerpoint/2010/main" val="203031930"/>
+      </p:ext>
+    </p:extLst>
+  </p:cSld>
+  <p:clrMapOvr>
+    <a:overrideClrMapping bg1="dk1" tx1="lt1" bg2="dk2" tx2="lt2" accent1="accent1" accent2="accent2" accent3="accent3" accent4="accent4" accent5="accent5" accent6="accent6" hlink="hlink" folHlink="folHlink"/>
+  </p:clrMapOvr>
+</p:sld>
+</file>
+
+<file path=ppt/slides/slide15.xml><?xml version="1.0" encoding="utf-8"?>
+<p:sld xmlns:a="http://schemas.openxmlformats.org/drawingml/2006/main" xmlns:r="http://schemas.openxmlformats.org/officeDocument/2006/relationships" xmlns:p="http://schemas.openxmlformats.org/presentationml/2006/main">
+  <p:cSld>
+    <p:bg>
+      <p:bgPr>
+        <a:solidFill>
+          <a:srgbClr val="000000"/>
+        </a:solidFill>
+        <a:effectLst/>
+      </p:bgPr>
+    </p:bg>
+    <p:spTree>
+      <p:nvGrpSpPr>
+        <p:cNvPr id="1" name=""/>
+        <p:cNvGrpSpPr/>
+        <p:nvPr/>
+      </p:nvGrpSpPr>
+      <p:grpSpPr>
+        <a:xfrm>
+          <a:off x="0" y="0"/>
+          <a:ext cx="0" cy="0"/>
+          <a:chOff x="0" y="0"/>
+          <a:chExt cx="0" cy="0"/>
+        </a:xfrm>
+      </p:grpSpPr>
+      <p:sp>
+        <p:nvSpPr>
+          <p:cNvPr id="10" name="Rectangle 9">
+            <a:extLst>
+              <a:ext uri="{FF2B5EF4-FFF2-40B4-BE49-F238E27FC236}">
+                <a16:creationId xmlns:a16="http://schemas.microsoft.com/office/drawing/2014/main" id="{71B2258F-86CA-4D4D-8270-BC05FCDEBFB3}"/>
+              </a:ext>
+              <a:ext uri="{C183D7F6-B498-43B3-948B-1728B52AA6E4}">
+                <adec:decorative xmlns:adec="http://schemas.microsoft.com/office/drawing/2017/decorative" val="1"/>
+              </a:ext>
+            </a:extLst>
+          </p:cNvPr>
+          <p:cNvSpPr>
+            <a:spLocks noGrp="1" noRot="1" noChangeAspect="1" noMove="1" noResize="1" noEditPoints="1" noAdjustHandles="1" noChangeArrowheads="1" noChangeShapeType="1" noTextEdit="1"/>
+          </p:cNvSpPr>
+          <p:nvPr>
+            <p:extLst>
+              <p:ext uri="{386F3935-93C4-4BCD-93E2-E3B085C9AB24}">
+                <p16:designElem xmlns:p16="http://schemas.microsoft.com/office/powerpoint/2015/main" val="1"/>
+              </p:ext>
+            </p:extLst>
+          </p:nvPr>
+        </p:nvSpPr>
+        <p:spPr>
+          <a:xfrm>
+            <a:off x="0" y="0"/>
+            <a:ext cx="12192000" cy="6857999"/>
+          </a:xfrm>
+          <a:prstGeom prst="rect">
+            <a:avLst/>
+          </a:prstGeom>
+          <a:solidFill>
+            <a:srgbClr val="000000"/>
+          </a:solidFill>
+          <a:ln>
+            <a:noFill/>
+          </a:ln>
+        </p:spPr>
+        <p:style>
+          <a:lnRef idx="2">
+            <a:schemeClr val="accent1">
+              <a:shade val="50000"/>
+            </a:schemeClr>
+          </a:lnRef>
+          <a:fillRef idx="1">
+            <a:schemeClr val="accent1"/>
+          </a:fillRef>
+          <a:effectRef idx="0">
+            <a:schemeClr val="accent1"/>
+          </a:effectRef>
+          <a:fontRef idx="minor">
+            <a:schemeClr val="lt1"/>
+          </a:fontRef>
+        </p:style>
+        <p:txBody>
+          <a:bodyPr rtlCol="0" anchor="ctr"/>
+          <a:lstStyle/>
+          <a:p>
+            <a:pPr algn="ctr"/>
+            <a:endParaRPr lang="en-US"/>
+          </a:p>
+        </p:txBody>
+      </p:sp>
+      <p:pic>
+        <p:nvPicPr>
+          <p:cNvPr id="5" name="Picture 4" descr="A galaxy in the sky&#10;&#10;Description automatically generated with medium confidence">
+            <a:extLst>
+              <a:ext uri="{FF2B5EF4-FFF2-40B4-BE49-F238E27FC236}">
+                <a16:creationId xmlns:a16="http://schemas.microsoft.com/office/drawing/2014/main" id="{B0F90A88-2372-3D69-96D2-BB8F636DDE9E}"/>
+              </a:ext>
+            </a:extLst>
+          </p:cNvPr>
+          <p:cNvPicPr>
+            <a:picLocks noChangeAspect="1"/>
+          </p:cNvPicPr>
+          <p:nvPr/>
+        </p:nvPicPr>
+        <p:blipFill rotWithShape="1">
+          <a:blip r:embed="rId3">
+            <a:alphaModFix amt="50000"/>
+            <a:extLst>
+              <a:ext uri="{28A0092B-C50C-407E-A947-70E740481C1C}">
+                <a14:useLocalDpi xmlns:a14="http://schemas.microsoft.com/office/drawing/2010/main" val="0"/>
+              </a:ext>
+            </a:extLst>
+          </a:blip>
+          <a:srcRect/>
+          <a:stretch/>
+        </p:blipFill>
+        <p:spPr>
+          <a:xfrm>
+            <a:off x="0" y="0"/>
+            <a:ext cx="12192000" cy="6858000"/>
+          </a:xfrm>
+          <a:prstGeom prst="rect">
+            <a:avLst/>
+          </a:prstGeom>
+        </p:spPr>
+      </p:pic>
+      <p:sp>
+        <p:nvSpPr>
+          <p:cNvPr id="9" name="TextBox 8">
+            <a:extLst>
+              <a:ext uri="{FF2B5EF4-FFF2-40B4-BE49-F238E27FC236}">
+                <a16:creationId xmlns:a16="http://schemas.microsoft.com/office/drawing/2014/main" id="{7DCA9D16-5034-279C-FF1F-96C45AF4B68F}"/>
+              </a:ext>
+            </a:extLst>
+          </p:cNvPr>
+          <p:cNvSpPr txBox="1"/>
+          <p:nvPr/>
+        </p:nvSpPr>
+        <p:spPr>
+          <a:xfrm>
+            <a:off x="301732" y="293576"/>
+            <a:ext cx="3456452" cy="523220"/>
+          </a:xfrm>
+          <a:prstGeom prst="rect">
+            <a:avLst/>
+          </a:prstGeom>
+          <a:noFill/>
+        </p:spPr>
+        <p:txBody>
+          <a:bodyPr wrap="square" rtlCol="0">
+            <a:spAutoFit/>
+          </a:bodyPr>
+          <a:lstStyle/>
+          <a:p>
+            <a:r>
+              <a:rPr lang="en-GB" sz="2800" b="1" dirty="0" err="1"/>
+              <a:t>Casi</a:t>
+            </a:r>
+            <a:r>
+              <a:rPr lang="en-GB" sz="2800" b="1" dirty="0"/>
+              <a:t> limite</a:t>
+            </a:r>
+          </a:p>
+        </p:txBody>
+      </p:sp>
+      <p:pic>
+        <p:nvPicPr>
+          <p:cNvPr id="15" name="Picture 14" descr="A blue and white logo&#10;&#10;Description automatically generated">
+            <a:extLst>
+              <a:ext uri="{FF2B5EF4-FFF2-40B4-BE49-F238E27FC236}">
+                <a16:creationId xmlns:a16="http://schemas.microsoft.com/office/drawing/2014/main" id="{6A2D2119-B5CD-B2DE-2CB9-9300E3B94F14}"/>
+              </a:ext>
+            </a:extLst>
+          </p:cNvPr>
+          <p:cNvPicPr>
+            <a:picLocks noChangeAspect="1"/>
+          </p:cNvPicPr>
+          <p:nvPr/>
+        </p:nvPicPr>
+        <p:blipFill>
+          <a:blip r:embed="rId4">
+            <a:extLst>
+              <a:ext uri="{28A0092B-C50C-407E-A947-70E740481C1C}">
+                <a14:useLocalDpi xmlns:a14="http://schemas.microsoft.com/office/drawing/2010/main" val="0"/>
+              </a:ext>
+            </a:extLst>
+          </a:blip>
+          <a:stretch>
+            <a:fillRect/>
+          </a:stretch>
+        </p:blipFill>
+        <p:spPr>
+          <a:xfrm>
+            <a:off x="10585151" y="264938"/>
+            <a:ext cx="1305117" cy="1098396"/>
+          </a:xfrm>
+          <a:prstGeom prst="rect">
+            <a:avLst/>
+          </a:prstGeom>
+        </p:spPr>
+      </p:pic>
+    </p:spTree>
+    <p:extLst>
+      <p:ext uri="{BB962C8B-B14F-4D97-AF65-F5344CB8AC3E}">
+        <p14:creationId xmlns:p14="http://schemas.microsoft.com/office/powerpoint/2010/main" val="1668053405"/>
+      </p:ext>
+    </p:extLst>
+  </p:cSld>
+  <p:clrMapOvr>
+    <a:overrideClrMapping bg1="dk1" tx1="lt1" bg2="dk2" tx2="lt2" accent1="accent1" accent2="accent2" accent3="accent3" accent4="accent4" accent5="accent5" accent6="accent6" hlink="hlink" folHlink="folHlink"/>
+  </p:clrMapOvr>
+</p:sld>
+</file>
+
+<file path=ppt/slides/slide16.xml><?xml version="1.0" encoding="utf-8"?>
+<p:sld xmlns:a="http://schemas.openxmlformats.org/drawingml/2006/main" xmlns:r="http://schemas.openxmlformats.org/officeDocument/2006/relationships" xmlns:p="http://schemas.openxmlformats.org/presentationml/2006/main">
+  <p:cSld>
+    <p:bg>
+      <p:bgPr>
+        <a:solidFill>
+          <a:srgbClr val="000000"/>
+        </a:solidFill>
+        <a:effectLst/>
+      </p:bgPr>
+    </p:bg>
+    <p:spTree>
+      <p:nvGrpSpPr>
+        <p:cNvPr id="1" name=""/>
+        <p:cNvGrpSpPr/>
+        <p:nvPr/>
+      </p:nvGrpSpPr>
+      <p:grpSpPr>
+        <a:xfrm>
+          <a:off x="0" y="0"/>
+          <a:ext cx="0" cy="0"/>
+          <a:chOff x="0" y="0"/>
+          <a:chExt cx="0" cy="0"/>
+        </a:xfrm>
+      </p:grpSpPr>
+      <p:sp>
+        <p:nvSpPr>
+          <p:cNvPr id="10" name="Rectangle 9">
+            <a:extLst>
+              <a:ext uri="{FF2B5EF4-FFF2-40B4-BE49-F238E27FC236}">
+                <a16:creationId xmlns:a16="http://schemas.microsoft.com/office/drawing/2014/main" id="{71B2258F-86CA-4D4D-8270-BC05FCDEBFB3}"/>
+              </a:ext>
+              <a:ext uri="{C183D7F6-B498-43B3-948B-1728B52AA6E4}">
+                <adec:decorative xmlns:adec="http://schemas.microsoft.com/office/drawing/2017/decorative" val="1"/>
+              </a:ext>
+            </a:extLst>
+          </p:cNvPr>
+          <p:cNvSpPr>
+            <a:spLocks noGrp="1" noRot="1" noChangeAspect="1" noMove="1" noResize="1" noEditPoints="1" noAdjustHandles="1" noChangeArrowheads="1" noChangeShapeType="1" noTextEdit="1"/>
+          </p:cNvSpPr>
+          <p:nvPr>
+            <p:extLst>
+              <p:ext uri="{386F3935-93C4-4BCD-93E2-E3B085C9AB24}">
+                <p16:designElem xmlns:p16="http://schemas.microsoft.com/office/powerpoint/2015/main" val="1"/>
+              </p:ext>
+            </p:extLst>
+          </p:nvPr>
+        </p:nvSpPr>
+        <p:spPr>
+          <a:xfrm>
+            <a:off x="0" y="0"/>
+            <a:ext cx="12192000" cy="6857999"/>
+          </a:xfrm>
+          <a:prstGeom prst="rect">
+            <a:avLst/>
+          </a:prstGeom>
+          <a:solidFill>
+            <a:srgbClr val="000000"/>
+          </a:solidFill>
+          <a:ln>
+            <a:noFill/>
+          </a:ln>
+        </p:spPr>
+        <p:style>
+          <a:lnRef idx="2">
+            <a:schemeClr val="accent1">
+              <a:shade val="50000"/>
+            </a:schemeClr>
+          </a:lnRef>
+          <a:fillRef idx="1">
+            <a:schemeClr val="accent1"/>
+          </a:fillRef>
+          <a:effectRef idx="0">
+            <a:schemeClr val="accent1"/>
+          </a:effectRef>
+          <a:fontRef idx="minor">
+            <a:schemeClr val="lt1"/>
+          </a:fontRef>
+        </p:style>
+        <p:txBody>
+          <a:bodyPr rtlCol="0" anchor="ctr"/>
+          <a:lstStyle/>
+          <a:p>
+            <a:pPr algn="ctr"/>
+            <a:endParaRPr lang="en-US"/>
+          </a:p>
+        </p:txBody>
+      </p:sp>
+      <p:pic>
+        <p:nvPicPr>
+          <p:cNvPr id="5" name="Picture 4" descr="A galaxy in the sky&#10;&#10;Description automatically generated with medium confidence">
+            <a:extLst>
+              <a:ext uri="{FF2B5EF4-FFF2-40B4-BE49-F238E27FC236}">
+                <a16:creationId xmlns:a16="http://schemas.microsoft.com/office/drawing/2014/main" id="{B0F90A88-2372-3D69-96D2-BB8F636DDE9E}"/>
+              </a:ext>
+            </a:extLst>
+          </p:cNvPr>
+          <p:cNvPicPr>
+            <a:picLocks noChangeAspect="1"/>
+          </p:cNvPicPr>
+          <p:nvPr/>
+        </p:nvPicPr>
+        <p:blipFill rotWithShape="1">
+          <a:blip r:embed="rId3">
+            <a:alphaModFix amt="50000"/>
+            <a:extLst>
+              <a:ext uri="{28A0092B-C50C-407E-A947-70E740481C1C}">
+                <a14:useLocalDpi xmlns:a14="http://schemas.microsoft.com/office/drawing/2010/main" val="0"/>
+              </a:ext>
+            </a:extLst>
+          </a:blip>
+          <a:srcRect/>
+          <a:stretch/>
+        </p:blipFill>
+        <p:spPr>
+          <a:xfrm>
+            <a:off x="0" y="0"/>
+            <a:ext cx="12192000" cy="6858000"/>
+          </a:xfrm>
+          <a:prstGeom prst="rect">
+            <a:avLst/>
+          </a:prstGeom>
+        </p:spPr>
+      </p:pic>
+      <p:pic>
+        <p:nvPicPr>
+          <p:cNvPr id="15" name="Picture 14" descr="A blue and white logo&#10;&#10;Description automatically generated">
+            <a:extLst>
+              <a:ext uri="{FF2B5EF4-FFF2-40B4-BE49-F238E27FC236}">
+                <a16:creationId xmlns:a16="http://schemas.microsoft.com/office/drawing/2014/main" id="{6A2D2119-B5CD-B2DE-2CB9-9300E3B94F14}"/>
+              </a:ext>
+            </a:extLst>
+          </p:cNvPr>
+          <p:cNvPicPr>
+            <a:picLocks noChangeAspect="1"/>
+          </p:cNvPicPr>
+          <p:nvPr/>
+        </p:nvPicPr>
+        <p:blipFill>
+          <a:blip r:embed="rId4">
+            <a:extLst>
+              <a:ext uri="{28A0092B-C50C-407E-A947-70E740481C1C}">
+                <a14:useLocalDpi xmlns:a14="http://schemas.microsoft.com/office/drawing/2010/main" val="0"/>
+              </a:ext>
+            </a:extLst>
+          </a:blip>
+          <a:stretch>
+            <a:fillRect/>
+          </a:stretch>
+        </p:blipFill>
+        <p:spPr>
+          <a:xfrm>
+            <a:off x="10585151" y="264938"/>
+            <a:ext cx="1305117" cy="1098396"/>
+          </a:xfrm>
+          <a:prstGeom prst="rect">
+            <a:avLst/>
+          </a:prstGeom>
+        </p:spPr>
+      </p:pic>
+      <p:sp>
+        <p:nvSpPr>
+          <p:cNvPr id="2" name="TextBox 1">
+            <a:extLst>
+              <a:ext uri="{FF2B5EF4-FFF2-40B4-BE49-F238E27FC236}">
+                <a16:creationId xmlns:a16="http://schemas.microsoft.com/office/drawing/2014/main" id="{A16A756F-7D09-52EE-CD05-3CF4139DC46D}"/>
+              </a:ext>
+            </a:extLst>
+          </p:cNvPr>
+          <p:cNvSpPr txBox="1"/>
+          <p:nvPr/>
+        </p:nvSpPr>
+        <p:spPr>
+          <a:xfrm>
+            <a:off x="2547817" y="2921167"/>
+            <a:ext cx="7096366" cy="1015663"/>
+          </a:xfrm>
+          <a:prstGeom prst="rect">
+            <a:avLst/>
+          </a:prstGeom>
+          <a:noFill/>
+        </p:spPr>
+        <p:txBody>
+          <a:bodyPr wrap="none" rtlCol="0">
+            <a:spAutoFit/>
+          </a:bodyPr>
+          <a:lstStyle/>
+          <a:p>
+            <a:r>
+              <a:rPr lang="en-GB" sz="6000" b="1" dirty="0">
+                <a:latin typeface="+mj-lt"/>
+              </a:rPr>
+              <a:t>Grazie per </a:t>
+            </a:r>
+            <a:r>
+              <a:rPr lang="en-GB" sz="6000" b="1" dirty="0" err="1">
+                <a:latin typeface="+mj-lt"/>
+              </a:rPr>
+              <a:t>l’attenzione</a:t>
+            </a:r>
+            <a:endParaRPr lang="en-GB" sz="6000" b="1" dirty="0">
+              <a:latin typeface="+mj-lt"/>
+            </a:endParaRPr>
+          </a:p>
+        </p:txBody>
+      </p:sp>
+      <p:sp>
+        <p:nvSpPr>
+          <p:cNvPr id="3" name="TextBox 2">
+            <a:extLst>
+              <a:ext uri="{FF2B5EF4-FFF2-40B4-BE49-F238E27FC236}">
+                <a16:creationId xmlns:a16="http://schemas.microsoft.com/office/drawing/2014/main" id="{C9D28ED9-E95D-507E-FC43-A20B7E08E910}"/>
+              </a:ext>
+            </a:extLst>
+          </p:cNvPr>
+          <p:cNvSpPr txBox="1"/>
+          <p:nvPr/>
+        </p:nvSpPr>
+        <p:spPr>
+          <a:xfrm>
+            <a:off x="228600" y="6350169"/>
+            <a:ext cx="5733429" cy="338554"/>
+          </a:xfrm>
+          <a:prstGeom prst="rect">
+            <a:avLst/>
+          </a:prstGeom>
+          <a:noFill/>
+        </p:spPr>
+        <p:txBody>
+          <a:bodyPr wrap="none" rtlCol="0">
+            <a:spAutoFit/>
+          </a:bodyPr>
+          <a:lstStyle/>
+          <a:p>
+            <a:r>
+              <a:rPr lang="en-GB" sz="1600" dirty="0" err="1"/>
+              <a:t>Autori</a:t>
+            </a:r>
+            <a:r>
+              <a:rPr lang="en-GB" sz="1600" dirty="0"/>
+              <a:t> del </a:t>
+            </a:r>
+            <a:r>
+              <a:rPr lang="en-GB" sz="1600" dirty="0" err="1"/>
+              <a:t>progetto</a:t>
+            </a:r>
+            <a:r>
+              <a:rPr lang="en-GB" sz="1600" dirty="0"/>
+              <a:t>: Riccardo </a:t>
+            </a:r>
+            <a:r>
+              <a:rPr lang="en-GB" sz="1600" dirty="0" err="1"/>
+              <a:t>Polacchi</a:t>
+            </a:r>
+            <a:r>
+              <a:rPr lang="en-GB" sz="1600" dirty="0"/>
+              <a:t> &amp; Ignazio Emanuele Piccichè</a:t>
+            </a:r>
+          </a:p>
+        </p:txBody>
+      </p:sp>
+    </p:spTree>
+    <p:extLst>
+      <p:ext uri="{BB962C8B-B14F-4D97-AF65-F5344CB8AC3E}">
+        <p14:creationId xmlns:p14="http://schemas.microsoft.com/office/powerpoint/2010/main" val="2438667681"/>
       </p:ext>
     </p:extLst>
   </p:cSld>
@@ -5133,7 +10309,7 @@
         </p:nvSpPr>
         <p:spPr>
           <a:xfrm>
-            <a:off x="301732" y="1908572"/>
+            <a:off x="301732" y="2016815"/>
             <a:ext cx="5513852" cy="1200329"/>
           </a:xfrm>
           <a:prstGeom prst="rect">
@@ -5148,134 +10324,134 @@
           <a:lstStyle/>
           <a:p>
             <a:r>
-              <a:rPr lang="en-GB" dirty="0" err="1"/>
+              <a:rPr lang="en-GB" b="1" dirty="0" err="1"/>
               <a:t>Volevamo</a:t>
             </a:r>
             <a:r>
-              <a:rPr lang="en-GB" dirty="0"/>
+              <a:rPr lang="en-GB" b="1" dirty="0"/>
               <a:t> </a:t>
             </a:r>
             <a:r>
-              <a:rPr lang="en-GB" dirty="0" err="1"/>
+              <a:rPr lang="en-GB" b="1" dirty="0" err="1"/>
               <a:t>implementare</a:t>
             </a:r>
             <a:r>
-              <a:rPr lang="en-GB" dirty="0"/>
+              <a:rPr lang="en-GB" b="1" dirty="0"/>
               <a:t> un </a:t>
             </a:r>
             <a:r>
-              <a:rPr lang="en-GB" dirty="0" err="1"/>
+              <a:rPr lang="en-GB" b="1" dirty="0" err="1"/>
               <a:t>modello</a:t>
             </a:r>
             <a:r>
-              <a:rPr lang="en-GB" dirty="0"/>
+              <a:rPr lang="en-GB" b="1" dirty="0"/>
               <a:t>, dove,  </a:t>
             </a:r>
             <a:r>
-              <a:rPr lang="en-GB" dirty="0" err="1"/>
+              <a:rPr lang="en-GB" b="1" dirty="0" err="1"/>
               <a:t>forniti</a:t>
             </a:r>
             <a:r>
-              <a:rPr lang="en-GB" dirty="0"/>
+              <a:rPr lang="en-GB" b="1" dirty="0"/>
               <a:t> </a:t>
             </a:r>
             <a:r>
-              <a:rPr lang="en-GB" dirty="0" err="1"/>
+              <a:rPr lang="en-GB" b="1" dirty="0" err="1"/>
               <a:t>una</a:t>
             </a:r>
             <a:r>
-              <a:rPr lang="en-GB" dirty="0"/>
+              <a:rPr lang="en-GB" b="1" dirty="0"/>
               <a:t> </a:t>
             </a:r>
             <a:r>
-              <a:rPr lang="en-GB" dirty="0" err="1"/>
+              <a:rPr lang="en-GB" b="1" dirty="0" err="1"/>
               <a:t>serie</a:t>
             </a:r>
             <a:r>
-              <a:rPr lang="en-GB" dirty="0"/>
+              <a:rPr lang="en-GB" b="1" dirty="0"/>
               <a:t> di </a:t>
             </a:r>
             <a:r>
-              <a:rPr lang="en-GB" dirty="0" err="1"/>
+              <a:rPr lang="en-GB" b="1" dirty="0" err="1"/>
               <a:t>dati</a:t>
             </a:r>
             <a:r>
-              <a:rPr lang="en-GB" dirty="0"/>
+              <a:rPr lang="en-GB" b="1" dirty="0"/>
               <a:t> in input </a:t>
             </a:r>
             <a:r>
-              <a:rPr lang="en-GB" dirty="0" err="1"/>
+              <a:rPr lang="en-GB" b="1" dirty="0" err="1"/>
               <a:t>rappresentanti</a:t>
             </a:r>
             <a:br>
-              <a:rPr lang="en-GB" dirty="0"/>
+              <a:rPr lang="en-GB" b="1" dirty="0"/>
             </a:br>
             <a:r>
-              <a:rPr lang="en-GB" dirty="0"/>
+              <a:rPr lang="en-GB" b="1" dirty="0"/>
               <a:t>le </a:t>
             </a:r>
             <a:r>
-              <a:rPr lang="en-GB" dirty="0" err="1"/>
+              <a:rPr lang="en-GB" b="1" dirty="0" err="1"/>
               <a:t>condizioni</a:t>
             </a:r>
             <a:r>
-              <a:rPr lang="en-GB" dirty="0"/>
+              <a:rPr lang="en-GB" b="1" dirty="0"/>
               <a:t> in cui </a:t>
             </a:r>
             <a:r>
-              <a:rPr lang="en-GB" dirty="0" err="1"/>
+              <a:rPr lang="en-GB" b="1" dirty="0" err="1"/>
               <a:t>si</a:t>
             </a:r>
             <a:r>
-              <a:rPr lang="en-GB" dirty="0"/>
+              <a:rPr lang="en-GB" b="1" dirty="0"/>
               <a:t> </a:t>
             </a:r>
             <a:r>
-              <a:rPr lang="en-GB" dirty="0" err="1"/>
+              <a:rPr lang="en-GB" b="1" dirty="0" err="1"/>
               <a:t>scatta</a:t>
             </a:r>
             <a:r>
-              <a:rPr lang="en-GB" dirty="0"/>
+              <a:rPr lang="en-GB" b="1" dirty="0"/>
               <a:t> la </a:t>
             </a:r>
             <a:r>
-              <a:rPr lang="en-GB" dirty="0" err="1"/>
+              <a:rPr lang="en-GB" b="1" dirty="0" err="1"/>
               <a:t>fotografia</a:t>
             </a:r>
             <a:r>
-              <a:rPr lang="en-GB" dirty="0"/>
+              <a:rPr lang="en-GB" b="1" dirty="0"/>
               <a:t>, </a:t>
             </a:r>
             <a:r>
-              <a:rPr lang="en-GB" dirty="0" err="1"/>
+              <a:rPr lang="en-GB" b="1" dirty="0" err="1"/>
               <a:t>venisse</a:t>
             </a:r>
             <a:r>
-              <a:rPr lang="en-GB" dirty="0"/>
+              <a:rPr lang="en-GB" b="1" dirty="0"/>
               <a:t> </a:t>
             </a:r>
             <a:r>
-              <a:rPr lang="en-GB" dirty="0" err="1"/>
+              <a:rPr lang="en-GB" b="1" dirty="0" err="1"/>
               <a:t>restituito</a:t>
             </a:r>
             <a:r>
-              <a:rPr lang="en-GB" dirty="0"/>
+              <a:rPr lang="en-GB" b="1" dirty="0"/>
               <a:t> come output la </a:t>
             </a:r>
             <a:r>
-              <a:rPr lang="en-GB" dirty="0" err="1"/>
+              <a:rPr lang="en-GB" b="1" dirty="0" err="1"/>
               <a:t>bontà</a:t>
             </a:r>
             <a:r>
-              <a:rPr lang="en-GB" dirty="0"/>
+              <a:rPr lang="en-GB" b="1" dirty="0"/>
               <a:t> di </a:t>
             </a:r>
             <a:r>
-              <a:rPr lang="en-GB" dirty="0" err="1"/>
+              <a:rPr lang="en-GB" b="1" dirty="0" err="1"/>
               <a:t>quest’ultima</a:t>
             </a:r>
             <a:r>
-              <a:rPr lang="en-GB" dirty="0"/>
+              <a:rPr lang="en-GB" b="1" dirty="0"/>
               <a:t>.</a:t>
             </a:r>
           </a:p>
@@ -5309,7 +10485,7 @@
         </p:blipFill>
         <p:spPr>
           <a:xfrm>
-            <a:off x="6568836" y="1804962"/>
+            <a:off x="6930763" y="1804961"/>
             <a:ext cx="2438004" cy="1624038"/>
           </a:xfrm>
           <a:prstGeom prst="rect">
@@ -5332,7 +10508,7 @@
         <p:spPr>
           <a:xfrm>
             <a:off x="301732" y="4106287"/>
-            <a:ext cx="5513852" cy="1477328"/>
+            <a:ext cx="5605292" cy="1477328"/>
           </a:xfrm>
           <a:prstGeom prst="rect">
             <a:avLst/>
@@ -5346,154 +10522,154 @@
           <a:lstStyle/>
           <a:p>
             <a:r>
-              <a:rPr lang="en-GB" dirty="0"/>
+              <a:rPr lang="en-GB" b="1" dirty="0"/>
               <a:t>Dopo </a:t>
             </a:r>
             <a:r>
-              <a:rPr lang="en-GB" dirty="0" err="1"/>
+              <a:rPr lang="en-GB" b="1" dirty="0" err="1"/>
               <a:t>un’attenta</a:t>
             </a:r>
             <a:r>
-              <a:rPr lang="en-GB" dirty="0"/>
+              <a:rPr lang="en-GB" b="1" dirty="0"/>
               <a:t> </a:t>
             </a:r>
             <a:r>
-              <a:rPr lang="en-GB" dirty="0" err="1"/>
+              <a:rPr lang="en-GB" b="1" dirty="0" err="1"/>
               <a:t>analisi</a:t>
             </a:r>
             <a:r>
-              <a:rPr lang="en-GB" dirty="0"/>
+              <a:rPr lang="en-GB" b="1" dirty="0"/>
               <a:t> </a:t>
             </a:r>
             <a:r>
-              <a:rPr lang="en-GB" dirty="0" err="1"/>
+              <a:rPr lang="en-GB" b="1" dirty="0" err="1"/>
               <a:t>dei</a:t>
             </a:r>
             <a:r>
-              <a:rPr lang="en-GB" dirty="0"/>
+              <a:rPr lang="en-GB" b="1" dirty="0"/>
               <a:t> </a:t>
             </a:r>
             <a:r>
-              <a:rPr lang="en-GB" dirty="0" err="1"/>
+              <a:rPr lang="en-GB" b="1" dirty="0" err="1"/>
               <a:t>dati</a:t>
             </a:r>
             <a:r>
-              <a:rPr lang="en-GB" dirty="0"/>
+              <a:rPr lang="en-GB" b="1" dirty="0"/>
               <a:t> in nostro </a:t>
             </a:r>
             <a:r>
-              <a:rPr lang="en-GB" dirty="0" err="1"/>
+              <a:rPr lang="en-GB" b="1" dirty="0" err="1"/>
               <a:t>possesso</a:t>
             </a:r>
             <a:r>
-              <a:rPr lang="en-GB" dirty="0"/>
+              <a:rPr lang="en-GB" b="1" dirty="0"/>
               <a:t> e </a:t>
             </a:r>
             <a:r>
-              <a:rPr lang="en-GB" dirty="0" err="1"/>
+              <a:rPr lang="en-GB" b="1" dirty="0" err="1"/>
               <a:t>dell’obbiettivo</a:t>
             </a:r>
             <a:r>
-              <a:rPr lang="en-GB" dirty="0"/>
+              <a:rPr lang="en-GB" b="1" dirty="0"/>
               <a:t> </a:t>
             </a:r>
             <a:r>
-              <a:rPr lang="en-GB" dirty="0" err="1"/>
+              <a:rPr lang="en-GB" b="1" dirty="0" err="1"/>
               <a:t>che</a:t>
             </a:r>
             <a:r>
-              <a:rPr lang="en-GB" dirty="0"/>
+              <a:rPr lang="en-GB" b="1" dirty="0"/>
               <a:t> </a:t>
             </a:r>
             <a:r>
-              <a:rPr lang="en-GB" dirty="0" err="1"/>
+              <a:rPr lang="en-GB" b="1" dirty="0" err="1"/>
               <a:t>volevamo</a:t>
             </a:r>
             <a:r>
-              <a:rPr lang="en-GB" dirty="0"/>
+              <a:rPr lang="en-GB" b="1" dirty="0"/>
               <a:t> </a:t>
             </a:r>
             <a:r>
-              <a:rPr lang="en-GB" dirty="0" err="1"/>
+              <a:rPr lang="en-GB" b="1" dirty="0" err="1"/>
               <a:t>raggiungere</a:t>
             </a:r>
             <a:r>
-              <a:rPr lang="en-GB" dirty="0"/>
+              <a:rPr lang="en-GB" b="1" dirty="0"/>
               <a:t>, ci siamo </a:t>
             </a:r>
             <a:r>
-              <a:rPr lang="en-GB" dirty="0" err="1"/>
+              <a:rPr lang="en-GB" b="1" dirty="0" err="1"/>
               <a:t>resi</a:t>
             </a:r>
             <a:r>
-              <a:rPr lang="en-GB" dirty="0"/>
+              <a:rPr lang="en-GB" b="1" dirty="0"/>
               <a:t> </a:t>
             </a:r>
             <a:br>
-              <a:rPr lang="en-GB" dirty="0"/>
+              <a:rPr lang="en-GB" b="1" dirty="0"/>
             </a:br>
             <a:r>
-              <a:rPr lang="en-GB" dirty="0" err="1"/>
+              <a:rPr lang="en-GB" b="1" dirty="0" err="1"/>
               <a:t>conto</a:t>
             </a:r>
             <a:r>
-              <a:rPr lang="en-GB" dirty="0"/>
+              <a:rPr lang="en-GB" b="1" dirty="0"/>
               <a:t> </a:t>
             </a:r>
             <a:r>
-              <a:rPr lang="en-GB" dirty="0" err="1"/>
+              <a:rPr lang="en-GB" b="1" dirty="0" err="1"/>
               <a:t>che</a:t>
             </a:r>
             <a:r>
-              <a:rPr lang="en-GB" dirty="0"/>
+              <a:rPr lang="en-GB" b="1" dirty="0"/>
               <a:t> </a:t>
             </a:r>
             <a:r>
-              <a:rPr lang="en-GB" dirty="0" err="1"/>
+              <a:rPr lang="en-GB" b="1" dirty="0" err="1"/>
               <a:t>sviluppare</a:t>
             </a:r>
             <a:r>
-              <a:rPr lang="en-GB" dirty="0"/>
+              <a:rPr lang="en-GB" b="1" dirty="0"/>
               <a:t> un </a:t>
             </a:r>
             <a:r>
-              <a:rPr lang="en-GB" dirty="0" err="1"/>
+              <a:rPr lang="en-GB" b="1" dirty="0" err="1"/>
               <a:t>modello</a:t>
             </a:r>
             <a:r>
-              <a:rPr lang="en-GB" dirty="0"/>
+              <a:rPr lang="en-GB" b="1" dirty="0"/>
               <a:t> Fuzzy (</a:t>
             </a:r>
             <a:r>
-              <a:rPr lang="en-GB" dirty="0" err="1"/>
+              <a:rPr lang="en-GB" b="1" dirty="0" err="1"/>
               <a:t>mamdani</a:t>
             </a:r>
             <a:r>
-              <a:rPr lang="en-GB" dirty="0"/>
+              <a:rPr lang="en-GB" b="1" dirty="0"/>
               <a:t> </a:t>
             </a:r>
             <a:r>
-              <a:rPr lang="en-GB" dirty="0" err="1"/>
+              <a:rPr lang="en-GB" b="1" dirty="0" err="1"/>
               <a:t>tipo</a:t>
             </a:r>
             <a:r>
-              <a:rPr lang="en-GB" dirty="0"/>
+              <a:rPr lang="en-GB" b="1" dirty="0"/>
               <a:t> 1) era la </a:t>
             </a:r>
             <a:r>
-              <a:rPr lang="en-GB" dirty="0" err="1"/>
+              <a:rPr lang="en-GB" b="1" dirty="0" err="1"/>
               <a:t>soluzioni</a:t>
             </a:r>
             <a:r>
-              <a:rPr lang="en-GB" dirty="0"/>
+              <a:rPr lang="en-GB" b="1" dirty="0"/>
               <a:t> </a:t>
             </a:r>
             <a:r>
-              <a:rPr lang="en-GB" dirty="0" err="1"/>
+              <a:rPr lang="en-GB" b="1" dirty="0" err="1"/>
               <a:t>migliore</a:t>
             </a:r>
             <a:r>
-              <a:rPr lang="en-GB" dirty="0"/>
+              <a:rPr lang="en-GB" b="1" dirty="0"/>
               <a:t>.</a:t>
             </a:r>
           </a:p>
@@ -5530,7 +10706,7 @@
         </p:blipFill>
         <p:spPr>
           <a:xfrm>
-            <a:off x="6930763" y="3985425"/>
+            <a:off x="7290239" y="3985425"/>
             <a:ext cx="1719052" cy="1719052"/>
           </a:xfrm>
           <a:prstGeom prst="rect">
@@ -5784,31 +10960,31 @@
           <a:lstStyle/>
           <a:p>
             <a:r>
-              <a:rPr lang="en-GB" dirty="0"/>
+              <a:rPr lang="en-GB" b="1" dirty="0"/>
               <a:t>I </a:t>
             </a:r>
             <a:r>
-              <a:rPr lang="en-GB" dirty="0" err="1"/>
+              <a:rPr lang="en-GB" b="1" dirty="0" err="1"/>
               <a:t>dati</a:t>
             </a:r>
             <a:r>
-              <a:rPr lang="en-GB" dirty="0"/>
+              <a:rPr lang="en-GB" b="1" dirty="0"/>
               <a:t> in input sono </a:t>
             </a:r>
             <a:r>
-              <a:rPr lang="en-GB" dirty="0" err="1"/>
+              <a:rPr lang="en-GB" b="1" dirty="0" err="1"/>
               <a:t>i</a:t>
             </a:r>
             <a:r>
-              <a:rPr lang="en-GB" dirty="0"/>
+              <a:rPr lang="en-GB" b="1" dirty="0"/>
               <a:t> </a:t>
             </a:r>
             <a:r>
-              <a:rPr lang="en-GB" dirty="0" err="1"/>
+              <a:rPr lang="en-GB" b="1" dirty="0" err="1"/>
               <a:t>seguenti</a:t>
             </a:r>
             <a:r>
-              <a:rPr lang="en-GB" dirty="0"/>
+              <a:rPr lang="en-GB" b="1" dirty="0"/>
               <a:t>:</a:t>
             </a:r>
           </a:p>
@@ -5818,19 +10994,19 @@
               <a:buChar char="•"/>
             </a:pPr>
             <a:r>
-              <a:rPr lang="en-GB" dirty="0" err="1"/>
+              <a:rPr lang="en-GB" b="1" dirty="0" err="1"/>
               <a:t>Temperatura</a:t>
             </a:r>
             <a:r>
-              <a:rPr lang="en-GB" dirty="0"/>
+              <a:rPr lang="en-GB" b="1" dirty="0"/>
               <a:t> (°C) : [</a:t>
             </a:r>
             <a:r>
-              <a:rPr lang="en-GB" dirty="0" err="1"/>
+              <a:rPr lang="en-GB" b="1" dirty="0" err="1"/>
               <a:t>Bassa</a:t>
             </a:r>
             <a:r>
-              <a:rPr lang="en-GB" dirty="0"/>
+              <a:rPr lang="en-GB" b="1" dirty="0"/>
               <a:t>, Media, Alta]</a:t>
             </a:r>
           </a:p>
@@ -5840,27 +11016,27 @@
               <a:buChar char="•"/>
             </a:pPr>
             <a:r>
-              <a:rPr lang="en-GB" dirty="0" err="1"/>
+              <a:rPr lang="en-GB" b="1" dirty="0" err="1"/>
               <a:t>Altitudine</a:t>
             </a:r>
             <a:r>
-              <a:rPr lang="en-GB" dirty="0"/>
+              <a:rPr lang="en-GB" b="1" dirty="0"/>
               <a:t> </a:t>
             </a:r>
             <a:r>
-              <a:rPr lang="en-GB" dirty="0" err="1"/>
+              <a:rPr lang="en-GB" b="1" dirty="0" err="1"/>
               <a:t>dell’oggetto</a:t>
             </a:r>
             <a:r>
-              <a:rPr lang="en-GB" dirty="0"/>
+              <a:rPr lang="en-GB" b="1" dirty="0"/>
               <a:t> (°): [</a:t>
             </a:r>
             <a:r>
-              <a:rPr lang="en-GB" dirty="0" err="1"/>
+              <a:rPr lang="en-GB" b="1" dirty="0" err="1"/>
               <a:t>Bassa</a:t>
             </a:r>
             <a:r>
-              <a:rPr lang="en-GB" dirty="0"/>
+              <a:rPr lang="en-GB" b="1" dirty="0"/>
               <a:t>, Media, Alta]</a:t>
             </a:r>
           </a:p>
@@ -5870,27 +11046,27 @@
               <a:buChar char="•"/>
             </a:pPr>
             <a:r>
-              <a:rPr lang="en-GB" dirty="0" err="1"/>
+              <a:rPr lang="en-GB" b="1" dirty="0" err="1"/>
               <a:t>Inquinamento</a:t>
             </a:r>
             <a:r>
-              <a:rPr lang="en-GB" dirty="0"/>
+              <a:rPr lang="en-GB" b="1" dirty="0"/>
               <a:t> </a:t>
             </a:r>
             <a:r>
-              <a:rPr lang="en-GB" dirty="0" err="1"/>
+              <a:rPr lang="en-GB" b="1" dirty="0" err="1"/>
               <a:t>luminoso</a:t>
             </a:r>
             <a:r>
-              <a:rPr lang="en-GB" dirty="0"/>
+              <a:rPr lang="en-GB" b="1" dirty="0"/>
               <a:t> (scala </a:t>
             </a:r>
             <a:r>
-              <a:rPr lang="en-GB" dirty="0" err="1"/>
+              <a:rPr lang="en-GB" b="1" dirty="0" err="1"/>
               <a:t>Bortle</a:t>
             </a:r>
             <a:r>
-              <a:rPr lang="en-GB" dirty="0"/>
+              <a:rPr lang="en-GB" b="1" dirty="0"/>
               <a:t>): [Basso, Medio, Alto]</a:t>
             </a:r>
           </a:p>
@@ -5900,27 +11076,27 @@
               <a:buChar char="•"/>
             </a:pPr>
             <a:r>
-              <a:rPr lang="en-GB" dirty="0" err="1"/>
+              <a:rPr lang="en-GB" b="1" dirty="0" err="1"/>
               <a:t>Altitudine</a:t>
             </a:r>
             <a:r>
-              <a:rPr lang="en-GB" dirty="0"/>
+              <a:rPr lang="en-GB" b="1" dirty="0"/>
               <a:t> del </a:t>
             </a:r>
             <a:r>
-              <a:rPr lang="en-GB" dirty="0" err="1"/>
+              <a:rPr lang="en-GB" b="1" dirty="0" err="1"/>
               <a:t>fotografo</a:t>
             </a:r>
             <a:r>
-              <a:rPr lang="en-GB" dirty="0"/>
+              <a:rPr lang="en-GB" b="1" dirty="0"/>
               <a:t> (m): [</a:t>
             </a:r>
             <a:r>
-              <a:rPr lang="en-GB" dirty="0" err="1"/>
+              <a:rPr lang="en-GB" b="1" dirty="0" err="1"/>
               <a:t>Bassa</a:t>
             </a:r>
             <a:r>
-              <a:rPr lang="en-GB" dirty="0"/>
+              <a:rPr lang="en-GB" b="1" dirty="0"/>
               <a:t>, Media, Alta]</a:t>
             </a:r>
           </a:p>
@@ -5930,130 +11106,130 @@
               <a:buChar char="•"/>
             </a:pPr>
             <a:r>
-              <a:rPr lang="en-GB" dirty="0" err="1"/>
+              <a:rPr lang="en-GB" b="1" dirty="0" err="1"/>
               <a:t>Turbolenza</a:t>
             </a:r>
             <a:r>
-              <a:rPr lang="en-GB" dirty="0"/>
+              <a:rPr lang="en-GB" b="1" dirty="0"/>
               <a:t> </a:t>
             </a:r>
             <a:r>
-              <a:rPr lang="en-GB" dirty="0" err="1"/>
+              <a:rPr lang="en-GB" b="1" dirty="0" err="1"/>
               <a:t>atmosferica</a:t>
             </a:r>
             <a:r>
-              <a:rPr lang="en-GB" dirty="0"/>
+              <a:rPr lang="en-GB" b="1" dirty="0"/>
               <a:t> (m/2): [</a:t>
             </a:r>
             <a:r>
-              <a:rPr lang="en-GB" dirty="0" err="1"/>
+              <a:rPr lang="en-GB" b="1" dirty="0" err="1"/>
               <a:t>Bassa</a:t>
             </a:r>
             <a:r>
-              <a:rPr lang="en-GB" dirty="0"/>
+              <a:rPr lang="en-GB" b="1" dirty="0"/>
               <a:t>, Media, Alta]</a:t>
             </a:r>
           </a:p>
           <a:p>
-            <a:endParaRPr lang="en-GB" dirty="0"/>
-          </a:p>
-          <a:p>
-            <a:endParaRPr lang="en-GB" dirty="0"/>
-          </a:p>
-          <a:p>
-            <a:r>
-              <a:rPr lang="en-GB" dirty="0"/>
+            <a:endParaRPr lang="en-GB" b="1" dirty="0"/>
+          </a:p>
+          <a:p>
+            <a:endParaRPr lang="en-GB" b="1" dirty="0"/>
+          </a:p>
+          <a:p>
+            <a:r>
+              <a:rPr lang="en-GB" b="1" dirty="0"/>
               <a:t>Il </a:t>
             </a:r>
             <a:r>
-              <a:rPr lang="en-GB" dirty="0" err="1"/>
+              <a:rPr lang="en-GB" b="1" dirty="0" err="1"/>
               <a:t>sistema</a:t>
             </a:r>
             <a:r>
-              <a:rPr lang="en-GB" dirty="0"/>
+              <a:rPr lang="en-GB" b="1" dirty="0"/>
               <a:t>, in base alle </a:t>
             </a:r>
             <a:r>
-              <a:rPr lang="en-GB" dirty="0" err="1"/>
+              <a:rPr lang="en-GB" b="1" dirty="0" err="1"/>
               <a:t>regole</a:t>
             </a:r>
             <a:r>
-              <a:rPr lang="en-GB" dirty="0"/>
+              <a:rPr lang="en-GB" b="1" dirty="0"/>
               <a:t> </a:t>
             </a:r>
             <a:r>
-              <a:rPr lang="en-GB" dirty="0" err="1"/>
+              <a:rPr lang="en-GB" b="1" dirty="0" err="1"/>
               <a:t>implementate</a:t>
             </a:r>
             <a:r>
-              <a:rPr lang="en-GB" dirty="0"/>
+              <a:rPr lang="en-GB" b="1" dirty="0"/>
               <a:t>, in output ci </a:t>
             </a:r>
             <a:r>
-              <a:rPr lang="en-GB" dirty="0" err="1"/>
+              <a:rPr lang="en-GB" b="1" dirty="0" err="1"/>
               <a:t>retituisce</a:t>
             </a:r>
             <a:r>
-              <a:rPr lang="en-GB" dirty="0"/>
+              <a:rPr lang="en-GB" b="1" dirty="0"/>
               <a:t> la </a:t>
             </a:r>
             <a:r>
-              <a:rPr lang="en-GB" dirty="0" err="1"/>
+              <a:rPr lang="en-GB" b="1" dirty="0" err="1"/>
               <a:t>bontà</a:t>
             </a:r>
             <a:r>
-              <a:rPr lang="en-GB" dirty="0"/>
+              <a:rPr lang="en-GB" b="1" dirty="0"/>
               <a:t> </a:t>
             </a:r>
             <a:r>
-              <a:rPr lang="en-GB" dirty="0" err="1"/>
+              <a:rPr lang="en-GB" b="1" dirty="0" err="1"/>
               <a:t>della</a:t>
             </a:r>
             <a:r>
-              <a:rPr lang="en-GB" dirty="0"/>
+              <a:rPr lang="en-GB" b="1" dirty="0"/>
               <a:t> </a:t>
             </a:r>
             <a:r>
-              <a:rPr lang="en-GB" dirty="0" err="1"/>
+              <a:rPr lang="en-GB" b="1" dirty="0" err="1"/>
               <a:t>fotografia</a:t>
             </a:r>
             <a:r>
-              <a:rPr lang="en-GB" dirty="0"/>
+              <a:rPr lang="en-GB" b="1" dirty="0"/>
               <a:t>. </a:t>
             </a:r>
             <a:br>
-              <a:rPr lang="en-GB" dirty="0"/>
+              <a:rPr lang="en-GB" b="1" dirty="0"/>
             </a:br>
             <a:r>
-              <a:rPr lang="en-GB" dirty="0" err="1"/>
+              <a:rPr lang="en-GB" b="1" dirty="0" err="1"/>
               <a:t>Bontà</a:t>
             </a:r>
             <a:r>
-              <a:rPr lang="en-GB" dirty="0"/>
+              <a:rPr lang="en-GB" b="1" dirty="0"/>
               <a:t> </a:t>
             </a:r>
             <a:r>
-              <a:rPr lang="en-GB" dirty="0" err="1"/>
+              <a:rPr lang="en-GB" b="1" dirty="0" err="1"/>
               <a:t>rappresentata</a:t>
             </a:r>
             <a:r>
-              <a:rPr lang="en-GB" dirty="0"/>
+              <a:rPr lang="en-GB" b="1" dirty="0"/>
               <a:t> in </a:t>
             </a:r>
             <a:r>
-              <a:rPr lang="en-GB" dirty="0" err="1"/>
+              <a:rPr lang="en-GB" b="1" dirty="0" err="1"/>
               <a:t>una</a:t>
             </a:r>
             <a:r>
-              <a:rPr lang="en-GB" dirty="0"/>
+              <a:rPr lang="en-GB" b="1" dirty="0"/>
               <a:t> scala da 0 a 100 </a:t>
             </a:r>
             <a:r>
-              <a:rPr lang="en-GB" dirty="0" err="1"/>
+              <a:rPr lang="en-GB" b="1" dirty="0" err="1"/>
               <a:t>suddivisa</a:t>
             </a:r>
             <a:r>
-              <a:rPr lang="en-GB" dirty="0"/>
+              <a:rPr lang="en-GB" b="1" dirty="0"/>
               <a:t> in:</a:t>
             </a:r>
           </a:p>
@@ -6063,10 +11239,10 @@
               <a:buChar char="•"/>
             </a:pPr>
             <a:r>
-              <a:rPr lang="en-GB" dirty="0" err="1"/>
+              <a:rPr lang="en-GB" b="1" dirty="0" err="1"/>
               <a:t>Scarsa</a:t>
             </a:r>
-            <a:endParaRPr lang="en-GB" dirty="0"/>
+            <a:endParaRPr lang="en-GB" b="1" dirty="0"/>
           </a:p>
           <a:p>
             <a:pPr marL="742950" lvl="1" indent="-285750">
@@ -6074,7 +11250,7 @@
               <a:buChar char="•"/>
             </a:pPr>
             <a:r>
-              <a:rPr lang="en-GB" dirty="0"/>
+              <a:rPr lang="en-GB" b="1" dirty="0"/>
               <a:t>Media</a:t>
             </a:r>
           </a:p>
@@ -6084,7 +11260,7 @@
               <a:buChar char="•"/>
             </a:pPr>
             <a:r>
-              <a:rPr lang="en-GB" dirty="0"/>
+              <a:rPr lang="en-GB" b="1" dirty="0"/>
               <a:t>Buona</a:t>
             </a:r>
           </a:p>
@@ -6094,10 +11270,10 @@
               <a:buChar char="•"/>
             </a:pPr>
             <a:r>
-              <a:rPr lang="en-GB" dirty="0" err="1"/>
+              <a:rPr lang="en-GB" b="1" dirty="0" err="1"/>
               <a:t>Ottima</a:t>
             </a:r>
-            <a:endParaRPr lang="en-GB" dirty="0"/>
+            <a:endParaRPr lang="en-GB" b="1" dirty="0"/>
           </a:p>
         </p:txBody>
       </p:sp>
@@ -6115,6 +11291,499 @@
 </file>
 
 <file path=ppt/slides/slide4.xml><?xml version="1.0" encoding="utf-8"?>
+<p:sld xmlns:a="http://schemas.openxmlformats.org/drawingml/2006/main" xmlns:r="http://schemas.openxmlformats.org/officeDocument/2006/relationships" xmlns:p="http://schemas.openxmlformats.org/presentationml/2006/main">
+  <p:cSld>
+    <p:bg>
+      <p:bgPr>
+        <a:solidFill>
+          <a:schemeClr val="bg1"/>
+        </a:solidFill>
+        <a:effectLst/>
+      </p:bgPr>
+    </p:bg>
+    <p:spTree>
+      <p:nvGrpSpPr>
+        <p:cNvPr id="1" name=""/>
+        <p:cNvGrpSpPr/>
+        <p:nvPr/>
+      </p:nvGrpSpPr>
+      <p:grpSpPr>
+        <a:xfrm>
+          <a:off x="0" y="0"/>
+          <a:ext cx="0" cy="0"/>
+          <a:chOff x="0" y="0"/>
+          <a:chExt cx="0" cy="0"/>
+        </a:xfrm>
+      </p:grpSpPr>
+      <p:sp useBgFill="1">
+        <p:nvSpPr>
+          <p:cNvPr id="20" name="Rectangle 19">
+            <a:extLst>
+              <a:ext uri="{FF2B5EF4-FFF2-40B4-BE49-F238E27FC236}">
+                <a16:creationId xmlns:a16="http://schemas.microsoft.com/office/drawing/2014/main" id="{0671A8AE-40A1-4631-A6B8-581AFF065482}"/>
+              </a:ext>
+              <a:ext uri="{C183D7F6-B498-43B3-948B-1728B52AA6E4}">
+                <adec:decorative xmlns:adec="http://schemas.microsoft.com/office/drawing/2017/decorative" val="1"/>
+              </a:ext>
+            </a:extLst>
+          </p:cNvPr>
+          <p:cNvSpPr>
+            <a:spLocks noGrp="1" noRot="1" noChangeAspect="1" noMove="1" noResize="1" noEditPoints="1" noAdjustHandles="1" noChangeArrowheads="1" noChangeShapeType="1" noTextEdit="1"/>
+          </p:cNvSpPr>
+          <p:nvPr>
+            <p:extLst>
+              <p:ext uri="{386F3935-93C4-4BCD-93E2-E3B085C9AB24}">
+                <p16:designElem xmlns:p16="http://schemas.microsoft.com/office/powerpoint/2015/main" val="1"/>
+              </p:ext>
+            </p:extLst>
+          </p:nvPr>
+        </p:nvSpPr>
+        <p:spPr>
+          <a:xfrm>
+            <a:off x="0" y="0"/>
+            <a:ext cx="12192000" cy="6858000"/>
+          </a:xfrm>
+          <a:prstGeom prst="rect">
+            <a:avLst/>
+          </a:prstGeom>
+          <a:ln>
+            <a:noFill/>
+          </a:ln>
+        </p:spPr>
+        <p:style>
+          <a:lnRef idx="2">
+            <a:schemeClr val="accent1">
+              <a:shade val="50000"/>
+            </a:schemeClr>
+          </a:lnRef>
+          <a:fillRef idx="1">
+            <a:schemeClr val="accent1"/>
+          </a:fillRef>
+          <a:effectRef idx="0">
+            <a:schemeClr val="accent1"/>
+          </a:effectRef>
+          <a:fontRef idx="minor">
+            <a:schemeClr val="lt1"/>
+          </a:fontRef>
+        </p:style>
+        <p:txBody>
+          <a:bodyPr rtlCol="0" anchor="ctr"/>
+          <a:lstStyle/>
+          <a:p>
+            <a:pPr algn="ctr"/>
+            <a:endParaRPr lang="en-US"/>
+          </a:p>
+        </p:txBody>
+      </p:sp>
+      <p:pic>
+        <p:nvPicPr>
+          <p:cNvPr id="5" name="Picture 4" descr="A galaxy in the sky&#10;&#10;Description automatically generated with medium confidence">
+            <a:extLst>
+              <a:ext uri="{FF2B5EF4-FFF2-40B4-BE49-F238E27FC236}">
+                <a16:creationId xmlns:a16="http://schemas.microsoft.com/office/drawing/2014/main" id="{EF883F5C-BE2D-BAF8-A931-22493DA34993}"/>
+              </a:ext>
+            </a:extLst>
+          </p:cNvPr>
+          <p:cNvPicPr>
+            <a:picLocks noChangeAspect="1"/>
+          </p:cNvPicPr>
+          <p:nvPr/>
+        </p:nvPicPr>
+        <p:blipFill rotWithShape="1">
+          <a:blip r:embed="rId3">
+            <a:extLst>
+              <a:ext uri="{28A0092B-C50C-407E-A947-70E740481C1C}">
+                <a14:useLocalDpi xmlns:a14="http://schemas.microsoft.com/office/drawing/2010/main" val="0"/>
+              </a:ext>
+            </a:extLst>
+          </a:blip>
+          <a:srcRect t="4645" r="35364" b="4446"/>
+          <a:stretch/>
+        </p:blipFill>
+        <p:spPr>
+          <a:xfrm>
+            <a:off x="3523488" y="10"/>
+            <a:ext cx="8668512" cy="6857990"/>
+          </a:xfrm>
+          <a:prstGeom prst="rect">
+            <a:avLst/>
+          </a:prstGeom>
+        </p:spPr>
+      </p:pic>
+      <p:sp>
+        <p:nvSpPr>
+          <p:cNvPr id="22" name="Rectangle 21">
+            <a:extLst>
+              <a:ext uri="{FF2B5EF4-FFF2-40B4-BE49-F238E27FC236}">
+                <a16:creationId xmlns:a16="http://schemas.microsoft.com/office/drawing/2014/main" id="{AB58EF07-17C2-48CF-ABB0-EEF1F17CB8F0}"/>
+              </a:ext>
+              <a:ext uri="{C183D7F6-B498-43B3-948B-1728B52AA6E4}">
+                <adec:decorative xmlns:adec="http://schemas.microsoft.com/office/drawing/2017/decorative" val="1"/>
+              </a:ext>
+            </a:extLst>
+          </p:cNvPr>
+          <p:cNvSpPr>
+            <a:spLocks noGrp="1" noRot="1" noChangeAspect="1" noMove="1" noResize="1" noEditPoints="1" noAdjustHandles="1" noChangeArrowheads="1" noChangeShapeType="1" noTextEdit="1"/>
+          </p:cNvSpPr>
+          <p:nvPr>
+            <p:extLst>
+              <p:ext uri="{386F3935-93C4-4BCD-93E2-E3B085C9AB24}">
+                <p16:designElem xmlns:p16="http://schemas.microsoft.com/office/powerpoint/2015/main" val="1"/>
+              </p:ext>
+            </p:extLst>
+          </p:nvPr>
+        </p:nvSpPr>
+        <p:spPr>
+          <a:xfrm>
+            <a:off x="3" y="0"/>
+            <a:ext cx="9339206" cy="6858000"/>
+          </a:xfrm>
+          <a:prstGeom prst="rect">
+            <a:avLst/>
+          </a:prstGeom>
+          <a:gradFill>
+            <a:gsLst>
+              <a:gs pos="58000">
+                <a:schemeClr val="tx1"/>
+              </a:gs>
+              <a:gs pos="33000">
+                <a:schemeClr val="tx1">
+                  <a:alpha val="64000"/>
+                </a:schemeClr>
+              </a:gs>
+              <a:gs pos="0">
+                <a:schemeClr val="tx1">
+                  <a:alpha val="0"/>
+                </a:schemeClr>
+              </a:gs>
+              <a:gs pos="100000">
+                <a:schemeClr val="tx1"/>
+              </a:gs>
+            </a:gsLst>
+            <a:lin ang="10800000" scaled="0"/>
+          </a:gradFill>
+          <a:ln>
+            <a:noFill/>
+          </a:ln>
+        </p:spPr>
+        <p:style>
+          <a:lnRef idx="2">
+            <a:schemeClr val="accent1">
+              <a:shade val="50000"/>
+            </a:schemeClr>
+          </a:lnRef>
+          <a:fillRef idx="1">
+            <a:schemeClr val="accent1"/>
+          </a:fillRef>
+          <a:effectRef idx="0">
+            <a:schemeClr val="accent1"/>
+          </a:effectRef>
+          <a:fontRef idx="minor">
+            <a:schemeClr val="lt1"/>
+          </a:fontRef>
+        </p:style>
+        <p:txBody>
+          <a:bodyPr rtlCol="0" anchor="ctr"/>
+          <a:lstStyle/>
+          <a:p>
+            <a:pPr algn="ctr"/>
+            <a:endParaRPr lang="en-US" dirty="0"/>
+          </a:p>
+        </p:txBody>
+      </p:sp>
+      <p:sp>
+        <p:nvSpPr>
+          <p:cNvPr id="9" name="TextBox 8">
+            <a:extLst>
+              <a:ext uri="{FF2B5EF4-FFF2-40B4-BE49-F238E27FC236}">
+                <a16:creationId xmlns:a16="http://schemas.microsoft.com/office/drawing/2014/main" id="{8A85CD29-74A8-5748-77B6-9E9B1C54F1AA}"/>
+              </a:ext>
+            </a:extLst>
+          </p:cNvPr>
+          <p:cNvSpPr txBox="1"/>
+          <p:nvPr/>
+        </p:nvSpPr>
+        <p:spPr>
+          <a:xfrm>
+            <a:off x="481029" y="2712855"/>
+            <a:ext cx="4023360" cy="1432290"/>
+          </a:xfrm>
+          <a:prstGeom prst="rect">
+            <a:avLst/>
+          </a:prstGeom>
+        </p:spPr>
+        <p:txBody>
+          <a:bodyPr vert="horz" lIns="91440" tIns="45720" rIns="91440" bIns="45720" rtlCol="0" anchor="b">
+            <a:normAutofit/>
+          </a:bodyPr>
+          <a:lstStyle/>
+          <a:p>
+            <a:pPr>
+              <a:lnSpc>
+                <a:spcPct val="90000"/>
+              </a:lnSpc>
+              <a:spcBef>
+                <a:spcPct val="0"/>
+              </a:spcBef>
+              <a:spcAft>
+                <a:spcPts val="600"/>
+              </a:spcAft>
+            </a:pPr>
+            <a:r>
+              <a:rPr lang="en-US" sz="4800" b="1" dirty="0" err="1">
+                <a:solidFill>
+                  <a:schemeClr val="bg1"/>
+                </a:solidFill>
+                <a:latin typeface="+mj-lt"/>
+                <a:ea typeface="+mj-ea"/>
+                <a:cs typeface="+mj-cs"/>
+              </a:rPr>
+              <a:t>Struttura</a:t>
+            </a:r>
+            <a:r>
+              <a:rPr lang="en-US" sz="4800" b="1" dirty="0">
+                <a:solidFill>
+                  <a:schemeClr val="bg1"/>
+                </a:solidFill>
+                <a:latin typeface="+mj-lt"/>
+                <a:ea typeface="+mj-ea"/>
+                <a:cs typeface="+mj-cs"/>
+              </a:rPr>
+              <a:t> del </a:t>
+            </a:r>
+            <a:r>
+              <a:rPr lang="en-US" sz="4800" b="1" dirty="0" err="1">
+                <a:solidFill>
+                  <a:schemeClr val="bg1"/>
+                </a:solidFill>
+                <a:latin typeface="+mj-lt"/>
+                <a:ea typeface="+mj-ea"/>
+                <a:cs typeface="+mj-cs"/>
+              </a:rPr>
+              <a:t>progetto</a:t>
+            </a:r>
+            <a:endParaRPr lang="en-US" sz="4800" b="1" dirty="0">
+              <a:solidFill>
+                <a:schemeClr val="bg1"/>
+              </a:solidFill>
+              <a:latin typeface="+mj-lt"/>
+              <a:ea typeface="+mj-ea"/>
+              <a:cs typeface="+mj-cs"/>
+            </a:endParaRPr>
+          </a:p>
+        </p:txBody>
+      </p:sp>
+      <p:sp>
+        <p:nvSpPr>
+          <p:cNvPr id="24" name="Rectangle 23">
+            <a:extLst>
+              <a:ext uri="{FF2B5EF4-FFF2-40B4-BE49-F238E27FC236}">
+                <a16:creationId xmlns:a16="http://schemas.microsoft.com/office/drawing/2014/main" id="{AF2F604E-43BE-4DC3-B983-E071523364F8}"/>
+              </a:ext>
+              <a:ext uri="{C183D7F6-B498-43B3-948B-1728B52AA6E4}">
+                <adec:decorative xmlns:adec="http://schemas.microsoft.com/office/drawing/2017/decorative" val="1"/>
+              </a:ext>
+            </a:extLst>
+          </p:cNvPr>
+          <p:cNvSpPr>
+            <a:spLocks noGrp="1" noRot="1" noChangeAspect="1" noMove="1" noResize="1" noEditPoints="1" noAdjustHandles="1" noChangeArrowheads="1" noChangeShapeType="1" noTextEdit="1"/>
+          </p:cNvSpPr>
+          <p:nvPr>
+            <p:extLst>
+              <p:ext uri="{386F3935-93C4-4BCD-93E2-E3B085C9AB24}">
+                <p16:designElem xmlns:p16="http://schemas.microsoft.com/office/powerpoint/2015/main" val="1"/>
+              </p:ext>
+            </p:extLst>
+          </p:nvPr>
+        </p:nvSpPr>
+        <p:spPr>
+          <a:xfrm rot="5400000">
+            <a:off x="759921" y="346791"/>
+            <a:ext cx="146304" cy="704088"/>
+          </a:xfrm>
+          <a:prstGeom prst="rect">
+            <a:avLst/>
+          </a:prstGeom>
+          <a:solidFill>
+            <a:schemeClr val="accent2"/>
+          </a:solidFill>
+          <a:ln>
+            <a:noFill/>
+          </a:ln>
+        </p:spPr>
+        <p:style>
+          <a:lnRef idx="2">
+            <a:schemeClr val="accent1">
+              <a:shade val="50000"/>
+            </a:schemeClr>
+          </a:lnRef>
+          <a:fillRef idx="1">
+            <a:schemeClr val="accent1"/>
+          </a:fillRef>
+          <a:effectRef idx="0">
+            <a:schemeClr val="accent1"/>
+          </a:effectRef>
+          <a:fontRef idx="minor">
+            <a:schemeClr val="lt1"/>
+          </a:fontRef>
+        </p:style>
+        <p:txBody>
+          <a:bodyPr rtlCol="0" anchor="ctr"/>
+          <a:lstStyle/>
+          <a:p>
+            <a:pPr algn="ctr"/>
+            <a:endParaRPr lang="en-US">
+              <a:solidFill>
+                <a:prstClr val="white"/>
+              </a:solidFill>
+              <a:latin typeface="Calibri" panose="020F0502020204030204"/>
+            </a:endParaRPr>
+          </a:p>
+        </p:txBody>
+      </p:sp>
+      <p:sp>
+        <p:nvSpPr>
+          <p:cNvPr id="26" name="Rectangle 25">
+            <a:extLst>
+              <a:ext uri="{FF2B5EF4-FFF2-40B4-BE49-F238E27FC236}">
+                <a16:creationId xmlns:a16="http://schemas.microsoft.com/office/drawing/2014/main" id="{08C9B587-E65E-4B52-B37C-ABEBB6E87928}"/>
+              </a:ext>
+              <a:ext uri="{C183D7F6-B498-43B3-948B-1728B52AA6E4}">
+                <adec:decorative xmlns:adec="http://schemas.microsoft.com/office/drawing/2017/decorative" val="1"/>
+              </a:ext>
+            </a:extLst>
+          </p:cNvPr>
+          <p:cNvSpPr>
+            <a:spLocks noGrp="1" noRot="1" noChangeAspect="1" noMove="1" noResize="1" noEditPoints="1" noAdjustHandles="1" noChangeArrowheads="1" noChangeShapeType="1" noTextEdit="1"/>
+          </p:cNvSpPr>
+          <p:nvPr>
+            <p:extLst>
+              <p:ext uri="{386F3935-93C4-4BCD-93E2-E3B085C9AB24}">
+                <p16:designElem xmlns:p16="http://schemas.microsoft.com/office/powerpoint/2015/main" val="1"/>
+              </p:ext>
+            </p:extLst>
+          </p:nvPr>
+        </p:nvSpPr>
+        <p:spPr>
+          <a:xfrm>
+            <a:off x="481029" y="4546920"/>
+            <a:ext cx="3977640" cy="18288"/>
+          </a:xfrm>
+          <a:prstGeom prst="rect">
+            <a:avLst/>
+          </a:prstGeom>
+          <a:solidFill>
+            <a:schemeClr val="tx1"/>
+          </a:solidFill>
+          <a:ln w="3175">
+            <a:noFill/>
+          </a:ln>
+          <a:effectLst/>
+        </p:spPr>
+        <p:style>
+          <a:lnRef idx="2">
+            <a:schemeClr val="accent1">
+              <a:shade val="50000"/>
+            </a:schemeClr>
+          </a:lnRef>
+          <a:fillRef idx="1">
+            <a:schemeClr val="accent1"/>
+          </a:fillRef>
+          <a:effectRef idx="0">
+            <a:schemeClr val="accent1"/>
+          </a:effectRef>
+          <a:fontRef idx="minor">
+            <a:schemeClr val="lt1"/>
+          </a:fontRef>
+        </p:style>
+        <p:txBody>
+          <a:bodyPr rtlCol="0" anchor="ctr"/>
+          <a:lstStyle/>
+          <a:p>
+            <a:pPr marL="0" marR="0" lvl="0" indent="0" algn="ctr" defTabSz="914400" rtl="0" eaLnBrk="1" fontAlgn="auto" latinLnBrk="0" hangingPunct="1">
+              <a:lnSpc>
+                <a:spcPct val="100000"/>
+              </a:lnSpc>
+              <a:spcBef>
+                <a:spcPts val="0"/>
+              </a:spcBef>
+              <a:spcAft>
+                <a:spcPts val="0"/>
+              </a:spcAft>
+              <a:buClrTx/>
+              <a:buSzTx/>
+              <a:buFontTx/>
+              <a:buNone/>
+              <a:tabLst/>
+              <a:defRPr/>
+            </a:pPr>
+            <a:endParaRPr kumimoji="0" lang="en-US" sz="1800" b="0" i="0" u="none" strike="noStrike" kern="1200" cap="none" spc="0" normalizeH="0" baseline="0" noProof="0">
+              <a:ln>
+                <a:noFill/>
+              </a:ln>
+              <a:solidFill>
+                <a:prstClr val="white"/>
+              </a:solidFill>
+              <a:effectLst/>
+              <a:uLnTx/>
+              <a:uFillTx/>
+              <a:latin typeface="Calibri" panose="020F0502020204030204"/>
+              <a:ea typeface="+mn-ea"/>
+              <a:cs typeface="+mn-cs"/>
+            </a:endParaRPr>
+          </a:p>
+        </p:txBody>
+      </p:sp>
+      <p:pic>
+        <p:nvPicPr>
+          <p:cNvPr id="15" name="Picture 14" descr="A blue and white logo&#10;&#10;Description automatically generated">
+            <a:extLst>
+              <a:ext uri="{FF2B5EF4-FFF2-40B4-BE49-F238E27FC236}">
+                <a16:creationId xmlns:a16="http://schemas.microsoft.com/office/drawing/2014/main" id="{979BB11A-FC31-94C4-76E8-B054B1DA63DD}"/>
+              </a:ext>
+            </a:extLst>
+          </p:cNvPr>
+          <p:cNvPicPr>
+            <a:picLocks noChangeAspect="1"/>
+          </p:cNvPicPr>
+          <p:nvPr/>
+        </p:nvPicPr>
+        <p:blipFill>
+          <a:blip r:embed="rId4">
+            <a:extLst>
+              <a:ext uri="{28A0092B-C50C-407E-A947-70E740481C1C}">
+                <a14:useLocalDpi xmlns:a14="http://schemas.microsoft.com/office/drawing/2010/main" val="0"/>
+              </a:ext>
+            </a:extLst>
+          </a:blip>
+          <a:stretch>
+            <a:fillRect/>
+          </a:stretch>
+        </p:blipFill>
+        <p:spPr>
+          <a:xfrm>
+            <a:off x="10585151" y="264938"/>
+            <a:ext cx="1305117" cy="1098396"/>
+          </a:xfrm>
+          <a:prstGeom prst="rect">
+            <a:avLst/>
+          </a:prstGeom>
+        </p:spPr>
+      </p:pic>
+    </p:spTree>
+    <p:extLst>
+      <p:ext uri="{BB962C8B-B14F-4D97-AF65-F5344CB8AC3E}">
+        <p14:creationId xmlns:p14="http://schemas.microsoft.com/office/powerpoint/2010/main" val="4010493108"/>
+      </p:ext>
+    </p:extLst>
+  </p:cSld>
+  <p:clrMapOvr>
+    <a:overrideClrMapping bg1="lt1" tx1="dk1" bg2="lt2" tx2="dk2" accent1="accent1" accent2="accent2" accent3="accent3" accent4="accent4" accent5="accent5" accent6="accent6" hlink="hlink" folHlink="folHlink"/>
+  </p:clrMapOvr>
+</p:sld>
+</file>
+
+<file path=ppt/slides/slide5.xml><?xml version="1.0" encoding="utf-8"?>
 <p:sld xmlns:a="http://schemas.openxmlformats.org/drawingml/2006/main" xmlns:r="http://schemas.openxmlformats.org/officeDocument/2006/relationships" xmlns:p="http://schemas.openxmlformats.org/presentationml/2006/main">
   <p:cSld>
     <p:bg>
@@ -6320,10 +11989,10 @@
       </p:pic>
       <p:pic>
         <p:nvPicPr>
-          <p:cNvPr id="4" name="Picture 3">
-            <a:extLst>
-              <a:ext uri="{FF2B5EF4-FFF2-40B4-BE49-F238E27FC236}">
-                <a16:creationId xmlns:a16="http://schemas.microsoft.com/office/drawing/2014/main" id="{048C2C6A-2F95-F81F-CD2F-27F3E776FFCE}"/>
+          <p:cNvPr id="7" name="Picture 6">
+            <a:extLst>
+              <a:ext uri="{FF2B5EF4-FFF2-40B4-BE49-F238E27FC236}">
+                <a16:creationId xmlns:a16="http://schemas.microsoft.com/office/drawing/2014/main" id="{EA6D0492-0113-F808-9313-8E547B835585}"/>
               </a:ext>
             </a:extLst>
           </p:cNvPr>
@@ -6333,15 +12002,17 @@
           <p:nvPr/>
         </p:nvPicPr>
         <p:blipFill>
-          <a:blip r:embed="rId5"/>
+          <a:blip r:embed="rId5">
+            <a:alphaModFix/>
+          </a:blip>
           <a:stretch>
             <a:fillRect/>
           </a:stretch>
         </p:blipFill>
         <p:spPr>
           <a:xfrm>
-            <a:off x="2267340" y="993100"/>
-            <a:ext cx="7657319" cy="5568343"/>
+            <a:off x="2402717" y="1110372"/>
+            <a:ext cx="7386566" cy="5393366"/>
           </a:xfrm>
           <a:prstGeom prst="rect">
             <a:avLst/>
@@ -6351,219 +12022,7 @@
     </p:spTree>
     <p:extLst>
       <p:ext uri="{BB962C8B-B14F-4D97-AF65-F5344CB8AC3E}">
-        <p14:creationId xmlns:p14="http://schemas.microsoft.com/office/powerpoint/2010/main" val="1499551055"/>
-      </p:ext>
-    </p:extLst>
-  </p:cSld>
-  <p:clrMapOvr>
-    <a:overrideClrMapping bg1="dk1" tx1="lt1" bg2="dk2" tx2="lt2" accent1="accent1" accent2="accent2" accent3="accent3" accent4="accent4" accent5="accent5" accent6="accent6" hlink="hlink" folHlink="folHlink"/>
-  </p:clrMapOvr>
-</p:sld>
-</file>
-
-<file path=ppt/slides/slide5.xml><?xml version="1.0" encoding="utf-8"?>
-<p:sld xmlns:a="http://schemas.openxmlformats.org/drawingml/2006/main" xmlns:r="http://schemas.openxmlformats.org/officeDocument/2006/relationships" xmlns:p="http://schemas.openxmlformats.org/presentationml/2006/main">
-  <p:cSld>
-    <p:bg>
-      <p:bgPr>
-        <a:solidFill>
-          <a:srgbClr val="000000"/>
-        </a:solidFill>
-        <a:effectLst/>
-      </p:bgPr>
-    </p:bg>
-    <p:spTree>
-      <p:nvGrpSpPr>
-        <p:cNvPr id="1" name=""/>
-        <p:cNvGrpSpPr/>
-        <p:nvPr/>
-      </p:nvGrpSpPr>
-      <p:grpSpPr>
-        <a:xfrm>
-          <a:off x="0" y="0"/>
-          <a:ext cx="0" cy="0"/>
-          <a:chOff x="0" y="0"/>
-          <a:chExt cx="0" cy="0"/>
-        </a:xfrm>
-      </p:grpSpPr>
-      <p:sp>
-        <p:nvSpPr>
-          <p:cNvPr id="10" name="Rectangle 9">
-            <a:extLst>
-              <a:ext uri="{FF2B5EF4-FFF2-40B4-BE49-F238E27FC236}">
-                <a16:creationId xmlns:a16="http://schemas.microsoft.com/office/drawing/2014/main" id="{71B2258F-86CA-4D4D-8270-BC05FCDEBFB3}"/>
-              </a:ext>
-              <a:ext uri="{C183D7F6-B498-43B3-948B-1728B52AA6E4}">
-                <adec:decorative xmlns:adec="http://schemas.microsoft.com/office/drawing/2017/decorative" val="1"/>
-              </a:ext>
-            </a:extLst>
-          </p:cNvPr>
-          <p:cNvSpPr>
-            <a:spLocks noGrp="1" noRot="1" noChangeAspect="1" noMove="1" noResize="1" noEditPoints="1" noAdjustHandles="1" noChangeArrowheads="1" noChangeShapeType="1" noTextEdit="1"/>
-          </p:cNvSpPr>
-          <p:nvPr>
-            <p:extLst>
-              <p:ext uri="{386F3935-93C4-4BCD-93E2-E3B085C9AB24}">
-                <p16:designElem xmlns:p16="http://schemas.microsoft.com/office/powerpoint/2015/main" val="1"/>
-              </p:ext>
-            </p:extLst>
-          </p:nvPr>
-        </p:nvSpPr>
-        <p:spPr>
-          <a:xfrm>
-            <a:off x="0" y="0"/>
-            <a:ext cx="12192000" cy="6857999"/>
-          </a:xfrm>
-          <a:prstGeom prst="rect">
-            <a:avLst/>
-          </a:prstGeom>
-          <a:solidFill>
-            <a:srgbClr val="000000"/>
-          </a:solidFill>
-          <a:ln>
-            <a:noFill/>
-          </a:ln>
-        </p:spPr>
-        <p:style>
-          <a:lnRef idx="2">
-            <a:schemeClr val="accent1">
-              <a:shade val="50000"/>
-            </a:schemeClr>
-          </a:lnRef>
-          <a:fillRef idx="1">
-            <a:schemeClr val="accent1"/>
-          </a:fillRef>
-          <a:effectRef idx="0">
-            <a:schemeClr val="accent1"/>
-          </a:effectRef>
-          <a:fontRef idx="minor">
-            <a:schemeClr val="lt1"/>
-          </a:fontRef>
-        </p:style>
-        <p:txBody>
-          <a:bodyPr rtlCol="0" anchor="ctr"/>
-          <a:lstStyle/>
-          <a:p>
-            <a:pPr algn="ctr"/>
-            <a:endParaRPr lang="en-US"/>
-          </a:p>
-        </p:txBody>
-      </p:sp>
-      <p:pic>
-        <p:nvPicPr>
-          <p:cNvPr id="5" name="Picture 4" descr="A galaxy in the sky&#10;&#10;Description automatically generated with medium confidence">
-            <a:extLst>
-              <a:ext uri="{FF2B5EF4-FFF2-40B4-BE49-F238E27FC236}">
-                <a16:creationId xmlns:a16="http://schemas.microsoft.com/office/drawing/2014/main" id="{B0F90A88-2372-3D69-96D2-BB8F636DDE9E}"/>
-              </a:ext>
-            </a:extLst>
-          </p:cNvPr>
-          <p:cNvPicPr>
-            <a:picLocks noChangeAspect="1"/>
-          </p:cNvPicPr>
-          <p:nvPr/>
-        </p:nvPicPr>
-        <p:blipFill rotWithShape="1">
-          <a:blip r:embed="rId3">
-            <a:alphaModFix amt="50000"/>
-            <a:extLst>
-              <a:ext uri="{28A0092B-C50C-407E-A947-70E740481C1C}">
-                <a14:useLocalDpi xmlns:a14="http://schemas.microsoft.com/office/drawing/2010/main" val="0"/>
-              </a:ext>
-            </a:extLst>
-          </a:blip>
-          <a:srcRect/>
-          <a:stretch/>
-        </p:blipFill>
-        <p:spPr>
-          <a:xfrm>
-            <a:off x="0" y="0"/>
-            <a:ext cx="12192000" cy="6858000"/>
-          </a:xfrm>
-          <a:prstGeom prst="rect">
-            <a:avLst/>
-          </a:prstGeom>
-        </p:spPr>
-      </p:pic>
-      <p:sp>
-        <p:nvSpPr>
-          <p:cNvPr id="9" name="TextBox 8">
-            <a:extLst>
-              <a:ext uri="{FF2B5EF4-FFF2-40B4-BE49-F238E27FC236}">
-                <a16:creationId xmlns:a16="http://schemas.microsoft.com/office/drawing/2014/main" id="{7DCA9D16-5034-279C-FF1F-96C45AF4B68F}"/>
-              </a:ext>
-            </a:extLst>
-          </p:cNvPr>
-          <p:cNvSpPr txBox="1"/>
-          <p:nvPr/>
-        </p:nvSpPr>
-        <p:spPr>
-          <a:xfrm>
-            <a:off x="301732" y="293576"/>
-            <a:ext cx="3456452" cy="523220"/>
-          </a:xfrm>
-          <a:prstGeom prst="rect">
-            <a:avLst/>
-          </a:prstGeom>
-          <a:noFill/>
-        </p:spPr>
-        <p:txBody>
-          <a:bodyPr wrap="square" rtlCol="0">
-            <a:spAutoFit/>
-          </a:bodyPr>
-          <a:lstStyle/>
-          <a:p>
-            <a:r>
-              <a:rPr lang="en-GB" sz="2800" b="1" dirty="0" err="1"/>
-              <a:t>Casi</a:t>
-            </a:r>
-            <a:r>
-              <a:rPr lang="en-GB" sz="2800" b="1" dirty="0"/>
-              <a:t> di test / Demo</a:t>
-            </a:r>
-          </a:p>
-        </p:txBody>
-      </p:sp>
-      <p:pic>
-        <p:nvPicPr>
-          <p:cNvPr id="15" name="Picture 14" descr="A blue and white logo&#10;&#10;Description automatically generated">
-            <a:extLst>
-              <a:ext uri="{FF2B5EF4-FFF2-40B4-BE49-F238E27FC236}">
-                <a16:creationId xmlns:a16="http://schemas.microsoft.com/office/drawing/2014/main" id="{6A2D2119-B5CD-B2DE-2CB9-9300E3B94F14}"/>
-              </a:ext>
-            </a:extLst>
-          </p:cNvPr>
-          <p:cNvPicPr>
-            <a:picLocks noChangeAspect="1"/>
-          </p:cNvPicPr>
-          <p:nvPr/>
-        </p:nvPicPr>
-        <p:blipFill>
-          <a:blip r:embed="rId4">
-            <a:extLst>
-              <a:ext uri="{28A0092B-C50C-407E-A947-70E740481C1C}">
-                <a14:useLocalDpi xmlns:a14="http://schemas.microsoft.com/office/drawing/2010/main" val="0"/>
-              </a:ext>
-            </a:extLst>
-          </a:blip>
-          <a:stretch>
-            <a:fillRect/>
-          </a:stretch>
-        </p:blipFill>
-        <p:spPr>
-          <a:xfrm>
-            <a:off x="10585151" y="264938"/>
-            <a:ext cx="1305117" cy="1098396"/>
-          </a:xfrm>
-          <a:prstGeom prst="rect">
-            <a:avLst/>
-          </a:prstGeom>
-        </p:spPr>
-      </p:pic>
-    </p:spTree>
-    <p:extLst>
-      <p:ext uri="{BB962C8B-B14F-4D97-AF65-F5344CB8AC3E}">
-        <p14:creationId xmlns:p14="http://schemas.microsoft.com/office/powerpoint/2010/main" val="7161756"/>
+        <p14:creationId xmlns:p14="http://schemas.microsoft.com/office/powerpoint/2010/main" val="945971025"/>
       </p:ext>
     </p:extLst>
   </p:cSld>
@@ -6727,11 +12186,11 @@
           <a:p>
             <a:r>
               <a:rPr lang="en-GB" sz="2800" b="1" dirty="0" err="1"/>
-              <a:t>Casi</a:t>
+              <a:t>Temperatura</a:t>
             </a:r>
             <a:r>
               <a:rPr lang="en-GB" sz="2800" b="1" dirty="0"/>
-              <a:t> limite</a:t>
+              <a:t> (°C)</a:t>
             </a:r>
           </a:p>
         </p:txBody>
@@ -6772,10 +12231,79 @@
           </a:prstGeom>
         </p:spPr>
       </p:pic>
+      <p:sp>
+        <p:nvSpPr>
+          <p:cNvPr id="22" name="TextBox 21">
+            <a:extLst>
+              <a:ext uri="{FF2B5EF4-FFF2-40B4-BE49-F238E27FC236}">
+                <a16:creationId xmlns:a16="http://schemas.microsoft.com/office/drawing/2014/main" id="{8CF4B406-EA7E-B37B-213A-A8308F8FC216}"/>
+              </a:ext>
+            </a:extLst>
+          </p:cNvPr>
+          <p:cNvSpPr txBox="1"/>
+          <p:nvPr/>
+        </p:nvSpPr>
+        <p:spPr>
+          <a:xfrm>
+            <a:off x="301732" y="5022218"/>
+            <a:ext cx="1483098" cy="369332"/>
+          </a:xfrm>
+          <a:prstGeom prst="rect">
+            <a:avLst/>
+          </a:prstGeom>
+          <a:noFill/>
+        </p:spPr>
+        <p:txBody>
+          <a:bodyPr wrap="none" rtlCol="0">
+            <a:spAutoFit/>
+          </a:bodyPr>
+          <a:lstStyle/>
+          <a:p>
+            <a:r>
+              <a:rPr lang="en-GB" dirty="0" err="1"/>
+              <a:t>Descrizione</a:t>
+            </a:r>
+            <a:r>
+              <a:rPr lang="en-GB" dirty="0"/>
+              <a:t>….</a:t>
+            </a:r>
+          </a:p>
+        </p:txBody>
+      </p:sp>
+      <p:pic>
+        <p:nvPicPr>
+          <p:cNvPr id="27" name="Picture 26">
+            <a:extLst>
+              <a:ext uri="{FF2B5EF4-FFF2-40B4-BE49-F238E27FC236}">
+                <a16:creationId xmlns:a16="http://schemas.microsoft.com/office/drawing/2014/main" id="{8CD1D9C9-DFDF-C062-07BD-FA3C7466DA84}"/>
+              </a:ext>
+            </a:extLst>
+          </p:cNvPr>
+          <p:cNvPicPr>
+            <a:picLocks noChangeAspect="1"/>
+          </p:cNvPicPr>
+          <p:nvPr/>
+        </p:nvPicPr>
+        <p:blipFill>
+          <a:blip r:embed="rId5"/>
+          <a:stretch>
+            <a:fillRect/>
+          </a:stretch>
+        </p:blipFill>
+        <p:spPr>
+          <a:xfrm>
+            <a:off x="2951847" y="1052281"/>
+            <a:ext cx="6288306" cy="3772984"/>
+          </a:xfrm>
+          <a:prstGeom prst="rect">
+            <a:avLst/>
+          </a:prstGeom>
+        </p:spPr>
+      </p:pic>
     </p:spTree>
     <p:extLst>
       <p:ext uri="{BB962C8B-B14F-4D97-AF65-F5344CB8AC3E}">
-        <p14:creationId xmlns:p14="http://schemas.microsoft.com/office/powerpoint/2010/main" val="203031930"/>
+        <p14:creationId xmlns:p14="http://schemas.microsoft.com/office/powerpoint/2010/main" val="1499551055"/>
       </p:ext>
     </p:extLst>
   </p:cSld>
@@ -6909,6 +12437,53 @@
           </a:prstGeom>
         </p:spPr>
       </p:pic>
+      <p:sp>
+        <p:nvSpPr>
+          <p:cNvPr id="9" name="TextBox 8">
+            <a:extLst>
+              <a:ext uri="{FF2B5EF4-FFF2-40B4-BE49-F238E27FC236}">
+                <a16:creationId xmlns:a16="http://schemas.microsoft.com/office/drawing/2014/main" id="{7DCA9D16-5034-279C-FF1F-96C45AF4B68F}"/>
+              </a:ext>
+            </a:extLst>
+          </p:cNvPr>
+          <p:cNvSpPr txBox="1"/>
+          <p:nvPr/>
+        </p:nvSpPr>
+        <p:spPr>
+          <a:xfrm>
+            <a:off x="301732" y="293576"/>
+            <a:ext cx="3712484" cy="523220"/>
+          </a:xfrm>
+          <a:prstGeom prst="rect">
+            <a:avLst/>
+          </a:prstGeom>
+          <a:noFill/>
+        </p:spPr>
+        <p:txBody>
+          <a:bodyPr wrap="square" rtlCol="0">
+            <a:spAutoFit/>
+          </a:bodyPr>
+          <a:lstStyle/>
+          <a:p>
+            <a:r>
+              <a:rPr lang="en-GB" sz="2800" b="1" dirty="0" err="1"/>
+              <a:t>Altitudine</a:t>
+            </a:r>
+            <a:r>
+              <a:rPr lang="en-GB" sz="2800" b="1" dirty="0"/>
+              <a:t> </a:t>
+            </a:r>
+            <a:r>
+              <a:rPr lang="en-GB" sz="2800" b="1" dirty="0" err="1"/>
+              <a:t>oggetto</a:t>
+            </a:r>
+            <a:r>
+              <a:rPr lang="en-GB" sz="2800" b="1" dirty="0"/>
+              <a:t> (°)</a:t>
+            </a:r>
+          </a:p>
+        </p:txBody>
+      </p:sp>
       <p:pic>
         <p:nvPicPr>
           <p:cNvPr id="15" name="Picture 14" descr="A blue and white logo&#10;&#10;Description automatically generated">
@@ -6947,10 +12522,10 @@
       </p:pic>
       <p:sp>
         <p:nvSpPr>
-          <p:cNvPr id="2" name="TextBox 1">
-            <a:extLst>
-              <a:ext uri="{FF2B5EF4-FFF2-40B4-BE49-F238E27FC236}">
-                <a16:creationId xmlns:a16="http://schemas.microsoft.com/office/drawing/2014/main" id="{A16A756F-7D09-52EE-CD05-3CF4139DC46D}"/>
+          <p:cNvPr id="22" name="TextBox 21">
+            <a:extLst>
+              <a:ext uri="{FF2B5EF4-FFF2-40B4-BE49-F238E27FC236}">
+                <a16:creationId xmlns:a16="http://schemas.microsoft.com/office/drawing/2014/main" id="{8CF4B406-EA7E-B37B-213A-A8308F8FC216}"/>
               </a:ext>
             </a:extLst>
           </p:cNvPr>
@@ -6959,8 +12534,8 @@
         </p:nvSpPr>
         <p:spPr>
           <a:xfrm>
-            <a:off x="2547817" y="2921167"/>
-            <a:ext cx="7096366" cy="1015663"/>
+            <a:off x="301732" y="5022218"/>
+            <a:ext cx="1483098" cy="369332"/>
           </a:xfrm>
           <a:prstGeom prst="rect">
             <a:avLst/>
@@ -6974,29 +12549,189 @@
           <a:lstStyle/>
           <a:p>
             <a:r>
-              <a:rPr lang="en-GB" sz="6000" b="1" dirty="0">
-                <a:latin typeface="+mj-lt"/>
-              </a:rPr>
-              <a:t>Grazie per </a:t>
-            </a:r>
-            <a:r>
-              <a:rPr lang="en-GB" sz="6000" b="1" dirty="0" err="1">
-                <a:latin typeface="+mj-lt"/>
-              </a:rPr>
-              <a:t>l’attenzione</a:t>
-            </a:r>
-            <a:endParaRPr lang="en-GB" sz="6000" b="1" dirty="0">
-              <a:latin typeface="+mj-lt"/>
-            </a:endParaRPr>
-          </a:p>
-        </p:txBody>
-      </p:sp>
-      <p:sp>
-        <p:nvSpPr>
-          <p:cNvPr id="3" name="TextBox 2">
-            <a:extLst>
-              <a:ext uri="{FF2B5EF4-FFF2-40B4-BE49-F238E27FC236}">
-                <a16:creationId xmlns:a16="http://schemas.microsoft.com/office/drawing/2014/main" id="{C9D28ED9-E95D-507E-FC43-A20B7E08E910}"/>
+              <a:rPr lang="en-GB" dirty="0" err="1"/>
+              <a:t>Descrizione</a:t>
+            </a:r>
+            <a:r>
+              <a:rPr lang="en-GB" dirty="0"/>
+              <a:t>….</a:t>
+            </a:r>
+          </a:p>
+        </p:txBody>
+      </p:sp>
+      <p:pic>
+        <p:nvPicPr>
+          <p:cNvPr id="7" name="Picture 6">
+            <a:extLst>
+              <a:ext uri="{FF2B5EF4-FFF2-40B4-BE49-F238E27FC236}">
+                <a16:creationId xmlns:a16="http://schemas.microsoft.com/office/drawing/2014/main" id="{617CF344-A06A-DCAA-A74A-F3D9BBA32679}"/>
+              </a:ext>
+            </a:extLst>
+          </p:cNvPr>
+          <p:cNvPicPr>
+            <a:picLocks noChangeAspect="1"/>
+          </p:cNvPicPr>
+          <p:nvPr/>
+        </p:nvPicPr>
+        <p:blipFill>
+          <a:blip r:embed="rId5"/>
+          <a:stretch>
+            <a:fillRect/>
+          </a:stretch>
+        </p:blipFill>
+        <p:spPr>
+          <a:xfrm>
+            <a:off x="2955510" y="1028077"/>
+            <a:ext cx="6284643" cy="3821394"/>
+          </a:xfrm>
+          <a:prstGeom prst="rect">
+            <a:avLst/>
+          </a:prstGeom>
+        </p:spPr>
+      </p:pic>
+    </p:spTree>
+    <p:extLst>
+      <p:ext uri="{BB962C8B-B14F-4D97-AF65-F5344CB8AC3E}">
+        <p14:creationId xmlns:p14="http://schemas.microsoft.com/office/powerpoint/2010/main" val="2556038533"/>
+      </p:ext>
+    </p:extLst>
+  </p:cSld>
+  <p:clrMapOvr>
+    <a:overrideClrMapping bg1="dk1" tx1="lt1" bg2="dk2" tx2="lt2" accent1="accent1" accent2="accent2" accent3="accent3" accent4="accent4" accent5="accent5" accent6="accent6" hlink="hlink" folHlink="folHlink"/>
+  </p:clrMapOvr>
+</p:sld>
+</file>
+
+<file path=ppt/slides/slide8.xml><?xml version="1.0" encoding="utf-8"?>
+<p:sld xmlns:a="http://schemas.openxmlformats.org/drawingml/2006/main" xmlns:r="http://schemas.openxmlformats.org/officeDocument/2006/relationships" xmlns:p="http://schemas.openxmlformats.org/presentationml/2006/main">
+  <p:cSld>
+    <p:bg>
+      <p:bgPr>
+        <a:solidFill>
+          <a:srgbClr val="000000"/>
+        </a:solidFill>
+        <a:effectLst/>
+      </p:bgPr>
+    </p:bg>
+    <p:spTree>
+      <p:nvGrpSpPr>
+        <p:cNvPr id="1" name=""/>
+        <p:cNvGrpSpPr/>
+        <p:nvPr/>
+      </p:nvGrpSpPr>
+      <p:grpSpPr>
+        <a:xfrm>
+          <a:off x="0" y="0"/>
+          <a:ext cx="0" cy="0"/>
+          <a:chOff x="0" y="0"/>
+          <a:chExt cx="0" cy="0"/>
+        </a:xfrm>
+      </p:grpSpPr>
+      <p:sp>
+        <p:nvSpPr>
+          <p:cNvPr id="10" name="Rectangle 9">
+            <a:extLst>
+              <a:ext uri="{FF2B5EF4-FFF2-40B4-BE49-F238E27FC236}">
+                <a16:creationId xmlns:a16="http://schemas.microsoft.com/office/drawing/2014/main" id="{71B2258F-86CA-4D4D-8270-BC05FCDEBFB3}"/>
+              </a:ext>
+              <a:ext uri="{C183D7F6-B498-43B3-948B-1728B52AA6E4}">
+                <adec:decorative xmlns:adec="http://schemas.microsoft.com/office/drawing/2017/decorative" val="1"/>
+              </a:ext>
+            </a:extLst>
+          </p:cNvPr>
+          <p:cNvSpPr>
+            <a:spLocks noGrp="1" noRot="1" noChangeAspect="1" noMove="1" noResize="1" noEditPoints="1" noAdjustHandles="1" noChangeArrowheads="1" noChangeShapeType="1" noTextEdit="1"/>
+          </p:cNvSpPr>
+          <p:nvPr>
+            <p:extLst>
+              <p:ext uri="{386F3935-93C4-4BCD-93E2-E3B085C9AB24}">
+                <p16:designElem xmlns:p16="http://schemas.microsoft.com/office/powerpoint/2015/main" val="1"/>
+              </p:ext>
+            </p:extLst>
+          </p:nvPr>
+        </p:nvSpPr>
+        <p:spPr>
+          <a:xfrm>
+            <a:off x="0" y="0"/>
+            <a:ext cx="12192000" cy="6857999"/>
+          </a:xfrm>
+          <a:prstGeom prst="rect">
+            <a:avLst/>
+          </a:prstGeom>
+          <a:solidFill>
+            <a:srgbClr val="000000"/>
+          </a:solidFill>
+          <a:ln>
+            <a:noFill/>
+          </a:ln>
+        </p:spPr>
+        <p:style>
+          <a:lnRef idx="2">
+            <a:schemeClr val="accent1">
+              <a:shade val="50000"/>
+            </a:schemeClr>
+          </a:lnRef>
+          <a:fillRef idx="1">
+            <a:schemeClr val="accent1"/>
+          </a:fillRef>
+          <a:effectRef idx="0">
+            <a:schemeClr val="accent1"/>
+          </a:effectRef>
+          <a:fontRef idx="minor">
+            <a:schemeClr val="lt1"/>
+          </a:fontRef>
+        </p:style>
+        <p:txBody>
+          <a:bodyPr rtlCol="0" anchor="ctr"/>
+          <a:lstStyle/>
+          <a:p>
+            <a:pPr algn="ctr"/>
+            <a:endParaRPr lang="en-US"/>
+          </a:p>
+        </p:txBody>
+      </p:sp>
+      <p:pic>
+        <p:nvPicPr>
+          <p:cNvPr id="5" name="Picture 4" descr="A galaxy in the sky&#10;&#10;Description automatically generated with medium confidence">
+            <a:extLst>
+              <a:ext uri="{FF2B5EF4-FFF2-40B4-BE49-F238E27FC236}">
+                <a16:creationId xmlns:a16="http://schemas.microsoft.com/office/drawing/2014/main" id="{B0F90A88-2372-3D69-96D2-BB8F636DDE9E}"/>
+              </a:ext>
+            </a:extLst>
+          </p:cNvPr>
+          <p:cNvPicPr>
+            <a:picLocks noChangeAspect="1"/>
+          </p:cNvPicPr>
+          <p:nvPr/>
+        </p:nvPicPr>
+        <p:blipFill rotWithShape="1">
+          <a:blip r:embed="rId3">
+            <a:alphaModFix amt="50000"/>
+            <a:extLst>
+              <a:ext uri="{28A0092B-C50C-407E-A947-70E740481C1C}">
+                <a14:useLocalDpi xmlns:a14="http://schemas.microsoft.com/office/drawing/2010/main" val="0"/>
+              </a:ext>
+            </a:extLst>
+          </a:blip>
+          <a:srcRect/>
+          <a:stretch/>
+        </p:blipFill>
+        <p:spPr>
+          <a:xfrm>
+            <a:off x="0" y="0"/>
+            <a:ext cx="12192000" cy="6858000"/>
+          </a:xfrm>
+          <a:prstGeom prst="rect">
+            <a:avLst/>
+          </a:prstGeom>
+        </p:spPr>
+      </p:pic>
+      <p:sp>
+        <p:nvSpPr>
+          <p:cNvPr id="9" name="TextBox 8">
+            <a:extLst>
+              <a:ext uri="{FF2B5EF4-FFF2-40B4-BE49-F238E27FC236}">
+                <a16:creationId xmlns:a16="http://schemas.microsoft.com/office/drawing/2014/main" id="{7DCA9D16-5034-279C-FF1F-96C45AF4B68F}"/>
               </a:ext>
             </a:extLst>
           </p:cNvPr>
@@ -7005,8 +12740,8 @@
         </p:nvSpPr>
         <p:spPr>
           <a:xfrm>
-            <a:off x="228600" y="6350169"/>
-            <a:ext cx="5733429" cy="338554"/>
+            <a:off x="301732" y="293576"/>
+            <a:ext cx="5943620" cy="523220"/>
           </a:xfrm>
           <a:prstGeom prst="rect">
             <a:avLst/>
@@ -7014,42 +12749,436 @@
           <a:noFill/>
         </p:spPr>
         <p:txBody>
+          <a:bodyPr wrap="square" rtlCol="0">
+            <a:spAutoFit/>
+          </a:bodyPr>
+          <a:lstStyle/>
+          <a:p>
+            <a:r>
+              <a:rPr lang="en-GB" sz="2800" b="1" dirty="0" err="1"/>
+              <a:t>Inquinamento</a:t>
+            </a:r>
+            <a:r>
+              <a:rPr lang="en-GB" sz="2800" b="1" dirty="0"/>
+              <a:t> Luminoso (Scala </a:t>
+            </a:r>
+            <a:r>
+              <a:rPr lang="en-GB" sz="2800" b="1" dirty="0" err="1"/>
+              <a:t>Bortle</a:t>
+            </a:r>
+            <a:r>
+              <a:rPr lang="en-GB" sz="2800" b="1" dirty="0"/>
+              <a:t>)</a:t>
+            </a:r>
+          </a:p>
+        </p:txBody>
+      </p:sp>
+      <p:pic>
+        <p:nvPicPr>
+          <p:cNvPr id="15" name="Picture 14" descr="A blue and white logo&#10;&#10;Description automatically generated">
+            <a:extLst>
+              <a:ext uri="{FF2B5EF4-FFF2-40B4-BE49-F238E27FC236}">
+                <a16:creationId xmlns:a16="http://schemas.microsoft.com/office/drawing/2014/main" id="{6A2D2119-B5CD-B2DE-2CB9-9300E3B94F14}"/>
+              </a:ext>
+            </a:extLst>
+          </p:cNvPr>
+          <p:cNvPicPr>
+            <a:picLocks noChangeAspect="1"/>
+          </p:cNvPicPr>
+          <p:nvPr/>
+        </p:nvPicPr>
+        <p:blipFill>
+          <a:blip r:embed="rId4">
+            <a:extLst>
+              <a:ext uri="{28A0092B-C50C-407E-A947-70E740481C1C}">
+                <a14:useLocalDpi xmlns:a14="http://schemas.microsoft.com/office/drawing/2010/main" val="0"/>
+              </a:ext>
+            </a:extLst>
+          </a:blip>
+          <a:stretch>
+            <a:fillRect/>
+          </a:stretch>
+        </p:blipFill>
+        <p:spPr>
+          <a:xfrm>
+            <a:off x="10585151" y="264938"/>
+            <a:ext cx="1305117" cy="1098396"/>
+          </a:xfrm>
+          <a:prstGeom prst="rect">
+            <a:avLst/>
+          </a:prstGeom>
+        </p:spPr>
+      </p:pic>
+      <p:sp>
+        <p:nvSpPr>
+          <p:cNvPr id="22" name="TextBox 21">
+            <a:extLst>
+              <a:ext uri="{FF2B5EF4-FFF2-40B4-BE49-F238E27FC236}">
+                <a16:creationId xmlns:a16="http://schemas.microsoft.com/office/drawing/2014/main" id="{8CF4B406-EA7E-B37B-213A-A8308F8FC216}"/>
+              </a:ext>
+            </a:extLst>
+          </p:cNvPr>
+          <p:cNvSpPr txBox="1"/>
+          <p:nvPr/>
+        </p:nvSpPr>
+        <p:spPr>
+          <a:xfrm>
+            <a:off x="301732" y="5022218"/>
+            <a:ext cx="1483098" cy="369332"/>
+          </a:xfrm>
+          <a:prstGeom prst="rect">
+            <a:avLst/>
+          </a:prstGeom>
+          <a:noFill/>
+        </p:spPr>
+        <p:txBody>
           <a:bodyPr wrap="none" rtlCol="0">
             <a:spAutoFit/>
           </a:bodyPr>
           <a:lstStyle/>
           <a:p>
             <a:r>
-              <a:rPr lang="en-GB" sz="1600" dirty="0" err="1"/>
-              <a:t>Autori</a:t>
-            </a:r>
-            <a:r>
-              <a:rPr lang="en-GB" sz="1600" dirty="0"/>
-              <a:t> del </a:t>
-            </a:r>
-            <a:r>
-              <a:rPr lang="en-GB" sz="1600" dirty="0" err="1"/>
-              <a:t>progetto</a:t>
-            </a:r>
-            <a:r>
-              <a:rPr lang="en-GB" sz="1600" dirty="0"/>
-              <a:t>: Riccardo </a:t>
-            </a:r>
-            <a:r>
-              <a:rPr lang="en-GB" sz="1600" dirty="0" err="1"/>
-              <a:t>Polacchi</a:t>
-            </a:r>
-            <a:r>
-              <a:rPr lang="en-GB" sz="1600" dirty="0"/>
-              <a:t> &amp; Ignazio Emanuele Piccichè</a:t>
-            </a:r>
-          </a:p>
-        </p:txBody>
-      </p:sp>
+              <a:rPr lang="en-GB" dirty="0" err="1"/>
+              <a:t>Descrizione</a:t>
+            </a:r>
+            <a:r>
+              <a:rPr lang="en-GB" dirty="0"/>
+              <a:t>….</a:t>
+            </a:r>
+          </a:p>
+        </p:txBody>
+      </p:sp>
+      <p:pic>
+        <p:nvPicPr>
+          <p:cNvPr id="4" name="Picture 3">
+            <a:extLst>
+              <a:ext uri="{FF2B5EF4-FFF2-40B4-BE49-F238E27FC236}">
+                <a16:creationId xmlns:a16="http://schemas.microsoft.com/office/drawing/2014/main" id="{9BF51828-B3D8-8E82-A4F3-CB61A789BBE7}"/>
+              </a:ext>
+            </a:extLst>
+          </p:cNvPr>
+          <p:cNvPicPr>
+            <a:picLocks noChangeAspect="1"/>
+          </p:cNvPicPr>
+          <p:nvPr/>
+        </p:nvPicPr>
+        <p:blipFill>
+          <a:blip r:embed="rId5"/>
+          <a:stretch>
+            <a:fillRect/>
+          </a:stretch>
+        </p:blipFill>
+        <p:spPr>
+          <a:xfrm>
+            <a:off x="2951847" y="1034258"/>
+            <a:ext cx="6284643" cy="3809031"/>
+          </a:xfrm>
+          <a:prstGeom prst="rect">
+            <a:avLst/>
+          </a:prstGeom>
+        </p:spPr>
+      </p:pic>
     </p:spTree>
     <p:extLst>
       <p:ext uri="{BB962C8B-B14F-4D97-AF65-F5344CB8AC3E}">
-        <p14:creationId xmlns:p14="http://schemas.microsoft.com/office/powerpoint/2010/main" val="2438667681"/>
+        <p14:creationId xmlns:p14="http://schemas.microsoft.com/office/powerpoint/2010/main" val="3966135989"/>
+      </p:ext>
+    </p:extLst>
+  </p:cSld>
+  <p:clrMapOvr>
+    <a:overrideClrMapping bg1="dk1" tx1="lt1" bg2="dk2" tx2="lt2" accent1="accent1" accent2="accent2" accent3="accent3" accent4="accent4" accent5="accent5" accent6="accent6" hlink="hlink" folHlink="folHlink"/>
+  </p:clrMapOvr>
+</p:sld>
+</file>
+
+<file path=ppt/slides/slide9.xml><?xml version="1.0" encoding="utf-8"?>
+<p:sld xmlns:a="http://schemas.openxmlformats.org/drawingml/2006/main" xmlns:r="http://schemas.openxmlformats.org/officeDocument/2006/relationships" xmlns:p="http://schemas.openxmlformats.org/presentationml/2006/main">
+  <p:cSld>
+    <p:bg>
+      <p:bgPr>
+        <a:solidFill>
+          <a:srgbClr val="000000"/>
+        </a:solidFill>
+        <a:effectLst/>
+      </p:bgPr>
+    </p:bg>
+    <p:spTree>
+      <p:nvGrpSpPr>
+        <p:cNvPr id="1" name=""/>
+        <p:cNvGrpSpPr/>
+        <p:nvPr/>
+      </p:nvGrpSpPr>
+      <p:grpSpPr>
+        <a:xfrm>
+          <a:off x="0" y="0"/>
+          <a:ext cx="0" cy="0"/>
+          <a:chOff x="0" y="0"/>
+          <a:chExt cx="0" cy="0"/>
+        </a:xfrm>
+      </p:grpSpPr>
+      <p:sp>
+        <p:nvSpPr>
+          <p:cNvPr id="10" name="Rectangle 9">
+            <a:extLst>
+              <a:ext uri="{FF2B5EF4-FFF2-40B4-BE49-F238E27FC236}">
+                <a16:creationId xmlns:a16="http://schemas.microsoft.com/office/drawing/2014/main" id="{71B2258F-86CA-4D4D-8270-BC05FCDEBFB3}"/>
+              </a:ext>
+              <a:ext uri="{C183D7F6-B498-43B3-948B-1728B52AA6E4}">
+                <adec:decorative xmlns:adec="http://schemas.microsoft.com/office/drawing/2017/decorative" val="1"/>
+              </a:ext>
+            </a:extLst>
+          </p:cNvPr>
+          <p:cNvSpPr>
+            <a:spLocks noGrp="1" noRot="1" noChangeAspect="1" noMove="1" noResize="1" noEditPoints="1" noAdjustHandles="1" noChangeArrowheads="1" noChangeShapeType="1" noTextEdit="1"/>
+          </p:cNvSpPr>
+          <p:nvPr>
+            <p:extLst>
+              <p:ext uri="{386F3935-93C4-4BCD-93E2-E3B085C9AB24}">
+                <p16:designElem xmlns:p16="http://schemas.microsoft.com/office/powerpoint/2015/main" val="1"/>
+              </p:ext>
+            </p:extLst>
+          </p:nvPr>
+        </p:nvSpPr>
+        <p:spPr>
+          <a:xfrm>
+            <a:off x="0" y="0"/>
+            <a:ext cx="12192000" cy="6857999"/>
+          </a:xfrm>
+          <a:prstGeom prst="rect">
+            <a:avLst/>
+          </a:prstGeom>
+          <a:solidFill>
+            <a:srgbClr val="000000"/>
+          </a:solidFill>
+          <a:ln>
+            <a:noFill/>
+          </a:ln>
+        </p:spPr>
+        <p:style>
+          <a:lnRef idx="2">
+            <a:schemeClr val="accent1">
+              <a:shade val="50000"/>
+            </a:schemeClr>
+          </a:lnRef>
+          <a:fillRef idx="1">
+            <a:schemeClr val="accent1"/>
+          </a:fillRef>
+          <a:effectRef idx="0">
+            <a:schemeClr val="accent1"/>
+          </a:effectRef>
+          <a:fontRef idx="minor">
+            <a:schemeClr val="lt1"/>
+          </a:fontRef>
+        </p:style>
+        <p:txBody>
+          <a:bodyPr rtlCol="0" anchor="ctr"/>
+          <a:lstStyle/>
+          <a:p>
+            <a:pPr algn="ctr"/>
+            <a:endParaRPr lang="en-US"/>
+          </a:p>
+        </p:txBody>
+      </p:sp>
+      <p:pic>
+        <p:nvPicPr>
+          <p:cNvPr id="5" name="Picture 4" descr="A galaxy in the sky&#10;&#10;Description automatically generated with medium confidence">
+            <a:extLst>
+              <a:ext uri="{FF2B5EF4-FFF2-40B4-BE49-F238E27FC236}">
+                <a16:creationId xmlns:a16="http://schemas.microsoft.com/office/drawing/2014/main" id="{B0F90A88-2372-3D69-96D2-BB8F636DDE9E}"/>
+              </a:ext>
+            </a:extLst>
+          </p:cNvPr>
+          <p:cNvPicPr>
+            <a:picLocks noChangeAspect="1"/>
+          </p:cNvPicPr>
+          <p:nvPr/>
+        </p:nvPicPr>
+        <p:blipFill rotWithShape="1">
+          <a:blip r:embed="rId3">
+            <a:alphaModFix amt="50000"/>
+            <a:extLst>
+              <a:ext uri="{28A0092B-C50C-407E-A947-70E740481C1C}">
+                <a14:useLocalDpi xmlns:a14="http://schemas.microsoft.com/office/drawing/2010/main" val="0"/>
+              </a:ext>
+            </a:extLst>
+          </a:blip>
+          <a:srcRect/>
+          <a:stretch/>
+        </p:blipFill>
+        <p:spPr>
+          <a:xfrm>
+            <a:off x="0" y="0"/>
+            <a:ext cx="12192000" cy="6858000"/>
+          </a:xfrm>
+          <a:prstGeom prst="rect">
+            <a:avLst/>
+          </a:prstGeom>
+        </p:spPr>
+      </p:pic>
+      <p:sp>
+        <p:nvSpPr>
+          <p:cNvPr id="9" name="TextBox 8">
+            <a:extLst>
+              <a:ext uri="{FF2B5EF4-FFF2-40B4-BE49-F238E27FC236}">
+                <a16:creationId xmlns:a16="http://schemas.microsoft.com/office/drawing/2014/main" id="{7DCA9D16-5034-279C-FF1F-96C45AF4B68F}"/>
+              </a:ext>
+            </a:extLst>
+          </p:cNvPr>
+          <p:cNvSpPr txBox="1"/>
+          <p:nvPr/>
+        </p:nvSpPr>
+        <p:spPr>
+          <a:xfrm>
+            <a:off x="301732" y="293576"/>
+            <a:ext cx="5943620" cy="523220"/>
+          </a:xfrm>
+          <a:prstGeom prst="rect">
+            <a:avLst/>
+          </a:prstGeom>
+          <a:noFill/>
+        </p:spPr>
+        <p:txBody>
+          <a:bodyPr wrap="square" rtlCol="0">
+            <a:spAutoFit/>
+          </a:bodyPr>
+          <a:lstStyle/>
+          <a:p>
+            <a:r>
+              <a:rPr lang="en-GB" sz="2800" b="1" dirty="0" err="1"/>
+              <a:t>Altitudine</a:t>
+            </a:r>
+            <a:r>
+              <a:rPr lang="en-GB" sz="2800" b="1" dirty="0"/>
+              <a:t> del </a:t>
+            </a:r>
+            <a:r>
+              <a:rPr lang="en-GB" sz="2800" b="1" dirty="0" err="1"/>
+              <a:t>fotografo</a:t>
+            </a:r>
+            <a:r>
+              <a:rPr lang="en-GB" sz="2800" b="1" dirty="0"/>
+              <a:t> (</a:t>
+            </a:r>
+            <a:r>
+              <a:rPr lang="en-GB" sz="2800" b="1" dirty="0" err="1"/>
+              <a:t>metri</a:t>
+            </a:r>
+            <a:r>
+              <a:rPr lang="en-GB" sz="2800" b="1" dirty="0"/>
+              <a:t>)</a:t>
+            </a:r>
+          </a:p>
+        </p:txBody>
+      </p:sp>
+      <p:pic>
+        <p:nvPicPr>
+          <p:cNvPr id="15" name="Picture 14" descr="A blue and white logo&#10;&#10;Description automatically generated">
+            <a:extLst>
+              <a:ext uri="{FF2B5EF4-FFF2-40B4-BE49-F238E27FC236}">
+                <a16:creationId xmlns:a16="http://schemas.microsoft.com/office/drawing/2014/main" id="{6A2D2119-B5CD-B2DE-2CB9-9300E3B94F14}"/>
+              </a:ext>
+            </a:extLst>
+          </p:cNvPr>
+          <p:cNvPicPr>
+            <a:picLocks noChangeAspect="1"/>
+          </p:cNvPicPr>
+          <p:nvPr/>
+        </p:nvPicPr>
+        <p:blipFill>
+          <a:blip r:embed="rId4">
+            <a:extLst>
+              <a:ext uri="{28A0092B-C50C-407E-A947-70E740481C1C}">
+                <a14:useLocalDpi xmlns:a14="http://schemas.microsoft.com/office/drawing/2010/main" val="0"/>
+              </a:ext>
+            </a:extLst>
+          </a:blip>
+          <a:stretch>
+            <a:fillRect/>
+          </a:stretch>
+        </p:blipFill>
+        <p:spPr>
+          <a:xfrm>
+            <a:off x="10585151" y="264938"/>
+            <a:ext cx="1305117" cy="1098396"/>
+          </a:xfrm>
+          <a:prstGeom prst="rect">
+            <a:avLst/>
+          </a:prstGeom>
+        </p:spPr>
+      </p:pic>
+      <p:sp>
+        <p:nvSpPr>
+          <p:cNvPr id="22" name="TextBox 21">
+            <a:extLst>
+              <a:ext uri="{FF2B5EF4-FFF2-40B4-BE49-F238E27FC236}">
+                <a16:creationId xmlns:a16="http://schemas.microsoft.com/office/drawing/2014/main" id="{8CF4B406-EA7E-B37B-213A-A8308F8FC216}"/>
+              </a:ext>
+            </a:extLst>
+          </p:cNvPr>
+          <p:cNvSpPr txBox="1"/>
+          <p:nvPr/>
+        </p:nvSpPr>
+        <p:spPr>
+          <a:xfrm>
+            <a:off x="301732" y="5022218"/>
+            <a:ext cx="1483098" cy="369332"/>
+          </a:xfrm>
+          <a:prstGeom prst="rect">
+            <a:avLst/>
+          </a:prstGeom>
+          <a:noFill/>
+        </p:spPr>
+        <p:txBody>
+          <a:bodyPr wrap="none" rtlCol="0">
+            <a:spAutoFit/>
+          </a:bodyPr>
+          <a:lstStyle/>
+          <a:p>
+            <a:r>
+              <a:rPr lang="en-GB" dirty="0" err="1"/>
+              <a:t>Descrizione</a:t>
+            </a:r>
+            <a:r>
+              <a:rPr lang="en-GB" dirty="0"/>
+              <a:t>….</a:t>
+            </a:r>
+          </a:p>
+        </p:txBody>
+      </p:sp>
+      <p:pic>
+        <p:nvPicPr>
+          <p:cNvPr id="6" name="Picture 5">
+            <a:extLst>
+              <a:ext uri="{FF2B5EF4-FFF2-40B4-BE49-F238E27FC236}">
+                <a16:creationId xmlns:a16="http://schemas.microsoft.com/office/drawing/2014/main" id="{1EF4F6C7-0610-01F2-CF86-8CA9370A5B2B}"/>
+              </a:ext>
+            </a:extLst>
+          </p:cNvPr>
+          <p:cNvPicPr>
+            <a:picLocks noChangeAspect="1"/>
+          </p:cNvPicPr>
+          <p:nvPr/>
+        </p:nvPicPr>
+        <p:blipFill>
+          <a:blip r:embed="rId5"/>
+          <a:stretch>
+            <a:fillRect/>
+          </a:stretch>
+        </p:blipFill>
+        <p:spPr>
+          <a:xfrm>
+            <a:off x="2951127" y="1068089"/>
+            <a:ext cx="6277974" cy="3741368"/>
+          </a:xfrm>
+          <a:prstGeom prst="rect">
+            <a:avLst/>
+          </a:prstGeom>
+        </p:spPr>
+      </p:pic>
+    </p:spTree>
+    <p:extLst>
+      <p:ext uri="{BB962C8B-B14F-4D97-AF65-F5344CB8AC3E}">
+        <p14:creationId xmlns:p14="http://schemas.microsoft.com/office/powerpoint/2010/main" val="3547871776"/>
       </p:ext>
     </p:extLst>
   </p:cSld>

--- a/AstrofotografiaProgetto.pptx
+++ b/AstrofotografiaProgetto.pptx
@@ -3080,7 +3080,7 @@
           <a:p>
             <a:fld id="{8079EB34-2BA9-48D9-89DB-E07D4D160F28}" type="datetimeFigureOut">
               <a:rPr lang="en-GB" smtClean="0"/>
-              <a:t>11/12/2023</a:t>
+              <a:t>12/12/2023</a:t>
             </a:fld>
             <a:endParaRPr lang="en-GB"/>
           </a:p>
@@ -3239,7 +3239,7 @@
           <a:p>
             <a:fld id="{21590A60-A07C-46F9-8B65-B35F273389B3}" type="slidenum">
               <a:rPr lang="en-GB" smtClean="0"/>
-              <a:t>‹#›</a:t>
+              <a:t>‹N›</a:t>
             </a:fld>
             <a:endParaRPr lang="en-GB"/>
           </a:p>
@@ -4589,7 +4589,7 @@
           <a:p>
             <a:fld id="{CAC63E38-649A-49AF-B7E7-48430D44A5AD}" type="datetimeFigureOut">
               <a:rPr lang="en-GB" smtClean="0"/>
-              <a:t>11/12/2023</a:t>
+              <a:t>12/12/2023</a:t>
             </a:fld>
             <a:endParaRPr lang="en-GB"/>
           </a:p>
@@ -4643,7 +4643,7 @@
           <a:p>
             <a:fld id="{FEFDB88F-100D-4711-A891-FAA8E52A6A31}" type="slidenum">
               <a:rPr lang="en-GB" smtClean="0"/>
-              <a:t>‹#›</a:t>
+              <a:t>‹N›</a:t>
             </a:fld>
             <a:endParaRPr lang="en-GB"/>
           </a:p>
@@ -4789,7 +4789,7 @@
           <a:p>
             <a:fld id="{CAC63E38-649A-49AF-B7E7-48430D44A5AD}" type="datetimeFigureOut">
               <a:rPr lang="en-GB" smtClean="0"/>
-              <a:t>11/12/2023</a:t>
+              <a:t>12/12/2023</a:t>
             </a:fld>
             <a:endParaRPr lang="en-GB"/>
           </a:p>
@@ -4843,7 +4843,7 @@
           <a:p>
             <a:fld id="{FEFDB88F-100D-4711-A891-FAA8E52A6A31}" type="slidenum">
               <a:rPr lang="en-GB" smtClean="0"/>
-              <a:t>‹#›</a:t>
+              <a:t>‹N›</a:t>
             </a:fld>
             <a:endParaRPr lang="en-GB"/>
           </a:p>
@@ -4999,7 +4999,7 @@
           <a:p>
             <a:fld id="{CAC63E38-649A-49AF-B7E7-48430D44A5AD}" type="datetimeFigureOut">
               <a:rPr lang="en-GB" smtClean="0"/>
-              <a:t>11/12/2023</a:t>
+              <a:t>12/12/2023</a:t>
             </a:fld>
             <a:endParaRPr lang="en-GB"/>
           </a:p>
@@ -5053,7 +5053,7 @@
           <a:p>
             <a:fld id="{FEFDB88F-100D-4711-A891-FAA8E52A6A31}" type="slidenum">
               <a:rPr lang="en-GB" smtClean="0"/>
-              <a:t>‹#›</a:t>
+              <a:t>‹N›</a:t>
             </a:fld>
             <a:endParaRPr lang="en-GB"/>
           </a:p>
@@ -5199,7 +5199,7 @@
           <a:p>
             <a:fld id="{CAC63E38-649A-49AF-B7E7-48430D44A5AD}" type="datetimeFigureOut">
               <a:rPr lang="en-GB" smtClean="0"/>
-              <a:t>11/12/2023</a:t>
+              <a:t>12/12/2023</a:t>
             </a:fld>
             <a:endParaRPr lang="en-GB"/>
           </a:p>
@@ -5253,7 +5253,7 @@
           <a:p>
             <a:fld id="{FEFDB88F-100D-4711-A891-FAA8E52A6A31}" type="slidenum">
               <a:rPr lang="en-GB" smtClean="0"/>
-              <a:t>‹#›</a:t>
+              <a:t>‹N›</a:t>
             </a:fld>
             <a:endParaRPr lang="en-GB"/>
           </a:p>
@@ -5475,7 +5475,7 @@
           <a:p>
             <a:fld id="{CAC63E38-649A-49AF-B7E7-48430D44A5AD}" type="datetimeFigureOut">
               <a:rPr lang="en-GB" smtClean="0"/>
-              <a:t>11/12/2023</a:t>
+              <a:t>12/12/2023</a:t>
             </a:fld>
             <a:endParaRPr lang="en-GB"/>
           </a:p>
@@ -5529,7 +5529,7 @@
           <a:p>
             <a:fld id="{FEFDB88F-100D-4711-A891-FAA8E52A6A31}" type="slidenum">
               <a:rPr lang="en-GB" smtClean="0"/>
-              <a:t>‹#›</a:t>
+              <a:t>‹N›</a:t>
             </a:fld>
             <a:endParaRPr lang="en-GB"/>
           </a:p>
@@ -5743,7 +5743,7 @@
           <a:p>
             <a:fld id="{CAC63E38-649A-49AF-B7E7-48430D44A5AD}" type="datetimeFigureOut">
               <a:rPr lang="en-GB" smtClean="0"/>
-              <a:t>11/12/2023</a:t>
+              <a:t>12/12/2023</a:t>
             </a:fld>
             <a:endParaRPr lang="en-GB"/>
           </a:p>
@@ -5797,7 +5797,7 @@
           <a:p>
             <a:fld id="{FEFDB88F-100D-4711-A891-FAA8E52A6A31}" type="slidenum">
               <a:rPr lang="en-GB" smtClean="0"/>
-              <a:t>‹#›</a:t>
+              <a:t>‹N›</a:t>
             </a:fld>
             <a:endParaRPr lang="en-GB"/>
           </a:p>
@@ -6158,7 +6158,7 @@
           <a:p>
             <a:fld id="{CAC63E38-649A-49AF-B7E7-48430D44A5AD}" type="datetimeFigureOut">
               <a:rPr lang="en-GB" smtClean="0"/>
-              <a:t>11/12/2023</a:t>
+              <a:t>12/12/2023</a:t>
             </a:fld>
             <a:endParaRPr lang="en-GB"/>
           </a:p>
@@ -6212,7 +6212,7 @@
           <a:p>
             <a:fld id="{FEFDB88F-100D-4711-A891-FAA8E52A6A31}" type="slidenum">
               <a:rPr lang="en-GB" smtClean="0"/>
-              <a:t>‹#›</a:t>
+              <a:t>‹N›</a:t>
             </a:fld>
             <a:endParaRPr lang="en-GB"/>
           </a:p>
@@ -6300,7 +6300,7 @@
           <a:p>
             <a:fld id="{CAC63E38-649A-49AF-B7E7-48430D44A5AD}" type="datetimeFigureOut">
               <a:rPr lang="en-GB" smtClean="0"/>
-              <a:t>11/12/2023</a:t>
+              <a:t>12/12/2023</a:t>
             </a:fld>
             <a:endParaRPr lang="en-GB"/>
           </a:p>
@@ -6354,7 +6354,7 @@
           <a:p>
             <a:fld id="{FEFDB88F-100D-4711-A891-FAA8E52A6A31}" type="slidenum">
               <a:rPr lang="en-GB" smtClean="0"/>
-              <a:t>‹#›</a:t>
+              <a:t>‹N›</a:t>
             </a:fld>
             <a:endParaRPr lang="en-GB"/>
           </a:p>
@@ -6413,7 +6413,7 @@
           <a:p>
             <a:fld id="{CAC63E38-649A-49AF-B7E7-48430D44A5AD}" type="datetimeFigureOut">
               <a:rPr lang="en-GB" smtClean="0"/>
-              <a:t>11/12/2023</a:t>
+              <a:t>12/12/2023</a:t>
             </a:fld>
             <a:endParaRPr lang="en-GB"/>
           </a:p>
@@ -6467,7 +6467,7 @@
           <a:p>
             <a:fld id="{FEFDB88F-100D-4711-A891-FAA8E52A6A31}" type="slidenum">
               <a:rPr lang="en-GB" smtClean="0"/>
-              <a:t>‹#›</a:t>
+              <a:t>‹N›</a:t>
             </a:fld>
             <a:endParaRPr lang="en-GB"/>
           </a:p>
@@ -6726,7 +6726,7 @@
           <a:p>
             <a:fld id="{CAC63E38-649A-49AF-B7E7-48430D44A5AD}" type="datetimeFigureOut">
               <a:rPr lang="en-GB" smtClean="0"/>
-              <a:t>11/12/2023</a:t>
+              <a:t>12/12/2023</a:t>
             </a:fld>
             <a:endParaRPr lang="en-GB"/>
           </a:p>
@@ -6780,7 +6780,7 @@
           <a:p>
             <a:fld id="{FEFDB88F-100D-4711-A891-FAA8E52A6A31}" type="slidenum">
               <a:rPr lang="en-GB" smtClean="0"/>
-              <a:t>‹#›</a:t>
+              <a:t>‹N›</a:t>
             </a:fld>
             <a:endParaRPr lang="en-GB"/>
           </a:p>
@@ -7015,7 +7015,7 @@
           <a:p>
             <a:fld id="{CAC63E38-649A-49AF-B7E7-48430D44A5AD}" type="datetimeFigureOut">
               <a:rPr lang="en-GB" smtClean="0"/>
-              <a:t>11/12/2023</a:t>
+              <a:t>12/12/2023</a:t>
             </a:fld>
             <a:endParaRPr lang="en-GB"/>
           </a:p>
@@ -7069,7 +7069,7 @@
           <a:p>
             <a:fld id="{FEFDB88F-100D-4711-A891-FAA8E52A6A31}" type="slidenum">
               <a:rPr lang="en-GB" smtClean="0"/>
-              <a:t>‹#›</a:t>
+              <a:t>‹N›</a:t>
             </a:fld>
             <a:endParaRPr lang="en-GB"/>
           </a:p>
@@ -7258,7 +7258,7 @@
           <a:p>
             <a:fld id="{CAC63E38-649A-49AF-B7E7-48430D44A5AD}" type="datetimeFigureOut">
               <a:rPr lang="en-GB" smtClean="0"/>
-              <a:t>11/12/2023</a:t>
+              <a:t>12/12/2023</a:t>
             </a:fld>
             <a:endParaRPr lang="en-GB"/>
           </a:p>
@@ -7348,7 +7348,7 @@
           <a:p>
             <a:fld id="{FEFDB88F-100D-4711-A891-FAA8E52A6A31}" type="slidenum">
               <a:rPr lang="en-GB" smtClean="0"/>
-              <a:t>‹#›</a:t>
+              <a:t>‹N›</a:t>
             </a:fld>
             <a:endParaRPr lang="en-GB"/>
           </a:p>
@@ -8322,8 +8322,8 @@
         </p:nvSpPr>
         <p:spPr>
           <a:xfrm>
-            <a:off x="301732" y="5022218"/>
-            <a:ext cx="1483098" cy="369332"/>
+            <a:off x="301733" y="5022218"/>
+            <a:ext cx="10833300" cy="1477328"/>
           </a:xfrm>
           <a:prstGeom prst="rect">
             <a:avLst/>
@@ -8331,18 +8331,366 @@
           <a:noFill/>
         </p:spPr>
         <p:txBody>
-          <a:bodyPr wrap="none" rtlCol="0">
+          <a:bodyPr wrap="square" rtlCol="0">
             <a:spAutoFit/>
           </a:bodyPr>
           <a:lstStyle/>
           <a:p>
             <a:r>
+              <a:rPr lang="en-GB" dirty="0"/>
+              <a:t>La </a:t>
+            </a:r>
+            <a:r>
               <a:rPr lang="en-GB" dirty="0" err="1"/>
-              <a:t>Descrizione</a:t>
+              <a:t>turbolenza</a:t>
             </a:r>
             <a:r>
               <a:rPr lang="en-GB" dirty="0"/>
-              <a:t>….</a:t>
+              <a:t> </a:t>
+            </a:r>
+            <a:r>
+              <a:rPr lang="en-GB" dirty="0" err="1"/>
+              <a:t>atmosferica</a:t>
+            </a:r>
+            <a:r>
+              <a:rPr lang="en-GB" dirty="0"/>
+              <a:t> influenza il seeing, ossia </a:t>
+            </a:r>
+            <a:r>
+              <a:rPr lang="en-GB" dirty="0" err="1"/>
+              <a:t>quanto</a:t>
+            </a:r>
+            <a:r>
+              <a:rPr lang="en-GB" dirty="0"/>
+              <a:t> </a:t>
+            </a:r>
+            <a:r>
+              <a:rPr lang="en-GB" dirty="0" err="1"/>
+              <a:t>si</a:t>
+            </a:r>
+            <a:r>
+              <a:rPr lang="en-GB" dirty="0"/>
+              <a:t> </a:t>
+            </a:r>
+            <a:r>
+              <a:rPr lang="en-GB" dirty="0" err="1"/>
+              <a:t>muove</a:t>
+            </a:r>
+            <a:r>
+              <a:rPr lang="en-GB" dirty="0"/>
+              <a:t> </a:t>
+            </a:r>
+            <a:r>
+              <a:rPr lang="en-GB" dirty="0" err="1"/>
+              <a:t>l’aria</a:t>
+            </a:r>
+            <a:r>
+              <a:rPr lang="en-GB" dirty="0"/>
+              <a:t>, </a:t>
+            </a:r>
+            <a:r>
+              <a:rPr lang="en-GB" dirty="0" err="1"/>
+              <a:t>specialmente</a:t>
+            </a:r>
+            <a:r>
+              <a:rPr lang="en-GB" dirty="0"/>
+              <a:t> in </a:t>
+            </a:r>
+            <a:r>
+              <a:rPr lang="en-GB" dirty="0" err="1"/>
+              <a:t>alta</a:t>
+            </a:r>
+            <a:r>
+              <a:rPr lang="en-GB" dirty="0"/>
+              <a:t> quota. </a:t>
+            </a:r>
+            <a:r>
+              <a:rPr lang="en-GB" dirty="0" err="1"/>
+              <a:t>Nell’atmosfera</a:t>
+            </a:r>
+            <a:r>
+              <a:rPr lang="en-GB" dirty="0"/>
+              <a:t> </a:t>
+            </a:r>
+            <a:r>
+              <a:rPr lang="en-GB" dirty="0" err="1"/>
+              <a:t>sono</a:t>
+            </a:r>
+            <a:r>
+              <a:rPr lang="en-GB" dirty="0"/>
+              <a:t> </a:t>
+            </a:r>
+            <a:r>
+              <a:rPr lang="en-GB" dirty="0" err="1"/>
+              <a:t>presenti</a:t>
+            </a:r>
+            <a:r>
+              <a:rPr lang="en-GB" dirty="0"/>
+              <a:t> </a:t>
+            </a:r>
+            <a:r>
+              <a:rPr lang="en-GB" dirty="0" err="1"/>
+              <a:t>infatti</a:t>
+            </a:r>
+            <a:r>
+              <a:rPr lang="en-GB" dirty="0"/>
+              <a:t> </a:t>
+            </a:r>
+            <a:r>
+              <a:rPr lang="en-GB" dirty="0" err="1"/>
+              <a:t>correnti</a:t>
+            </a:r>
+            <a:r>
+              <a:rPr lang="en-GB" dirty="0"/>
+              <a:t> di Jetstream (</a:t>
+            </a:r>
+            <a:r>
+              <a:rPr lang="en-GB" dirty="0" err="1"/>
+              <a:t>misurate</a:t>
+            </a:r>
+            <a:r>
+              <a:rPr lang="en-GB" dirty="0"/>
+              <a:t> in m/s) </a:t>
+            </a:r>
+            <a:r>
+              <a:rPr lang="en-GB" dirty="0" err="1"/>
+              <a:t>che</a:t>
+            </a:r>
+            <a:r>
+              <a:rPr lang="en-GB" dirty="0"/>
+              <a:t> </a:t>
+            </a:r>
+            <a:r>
+              <a:rPr lang="en-GB" dirty="0" err="1"/>
+              <a:t>possono</a:t>
+            </a:r>
+            <a:r>
+              <a:rPr lang="en-GB" dirty="0"/>
+              <a:t> </a:t>
+            </a:r>
+            <a:r>
+              <a:rPr lang="en-GB" dirty="0" err="1"/>
+              <a:t>essere</a:t>
+            </a:r>
+            <a:r>
+              <a:rPr lang="en-GB" dirty="0"/>
+              <a:t> </a:t>
+            </a:r>
+            <a:r>
+              <a:rPr lang="en-GB" dirty="0" err="1"/>
+              <a:t>anche</a:t>
+            </a:r>
+            <a:r>
+              <a:rPr lang="en-GB" dirty="0"/>
+              <a:t> </a:t>
+            </a:r>
+            <a:r>
+              <a:rPr lang="en-GB" dirty="0" err="1"/>
+              <a:t>molto</a:t>
+            </a:r>
+            <a:r>
+              <a:rPr lang="en-GB" dirty="0"/>
+              <a:t> elevate. </a:t>
+            </a:r>
+            <a:r>
+              <a:rPr lang="en-GB" dirty="0" err="1"/>
+              <a:t>Esse</a:t>
+            </a:r>
+            <a:r>
+              <a:rPr lang="en-GB" dirty="0"/>
+              <a:t> </a:t>
+            </a:r>
+            <a:r>
+              <a:rPr lang="en-GB" dirty="0" err="1"/>
+              <a:t>sono</a:t>
+            </a:r>
+            <a:r>
+              <a:rPr lang="en-GB" dirty="0"/>
+              <a:t> poco </a:t>
+            </a:r>
+            <a:r>
+              <a:rPr lang="en-GB" dirty="0" err="1"/>
+              <a:t>visibili</a:t>
+            </a:r>
+            <a:r>
+              <a:rPr lang="en-GB" dirty="0"/>
+              <a:t> a </a:t>
+            </a:r>
+            <a:r>
+              <a:rPr lang="en-GB" dirty="0" err="1"/>
+              <a:t>occhio</a:t>
+            </a:r>
+            <a:r>
+              <a:rPr lang="en-GB" dirty="0"/>
+              <a:t> </a:t>
+            </a:r>
+            <a:r>
+              <a:rPr lang="en-GB" dirty="0" err="1"/>
+              <a:t>nudo</a:t>
+            </a:r>
+            <a:r>
+              <a:rPr lang="en-GB" dirty="0"/>
+              <a:t>, ma </a:t>
+            </a:r>
+            <a:r>
+              <a:rPr lang="en-GB" dirty="0" err="1"/>
+              <a:t>vengono</a:t>
+            </a:r>
+            <a:r>
+              <a:rPr lang="en-GB" dirty="0"/>
+              <a:t> </a:t>
+            </a:r>
+            <a:r>
+              <a:rPr lang="en-GB" dirty="0" err="1"/>
+              <a:t>amplificate</a:t>
+            </a:r>
+            <a:r>
+              <a:rPr lang="en-GB" dirty="0"/>
+              <a:t> dal </a:t>
+            </a:r>
+            <a:r>
+              <a:rPr lang="en-GB" dirty="0" err="1"/>
+              <a:t>telescopio</a:t>
+            </a:r>
+            <a:r>
+              <a:rPr lang="en-GB" dirty="0"/>
+              <a:t>, </a:t>
+            </a:r>
+            <a:r>
+              <a:rPr lang="en-GB" dirty="0" err="1"/>
+              <a:t>che</a:t>
+            </a:r>
+            <a:r>
+              <a:rPr lang="en-GB" dirty="0"/>
+              <a:t> ha un </a:t>
+            </a:r>
+            <a:r>
+              <a:rPr lang="en-GB" dirty="0" err="1"/>
+              <a:t>ampio</a:t>
+            </a:r>
+            <a:r>
+              <a:rPr lang="en-GB" dirty="0"/>
+              <a:t> </a:t>
+            </a:r>
+            <a:r>
+              <a:rPr lang="en-GB" dirty="0" err="1"/>
+              <a:t>diametro</a:t>
+            </a:r>
+            <a:r>
+              <a:rPr lang="en-GB" dirty="0"/>
+              <a:t>, e </a:t>
+            </a:r>
+            <a:r>
+              <a:rPr lang="en-GB" dirty="0" err="1"/>
+              <a:t>fanno</a:t>
+            </a:r>
+            <a:r>
+              <a:rPr lang="en-GB" dirty="0"/>
+              <a:t> </a:t>
+            </a:r>
+            <a:r>
+              <a:rPr lang="en-GB" dirty="0" err="1"/>
+              <a:t>si</a:t>
+            </a:r>
+            <a:r>
+              <a:rPr lang="en-GB" dirty="0"/>
+              <a:t> </a:t>
+            </a:r>
+            <a:r>
+              <a:rPr lang="en-GB" dirty="0" err="1"/>
+              <a:t>che</a:t>
+            </a:r>
+            <a:r>
+              <a:rPr lang="en-GB" dirty="0"/>
+              <a:t> </a:t>
+            </a:r>
+            <a:r>
+              <a:rPr lang="en-GB" dirty="0" err="1"/>
+              <a:t>l’immagine</a:t>
+            </a:r>
+            <a:r>
+              <a:rPr lang="en-GB" dirty="0"/>
+              <a:t> non </a:t>
+            </a:r>
+            <a:r>
+              <a:rPr lang="en-GB" dirty="0" err="1"/>
+              <a:t>sia</a:t>
+            </a:r>
+            <a:r>
+              <a:rPr lang="en-GB" dirty="0"/>
+              <a:t> </a:t>
+            </a:r>
+            <a:r>
+              <a:rPr lang="en-GB" dirty="0" err="1"/>
+              <a:t>calma</a:t>
+            </a:r>
+            <a:r>
+              <a:rPr lang="en-GB" dirty="0"/>
+              <a:t>, ma </a:t>
+            </a:r>
+            <a:r>
+              <a:rPr lang="en-GB" dirty="0" err="1"/>
+              <a:t>mossa</a:t>
+            </a:r>
+            <a:r>
+              <a:rPr lang="en-GB" dirty="0"/>
+              <a:t>. E’ </a:t>
+            </a:r>
+            <a:r>
+              <a:rPr lang="en-GB" dirty="0" err="1"/>
+              <a:t>maggiormente</a:t>
+            </a:r>
+            <a:r>
+              <a:rPr lang="en-GB" dirty="0"/>
+              <a:t> </a:t>
+            </a:r>
+            <a:r>
+              <a:rPr lang="en-GB" dirty="0" err="1"/>
+              <a:t>influente</a:t>
+            </a:r>
+            <a:r>
+              <a:rPr lang="en-GB" dirty="0"/>
+              <a:t> </a:t>
+            </a:r>
+            <a:r>
+              <a:rPr lang="en-GB" dirty="0" err="1"/>
+              <a:t>nella</a:t>
+            </a:r>
+            <a:r>
+              <a:rPr lang="en-GB" dirty="0"/>
+              <a:t> </a:t>
+            </a:r>
+            <a:r>
+              <a:rPr lang="en-GB" dirty="0" err="1"/>
+              <a:t>fotografia</a:t>
+            </a:r>
+            <a:r>
+              <a:rPr lang="en-GB" dirty="0"/>
+              <a:t> </a:t>
+            </a:r>
+            <a:r>
+              <a:rPr lang="en-GB" dirty="0" err="1"/>
+              <a:t>planetaria</a:t>
+            </a:r>
+            <a:r>
+              <a:rPr lang="en-GB" dirty="0"/>
+              <a:t>, a causa </a:t>
+            </a:r>
+            <a:r>
+              <a:rPr lang="en-GB" dirty="0" err="1"/>
+              <a:t>degli</a:t>
+            </a:r>
+            <a:r>
+              <a:rPr lang="en-GB" dirty="0"/>
+              <a:t> alti </a:t>
+            </a:r>
+            <a:r>
+              <a:rPr lang="en-GB" dirty="0" err="1"/>
+              <a:t>ingrandimenti</a:t>
+            </a:r>
+            <a:r>
+              <a:rPr lang="en-GB" dirty="0"/>
+              <a:t>.</a:t>
             </a:r>
           </a:p>
         </p:txBody>
@@ -12231,45 +12579,6 @@
           </a:prstGeom>
         </p:spPr>
       </p:pic>
-      <p:sp>
-        <p:nvSpPr>
-          <p:cNvPr id="22" name="TextBox 21">
-            <a:extLst>
-              <a:ext uri="{FF2B5EF4-FFF2-40B4-BE49-F238E27FC236}">
-                <a16:creationId xmlns:a16="http://schemas.microsoft.com/office/drawing/2014/main" id="{8CF4B406-EA7E-B37B-213A-A8308F8FC216}"/>
-              </a:ext>
-            </a:extLst>
-          </p:cNvPr>
-          <p:cNvSpPr txBox="1"/>
-          <p:nvPr/>
-        </p:nvSpPr>
-        <p:spPr>
-          <a:xfrm>
-            <a:off x="301732" y="5022218"/>
-            <a:ext cx="1483098" cy="369332"/>
-          </a:xfrm>
-          <a:prstGeom prst="rect">
-            <a:avLst/>
-          </a:prstGeom>
-          <a:noFill/>
-        </p:spPr>
-        <p:txBody>
-          <a:bodyPr wrap="none" rtlCol="0">
-            <a:spAutoFit/>
-          </a:bodyPr>
-          <a:lstStyle/>
-          <a:p>
-            <a:r>
-              <a:rPr lang="en-GB" dirty="0" err="1"/>
-              <a:t>Descrizione</a:t>
-            </a:r>
-            <a:r>
-              <a:rPr lang="en-GB" dirty="0"/>
-              <a:t>….</a:t>
-            </a:r>
-          </a:p>
-        </p:txBody>
-      </p:sp>
       <p:pic>
         <p:nvPicPr>
           <p:cNvPr id="27" name="Picture 26">
@@ -12292,14 +12601,57 @@
         </p:blipFill>
         <p:spPr>
           <a:xfrm>
-            <a:off x="2951847" y="1052281"/>
-            <a:ext cx="6288306" cy="3772984"/>
+            <a:off x="7606258" y="1363334"/>
+            <a:ext cx="2956584" cy="1773951"/>
           </a:xfrm>
           <a:prstGeom prst="rect">
             <a:avLst/>
           </a:prstGeom>
         </p:spPr>
       </p:pic>
+      <p:sp>
+        <p:nvSpPr>
+          <p:cNvPr id="3" name="CasellaDiTesto 2">
+            <a:extLst>
+              <a:ext uri="{FF2B5EF4-FFF2-40B4-BE49-F238E27FC236}">
+                <a16:creationId xmlns:a16="http://schemas.microsoft.com/office/drawing/2014/main" id="{14A55531-9273-7D94-A16A-AF2BDA27A080}"/>
+              </a:ext>
+            </a:extLst>
+          </p:cNvPr>
+          <p:cNvSpPr txBox="1"/>
+          <p:nvPr/>
+        </p:nvSpPr>
+        <p:spPr>
+          <a:xfrm>
+            <a:off x="1055077" y="3643532"/>
+            <a:ext cx="6551181" cy="1200329"/>
+          </a:xfrm>
+          <a:prstGeom prst="rect">
+            <a:avLst/>
+          </a:prstGeom>
+          <a:noFill/>
+        </p:spPr>
+        <p:txBody>
+          <a:bodyPr wrap="square" rtlCol="0">
+            <a:spAutoFit/>
+          </a:bodyPr>
+          <a:lstStyle/>
+          <a:p>
+            <a:r>
+              <a:rPr lang="it-IT" dirty="0"/>
+              <a:t>All’aumentare della temperatura aumenta il rumore fotografico del sensore (questo per la fotografia deep </a:t>
+            </a:r>
+            <a:r>
+              <a:rPr lang="it-IT" dirty="0" err="1"/>
+              <a:t>sky</a:t>
+            </a:r>
+            <a:r>
+              <a:rPr lang="it-IT" dirty="0"/>
+              <a:t> a lunga esposizione). Ciò non vale per la fotografia planetaria, dove l’esposizione è brevissima, o per i sensori raffreddati. La misuriamo in gradi Celsius.</a:t>
+            </a:r>
+          </a:p>
+        </p:txBody>
+      </p:sp>
     </p:spTree>
     <p:extLst>
       <p:ext uri="{BB962C8B-B14F-4D97-AF65-F5344CB8AC3E}">
@@ -12534,8 +12886,8 @@
         </p:nvSpPr>
         <p:spPr>
           <a:xfrm>
-            <a:off x="301732" y="5022218"/>
-            <a:ext cx="1483098" cy="369332"/>
+            <a:off x="301732" y="5022217"/>
+            <a:ext cx="9166733" cy="1200329"/>
           </a:xfrm>
           <a:prstGeom prst="rect">
             <a:avLst/>
@@ -12543,18 +12895,242 @@
           <a:noFill/>
         </p:spPr>
         <p:txBody>
-          <a:bodyPr wrap="none" rtlCol="0">
+          <a:bodyPr wrap="square" rtlCol="0">
             <a:spAutoFit/>
           </a:bodyPr>
           <a:lstStyle/>
           <a:p>
             <a:r>
               <a:rPr lang="en-GB" dirty="0" err="1"/>
-              <a:t>Descrizione</a:t>
+              <a:t>Più</a:t>
             </a:r>
             <a:r>
               <a:rPr lang="en-GB" dirty="0"/>
-              <a:t>….</a:t>
+              <a:t> </a:t>
+            </a:r>
+            <a:r>
+              <a:rPr lang="en-GB" dirty="0" err="1"/>
+              <a:t>l’oggetto</a:t>
+            </a:r>
+            <a:r>
+              <a:rPr lang="en-GB" dirty="0"/>
+              <a:t> da </a:t>
+            </a:r>
+            <a:r>
+              <a:rPr lang="en-GB" dirty="0" err="1"/>
+              <a:t>fotografare</a:t>
+            </a:r>
+            <a:r>
+              <a:rPr lang="en-GB" dirty="0"/>
+              <a:t> è alto </a:t>
+            </a:r>
+            <a:r>
+              <a:rPr lang="en-GB" dirty="0" err="1"/>
+              <a:t>nel</a:t>
+            </a:r>
+            <a:r>
+              <a:rPr lang="en-GB" dirty="0"/>
+              <a:t> </a:t>
+            </a:r>
+            <a:r>
+              <a:rPr lang="en-GB" dirty="0" err="1"/>
+              <a:t>cielo</a:t>
+            </a:r>
+            <a:r>
+              <a:rPr lang="en-GB" dirty="0"/>
+              <a:t>, </a:t>
+            </a:r>
+            <a:r>
+              <a:rPr lang="en-GB" dirty="0" err="1"/>
+              <a:t>minore</a:t>
+            </a:r>
+            <a:r>
+              <a:rPr lang="en-GB" dirty="0"/>
+              <a:t> </a:t>
+            </a:r>
+            <a:r>
+              <a:rPr lang="en-GB" dirty="0" err="1"/>
+              <a:t>sarà</a:t>
+            </a:r>
+            <a:r>
+              <a:rPr lang="en-GB" dirty="0"/>
+              <a:t> la </a:t>
+            </a:r>
+            <a:r>
+              <a:rPr lang="en-GB" dirty="0" err="1"/>
+              <a:t>quantità</a:t>
+            </a:r>
+            <a:r>
+              <a:rPr lang="en-GB" dirty="0"/>
+              <a:t> di aria </a:t>
+            </a:r>
+            <a:r>
+              <a:rPr lang="en-GB" dirty="0" err="1"/>
+              <a:t>che</a:t>
+            </a:r>
+            <a:r>
+              <a:rPr lang="en-GB" dirty="0"/>
+              <a:t> </a:t>
+            </a:r>
+            <a:r>
+              <a:rPr lang="en-GB" dirty="0" err="1"/>
+              <a:t>si</a:t>
+            </a:r>
+            <a:r>
+              <a:rPr lang="en-GB" dirty="0"/>
+              <a:t> </a:t>
+            </a:r>
+            <a:r>
+              <a:rPr lang="en-GB" dirty="0" err="1"/>
+              <a:t>frappone</a:t>
+            </a:r>
+            <a:r>
+              <a:rPr lang="en-GB" dirty="0"/>
+              <a:t> </a:t>
+            </a:r>
+            <a:r>
+              <a:rPr lang="en-GB" dirty="0" err="1"/>
+              <a:t>tra</a:t>
+            </a:r>
+            <a:r>
+              <a:rPr lang="en-GB" dirty="0"/>
+              <a:t> </a:t>
+            </a:r>
+            <a:r>
+              <a:rPr lang="en-GB" dirty="0" err="1"/>
+              <a:t>noi</a:t>
+            </a:r>
+            <a:r>
+              <a:rPr lang="en-GB" dirty="0"/>
+              <a:t> ed </a:t>
+            </a:r>
+            <a:r>
+              <a:rPr lang="en-GB" dirty="0" err="1"/>
+              <a:t>esso</a:t>
+            </a:r>
+            <a:r>
+              <a:rPr lang="en-GB" dirty="0"/>
+              <a:t>. Di </a:t>
+            </a:r>
+            <a:r>
+              <a:rPr lang="en-GB" dirty="0" err="1"/>
+              <a:t>conseguenza</a:t>
+            </a:r>
+            <a:r>
+              <a:rPr lang="en-GB" dirty="0"/>
+              <a:t> </a:t>
+            </a:r>
+            <a:r>
+              <a:rPr lang="en-GB" dirty="0" err="1"/>
+              <a:t>aumenta</a:t>
+            </a:r>
+            <a:r>
+              <a:rPr lang="en-GB" dirty="0"/>
+              <a:t> la </a:t>
+            </a:r>
+            <a:r>
+              <a:rPr lang="en-GB" dirty="0" err="1"/>
+              <a:t>trasparenza</a:t>
+            </a:r>
+            <a:r>
+              <a:rPr lang="en-GB" dirty="0"/>
+              <a:t>, </a:t>
+            </a:r>
+            <a:r>
+              <a:rPr lang="en-GB" dirty="0" err="1"/>
+              <a:t>diminuisce</a:t>
+            </a:r>
+            <a:r>
+              <a:rPr lang="en-GB" dirty="0"/>
+              <a:t> </a:t>
+            </a:r>
+            <a:r>
+              <a:rPr lang="en-GB" dirty="0" err="1"/>
+              <a:t>l’effetto</a:t>
+            </a:r>
+            <a:r>
+              <a:rPr lang="en-GB" dirty="0"/>
+              <a:t> </a:t>
+            </a:r>
+            <a:r>
+              <a:rPr lang="en-GB" dirty="0" err="1"/>
+              <a:t>dell’inquinamento</a:t>
+            </a:r>
+            <a:r>
+              <a:rPr lang="en-GB" dirty="0"/>
+              <a:t> </a:t>
+            </a:r>
+            <a:r>
+              <a:rPr lang="en-GB" dirty="0" err="1"/>
+              <a:t>luminoso</a:t>
+            </a:r>
+            <a:r>
+              <a:rPr lang="en-GB" dirty="0"/>
+              <a:t>, </a:t>
+            </a:r>
+            <a:r>
+              <a:rPr lang="en-GB" dirty="0" err="1"/>
+              <a:t>diminuisce</a:t>
+            </a:r>
+            <a:r>
+              <a:rPr lang="en-GB" dirty="0"/>
+              <a:t> la </a:t>
+            </a:r>
+            <a:r>
+              <a:rPr lang="en-GB" dirty="0" err="1"/>
+              <a:t>turbolenza</a:t>
+            </a:r>
+            <a:r>
+              <a:rPr lang="en-GB" dirty="0"/>
+              <a:t> </a:t>
+            </a:r>
+            <a:r>
+              <a:rPr lang="en-GB" dirty="0" err="1"/>
+              <a:t>atmosferica</a:t>
+            </a:r>
+            <a:r>
+              <a:rPr lang="en-GB" dirty="0"/>
+              <a:t>. La </a:t>
+            </a:r>
+            <a:r>
+              <a:rPr lang="en-GB" dirty="0" err="1"/>
+              <a:t>misuriamo</a:t>
+            </a:r>
+            <a:r>
+              <a:rPr lang="en-GB" dirty="0"/>
+              <a:t> in </a:t>
+            </a:r>
+            <a:r>
+              <a:rPr lang="en-GB" dirty="0" err="1"/>
+              <a:t>gradi</a:t>
+            </a:r>
+            <a:r>
+              <a:rPr lang="en-GB" dirty="0"/>
+              <a:t>, il </a:t>
+            </a:r>
+            <a:r>
+              <a:rPr lang="en-GB" dirty="0" err="1"/>
+              <a:t>massimo</a:t>
+            </a:r>
+            <a:r>
+              <a:rPr lang="en-GB" dirty="0"/>
+              <a:t> è </a:t>
+            </a:r>
+            <a:r>
+              <a:rPr lang="en-GB" dirty="0" err="1"/>
+              <a:t>ovviamente</a:t>
+            </a:r>
+            <a:r>
+              <a:rPr lang="en-GB" dirty="0"/>
+              <a:t> 90° (lo </a:t>
+            </a:r>
+            <a:r>
+              <a:rPr lang="en-GB" dirty="0" err="1"/>
+              <a:t>zenit</a:t>
+            </a:r>
+            <a:r>
+              <a:rPr lang="en-GB" dirty="0"/>
+              <a:t>).</a:t>
             </a:r>
           </a:p>
         </p:txBody>
@@ -12581,8 +13157,8 @@
         </p:blipFill>
         <p:spPr>
           <a:xfrm>
-            <a:off x="2955510" y="1028077"/>
-            <a:ext cx="6284643" cy="3821394"/>
+            <a:off x="7612337" y="1517041"/>
+            <a:ext cx="4579663" cy="2784676"/>
           </a:xfrm>
           <a:prstGeom prst="rect">
             <a:avLst/>
@@ -12824,7 +13400,7 @@
         <p:spPr>
           <a:xfrm>
             <a:off x="301732" y="5022218"/>
-            <a:ext cx="1483098" cy="369332"/>
+            <a:ext cx="10553081" cy="1477328"/>
           </a:xfrm>
           <a:prstGeom prst="rect">
             <a:avLst/>
@@ -12832,18 +13408,346 @@
           <a:noFill/>
         </p:spPr>
         <p:txBody>
-          <a:bodyPr wrap="none" rtlCol="0">
+          <a:bodyPr wrap="square" rtlCol="0">
             <a:spAutoFit/>
           </a:bodyPr>
           <a:lstStyle/>
           <a:p>
             <a:r>
               <a:rPr lang="en-GB" dirty="0" err="1"/>
-              <a:t>Descrizione</a:t>
+              <a:t>L’inquinamento</a:t>
             </a:r>
             <a:r>
               <a:rPr lang="en-GB" dirty="0"/>
-              <a:t>….</a:t>
+              <a:t> </a:t>
+            </a:r>
+            <a:r>
+              <a:rPr lang="en-GB" dirty="0" err="1"/>
+              <a:t>luminoso</a:t>
+            </a:r>
+            <a:r>
+              <a:rPr lang="en-GB" dirty="0"/>
+              <a:t> influenza </a:t>
+            </a:r>
+            <a:r>
+              <a:rPr lang="en-GB" dirty="0" err="1"/>
+              <a:t>notevolmente</a:t>
+            </a:r>
+            <a:r>
+              <a:rPr lang="en-GB" dirty="0"/>
+              <a:t> la </a:t>
+            </a:r>
+            <a:r>
+              <a:rPr lang="en-GB" dirty="0" err="1"/>
+              <a:t>qualità</a:t>
+            </a:r>
+            <a:r>
+              <a:rPr lang="en-GB" dirty="0"/>
+              <a:t> </a:t>
+            </a:r>
+            <a:r>
+              <a:rPr lang="en-GB" dirty="0" err="1"/>
+              <a:t>della</a:t>
+            </a:r>
+            <a:r>
+              <a:rPr lang="en-GB" dirty="0"/>
+              <a:t> </a:t>
+            </a:r>
+            <a:r>
+              <a:rPr lang="en-GB" dirty="0" err="1"/>
+              <a:t>fotografia</a:t>
+            </a:r>
+            <a:r>
+              <a:rPr lang="en-GB" dirty="0"/>
+              <a:t> deep sky. </a:t>
+            </a:r>
+            <a:r>
+              <a:rPr lang="en-GB" dirty="0" err="1"/>
+              <a:t>Essendo</a:t>
+            </a:r>
+            <a:r>
+              <a:rPr lang="en-GB" dirty="0"/>
+              <a:t> </a:t>
+            </a:r>
+            <a:r>
+              <a:rPr lang="en-GB" dirty="0" err="1"/>
+              <a:t>questi</a:t>
+            </a:r>
+            <a:r>
+              <a:rPr lang="en-GB" dirty="0"/>
+              <a:t> </a:t>
+            </a:r>
+            <a:r>
+              <a:rPr lang="en-GB" dirty="0" err="1"/>
+              <a:t>oggetti</a:t>
+            </a:r>
+            <a:r>
+              <a:rPr lang="en-GB" dirty="0"/>
+              <a:t> </a:t>
+            </a:r>
+            <a:r>
+              <a:rPr lang="en-GB" dirty="0" err="1"/>
+              <a:t>molto</a:t>
+            </a:r>
+            <a:r>
+              <a:rPr lang="en-GB" dirty="0"/>
+              <a:t> </a:t>
+            </a:r>
+            <a:r>
+              <a:rPr lang="en-GB" dirty="0" err="1"/>
+              <a:t>deboli</a:t>
+            </a:r>
+            <a:r>
+              <a:rPr lang="en-GB" dirty="0"/>
+              <a:t>, un forte I.L. </a:t>
+            </a:r>
+            <a:r>
+              <a:rPr lang="en-GB" dirty="0" err="1"/>
+              <a:t>tenderà</a:t>
+            </a:r>
+            <a:r>
+              <a:rPr lang="en-GB" dirty="0"/>
+              <a:t> a </a:t>
+            </a:r>
+            <a:r>
+              <a:rPr lang="en-GB" dirty="0" err="1"/>
+              <a:t>coprirli</a:t>
+            </a:r>
+            <a:r>
+              <a:rPr lang="en-GB" dirty="0"/>
+              <a:t>, </a:t>
+            </a:r>
+            <a:r>
+              <a:rPr lang="en-GB" dirty="0" err="1"/>
+              <a:t>eliminando</a:t>
+            </a:r>
+            <a:r>
+              <a:rPr lang="en-GB" dirty="0"/>
+              <a:t> </a:t>
+            </a:r>
+            <a:r>
+              <a:rPr lang="en-GB" dirty="0" err="1"/>
+              <a:t>contrasto</a:t>
+            </a:r>
+            <a:r>
+              <a:rPr lang="en-GB" dirty="0"/>
+              <a:t> </a:t>
+            </a:r>
+            <a:r>
+              <a:rPr lang="en-GB" dirty="0" err="1"/>
+              <a:t>alla</a:t>
+            </a:r>
+            <a:r>
+              <a:rPr lang="en-GB" dirty="0"/>
+              <a:t> </a:t>
+            </a:r>
+            <a:r>
+              <a:rPr lang="en-GB" dirty="0" err="1"/>
+              <a:t>fotografia</a:t>
+            </a:r>
+            <a:r>
+              <a:rPr lang="en-GB" dirty="0"/>
+              <a:t> e </a:t>
+            </a:r>
+            <a:r>
+              <a:rPr lang="en-GB" dirty="0" err="1"/>
+              <a:t>saturando</a:t>
+            </a:r>
+            <a:r>
+              <a:rPr lang="en-GB" dirty="0"/>
+              <a:t> </a:t>
+            </a:r>
+            <a:r>
+              <a:rPr lang="en-GB" dirty="0" err="1"/>
+              <a:t>l’immagine</a:t>
+            </a:r>
+            <a:r>
+              <a:rPr lang="en-GB" dirty="0"/>
+              <a:t> </a:t>
+            </a:r>
+            <a:r>
+              <a:rPr lang="en-GB" dirty="0" err="1"/>
+              <a:t>molto</a:t>
+            </a:r>
+            <a:r>
+              <a:rPr lang="en-GB" dirty="0"/>
+              <a:t> in </a:t>
+            </a:r>
+            <a:r>
+              <a:rPr lang="en-GB" dirty="0" err="1"/>
+              <a:t>fretta</a:t>
+            </a:r>
+            <a:r>
+              <a:rPr lang="en-GB" dirty="0"/>
+              <a:t>. Nella </a:t>
+            </a:r>
+            <a:r>
+              <a:rPr lang="en-GB" dirty="0" err="1"/>
+              <a:t>fotografia</a:t>
+            </a:r>
+            <a:r>
+              <a:rPr lang="en-GB" dirty="0"/>
+              <a:t> </a:t>
+            </a:r>
+            <a:r>
+              <a:rPr lang="en-GB" dirty="0" err="1"/>
+              <a:t>planetaria</a:t>
+            </a:r>
+            <a:r>
+              <a:rPr lang="en-GB" dirty="0"/>
+              <a:t> </a:t>
+            </a:r>
+            <a:r>
+              <a:rPr lang="en-GB" dirty="0" err="1"/>
+              <a:t>questo</a:t>
+            </a:r>
+            <a:r>
+              <a:rPr lang="en-GB" dirty="0"/>
+              <a:t> </a:t>
+            </a:r>
+            <a:r>
+              <a:rPr lang="en-GB" dirty="0" err="1"/>
+              <a:t>parametro</a:t>
+            </a:r>
+            <a:r>
+              <a:rPr lang="en-GB" dirty="0"/>
+              <a:t> non è </a:t>
+            </a:r>
+            <a:r>
+              <a:rPr lang="en-GB" dirty="0" err="1"/>
+              <a:t>influente</a:t>
+            </a:r>
+            <a:r>
+              <a:rPr lang="en-GB" dirty="0"/>
+              <a:t>, </a:t>
+            </a:r>
+            <a:r>
+              <a:rPr lang="en-GB" dirty="0" err="1"/>
+              <a:t>poichè</a:t>
+            </a:r>
+            <a:r>
+              <a:rPr lang="en-GB" dirty="0"/>
+              <a:t> Luna e </a:t>
+            </a:r>
+            <a:r>
+              <a:rPr lang="en-GB" dirty="0" err="1"/>
+              <a:t>pianeti</a:t>
+            </a:r>
+            <a:r>
+              <a:rPr lang="en-GB" dirty="0"/>
+              <a:t> </a:t>
+            </a:r>
+            <a:r>
+              <a:rPr lang="en-GB" dirty="0" err="1"/>
+              <a:t>sono</a:t>
+            </a:r>
+            <a:r>
+              <a:rPr lang="en-GB" dirty="0"/>
+              <a:t> </a:t>
+            </a:r>
+            <a:r>
+              <a:rPr lang="en-GB" dirty="0" err="1"/>
+              <a:t>estremamente</a:t>
+            </a:r>
+            <a:r>
+              <a:rPr lang="en-GB" dirty="0"/>
+              <a:t> </a:t>
+            </a:r>
+            <a:r>
+              <a:rPr lang="en-GB" dirty="0" err="1"/>
+              <a:t>luminosi</a:t>
+            </a:r>
+            <a:r>
+              <a:rPr lang="en-GB" dirty="0"/>
+              <a:t>. Per </a:t>
+            </a:r>
+            <a:r>
+              <a:rPr lang="en-GB" dirty="0" err="1"/>
+              <a:t>misurarlo</a:t>
+            </a:r>
+            <a:r>
+              <a:rPr lang="en-GB" dirty="0"/>
+              <a:t> </a:t>
+            </a:r>
+            <a:r>
+              <a:rPr lang="en-GB" dirty="0" err="1"/>
+              <a:t>si</a:t>
+            </a:r>
+            <a:r>
+              <a:rPr lang="en-GB" dirty="0"/>
+              <a:t> è </a:t>
+            </a:r>
+            <a:r>
+              <a:rPr lang="en-GB" dirty="0" err="1"/>
+              <a:t>scelto</a:t>
+            </a:r>
+            <a:r>
+              <a:rPr lang="en-GB" dirty="0"/>
+              <a:t> di </a:t>
+            </a:r>
+            <a:r>
+              <a:rPr lang="en-GB" dirty="0" err="1"/>
+              <a:t>usare</a:t>
+            </a:r>
+            <a:r>
+              <a:rPr lang="en-GB" dirty="0"/>
+              <a:t> la scala </a:t>
+            </a:r>
+            <a:r>
+              <a:rPr lang="en-GB" dirty="0" err="1"/>
+              <a:t>Bortle</a:t>
+            </a:r>
+            <a:r>
+              <a:rPr lang="en-GB" dirty="0"/>
+              <a:t>, </a:t>
+            </a:r>
+            <a:r>
+              <a:rPr lang="en-GB" dirty="0" err="1"/>
+              <a:t>che</a:t>
+            </a:r>
+            <a:r>
+              <a:rPr lang="en-GB" dirty="0"/>
+              <a:t> </a:t>
+            </a:r>
+            <a:r>
+              <a:rPr lang="en-GB" dirty="0" err="1"/>
+              <a:t>va</a:t>
+            </a:r>
+            <a:r>
+              <a:rPr lang="en-GB" dirty="0"/>
+              <a:t> da 1 (</a:t>
+            </a:r>
+            <a:r>
+              <a:rPr lang="en-GB" dirty="0" err="1"/>
+              <a:t>estremamente</a:t>
+            </a:r>
+            <a:r>
+              <a:rPr lang="en-GB" dirty="0"/>
+              <a:t> </a:t>
+            </a:r>
+            <a:r>
+              <a:rPr lang="en-GB" dirty="0" err="1"/>
+              <a:t>buio</a:t>
+            </a:r>
+            <a:r>
+              <a:rPr lang="en-GB" dirty="0"/>
+              <a:t>) a 9 (</a:t>
+            </a:r>
+            <a:r>
+              <a:rPr lang="en-GB" dirty="0" err="1"/>
+              <a:t>estremamente</a:t>
+            </a:r>
+            <a:r>
+              <a:rPr lang="en-GB" dirty="0"/>
+              <a:t> </a:t>
+            </a:r>
+            <a:r>
+              <a:rPr lang="en-GB" dirty="0" err="1"/>
+              <a:t>inquinato</a:t>
+            </a:r>
+            <a:r>
+              <a:rPr lang="en-GB" dirty="0"/>
+              <a:t>).</a:t>
             </a:r>
           </a:p>
         </p:txBody>
@@ -13120,8 +14024,8 @@
         </p:nvSpPr>
         <p:spPr>
           <a:xfrm>
-            <a:off x="301732" y="5022218"/>
-            <a:ext cx="1483098" cy="369332"/>
+            <a:off x="301732" y="5022217"/>
+            <a:ext cx="9373210" cy="923330"/>
           </a:xfrm>
           <a:prstGeom prst="rect">
             <a:avLst/>
@@ -13129,18 +14033,186 @@
           <a:noFill/>
         </p:spPr>
         <p:txBody>
-          <a:bodyPr wrap="none" rtlCol="0">
+          <a:bodyPr wrap="square" rtlCol="0">
             <a:spAutoFit/>
           </a:bodyPr>
           <a:lstStyle/>
           <a:p>
             <a:r>
               <a:rPr lang="en-GB" dirty="0" err="1"/>
-              <a:t>Descrizione</a:t>
+              <a:t>Più</a:t>
             </a:r>
             <a:r>
               <a:rPr lang="en-GB" dirty="0"/>
-              <a:t>….</a:t>
+              <a:t> il </a:t>
+            </a:r>
+            <a:r>
+              <a:rPr lang="en-GB" dirty="0" err="1"/>
+              <a:t>fotografo</a:t>
+            </a:r>
+            <a:r>
+              <a:rPr lang="en-GB" dirty="0"/>
+              <a:t> </a:t>
+            </a:r>
+            <a:r>
+              <a:rPr lang="en-GB" dirty="0" err="1"/>
+              <a:t>si</a:t>
+            </a:r>
+            <a:r>
+              <a:rPr lang="en-GB" dirty="0"/>
+              <a:t> </a:t>
+            </a:r>
+            <a:r>
+              <a:rPr lang="en-GB" dirty="0" err="1"/>
+              <a:t>troverà</a:t>
+            </a:r>
+            <a:r>
+              <a:rPr lang="en-GB" dirty="0"/>
+              <a:t> in alto (es. </a:t>
+            </a:r>
+            <a:r>
+              <a:rPr lang="en-GB" dirty="0" err="1"/>
+              <a:t>montagna</a:t>
+            </a:r>
+            <a:r>
+              <a:rPr lang="en-GB" dirty="0"/>
+              <a:t>) </a:t>
+            </a:r>
+            <a:r>
+              <a:rPr lang="en-GB" dirty="0" err="1"/>
+              <a:t>minore</a:t>
+            </a:r>
+            <a:r>
+              <a:rPr lang="en-GB" dirty="0"/>
+              <a:t> </a:t>
+            </a:r>
+            <a:r>
+              <a:rPr lang="en-GB" dirty="0" err="1"/>
+              <a:t>sarà</a:t>
+            </a:r>
+            <a:r>
+              <a:rPr lang="en-GB" dirty="0"/>
+              <a:t> la </a:t>
+            </a:r>
+            <a:r>
+              <a:rPr lang="en-GB" dirty="0" err="1"/>
+              <a:t>quantità</a:t>
+            </a:r>
+            <a:r>
+              <a:rPr lang="en-GB" dirty="0"/>
+              <a:t> di aria </a:t>
+            </a:r>
+            <a:r>
+              <a:rPr lang="en-GB" dirty="0" err="1"/>
+              <a:t>tra</a:t>
+            </a:r>
+            <a:r>
+              <a:rPr lang="en-GB" dirty="0"/>
+              <a:t> </a:t>
+            </a:r>
+            <a:r>
+              <a:rPr lang="en-GB" dirty="0" err="1"/>
+              <a:t>lui</a:t>
+            </a:r>
+            <a:r>
+              <a:rPr lang="en-GB" dirty="0"/>
+              <a:t> e lo </a:t>
+            </a:r>
+            <a:r>
+              <a:rPr lang="en-GB" dirty="0" err="1"/>
+              <a:t>spazio</a:t>
+            </a:r>
+            <a:r>
+              <a:rPr lang="en-GB" dirty="0"/>
+              <a:t>, di </a:t>
+            </a:r>
+            <a:r>
+              <a:rPr lang="en-GB" dirty="0" err="1"/>
+              <a:t>conseguenza</a:t>
+            </a:r>
+            <a:r>
+              <a:rPr lang="en-GB" dirty="0"/>
+              <a:t> </a:t>
+            </a:r>
+            <a:r>
+              <a:rPr lang="en-GB" dirty="0" err="1"/>
+              <a:t>migliorerà</a:t>
+            </a:r>
+            <a:r>
+              <a:rPr lang="en-GB" dirty="0"/>
+              <a:t> la </a:t>
+            </a:r>
+            <a:r>
+              <a:rPr lang="en-GB" dirty="0" err="1"/>
+              <a:t>trasparenza</a:t>
+            </a:r>
+            <a:r>
+              <a:rPr lang="en-GB" dirty="0"/>
+              <a:t>, </a:t>
+            </a:r>
+            <a:r>
+              <a:rPr lang="en-GB" dirty="0" err="1"/>
+              <a:t>diminuiranno</a:t>
+            </a:r>
+            <a:r>
+              <a:rPr lang="en-GB" dirty="0"/>
+              <a:t> </a:t>
+            </a:r>
+            <a:r>
+              <a:rPr lang="en-GB" dirty="0" err="1"/>
+              <a:t>l’inquinamento</a:t>
+            </a:r>
+            <a:r>
+              <a:rPr lang="en-GB" dirty="0"/>
+              <a:t> </a:t>
+            </a:r>
+            <a:r>
+              <a:rPr lang="en-GB" dirty="0" err="1"/>
+              <a:t>luminoso</a:t>
+            </a:r>
+            <a:r>
+              <a:rPr lang="en-GB" dirty="0"/>
+              <a:t> e la </a:t>
+            </a:r>
+            <a:r>
+              <a:rPr lang="en-GB" dirty="0" err="1"/>
+              <a:t>turbolenza</a:t>
+            </a:r>
+            <a:r>
+              <a:rPr lang="en-GB" dirty="0"/>
+              <a:t> </a:t>
+            </a:r>
+            <a:r>
+              <a:rPr lang="en-GB" dirty="0" err="1"/>
+              <a:t>atmosferica</a:t>
+            </a:r>
+            <a:r>
+              <a:rPr lang="en-GB" dirty="0"/>
+              <a:t>. </a:t>
+            </a:r>
+            <a:r>
+              <a:rPr lang="en-GB" dirty="0" err="1"/>
+              <a:t>Misuriamo</a:t>
+            </a:r>
+            <a:r>
+              <a:rPr lang="en-GB" dirty="0"/>
+              <a:t> </a:t>
+            </a:r>
+            <a:r>
+              <a:rPr lang="en-GB" dirty="0" err="1"/>
+              <a:t>l’altitudine</a:t>
+            </a:r>
+            <a:r>
+              <a:rPr lang="en-GB" dirty="0"/>
+              <a:t> in </a:t>
+            </a:r>
+            <a:r>
+              <a:rPr lang="en-GB" dirty="0" err="1"/>
+              <a:t>metri</a:t>
+            </a:r>
+            <a:r>
+              <a:rPr lang="en-GB" dirty="0"/>
+              <a:t>.</a:t>
             </a:r>
           </a:p>
         </p:txBody>

--- a/AstrofotografiaProgetto.pptx
+++ b/AstrofotografiaProgetto.pptx
@@ -5,7 +5,7 @@
     <p:sldMasterId id="2147483648" r:id="rId1"/>
   </p:sldMasterIdLst>
   <p:notesMasterIdLst>
-    <p:notesMasterId r:id="rId18"/>
+    <p:notesMasterId r:id="rId23"/>
   </p:notesMasterIdLst>
   <p:sldIdLst>
     <p:sldId id="256" r:id="rId2"/>
@@ -22,8 +22,13 @@
     <p:sldId id="270" r:id="rId13"/>
     <p:sldId id="260" r:id="rId14"/>
     <p:sldId id="262" r:id="rId15"/>
-    <p:sldId id="271" r:id="rId16"/>
-    <p:sldId id="261" r:id="rId17"/>
+    <p:sldId id="273" r:id="rId16"/>
+    <p:sldId id="275" r:id="rId17"/>
+    <p:sldId id="276" r:id="rId18"/>
+    <p:sldId id="277" r:id="rId19"/>
+    <p:sldId id="274" r:id="rId20"/>
+    <p:sldId id="271" r:id="rId21"/>
+    <p:sldId id="261" r:id="rId22"/>
   </p:sldIdLst>
   <p:sldSz cx="12192000" cy="6858000"/>
   <p:notesSz cx="6858000" cy="9144000"/>
@@ -133,7 +138,7 @@
 <file path=ppt/revisionInfo.xml><?xml version="1.0" encoding="utf-8"?>
 <p1510:revInfo xmlns:a="http://schemas.openxmlformats.org/drawingml/2006/main" xmlns:r="http://schemas.openxmlformats.org/officeDocument/2006/relationships" xmlns:p1510="http://schemas.microsoft.com/office/powerpoint/2015/10/main">
   <p1510:revLst>
-    <p1510:client id="{17056212-C789-4D94-A224-491696FC5D6E}" v="37" dt="2023-12-11T21:55:06.388"/>
+    <p1510:client id="{17056212-C789-4D94-A224-491696FC5D6E}" v="42" dt="2023-12-12T19:07:31.117"/>
   </p1510:revLst>
 </p1510:revInfo>
 </file>
@@ -143,7 +148,7 @@
   <pc:docChgLst>
     <pc:chgData name="ignazio emanuele picciche'" userId="0ffc6f3f-5a1e-4bcf-8207-6fcee5da7ade" providerId="ADAL" clId="{17056212-C789-4D94-A224-491696FC5D6E}"/>
     <pc:docChg chg="undo custSel addSld delSld modSld sldOrd">
-      <pc:chgData name="ignazio emanuele picciche'" userId="0ffc6f3f-5a1e-4bcf-8207-6fcee5da7ade" providerId="ADAL" clId="{17056212-C789-4D94-A224-491696FC5D6E}" dt="2023-12-11T22:07:06.784" v="3088" actId="1076"/>
+      <pc:chgData name="ignazio emanuele picciche'" userId="0ffc6f3f-5a1e-4bcf-8207-6fcee5da7ade" providerId="ADAL" clId="{17056212-C789-4D94-A224-491696FC5D6E}" dt="2023-12-12T19:20:23.664" v="3400" actId="14100"/>
       <pc:docMkLst>
         <pc:docMk/>
       </pc:docMkLst>
@@ -489,7 +494,7 @@
         </pc:picChg>
       </pc:sldChg>
       <pc:sldChg chg="addSp delSp modSp add mod setBg setClrOvrMap">
-        <pc:chgData name="ignazio emanuele picciche'" userId="0ffc6f3f-5a1e-4bcf-8207-6fcee5da7ade" providerId="ADAL" clId="{17056212-C789-4D94-A224-491696FC5D6E}" dt="2023-12-11T21:38:27.175" v="2958"/>
+        <pc:chgData name="ignazio emanuele picciche'" userId="0ffc6f3f-5a1e-4bcf-8207-6fcee5da7ade" providerId="ADAL" clId="{17056212-C789-4D94-A224-491696FC5D6E}" dt="2023-12-12T18:50:35.424" v="3136" actId="1076"/>
         <pc:sldMkLst>
           <pc:docMk/>
           <pc:sldMk cId="1499551055" sldId="259"/>
@@ -500,6 +505,14 @@
             <pc:docMk/>
             <pc:sldMk cId="1499551055" sldId="259"/>
             <ac:spMk id="2" creationId="{47F597DE-3A6B-AA76-D8AD-A33C03B6D621}"/>
+          </ac:spMkLst>
+        </pc:spChg>
+        <pc:spChg chg="mod">
+          <ac:chgData name="ignazio emanuele picciche'" userId="0ffc6f3f-5a1e-4bcf-8207-6fcee5da7ade" providerId="ADAL" clId="{17056212-C789-4D94-A224-491696FC5D6E}" dt="2023-12-12T18:45:37.262" v="3108" actId="1076"/>
+          <ac:spMkLst>
+            <pc:docMk/>
+            <pc:sldMk cId="1499551055" sldId="259"/>
+            <ac:spMk id="3" creationId="{14A55531-9273-7D94-A16A-AF2BDA27A080}"/>
           </ac:spMkLst>
         </pc:spChg>
         <pc:spChg chg="add del">
@@ -1407,7 +1420,7 @@
           </ac:picMkLst>
         </pc:picChg>
         <pc:picChg chg="add mod">
-          <ac:chgData name="ignazio emanuele picciche'" userId="0ffc6f3f-5a1e-4bcf-8207-6fcee5da7ade" providerId="ADAL" clId="{17056212-C789-4D94-A224-491696FC5D6E}" dt="2023-12-11T21:38:27.175" v="2958"/>
+          <ac:chgData name="ignazio emanuele picciche'" userId="0ffc6f3f-5a1e-4bcf-8207-6fcee5da7ade" providerId="ADAL" clId="{17056212-C789-4D94-A224-491696FC5D6E}" dt="2023-12-12T18:50:35.424" v="3136" actId="1076"/>
           <ac:picMkLst>
             <pc:docMk/>
             <pc:sldMk cId="1499551055" sldId="259"/>
@@ -2533,12 +2546,20 @@
           </ac:spMkLst>
         </pc:spChg>
       </pc:sldChg>
-      <pc:sldChg chg="modSp add mod">
-        <pc:chgData name="ignazio emanuele picciche'" userId="0ffc6f3f-5a1e-4bcf-8207-6fcee5da7ade" providerId="ADAL" clId="{17056212-C789-4D94-A224-491696FC5D6E}" dt="2023-12-11T21:54:09.408" v="3065" actId="14100"/>
+      <pc:sldChg chg="addSp modSp add mod">
+        <pc:chgData name="ignazio emanuele picciche'" userId="0ffc6f3f-5a1e-4bcf-8207-6fcee5da7ade" providerId="ADAL" clId="{17056212-C789-4D94-A224-491696FC5D6E}" dt="2023-12-12T19:07:45.943" v="3298" actId="20577"/>
         <pc:sldMkLst>
           <pc:docMk/>
           <pc:sldMk cId="203031930" sldId="262"/>
         </pc:sldMkLst>
+        <pc:spChg chg="add mod">
+          <ac:chgData name="ignazio emanuele picciche'" userId="0ffc6f3f-5a1e-4bcf-8207-6fcee5da7ade" providerId="ADAL" clId="{17056212-C789-4D94-A224-491696FC5D6E}" dt="2023-12-12T19:07:45.943" v="3298" actId="20577"/>
+          <ac:spMkLst>
+            <pc:docMk/>
+            <pc:sldMk cId="203031930" sldId="262"/>
+            <ac:spMk id="4" creationId="{0001FB6F-5E9B-D958-E30A-9344EB18D7EB}"/>
+          </ac:spMkLst>
+        </pc:spChg>
         <pc:spChg chg="mod">
           <ac:chgData name="ignazio emanuele picciche'" userId="0ffc6f3f-5a1e-4bcf-8207-6fcee5da7ade" providerId="ADAL" clId="{17056212-C789-4D94-A224-491696FC5D6E}" dt="2023-12-11T21:54:09.408" v="3065" actId="14100"/>
           <ac:spMkLst>
@@ -2547,6 +2568,14 @@
             <ac:spMk id="9" creationId="{7DCA9D16-5034-279C-FF1F-96C45AF4B68F}"/>
           </ac:spMkLst>
         </pc:spChg>
+        <pc:picChg chg="add mod">
+          <ac:chgData name="ignazio emanuele picciche'" userId="0ffc6f3f-5a1e-4bcf-8207-6fcee5da7ade" providerId="ADAL" clId="{17056212-C789-4D94-A224-491696FC5D6E}" dt="2023-12-12T19:05:13.453" v="3202" actId="1076"/>
+          <ac:picMkLst>
+            <pc:docMk/>
+            <pc:sldMk cId="203031930" sldId="262"/>
+            <ac:picMk id="3" creationId="{B9A28941-61E9-8009-E174-BEFAAA40B32C}"/>
+          </ac:picMkLst>
+        </pc:picChg>
       </pc:sldChg>
       <pc:sldChg chg="delSp add del mod">
         <pc:chgData name="ignazio emanuele picciche'" userId="0ffc6f3f-5a1e-4bcf-8207-6fcee5da7ade" providerId="ADAL" clId="{17056212-C789-4D94-A224-491696FC5D6E}" dt="2023-12-11T21:15:07.407" v="2601" actId="47"/>
@@ -2667,7 +2696,7 @@
         </pc:picChg>
       </pc:sldChg>
       <pc:sldChg chg="addSp delSp modSp add mod">
-        <pc:chgData name="ignazio emanuele picciche'" userId="0ffc6f3f-5a1e-4bcf-8207-6fcee5da7ade" providerId="ADAL" clId="{17056212-C789-4D94-A224-491696FC5D6E}" dt="2023-12-11T21:29:09.034" v="2840" actId="1076"/>
+        <pc:chgData name="ignazio emanuele picciche'" userId="0ffc6f3f-5a1e-4bcf-8207-6fcee5da7ade" providerId="ADAL" clId="{17056212-C789-4D94-A224-491696FC5D6E}" dt="2023-12-12T18:45:52.176" v="3109" actId="14100"/>
         <pc:sldMkLst>
           <pc:docMk/>
           <pc:sldMk cId="2556038533" sldId="265"/>
@@ -2678,6 +2707,14 @@
             <pc:docMk/>
             <pc:sldMk cId="2556038533" sldId="265"/>
             <ac:spMk id="9" creationId="{7DCA9D16-5034-279C-FF1F-96C45AF4B68F}"/>
+          </ac:spMkLst>
+        </pc:spChg>
+        <pc:spChg chg="mod">
+          <ac:chgData name="ignazio emanuele picciche'" userId="0ffc6f3f-5a1e-4bcf-8207-6fcee5da7ade" providerId="ADAL" clId="{17056212-C789-4D94-A224-491696FC5D6E}" dt="2023-12-12T18:45:52.176" v="3109" actId="14100"/>
+          <ac:spMkLst>
+            <pc:docMk/>
+            <pc:sldMk cId="2556038533" sldId="265"/>
+            <ac:spMk id="22" creationId="{8CF4B406-EA7E-B37B-213A-A8308F8FC216}"/>
           </ac:spMkLst>
         </pc:spChg>
         <pc:picChg chg="add del mod">
@@ -2697,7 +2734,7 @@
           </ac:picMkLst>
         </pc:picChg>
         <pc:picChg chg="add del mod">
-          <ac:chgData name="ignazio emanuele picciche'" userId="0ffc6f3f-5a1e-4bcf-8207-6fcee5da7ade" providerId="ADAL" clId="{17056212-C789-4D94-A224-491696FC5D6E}" dt="2023-12-11T21:29:09.034" v="2840" actId="1076"/>
+          <ac:chgData name="ignazio emanuele picciche'" userId="0ffc6f3f-5a1e-4bcf-8207-6fcee5da7ade" providerId="ADAL" clId="{17056212-C789-4D94-A224-491696FC5D6E}" dt="2023-12-12T18:43:05.942" v="3099" actId="1076"/>
           <ac:picMkLst>
             <pc:docMk/>
             <pc:sldMk cId="2556038533" sldId="265"/>
@@ -2714,7 +2751,7 @@
         </pc:picChg>
       </pc:sldChg>
       <pc:sldChg chg="addSp delSp modSp add mod">
-        <pc:chgData name="ignazio emanuele picciche'" userId="0ffc6f3f-5a1e-4bcf-8207-6fcee5da7ade" providerId="ADAL" clId="{17056212-C789-4D94-A224-491696FC5D6E}" dt="2023-12-11T21:21:52.906" v="2714"/>
+        <pc:chgData name="ignazio emanuele picciche'" userId="0ffc6f3f-5a1e-4bcf-8207-6fcee5da7ade" providerId="ADAL" clId="{17056212-C789-4D94-A224-491696FC5D6E}" dt="2023-12-12T18:46:37.417" v="3115" actId="1076"/>
         <pc:sldMkLst>
           <pc:docMk/>
           <pc:sldMk cId="3966135989" sldId="266"/>
@@ -2727,6 +2764,14 @@
             <ac:spMk id="9" creationId="{7DCA9D16-5034-279C-FF1F-96C45AF4B68F}"/>
           </ac:spMkLst>
         </pc:spChg>
+        <pc:spChg chg="mod">
+          <ac:chgData name="ignazio emanuele picciche'" userId="0ffc6f3f-5a1e-4bcf-8207-6fcee5da7ade" providerId="ADAL" clId="{17056212-C789-4D94-A224-491696FC5D6E}" dt="2023-12-12T18:46:37.417" v="3115" actId="1076"/>
+          <ac:spMkLst>
+            <pc:docMk/>
+            <pc:sldMk cId="3966135989" sldId="266"/>
+            <ac:spMk id="22" creationId="{8CF4B406-EA7E-B37B-213A-A8308F8FC216}"/>
+          </ac:spMkLst>
+        </pc:spChg>
         <pc:picChg chg="add del mod">
           <ac:chgData name="ignazio emanuele picciche'" userId="0ffc6f3f-5a1e-4bcf-8207-6fcee5da7ade" providerId="ADAL" clId="{17056212-C789-4D94-A224-491696FC5D6E}" dt="2023-12-11T21:21:50.390" v="2712" actId="21"/>
           <ac:picMkLst>
@@ -2736,7 +2781,7 @@
           </ac:picMkLst>
         </pc:picChg>
         <pc:picChg chg="add mod">
-          <ac:chgData name="ignazio emanuele picciche'" userId="0ffc6f3f-5a1e-4bcf-8207-6fcee5da7ade" providerId="ADAL" clId="{17056212-C789-4D94-A224-491696FC5D6E}" dt="2023-12-11T21:21:52.906" v="2714"/>
+          <ac:chgData name="ignazio emanuele picciche'" userId="0ffc6f3f-5a1e-4bcf-8207-6fcee5da7ade" providerId="ADAL" clId="{17056212-C789-4D94-A224-491696FC5D6E}" dt="2023-12-12T18:46:30.376" v="3113" actId="1076"/>
           <ac:picMkLst>
             <pc:docMk/>
             <pc:sldMk cId="3966135989" sldId="266"/>
@@ -2753,7 +2798,7 @@
         </pc:picChg>
       </pc:sldChg>
       <pc:sldChg chg="addSp delSp modSp add mod">
-        <pc:chgData name="ignazio emanuele picciche'" userId="0ffc6f3f-5a1e-4bcf-8207-6fcee5da7ade" providerId="ADAL" clId="{17056212-C789-4D94-A224-491696FC5D6E}" dt="2023-12-11T21:29:13.773" v="2841" actId="1076"/>
+        <pc:chgData name="ignazio emanuele picciche'" userId="0ffc6f3f-5a1e-4bcf-8207-6fcee5da7ade" providerId="ADAL" clId="{17056212-C789-4D94-A224-491696FC5D6E}" dt="2023-12-12T18:49:01.613" v="3132" actId="1076"/>
         <pc:sldMkLst>
           <pc:docMk/>
           <pc:sldMk cId="2218798297" sldId="267"/>
@@ -2764,6 +2809,14 @@
             <pc:docMk/>
             <pc:sldMk cId="2218798297" sldId="267"/>
             <ac:spMk id="9" creationId="{7DCA9D16-5034-279C-FF1F-96C45AF4B68F}"/>
+          </ac:spMkLst>
+        </pc:spChg>
+        <pc:spChg chg="mod">
+          <ac:chgData name="ignazio emanuele picciche'" userId="0ffc6f3f-5a1e-4bcf-8207-6fcee5da7ade" providerId="ADAL" clId="{17056212-C789-4D94-A224-491696FC5D6E}" dt="2023-12-12T18:49:01.613" v="3132" actId="1076"/>
+          <ac:spMkLst>
+            <pc:docMk/>
+            <pc:sldMk cId="2218798297" sldId="267"/>
+            <ac:spMk id="22" creationId="{8CF4B406-EA7E-B37B-213A-A8308F8FC216}"/>
           </ac:spMkLst>
         </pc:spChg>
         <pc:picChg chg="add del mod">
@@ -2799,7 +2852,7 @@
           </ac:picMkLst>
         </pc:picChg>
         <pc:picChg chg="add mod">
-          <ac:chgData name="ignazio emanuele picciche'" userId="0ffc6f3f-5a1e-4bcf-8207-6fcee5da7ade" providerId="ADAL" clId="{17056212-C789-4D94-A224-491696FC5D6E}" dt="2023-12-11T21:29:13.773" v="2841" actId="1076"/>
+          <ac:chgData name="ignazio emanuele picciche'" userId="0ffc6f3f-5a1e-4bcf-8207-6fcee5da7ade" providerId="ADAL" clId="{17056212-C789-4D94-A224-491696FC5D6E}" dt="2023-12-12T18:48:43.204" v="3129" actId="1076"/>
           <ac:picMkLst>
             <pc:docMk/>
             <pc:sldMk cId="2218798297" sldId="267"/>
@@ -2855,7 +2908,7 @@
         </pc:picChg>
       </pc:sldChg>
       <pc:sldChg chg="addSp delSp modSp add mod">
-        <pc:chgData name="ignazio emanuele picciche'" userId="0ffc6f3f-5a1e-4bcf-8207-6fcee5da7ade" providerId="ADAL" clId="{17056212-C789-4D94-A224-491696FC5D6E}" dt="2023-12-11T21:32:27.368" v="2920"/>
+        <pc:chgData name="ignazio emanuele picciche'" userId="0ffc6f3f-5a1e-4bcf-8207-6fcee5da7ade" providerId="ADAL" clId="{17056212-C789-4D94-A224-491696FC5D6E}" dt="2023-12-12T18:47:29.343" v="3127" actId="1076"/>
         <pc:sldMkLst>
           <pc:docMk/>
           <pc:sldMk cId="3547871776" sldId="269"/>
@@ -2866,6 +2919,14 @@
             <pc:docMk/>
             <pc:sldMk cId="3547871776" sldId="269"/>
             <ac:spMk id="9" creationId="{7DCA9D16-5034-279C-FF1F-96C45AF4B68F}"/>
+          </ac:spMkLst>
+        </pc:spChg>
+        <pc:spChg chg="mod">
+          <ac:chgData name="ignazio emanuele picciche'" userId="0ffc6f3f-5a1e-4bcf-8207-6fcee5da7ade" providerId="ADAL" clId="{17056212-C789-4D94-A224-491696FC5D6E}" dt="2023-12-12T18:47:15.816" v="3121" actId="1076"/>
+          <ac:spMkLst>
+            <pc:docMk/>
+            <pc:sldMk cId="3547871776" sldId="269"/>
+            <ac:spMk id="22" creationId="{8CF4B406-EA7E-B37B-213A-A8308F8FC216}"/>
           </ac:spMkLst>
         </pc:spChg>
         <pc:picChg chg="add del mod">
@@ -2884,8 +2945,16 @@
             <ac:picMk id="4" creationId="{9BF51828-B3D8-8E82-A4F3-CB61A789BBE7}"/>
           </ac:picMkLst>
         </pc:picChg>
+        <pc:picChg chg="mod">
+          <ac:chgData name="ignazio emanuele picciche'" userId="0ffc6f3f-5a1e-4bcf-8207-6fcee5da7ade" providerId="ADAL" clId="{17056212-C789-4D94-A224-491696FC5D6E}" dt="2023-12-12T18:46:59.259" v="3120" actId="1076"/>
+          <ac:picMkLst>
+            <pc:docMk/>
+            <pc:sldMk cId="3547871776" sldId="269"/>
+            <ac:picMk id="5" creationId="{B0F90A88-2372-3D69-96D2-BB8F636DDE9E}"/>
+          </ac:picMkLst>
+        </pc:picChg>
         <pc:picChg chg="add mod">
-          <ac:chgData name="ignazio emanuele picciche'" userId="0ffc6f3f-5a1e-4bcf-8207-6fcee5da7ade" providerId="ADAL" clId="{17056212-C789-4D94-A224-491696FC5D6E}" dt="2023-12-11T21:32:27.368" v="2920"/>
+          <ac:chgData name="ignazio emanuele picciche'" userId="0ffc6f3f-5a1e-4bcf-8207-6fcee5da7ade" providerId="ADAL" clId="{17056212-C789-4D94-A224-491696FC5D6E}" dt="2023-12-12T18:47:29.343" v="3127" actId="1076"/>
           <ac:picMkLst>
             <pc:docMk/>
             <pc:sldMk cId="3547871776" sldId="269"/>
@@ -2992,6 +3061,161 @@
           <pc:docMk/>
           <pc:sldMk cId="945971025" sldId="272"/>
         </pc:sldMkLst>
+      </pc:sldChg>
+      <pc:sldChg chg="addSp delSp modSp add mod">
+        <pc:chgData name="ignazio emanuele picciche'" userId="0ffc6f3f-5a1e-4bcf-8207-6fcee5da7ade" providerId="ADAL" clId="{17056212-C789-4D94-A224-491696FC5D6E}" dt="2023-12-12T19:07:50.086" v="3299" actId="1076"/>
+        <pc:sldMkLst>
+          <pc:docMk/>
+          <pc:sldMk cId="2244210577" sldId="273"/>
+        </pc:sldMkLst>
+        <pc:spChg chg="add del mod">
+          <ac:chgData name="ignazio emanuele picciche'" userId="0ffc6f3f-5a1e-4bcf-8207-6fcee5da7ade" providerId="ADAL" clId="{17056212-C789-4D94-A224-491696FC5D6E}" dt="2023-12-12T19:07:30.671" v="3276" actId="478"/>
+          <ac:spMkLst>
+            <pc:docMk/>
+            <pc:sldMk cId="2244210577" sldId="273"/>
+            <ac:spMk id="6" creationId="{55E43CD7-8658-0794-9438-CE9B27FDBAB7}"/>
+          </ac:spMkLst>
+        </pc:spChg>
+        <pc:spChg chg="add del mod">
+          <ac:chgData name="ignazio emanuele picciche'" userId="0ffc6f3f-5a1e-4bcf-8207-6fcee5da7ade" providerId="ADAL" clId="{17056212-C789-4D94-A224-491696FC5D6E}" dt="2023-12-12T19:07:27.121" v="3275"/>
+          <ac:spMkLst>
+            <pc:docMk/>
+            <pc:sldMk cId="2244210577" sldId="273"/>
+            <ac:spMk id="7" creationId="{AC037EA0-2811-6164-E495-2BDF308AC99A}"/>
+          </ac:spMkLst>
+        </pc:spChg>
+        <pc:spChg chg="add mod">
+          <ac:chgData name="ignazio emanuele picciche'" userId="0ffc6f3f-5a1e-4bcf-8207-6fcee5da7ade" providerId="ADAL" clId="{17056212-C789-4D94-A224-491696FC5D6E}" dt="2023-12-12T19:07:41.633" v="3297" actId="20577"/>
+          <ac:spMkLst>
+            <pc:docMk/>
+            <pc:sldMk cId="2244210577" sldId="273"/>
+            <ac:spMk id="8" creationId="{434CCB4D-254C-EBDE-2463-AB1821253B50}"/>
+          </ac:spMkLst>
+        </pc:spChg>
+        <pc:picChg chg="del">
+          <ac:chgData name="ignazio emanuele picciche'" userId="0ffc6f3f-5a1e-4bcf-8207-6fcee5da7ade" providerId="ADAL" clId="{17056212-C789-4D94-A224-491696FC5D6E}" dt="2023-12-12T19:03:28.852" v="3144" actId="478"/>
+          <ac:picMkLst>
+            <pc:docMk/>
+            <pc:sldMk cId="2244210577" sldId="273"/>
+            <ac:picMk id="3" creationId="{B9A28941-61E9-8009-E174-BEFAAA40B32C}"/>
+          </ac:picMkLst>
+        </pc:picChg>
+        <pc:picChg chg="add mod">
+          <ac:chgData name="ignazio emanuele picciche'" userId="0ffc6f3f-5a1e-4bcf-8207-6fcee5da7ade" providerId="ADAL" clId="{17056212-C789-4D94-A224-491696FC5D6E}" dt="2023-12-12T19:07:50.086" v="3299" actId="1076"/>
+          <ac:picMkLst>
+            <pc:docMk/>
+            <pc:sldMk cId="2244210577" sldId="273"/>
+            <ac:picMk id="4" creationId="{988E12BF-A4F6-3D79-2BA3-DB9629177034}"/>
+          </ac:picMkLst>
+        </pc:picChg>
+      </pc:sldChg>
+      <pc:sldChg chg="add">
+        <pc:chgData name="ignazio emanuele picciche'" userId="0ffc6f3f-5a1e-4bcf-8207-6fcee5da7ade" providerId="ADAL" clId="{17056212-C789-4D94-A224-491696FC5D6E}" dt="2023-12-12T19:03:32.985" v="3145" actId="2890"/>
+        <pc:sldMkLst>
+          <pc:docMk/>
+          <pc:sldMk cId="299009378" sldId="274"/>
+        </pc:sldMkLst>
+      </pc:sldChg>
+      <pc:sldChg chg="addSp delSp modSp add mod">
+        <pc:chgData name="ignazio emanuele picciche'" userId="0ffc6f3f-5a1e-4bcf-8207-6fcee5da7ade" providerId="ADAL" clId="{17056212-C789-4D94-A224-491696FC5D6E}" dt="2023-12-12T19:10:02.515" v="3320" actId="20577"/>
+        <pc:sldMkLst>
+          <pc:docMk/>
+          <pc:sldMk cId="178657401" sldId="275"/>
+        </pc:sldMkLst>
+        <pc:spChg chg="mod">
+          <ac:chgData name="ignazio emanuele picciche'" userId="0ffc6f3f-5a1e-4bcf-8207-6fcee5da7ade" providerId="ADAL" clId="{17056212-C789-4D94-A224-491696FC5D6E}" dt="2023-12-12T19:10:02.515" v="3320" actId="20577"/>
+          <ac:spMkLst>
+            <pc:docMk/>
+            <pc:sldMk cId="178657401" sldId="275"/>
+            <ac:spMk id="8" creationId="{434CCB4D-254C-EBDE-2463-AB1821253B50}"/>
+          </ac:spMkLst>
+        </pc:spChg>
+        <pc:picChg chg="add mod">
+          <ac:chgData name="ignazio emanuele picciche'" userId="0ffc6f3f-5a1e-4bcf-8207-6fcee5da7ade" providerId="ADAL" clId="{17056212-C789-4D94-A224-491696FC5D6E}" dt="2023-12-12T19:09:47.304" v="3305" actId="1076"/>
+          <ac:picMkLst>
+            <pc:docMk/>
+            <pc:sldMk cId="178657401" sldId="275"/>
+            <ac:picMk id="3" creationId="{C00DA293-7693-55DB-A8FD-BEFA994FA363}"/>
+          </ac:picMkLst>
+        </pc:picChg>
+        <pc:picChg chg="del">
+          <ac:chgData name="ignazio emanuele picciche'" userId="0ffc6f3f-5a1e-4bcf-8207-6fcee5da7ade" providerId="ADAL" clId="{17056212-C789-4D94-A224-491696FC5D6E}" dt="2023-12-12T19:07:57.990" v="3301" actId="478"/>
+          <ac:picMkLst>
+            <pc:docMk/>
+            <pc:sldMk cId="178657401" sldId="275"/>
+            <ac:picMk id="4" creationId="{988E12BF-A4F6-3D79-2BA3-DB9629177034}"/>
+          </ac:picMkLst>
+        </pc:picChg>
+      </pc:sldChg>
+      <pc:sldChg chg="addSp delSp modSp add mod">
+        <pc:chgData name="ignazio emanuele picciche'" userId="0ffc6f3f-5a1e-4bcf-8207-6fcee5da7ade" providerId="ADAL" clId="{17056212-C789-4D94-A224-491696FC5D6E}" dt="2023-12-12T19:20:23.664" v="3400" actId="14100"/>
+        <pc:sldMkLst>
+          <pc:docMk/>
+          <pc:sldMk cId="2940858589" sldId="276"/>
+        </pc:sldMkLst>
+        <pc:spChg chg="mod">
+          <ac:chgData name="ignazio emanuele picciche'" userId="0ffc6f3f-5a1e-4bcf-8207-6fcee5da7ade" providerId="ADAL" clId="{17056212-C789-4D94-A224-491696FC5D6E}" dt="2023-12-12T19:14:57.023" v="3368" actId="20577"/>
+          <ac:spMkLst>
+            <pc:docMk/>
+            <pc:sldMk cId="2940858589" sldId="276"/>
+            <ac:spMk id="8" creationId="{434CCB4D-254C-EBDE-2463-AB1821253B50}"/>
+          </ac:spMkLst>
+        </pc:spChg>
+        <pc:picChg chg="del">
+          <ac:chgData name="ignazio emanuele picciche'" userId="0ffc6f3f-5a1e-4bcf-8207-6fcee5da7ade" providerId="ADAL" clId="{17056212-C789-4D94-A224-491696FC5D6E}" dt="2023-12-12T19:10:28.698" v="3322" actId="478"/>
+          <ac:picMkLst>
+            <pc:docMk/>
+            <pc:sldMk cId="2940858589" sldId="276"/>
+            <ac:picMk id="3" creationId="{C00DA293-7693-55DB-A8FD-BEFA994FA363}"/>
+          </ac:picMkLst>
+        </pc:picChg>
+        <pc:picChg chg="add del mod">
+          <ac:chgData name="ignazio emanuele picciche'" userId="0ffc6f3f-5a1e-4bcf-8207-6fcee5da7ade" providerId="ADAL" clId="{17056212-C789-4D94-A224-491696FC5D6E}" dt="2023-12-12T19:20:07.220" v="3396" actId="478"/>
+          <ac:picMkLst>
+            <pc:docMk/>
+            <pc:sldMk cId="2940858589" sldId="276"/>
+            <ac:picMk id="4" creationId="{101E7565-1C55-28C8-6469-79F6579D669C}"/>
+          </ac:picMkLst>
+        </pc:picChg>
+        <pc:picChg chg="add mod">
+          <ac:chgData name="ignazio emanuele picciche'" userId="0ffc6f3f-5a1e-4bcf-8207-6fcee5da7ade" providerId="ADAL" clId="{17056212-C789-4D94-A224-491696FC5D6E}" dt="2023-12-12T19:20:23.664" v="3400" actId="14100"/>
+          <ac:picMkLst>
+            <pc:docMk/>
+            <pc:sldMk cId="2940858589" sldId="276"/>
+            <ac:picMk id="7" creationId="{ACDFA5FA-6E76-E836-C182-FBC2E0355CD3}"/>
+          </ac:picMkLst>
+        </pc:picChg>
+      </pc:sldChg>
+      <pc:sldChg chg="addSp delSp modSp add mod">
+        <pc:chgData name="ignazio emanuele picciche'" userId="0ffc6f3f-5a1e-4bcf-8207-6fcee5da7ade" providerId="ADAL" clId="{17056212-C789-4D94-A224-491696FC5D6E}" dt="2023-12-12T19:19:14.764" v="3395" actId="1076"/>
+        <pc:sldMkLst>
+          <pc:docMk/>
+          <pc:sldMk cId="1112807895" sldId="277"/>
+        </pc:sldMkLst>
+        <pc:spChg chg="mod">
+          <ac:chgData name="ignazio emanuele picciche'" userId="0ffc6f3f-5a1e-4bcf-8207-6fcee5da7ade" providerId="ADAL" clId="{17056212-C789-4D94-A224-491696FC5D6E}" dt="2023-12-12T19:15:15.977" v="3388" actId="20577"/>
+          <ac:spMkLst>
+            <pc:docMk/>
+            <pc:sldMk cId="1112807895" sldId="277"/>
+            <ac:spMk id="8" creationId="{434CCB4D-254C-EBDE-2463-AB1821253B50}"/>
+          </ac:spMkLst>
+        </pc:spChg>
+        <pc:picChg chg="add mod">
+          <ac:chgData name="ignazio emanuele picciche'" userId="0ffc6f3f-5a1e-4bcf-8207-6fcee5da7ade" providerId="ADAL" clId="{17056212-C789-4D94-A224-491696FC5D6E}" dt="2023-12-12T19:19:14.764" v="3395" actId="1076"/>
+          <ac:picMkLst>
+            <pc:docMk/>
+            <pc:sldMk cId="1112807895" sldId="277"/>
+            <ac:picMk id="3" creationId="{C22C0336-A48B-FDC5-442E-8A35C27030F4}"/>
+          </ac:picMkLst>
+        </pc:picChg>
+        <pc:picChg chg="del">
+          <ac:chgData name="ignazio emanuele picciche'" userId="0ffc6f3f-5a1e-4bcf-8207-6fcee5da7ade" providerId="ADAL" clId="{17056212-C789-4D94-A224-491696FC5D6E}" dt="2023-12-12T19:15:06.139" v="3370" actId="478"/>
+          <ac:picMkLst>
+            <pc:docMk/>
+            <pc:sldMk cId="1112807895" sldId="277"/>
+            <ac:picMk id="4" creationId="{101E7565-1C55-28C8-6469-79F6579D669C}"/>
+          </ac:picMkLst>
+        </pc:picChg>
       </pc:sldChg>
     </pc:docChg>
   </pc:docChgLst>
@@ -3239,7 +3463,7 @@
           <a:p>
             <a:fld id="{21590A60-A07C-46F9-8B65-B35F273389B3}" type="slidenum">
               <a:rPr lang="en-GB" smtClean="0"/>
-              <a:t>‹N›</a:t>
+              <a:t>‹#›</a:t>
             </a:fld>
             <a:endParaRPr lang="en-GB"/>
           </a:p>
@@ -3674,7 +3898,7 @@
     </p:spTree>
     <p:extLst>
       <p:ext uri="{BB962C8B-B14F-4D97-AF65-F5344CB8AC3E}">
-        <p14:creationId xmlns:p14="http://schemas.microsoft.com/office/powerpoint/2010/main" val="2710309120"/>
+        <p14:creationId xmlns:p14="http://schemas.microsoft.com/office/powerpoint/2010/main" val="558322348"/>
       </p:ext>
     </p:extLst>
   </p:cSld>
@@ -3750,6 +3974,426 @@
             <a:fld id="{21590A60-A07C-46F9-8B65-B35F273389B3}" type="slidenum">
               <a:rPr lang="en-GB" smtClean="0"/>
               <a:t>16</a:t>
+            </a:fld>
+            <a:endParaRPr lang="en-GB"/>
+          </a:p>
+        </p:txBody>
+      </p:sp>
+    </p:spTree>
+    <p:extLst>
+      <p:ext uri="{BB962C8B-B14F-4D97-AF65-F5344CB8AC3E}">
+        <p14:creationId xmlns:p14="http://schemas.microsoft.com/office/powerpoint/2010/main" val="1168927959"/>
+      </p:ext>
+    </p:extLst>
+  </p:cSld>
+  <p:clrMapOvr>
+    <a:masterClrMapping/>
+  </p:clrMapOvr>
+</p:notes>
+</file>
+
+<file path=ppt/notesSlides/notesSlide14.xml><?xml version="1.0" encoding="utf-8"?>
+<p:notes xmlns:a="http://schemas.openxmlformats.org/drawingml/2006/main" xmlns:r="http://schemas.openxmlformats.org/officeDocument/2006/relationships" xmlns:p="http://schemas.openxmlformats.org/presentationml/2006/main">
+  <p:cSld>
+    <p:spTree>
+      <p:nvGrpSpPr>
+        <p:cNvPr id="1" name=""/>
+        <p:cNvGrpSpPr/>
+        <p:nvPr/>
+      </p:nvGrpSpPr>
+      <p:grpSpPr>
+        <a:xfrm>
+          <a:off x="0" y="0"/>
+          <a:ext cx="0" cy="0"/>
+          <a:chOff x="0" y="0"/>
+          <a:chExt cx="0" cy="0"/>
+        </a:xfrm>
+      </p:grpSpPr>
+      <p:sp>
+        <p:nvSpPr>
+          <p:cNvPr id="2" name="Slide Image Placeholder 1"/>
+          <p:cNvSpPr>
+            <a:spLocks noGrp="1" noRot="1" noChangeAspect="1"/>
+          </p:cNvSpPr>
+          <p:nvPr>
+            <p:ph type="sldImg"/>
+          </p:nvPr>
+        </p:nvSpPr>
+        <p:spPr/>
+      </p:sp>
+      <p:sp>
+        <p:nvSpPr>
+          <p:cNvPr id="3" name="Notes Placeholder 2"/>
+          <p:cNvSpPr>
+            <a:spLocks noGrp="1"/>
+          </p:cNvSpPr>
+          <p:nvPr>
+            <p:ph type="body" idx="1"/>
+          </p:nvPr>
+        </p:nvSpPr>
+        <p:spPr/>
+        <p:txBody>
+          <a:bodyPr/>
+          <a:lstStyle/>
+          <a:p>
+            <a:endParaRPr lang="en-GB" dirty="0"/>
+          </a:p>
+        </p:txBody>
+      </p:sp>
+      <p:sp>
+        <p:nvSpPr>
+          <p:cNvPr id="4" name="Slide Number Placeholder 3"/>
+          <p:cNvSpPr>
+            <a:spLocks noGrp="1"/>
+          </p:cNvSpPr>
+          <p:nvPr>
+            <p:ph type="sldNum" sz="quarter" idx="5"/>
+          </p:nvPr>
+        </p:nvSpPr>
+        <p:spPr/>
+        <p:txBody>
+          <a:bodyPr/>
+          <a:lstStyle/>
+          <a:p>
+            <a:fld id="{21590A60-A07C-46F9-8B65-B35F273389B3}" type="slidenum">
+              <a:rPr lang="en-GB" smtClean="0"/>
+              <a:t>17</a:t>
+            </a:fld>
+            <a:endParaRPr lang="en-GB"/>
+          </a:p>
+        </p:txBody>
+      </p:sp>
+    </p:spTree>
+    <p:extLst>
+      <p:ext uri="{BB962C8B-B14F-4D97-AF65-F5344CB8AC3E}">
+        <p14:creationId xmlns:p14="http://schemas.microsoft.com/office/powerpoint/2010/main" val="2477077379"/>
+      </p:ext>
+    </p:extLst>
+  </p:cSld>
+  <p:clrMapOvr>
+    <a:masterClrMapping/>
+  </p:clrMapOvr>
+</p:notes>
+</file>
+
+<file path=ppt/notesSlides/notesSlide15.xml><?xml version="1.0" encoding="utf-8"?>
+<p:notes xmlns:a="http://schemas.openxmlformats.org/drawingml/2006/main" xmlns:r="http://schemas.openxmlformats.org/officeDocument/2006/relationships" xmlns:p="http://schemas.openxmlformats.org/presentationml/2006/main">
+  <p:cSld>
+    <p:spTree>
+      <p:nvGrpSpPr>
+        <p:cNvPr id="1" name=""/>
+        <p:cNvGrpSpPr/>
+        <p:nvPr/>
+      </p:nvGrpSpPr>
+      <p:grpSpPr>
+        <a:xfrm>
+          <a:off x="0" y="0"/>
+          <a:ext cx="0" cy="0"/>
+          <a:chOff x="0" y="0"/>
+          <a:chExt cx="0" cy="0"/>
+        </a:xfrm>
+      </p:grpSpPr>
+      <p:sp>
+        <p:nvSpPr>
+          <p:cNvPr id="2" name="Slide Image Placeholder 1"/>
+          <p:cNvSpPr>
+            <a:spLocks noGrp="1" noRot="1" noChangeAspect="1"/>
+          </p:cNvSpPr>
+          <p:nvPr>
+            <p:ph type="sldImg"/>
+          </p:nvPr>
+        </p:nvSpPr>
+        <p:spPr/>
+      </p:sp>
+      <p:sp>
+        <p:nvSpPr>
+          <p:cNvPr id="3" name="Notes Placeholder 2"/>
+          <p:cNvSpPr>
+            <a:spLocks noGrp="1"/>
+          </p:cNvSpPr>
+          <p:nvPr>
+            <p:ph type="body" idx="1"/>
+          </p:nvPr>
+        </p:nvSpPr>
+        <p:spPr/>
+        <p:txBody>
+          <a:bodyPr/>
+          <a:lstStyle/>
+          <a:p>
+            <a:endParaRPr lang="en-GB" dirty="0"/>
+          </a:p>
+        </p:txBody>
+      </p:sp>
+      <p:sp>
+        <p:nvSpPr>
+          <p:cNvPr id="4" name="Slide Number Placeholder 3"/>
+          <p:cNvSpPr>
+            <a:spLocks noGrp="1"/>
+          </p:cNvSpPr>
+          <p:nvPr>
+            <p:ph type="sldNum" sz="quarter" idx="5"/>
+          </p:nvPr>
+        </p:nvSpPr>
+        <p:spPr/>
+        <p:txBody>
+          <a:bodyPr/>
+          <a:lstStyle/>
+          <a:p>
+            <a:fld id="{21590A60-A07C-46F9-8B65-B35F273389B3}" type="slidenum">
+              <a:rPr lang="en-GB" smtClean="0"/>
+              <a:t>18</a:t>
+            </a:fld>
+            <a:endParaRPr lang="en-GB"/>
+          </a:p>
+        </p:txBody>
+      </p:sp>
+    </p:spTree>
+    <p:extLst>
+      <p:ext uri="{BB962C8B-B14F-4D97-AF65-F5344CB8AC3E}">
+        <p14:creationId xmlns:p14="http://schemas.microsoft.com/office/powerpoint/2010/main" val="2387850727"/>
+      </p:ext>
+    </p:extLst>
+  </p:cSld>
+  <p:clrMapOvr>
+    <a:masterClrMapping/>
+  </p:clrMapOvr>
+</p:notes>
+</file>
+
+<file path=ppt/notesSlides/notesSlide16.xml><?xml version="1.0" encoding="utf-8"?>
+<p:notes xmlns:a="http://schemas.openxmlformats.org/drawingml/2006/main" xmlns:r="http://schemas.openxmlformats.org/officeDocument/2006/relationships" xmlns:p="http://schemas.openxmlformats.org/presentationml/2006/main">
+  <p:cSld>
+    <p:spTree>
+      <p:nvGrpSpPr>
+        <p:cNvPr id="1" name=""/>
+        <p:cNvGrpSpPr/>
+        <p:nvPr/>
+      </p:nvGrpSpPr>
+      <p:grpSpPr>
+        <a:xfrm>
+          <a:off x="0" y="0"/>
+          <a:ext cx="0" cy="0"/>
+          <a:chOff x="0" y="0"/>
+          <a:chExt cx="0" cy="0"/>
+        </a:xfrm>
+      </p:grpSpPr>
+      <p:sp>
+        <p:nvSpPr>
+          <p:cNvPr id="2" name="Slide Image Placeholder 1"/>
+          <p:cNvSpPr>
+            <a:spLocks noGrp="1" noRot="1" noChangeAspect="1"/>
+          </p:cNvSpPr>
+          <p:nvPr>
+            <p:ph type="sldImg"/>
+          </p:nvPr>
+        </p:nvSpPr>
+        <p:spPr/>
+      </p:sp>
+      <p:sp>
+        <p:nvSpPr>
+          <p:cNvPr id="3" name="Notes Placeholder 2"/>
+          <p:cNvSpPr>
+            <a:spLocks noGrp="1"/>
+          </p:cNvSpPr>
+          <p:nvPr>
+            <p:ph type="body" idx="1"/>
+          </p:nvPr>
+        </p:nvSpPr>
+        <p:spPr/>
+        <p:txBody>
+          <a:bodyPr/>
+          <a:lstStyle/>
+          <a:p>
+            <a:endParaRPr lang="en-GB" dirty="0"/>
+          </a:p>
+        </p:txBody>
+      </p:sp>
+      <p:sp>
+        <p:nvSpPr>
+          <p:cNvPr id="4" name="Slide Number Placeholder 3"/>
+          <p:cNvSpPr>
+            <a:spLocks noGrp="1"/>
+          </p:cNvSpPr>
+          <p:nvPr>
+            <p:ph type="sldNum" sz="quarter" idx="5"/>
+          </p:nvPr>
+        </p:nvSpPr>
+        <p:spPr/>
+        <p:txBody>
+          <a:bodyPr/>
+          <a:lstStyle/>
+          <a:p>
+            <a:fld id="{21590A60-A07C-46F9-8B65-B35F273389B3}" type="slidenum">
+              <a:rPr lang="en-GB" smtClean="0"/>
+              <a:t>19</a:t>
+            </a:fld>
+            <a:endParaRPr lang="en-GB"/>
+          </a:p>
+        </p:txBody>
+      </p:sp>
+    </p:spTree>
+    <p:extLst>
+      <p:ext uri="{BB962C8B-B14F-4D97-AF65-F5344CB8AC3E}">
+        <p14:creationId xmlns:p14="http://schemas.microsoft.com/office/powerpoint/2010/main" val="878146333"/>
+      </p:ext>
+    </p:extLst>
+  </p:cSld>
+  <p:clrMapOvr>
+    <a:masterClrMapping/>
+  </p:clrMapOvr>
+</p:notes>
+</file>
+
+<file path=ppt/notesSlides/notesSlide17.xml><?xml version="1.0" encoding="utf-8"?>
+<p:notes xmlns:a="http://schemas.openxmlformats.org/drawingml/2006/main" xmlns:r="http://schemas.openxmlformats.org/officeDocument/2006/relationships" xmlns:p="http://schemas.openxmlformats.org/presentationml/2006/main">
+  <p:cSld>
+    <p:spTree>
+      <p:nvGrpSpPr>
+        <p:cNvPr id="1" name=""/>
+        <p:cNvGrpSpPr/>
+        <p:nvPr/>
+      </p:nvGrpSpPr>
+      <p:grpSpPr>
+        <a:xfrm>
+          <a:off x="0" y="0"/>
+          <a:ext cx="0" cy="0"/>
+          <a:chOff x="0" y="0"/>
+          <a:chExt cx="0" cy="0"/>
+        </a:xfrm>
+      </p:grpSpPr>
+      <p:sp>
+        <p:nvSpPr>
+          <p:cNvPr id="2" name="Slide Image Placeholder 1"/>
+          <p:cNvSpPr>
+            <a:spLocks noGrp="1" noRot="1" noChangeAspect="1"/>
+          </p:cNvSpPr>
+          <p:nvPr>
+            <p:ph type="sldImg"/>
+          </p:nvPr>
+        </p:nvSpPr>
+        <p:spPr/>
+      </p:sp>
+      <p:sp>
+        <p:nvSpPr>
+          <p:cNvPr id="3" name="Notes Placeholder 2"/>
+          <p:cNvSpPr>
+            <a:spLocks noGrp="1"/>
+          </p:cNvSpPr>
+          <p:nvPr>
+            <p:ph type="body" idx="1"/>
+          </p:nvPr>
+        </p:nvSpPr>
+        <p:spPr/>
+        <p:txBody>
+          <a:bodyPr/>
+          <a:lstStyle/>
+          <a:p>
+            <a:endParaRPr lang="en-GB" dirty="0"/>
+          </a:p>
+        </p:txBody>
+      </p:sp>
+      <p:sp>
+        <p:nvSpPr>
+          <p:cNvPr id="4" name="Slide Number Placeholder 3"/>
+          <p:cNvSpPr>
+            <a:spLocks noGrp="1"/>
+          </p:cNvSpPr>
+          <p:nvPr>
+            <p:ph type="sldNum" sz="quarter" idx="5"/>
+          </p:nvPr>
+        </p:nvSpPr>
+        <p:spPr/>
+        <p:txBody>
+          <a:bodyPr/>
+          <a:lstStyle/>
+          <a:p>
+            <a:fld id="{21590A60-A07C-46F9-8B65-B35F273389B3}" type="slidenum">
+              <a:rPr lang="en-GB" smtClean="0"/>
+              <a:t>20</a:t>
+            </a:fld>
+            <a:endParaRPr lang="en-GB"/>
+          </a:p>
+        </p:txBody>
+      </p:sp>
+    </p:spTree>
+    <p:extLst>
+      <p:ext uri="{BB962C8B-B14F-4D97-AF65-F5344CB8AC3E}">
+        <p14:creationId xmlns:p14="http://schemas.microsoft.com/office/powerpoint/2010/main" val="2710309120"/>
+      </p:ext>
+    </p:extLst>
+  </p:cSld>
+  <p:clrMapOvr>
+    <a:masterClrMapping/>
+  </p:clrMapOvr>
+</p:notes>
+</file>
+
+<file path=ppt/notesSlides/notesSlide18.xml><?xml version="1.0" encoding="utf-8"?>
+<p:notes xmlns:a="http://schemas.openxmlformats.org/drawingml/2006/main" xmlns:r="http://schemas.openxmlformats.org/officeDocument/2006/relationships" xmlns:p="http://schemas.openxmlformats.org/presentationml/2006/main">
+  <p:cSld>
+    <p:spTree>
+      <p:nvGrpSpPr>
+        <p:cNvPr id="1" name=""/>
+        <p:cNvGrpSpPr/>
+        <p:nvPr/>
+      </p:nvGrpSpPr>
+      <p:grpSpPr>
+        <a:xfrm>
+          <a:off x="0" y="0"/>
+          <a:ext cx="0" cy="0"/>
+          <a:chOff x="0" y="0"/>
+          <a:chExt cx="0" cy="0"/>
+        </a:xfrm>
+      </p:grpSpPr>
+      <p:sp>
+        <p:nvSpPr>
+          <p:cNvPr id="2" name="Slide Image Placeholder 1"/>
+          <p:cNvSpPr>
+            <a:spLocks noGrp="1" noRot="1" noChangeAspect="1"/>
+          </p:cNvSpPr>
+          <p:nvPr>
+            <p:ph type="sldImg"/>
+          </p:nvPr>
+        </p:nvSpPr>
+        <p:spPr/>
+      </p:sp>
+      <p:sp>
+        <p:nvSpPr>
+          <p:cNvPr id="3" name="Notes Placeholder 2"/>
+          <p:cNvSpPr>
+            <a:spLocks noGrp="1"/>
+          </p:cNvSpPr>
+          <p:nvPr>
+            <p:ph type="body" idx="1"/>
+          </p:nvPr>
+        </p:nvSpPr>
+        <p:spPr/>
+        <p:txBody>
+          <a:bodyPr/>
+          <a:lstStyle/>
+          <a:p>
+            <a:endParaRPr lang="en-GB" dirty="0"/>
+          </a:p>
+        </p:txBody>
+      </p:sp>
+      <p:sp>
+        <p:nvSpPr>
+          <p:cNvPr id="4" name="Slide Number Placeholder 3"/>
+          <p:cNvSpPr>
+            <a:spLocks noGrp="1"/>
+          </p:cNvSpPr>
+          <p:nvPr>
+            <p:ph type="sldNum" sz="quarter" idx="5"/>
+          </p:nvPr>
+        </p:nvSpPr>
+        <p:spPr/>
+        <p:txBody>
+          <a:bodyPr/>
+          <a:lstStyle/>
+          <a:p>
+            <a:fld id="{21590A60-A07C-46F9-8B65-B35F273389B3}" type="slidenum">
+              <a:rPr lang="en-GB" smtClean="0"/>
+              <a:t>21</a:t>
             </a:fld>
             <a:endParaRPr lang="en-GB"/>
           </a:p>
@@ -4643,7 +5287,7 @@
           <a:p>
             <a:fld id="{FEFDB88F-100D-4711-A891-FAA8E52A6A31}" type="slidenum">
               <a:rPr lang="en-GB" smtClean="0"/>
-              <a:t>‹N›</a:t>
+              <a:t>‹#›</a:t>
             </a:fld>
             <a:endParaRPr lang="en-GB"/>
           </a:p>
@@ -4843,7 +5487,7 @@
           <a:p>
             <a:fld id="{FEFDB88F-100D-4711-A891-FAA8E52A6A31}" type="slidenum">
               <a:rPr lang="en-GB" smtClean="0"/>
-              <a:t>‹N›</a:t>
+              <a:t>‹#›</a:t>
             </a:fld>
             <a:endParaRPr lang="en-GB"/>
           </a:p>
@@ -5053,7 +5697,7 @@
           <a:p>
             <a:fld id="{FEFDB88F-100D-4711-A891-FAA8E52A6A31}" type="slidenum">
               <a:rPr lang="en-GB" smtClean="0"/>
-              <a:t>‹N›</a:t>
+              <a:t>‹#›</a:t>
             </a:fld>
             <a:endParaRPr lang="en-GB"/>
           </a:p>
@@ -5253,7 +5897,7 @@
           <a:p>
             <a:fld id="{FEFDB88F-100D-4711-A891-FAA8E52A6A31}" type="slidenum">
               <a:rPr lang="en-GB" smtClean="0"/>
-              <a:t>‹N›</a:t>
+              <a:t>‹#›</a:t>
             </a:fld>
             <a:endParaRPr lang="en-GB"/>
           </a:p>
@@ -5529,7 +6173,7 @@
           <a:p>
             <a:fld id="{FEFDB88F-100D-4711-A891-FAA8E52A6A31}" type="slidenum">
               <a:rPr lang="en-GB" smtClean="0"/>
-              <a:t>‹N›</a:t>
+              <a:t>‹#›</a:t>
             </a:fld>
             <a:endParaRPr lang="en-GB"/>
           </a:p>
@@ -5797,7 +6441,7 @@
           <a:p>
             <a:fld id="{FEFDB88F-100D-4711-A891-FAA8E52A6A31}" type="slidenum">
               <a:rPr lang="en-GB" smtClean="0"/>
-              <a:t>‹N›</a:t>
+              <a:t>‹#›</a:t>
             </a:fld>
             <a:endParaRPr lang="en-GB"/>
           </a:p>
@@ -6212,7 +6856,7 @@
           <a:p>
             <a:fld id="{FEFDB88F-100D-4711-A891-FAA8E52A6A31}" type="slidenum">
               <a:rPr lang="en-GB" smtClean="0"/>
-              <a:t>‹N›</a:t>
+              <a:t>‹#›</a:t>
             </a:fld>
             <a:endParaRPr lang="en-GB"/>
           </a:p>
@@ -6354,7 +6998,7 @@
           <a:p>
             <a:fld id="{FEFDB88F-100D-4711-A891-FAA8E52A6A31}" type="slidenum">
               <a:rPr lang="en-GB" smtClean="0"/>
-              <a:t>‹N›</a:t>
+              <a:t>‹#›</a:t>
             </a:fld>
             <a:endParaRPr lang="en-GB"/>
           </a:p>
@@ -6467,7 +7111,7 @@
           <a:p>
             <a:fld id="{FEFDB88F-100D-4711-A891-FAA8E52A6A31}" type="slidenum">
               <a:rPr lang="en-GB" smtClean="0"/>
-              <a:t>‹N›</a:t>
+              <a:t>‹#›</a:t>
             </a:fld>
             <a:endParaRPr lang="en-GB"/>
           </a:p>
@@ -6780,7 +7424,7 @@
           <a:p>
             <a:fld id="{FEFDB88F-100D-4711-A891-FAA8E52A6A31}" type="slidenum">
               <a:rPr lang="en-GB" smtClean="0"/>
-              <a:t>‹N›</a:t>
+              <a:t>‹#›</a:t>
             </a:fld>
             <a:endParaRPr lang="en-GB"/>
           </a:p>
@@ -7069,7 +7713,7 @@
           <a:p>
             <a:fld id="{FEFDB88F-100D-4711-A891-FAA8E52A6A31}" type="slidenum">
               <a:rPr lang="en-GB" smtClean="0"/>
-              <a:t>‹N›</a:t>
+              <a:t>‹#›</a:t>
             </a:fld>
             <a:endParaRPr lang="en-GB"/>
           </a:p>
@@ -7348,7 +7992,7 @@
           <a:p>
             <a:fld id="{FEFDB88F-100D-4711-A891-FAA8E52A6A31}" type="slidenum">
               <a:rPr lang="en-GB" smtClean="0"/>
-              <a:t>‹N›</a:t>
+              <a:t>‹#›</a:t>
             </a:fld>
             <a:endParaRPr lang="en-GB"/>
           </a:p>
@@ -8322,8 +8966,8 @@
         </p:nvSpPr>
         <p:spPr>
           <a:xfrm>
-            <a:off x="301733" y="5022218"/>
-            <a:ext cx="10833300" cy="1477328"/>
+            <a:off x="301732" y="5257764"/>
+            <a:ext cx="11467480" cy="1200329"/>
           </a:xfrm>
           <a:prstGeom prst="rect">
             <a:avLst/>
@@ -8717,8 +9361,8 @@
         </p:blipFill>
         <p:spPr>
           <a:xfrm>
-            <a:off x="2975070" y="1110372"/>
-            <a:ext cx="6241859" cy="3792457"/>
+            <a:off x="7186858" y="2000139"/>
+            <a:ext cx="4703410" cy="2857719"/>
           </a:xfrm>
           <a:prstGeom prst="rect">
             <a:avLst/>
@@ -9940,6 +10584,99 @@
           </a:prstGeom>
         </p:spPr>
       </p:pic>
+      <p:pic>
+        <p:nvPicPr>
+          <p:cNvPr id="3" name="Picture 2">
+            <a:extLst>
+              <a:ext uri="{FF2B5EF4-FFF2-40B4-BE49-F238E27FC236}">
+                <a16:creationId xmlns:a16="http://schemas.microsoft.com/office/drawing/2014/main" id="{B9A28941-61E9-8009-E174-BEFAAA40B32C}"/>
+              </a:ext>
+            </a:extLst>
+          </p:cNvPr>
+          <p:cNvPicPr>
+            <a:picLocks noChangeAspect="1"/>
+          </p:cNvPicPr>
+          <p:nvPr/>
+        </p:nvPicPr>
+        <p:blipFill>
+          <a:blip r:embed="rId5"/>
+          <a:stretch>
+            <a:fillRect/>
+          </a:stretch>
+        </p:blipFill>
+        <p:spPr>
+          <a:xfrm>
+            <a:off x="1362388" y="1735449"/>
+            <a:ext cx="9467223" cy="4717587"/>
+          </a:xfrm>
+          <a:prstGeom prst="rect">
+            <a:avLst/>
+          </a:prstGeom>
+        </p:spPr>
+      </p:pic>
+      <p:sp>
+        <p:nvSpPr>
+          <p:cNvPr id="4" name="TextBox 3">
+            <a:extLst>
+              <a:ext uri="{FF2B5EF4-FFF2-40B4-BE49-F238E27FC236}">
+                <a16:creationId xmlns:a16="http://schemas.microsoft.com/office/drawing/2014/main" id="{0001FB6F-5E9B-D958-E30A-9344EB18D7EB}"/>
+              </a:ext>
+            </a:extLst>
+          </p:cNvPr>
+          <p:cNvSpPr txBox="1"/>
+          <p:nvPr/>
+        </p:nvSpPr>
+        <p:spPr>
+          <a:xfrm>
+            <a:off x="301732" y="1026849"/>
+            <a:ext cx="4081758" cy="369332"/>
+          </a:xfrm>
+          <a:prstGeom prst="rect">
+            <a:avLst/>
+          </a:prstGeom>
+          <a:noFill/>
+        </p:spPr>
+        <p:txBody>
+          <a:bodyPr wrap="none" rtlCol="0">
+            <a:spAutoFit/>
+          </a:bodyPr>
+          <a:lstStyle/>
+          <a:p>
+            <a:r>
+              <a:rPr lang="en-GB" dirty="0" err="1"/>
+              <a:t>Fotografia</a:t>
+            </a:r>
+            <a:r>
+              <a:rPr lang="en-GB" dirty="0"/>
+              <a:t> </a:t>
+            </a:r>
+            <a:r>
+              <a:rPr lang="en-GB" dirty="0" err="1"/>
+              <a:t>Planetaria</a:t>
+            </a:r>
+            <a:r>
+              <a:rPr lang="en-GB" dirty="0"/>
+              <a:t> in </a:t>
+            </a:r>
+            <a:r>
+              <a:rPr lang="en-GB" dirty="0" err="1"/>
+              <a:t>buone</a:t>
+            </a:r>
+            <a:r>
+              <a:rPr lang="en-GB" dirty="0"/>
+              <a:t> </a:t>
+            </a:r>
+            <a:r>
+              <a:rPr lang="en-GB" dirty="0" err="1"/>
+              <a:t>condizioni</a:t>
+            </a:r>
+            <a:r>
+              <a:rPr lang="en-GB" dirty="0"/>
+              <a:t>.</a:t>
+            </a:r>
+          </a:p>
+        </p:txBody>
+      </p:sp>
     </p:spTree>
     <p:extLst>
       <p:ext uri="{BB962C8B-B14F-4D97-AF65-F5344CB8AC3E}">
@@ -10092,7 +10829,7 @@
         <p:spPr>
           <a:xfrm>
             <a:off x="301732" y="293576"/>
-            <a:ext cx="3456452" cy="523220"/>
+            <a:ext cx="978428" cy="523220"/>
           </a:xfrm>
           <a:prstGeom prst="rect">
             <a:avLst/>
@@ -10106,12 +10843,8 @@
           <a:lstStyle/>
           <a:p>
             <a:r>
-              <a:rPr lang="en-GB" sz="2800" b="1" dirty="0" err="1"/>
-              <a:t>Casi</a:t>
-            </a:r>
-            <a:r>
               <a:rPr lang="en-GB" sz="2800" b="1" dirty="0"/>
-              <a:t> limite</a:t>
+              <a:t>Test</a:t>
             </a:r>
           </a:p>
         </p:txBody>
@@ -10152,10 +10885,103 @@
           </a:prstGeom>
         </p:spPr>
       </p:pic>
+      <p:pic>
+        <p:nvPicPr>
+          <p:cNvPr id="4" name="Picture 3">
+            <a:extLst>
+              <a:ext uri="{FF2B5EF4-FFF2-40B4-BE49-F238E27FC236}">
+                <a16:creationId xmlns:a16="http://schemas.microsoft.com/office/drawing/2014/main" id="{988E12BF-A4F6-3D79-2BA3-DB9629177034}"/>
+              </a:ext>
+            </a:extLst>
+          </p:cNvPr>
+          <p:cNvPicPr>
+            <a:picLocks noChangeAspect="1"/>
+          </p:cNvPicPr>
+          <p:nvPr/>
+        </p:nvPicPr>
+        <p:blipFill>
+          <a:blip r:embed="rId5"/>
+          <a:stretch>
+            <a:fillRect/>
+          </a:stretch>
+        </p:blipFill>
+        <p:spPr>
+          <a:xfrm>
+            <a:off x="1266765" y="1793844"/>
+            <a:ext cx="9658470" cy="4770580"/>
+          </a:xfrm>
+          <a:prstGeom prst="rect">
+            <a:avLst/>
+          </a:prstGeom>
+        </p:spPr>
+      </p:pic>
+      <p:sp>
+        <p:nvSpPr>
+          <p:cNvPr id="8" name="TextBox 7">
+            <a:extLst>
+              <a:ext uri="{FF2B5EF4-FFF2-40B4-BE49-F238E27FC236}">
+                <a16:creationId xmlns:a16="http://schemas.microsoft.com/office/drawing/2014/main" id="{434CCB4D-254C-EBDE-2463-AB1821253B50}"/>
+              </a:ext>
+            </a:extLst>
+          </p:cNvPr>
+          <p:cNvSpPr txBox="1"/>
+          <p:nvPr/>
+        </p:nvSpPr>
+        <p:spPr>
+          <a:xfrm>
+            <a:off x="301732" y="1026849"/>
+            <a:ext cx="4233723" cy="369332"/>
+          </a:xfrm>
+          <a:prstGeom prst="rect">
+            <a:avLst/>
+          </a:prstGeom>
+          <a:noFill/>
+        </p:spPr>
+        <p:txBody>
+          <a:bodyPr wrap="none" rtlCol="0">
+            <a:spAutoFit/>
+          </a:bodyPr>
+          <a:lstStyle/>
+          <a:p>
+            <a:r>
+              <a:rPr lang="en-GB" dirty="0" err="1"/>
+              <a:t>Fotografia</a:t>
+            </a:r>
+            <a:r>
+              <a:rPr lang="en-GB" dirty="0"/>
+              <a:t> </a:t>
+            </a:r>
+            <a:r>
+              <a:rPr lang="en-GB" dirty="0" err="1"/>
+              <a:t>Planetaria</a:t>
+            </a:r>
+            <a:r>
+              <a:rPr lang="en-GB" dirty="0"/>
+              <a:t> con </a:t>
+            </a:r>
+            <a:r>
+              <a:rPr lang="en-GB" dirty="0" err="1"/>
+              <a:t>condizioni</a:t>
+            </a:r>
+            <a:r>
+              <a:rPr lang="en-GB" dirty="0"/>
+              <a:t> </a:t>
+            </a:r>
+            <a:r>
+              <a:rPr lang="en-GB" dirty="0" err="1"/>
+              <a:t>medie</a:t>
+            </a:r>
+            <a:r>
+              <a:rPr lang="en-GB" dirty="0"/>
+              <a:t>.</a:t>
+            </a:r>
+          </a:p>
+        </p:txBody>
+      </p:sp>
     </p:spTree>
     <p:extLst>
       <p:ext uri="{BB962C8B-B14F-4D97-AF65-F5344CB8AC3E}">
-        <p14:creationId xmlns:p14="http://schemas.microsoft.com/office/powerpoint/2010/main" val="1668053405"/>
+        <p14:creationId xmlns:p14="http://schemas.microsoft.com/office/powerpoint/2010/main" val="2244210577"/>
       </p:ext>
     </p:extLst>
   </p:cSld>
@@ -10289,6 +11115,41 @@
           </a:prstGeom>
         </p:spPr>
       </p:pic>
+      <p:sp>
+        <p:nvSpPr>
+          <p:cNvPr id="9" name="TextBox 8">
+            <a:extLst>
+              <a:ext uri="{FF2B5EF4-FFF2-40B4-BE49-F238E27FC236}">
+                <a16:creationId xmlns:a16="http://schemas.microsoft.com/office/drawing/2014/main" id="{7DCA9D16-5034-279C-FF1F-96C45AF4B68F}"/>
+              </a:ext>
+            </a:extLst>
+          </p:cNvPr>
+          <p:cNvSpPr txBox="1"/>
+          <p:nvPr/>
+        </p:nvSpPr>
+        <p:spPr>
+          <a:xfrm>
+            <a:off x="301732" y="293576"/>
+            <a:ext cx="978428" cy="523220"/>
+          </a:xfrm>
+          <a:prstGeom prst="rect">
+            <a:avLst/>
+          </a:prstGeom>
+          <a:noFill/>
+        </p:spPr>
+        <p:txBody>
+          <a:bodyPr wrap="square" rtlCol="0">
+            <a:spAutoFit/>
+          </a:bodyPr>
+          <a:lstStyle/>
+          <a:p>
+            <a:r>
+              <a:rPr lang="en-GB" sz="2800" b="1" dirty="0"/>
+              <a:t>Test</a:t>
+            </a:r>
+          </a:p>
+        </p:txBody>
+      </p:sp>
       <p:pic>
         <p:nvPicPr>
           <p:cNvPr id="15" name="Picture 14" descr="A blue and white logo&#10;&#10;Description automatically generated">
@@ -10327,10 +11188,10 @@
       </p:pic>
       <p:sp>
         <p:nvSpPr>
-          <p:cNvPr id="2" name="TextBox 1">
-            <a:extLst>
-              <a:ext uri="{FF2B5EF4-FFF2-40B4-BE49-F238E27FC236}">
-                <a16:creationId xmlns:a16="http://schemas.microsoft.com/office/drawing/2014/main" id="{A16A756F-7D09-52EE-CD05-3CF4139DC46D}"/>
+          <p:cNvPr id="8" name="TextBox 7">
+            <a:extLst>
+              <a:ext uri="{FF2B5EF4-FFF2-40B4-BE49-F238E27FC236}">
+                <a16:creationId xmlns:a16="http://schemas.microsoft.com/office/drawing/2014/main" id="{434CCB4D-254C-EBDE-2463-AB1821253B50}"/>
               </a:ext>
             </a:extLst>
           </p:cNvPr>
@@ -10339,8 +11200,8 @@
         </p:nvSpPr>
         <p:spPr>
           <a:xfrm>
-            <a:off x="2547817" y="2921167"/>
-            <a:ext cx="7096366" cy="1015663"/>
+            <a:off x="301732" y="1026849"/>
+            <a:ext cx="4664931" cy="369332"/>
           </a:xfrm>
           <a:prstGeom prst="rect">
             <a:avLst/>
@@ -10354,29 +11215,213 @@
           <a:lstStyle/>
           <a:p>
             <a:r>
-              <a:rPr lang="en-GB" sz="6000" b="1" dirty="0">
-                <a:latin typeface="+mj-lt"/>
-              </a:rPr>
-              <a:t>Grazie per </a:t>
-            </a:r>
-            <a:r>
-              <a:rPr lang="en-GB" sz="6000" b="1" dirty="0" err="1">
-                <a:latin typeface="+mj-lt"/>
-              </a:rPr>
-              <a:t>l’attenzione</a:t>
-            </a:r>
-            <a:endParaRPr lang="en-GB" sz="6000" b="1" dirty="0">
-              <a:latin typeface="+mj-lt"/>
-            </a:endParaRPr>
-          </a:p>
-        </p:txBody>
-      </p:sp>
-      <p:sp>
-        <p:nvSpPr>
-          <p:cNvPr id="3" name="TextBox 2">
-            <a:extLst>
-              <a:ext uri="{FF2B5EF4-FFF2-40B4-BE49-F238E27FC236}">
-                <a16:creationId xmlns:a16="http://schemas.microsoft.com/office/drawing/2014/main" id="{C9D28ED9-E95D-507E-FC43-A20B7E08E910}"/>
+              <a:rPr lang="en-GB" dirty="0" err="1"/>
+              <a:t>Fotografia</a:t>
+            </a:r>
+            <a:r>
+              <a:rPr lang="en-GB" dirty="0"/>
+              <a:t> </a:t>
+            </a:r>
+            <a:r>
+              <a:rPr lang="en-GB" dirty="0" err="1"/>
+              <a:t>Planetaria</a:t>
+            </a:r>
+            <a:r>
+              <a:rPr lang="en-GB" dirty="0"/>
+              <a:t> con </a:t>
+            </a:r>
+            <a:r>
+              <a:rPr lang="en-GB" dirty="0" err="1"/>
+              <a:t>condizioni</a:t>
+            </a:r>
+            <a:r>
+              <a:rPr lang="en-GB" dirty="0"/>
+              <a:t> non </a:t>
+            </a:r>
+            <a:r>
+              <a:rPr lang="en-GB" dirty="0" err="1"/>
+              <a:t>buone</a:t>
+            </a:r>
+            <a:r>
+              <a:rPr lang="en-GB" dirty="0"/>
+              <a:t>.</a:t>
+            </a:r>
+          </a:p>
+        </p:txBody>
+      </p:sp>
+      <p:pic>
+        <p:nvPicPr>
+          <p:cNvPr id="3" name="Picture 2">
+            <a:extLst>
+              <a:ext uri="{FF2B5EF4-FFF2-40B4-BE49-F238E27FC236}">
+                <a16:creationId xmlns:a16="http://schemas.microsoft.com/office/drawing/2014/main" id="{C00DA293-7693-55DB-A8FD-BEFA994FA363}"/>
+              </a:ext>
+            </a:extLst>
+          </p:cNvPr>
+          <p:cNvPicPr>
+            <a:picLocks noChangeAspect="1"/>
+          </p:cNvPicPr>
+          <p:nvPr/>
+        </p:nvPicPr>
+        <p:blipFill>
+          <a:blip r:embed="rId5"/>
+          <a:stretch>
+            <a:fillRect/>
+          </a:stretch>
+        </p:blipFill>
+        <p:spPr>
+          <a:xfrm>
+            <a:off x="1116763" y="1606234"/>
+            <a:ext cx="9958474" cy="4942053"/>
+          </a:xfrm>
+          <a:prstGeom prst="rect">
+            <a:avLst/>
+          </a:prstGeom>
+        </p:spPr>
+      </p:pic>
+    </p:spTree>
+    <p:extLst>
+      <p:ext uri="{BB962C8B-B14F-4D97-AF65-F5344CB8AC3E}">
+        <p14:creationId xmlns:p14="http://schemas.microsoft.com/office/powerpoint/2010/main" val="178657401"/>
+      </p:ext>
+    </p:extLst>
+  </p:cSld>
+  <p:clrMapOvr>
+    <a:overrideClrMapping bg1="dk1" tx1="lt1" bg2="dk2" tx2="lt2" accent1="accent1" accent2="accent2" accent3="accent3" accent4="accent4" accent5="accent5" accent6="accent6" hlink="hlink" folHlink="folHlink"/>
+  </p:clrMapOvr>
+</p:sld>
+</file>
+
+<file path=ppt/slides/slide17.xml><?xml version="1.0" encoding="utf-8"?>
+<p:sld xmlns:a="http://schemas.openxmlformats.org/drawingml/2006/main" xmlns:r="http://schemas.openxmlformats.org/officeDocument/2006/relationships" xmlns:p="http://schemas.openxmlformats.org/presentationml/2006/main">
+  <p:cSld>
+    <p:bg>
+      <p:bgPr>
+        <a:solidFill>
+          <a:srgbClr val="000000"/>
+        </a:solidFill>
+        <a:effectLst/>
+      </p:bgPr>
+    </p:bg>
+    <p:spTree>
+      <p:nvGrpSpPr>
+        <p:cNvPr id="1" name=""/>
+        <p:cNvGrpSpPr/>
+        <p:nvPr/>
+      </p:nvGrpSpPr>
+      <p:grpSpPr>
+        <a:xfrm>
+          <a:off x="0" y="0"/>
+          <a:ext cx="0" cy="0"/>
+          <a:chOff x="0" y="0"/>
+          <a:chExt cx="0" cy="0"/>
+        </a:xfrm>
+      </p:grpSpPr>
+      <p:sp>
+        <p:nvSpPr>
+          <p:cNvPr id="10" name="Rectangle 9">
+            <a:extLst>
+              <a:ext uri="{FF2B5EF4-FFF2-40B4-BE49-F238E27FC236}">
+                <a16:creationId xmlns:a16="http://schemas.microsoft.com/office/drawing/2014/main" id="{71B2258F-86CA-4D4D-8270-BC05FCDEBFB3}"/>
+              </a:ext>
+              <a:ext uri="{C183D7F6-B498-43B3-948B-1728B52AA6E4}">
+                <adec:decorative xmlns:adec="http://schemas.microsoft.com/office/drawing/2017/decorative" val="1"/>
+              </a:ext>
+            </a:extLst>
+          </p:cNvPr>
+          <p:cNvSpPr>
+            <a:spLocks noGrp="1" noRot="1" noChangeAspect="1" noMove="1" noResize="1" noEditPoints="1" noAdjustHandles="1" noChangeArrowheads="1" noChangeShapeType="1" noTextEdit="1"/>
+          </p:cNvSpPr>
+          <p:nvPr>
+            <p:extLst>
+              <p:ext uri="{386F3935-93C4-4BCD-93E2-E3B085C9AB24}">
+                <p16:designElem xmlns:p16="http://schemas.microsoft.com/office/powerpoint/2015/main" val="1"/>
+              </p:ext>
+            </p:extLst>
+          </p:nvPr>
+        </p:nvSpPr>
+        <p:spPr>
+          <a:xfrm>
+            <a:off x="0" y="0"/>
+            <a:ext cx="12192000" cy="6857999"/>
+          </a:xfrm>
+          <a:prstGeom prst="rect">
+            <a:avLst/>
+          </a:prstGeom>
+          <a:solidFill>
+            <a:srgbClr val="000000"/>
+          </a:solidFill>
+          <a:ln>
+            <a:noFill/>
+          </a:ln>
+        </p:spPr>
+        <p:style>
+          <a:lnRef idx="2">
+            <a:schemeClr val="accent1">
+              <a:shade val="50000"/>
+            </a:schemeClr>
+          </a:lnRef>
+          <a:fillRef idx="1">
+            <a:schemeClr val="accent1"/>
+          </a:fillRef>
+          <a:effectRef idx="0">
+            <a:schemeClr val="accent1"/>
+          </a:effectRef>
+          <a:fontRef idx="minor">
+            <a:schemeClr val="lt1"/>
+          </a:fontRef>
+        </p:style>
+        <p:txBody>
+          <a:bodyPr rtlCol="0" anchor="ctr"/>
+          <a:lstStyle/>
+          <a:p>
+            <a:pPr algn="ctr"/>
+            <a:endParaRPr lang="en-US"/>
+          </a:p>
+        </p:txBody>
+      </p:sp>
+      <p:pic>
+        <p:nvPicPr>
+          <p:cNvPr id="5" name="Picture 4" descr="A galaxy in the sky&#10;&#10;Description automatically generated with medium confidence">
+            <a:extLst>
+              <a:ext uri="{FF2B5EF4-FFF2-40B4-BE49-F238E27FC236}">
+                <a16:creationId xmlns:a16="http://schemas.microsoft.com/office/drawing/2014/main" id="{B0F90A88-2372-3D69-96D2-BB8F636DDE9E}"/>
+              </a:ext>
+            </a:extLst>
+          </p:cNvPr>
+          <p:cNvPicPr>
+            <a:picLocks noChangeAspect="1"/>
+          </p:cNvPicPr>
+          <p:nvPr/>
+        </p:nvPicPr>
+        <p:blipFill rotWithShape="1">
+          <a:blip r:embed="rId3">
+            <a:alphaModFix amt="50000"/>
+            <a:extLst>
+              <a:ext uri="{28A0092B-C50C-407E-A947-70E740481C1C}">
+                <a14:useLocalDpi xmlns:a14="http://schemas.microsoft.com/office/drawing/2010/main" val="0"/>
+              </a:ext>
+            </a:extLst>
+          </a:blip>
+          <a:srcRect/>
+          <a:stretch/>
+        </p:blipFill>
+        <p:spPr>
+          <a:xfrm>
+            <a:off x="0" y="0"/>
+            <a:ext cx="12192000" cy="6858000"/>
+          </a:xfrm>
+          <a:prstGeom prst="rect">
+            <a:avLst/>
+          </a:prstGeom>
+        </p:spPr>
+      </p:pic>
+      <p:sp>
+        <p:nvSpPr>
+          <p:cNvPr id="9" name="TextBox 8">
+            <a:extLst>
+              <a:ext uri="{FF2B5EF4-FFF2-40B4-BE49-F238E27FC236}">
+                <a16:creationId xmlns:a16="http://schemas.microsoft.com/office/drawing/2014/main" id="{7DCA9D16-5034-279C-FF1F-96C45AF4B68F}"/>
               </a:ext>
             </a:extLst>
           </p:cNvPr>
@@ -10385,8 +11430,8 @@
         </p:nvSpPr>
         <p:spPr>
           <a:xfrm>
-            <a:off x="228600" y="6350169"/>
-            <a:ext cx="5733429" cy="338554"/>
+            <a:off x="301732" y="293576"/>
+            <a:ext cx="978428" cy="523220"/>
           </a:xfrm>
           <a:prstGeom prst="rect">
             <a:avLst/>
@@ -10394,42 +11439,644 @@
           <a:noFill/>
         </p:spPr>
         <p:txBody>
+          <a:bodyPr wrap="square" rtlCol="0">
+            <a:spAutoFit/>
+          </a:bodyPr>
+          <a:lstStyle/>
+          <a:p>
+            <a:r>
+              <a:rPr lang="en-GB" sz="2800" b="1" dirty="0"/>
+              <a:t>Test</a:t>
+            </a:r>
+          </a:p>
+        </p:txBody>
+      </p:sp>
+      <p:pic>
+        <p:nvPicPr>
+          <p:cNvPr id="15" name="Picture 14" descr="A blue and white logo&#10;&#10;Description automatically generated">
+            <a:extLst>
+              <a:ext uri="{FF2B5EF4-FFF2-40B4-BE49-F238E27FC236}">
+                <a16:creationId xmlns:a16="http://schemas.microsoft.com/office/drawing/2014/main" id="{6A2D2119-B5CD-B2DE-2CB9-9300E3B94F14}"/>
+              </a:ext>
+            </a:extLst>
+          </p:cNvPr>
+          <p:cNvPicPr>
+            <a:picLocks noChangeAspect="1"/>
+          </p:cNvPicPr>
+          <p:nvPr/>
+        </p:nvPicPr>
+        <p:blipFill>
+          <a:blip r:embed="rId4">
+            <a:extLst>
+              <a:ext uri="{28A0092B-C50C-407E-A947-70E740481C1C}">
+                <a14:useLocalDpi xmlns:a14="http://schemas.microsoft.com/office/drawing/2010/main" val="0"/>
+              </a:ext>
+            </a:extLst>
+          </a:blip>
+          <a:stretch>
+            <a:fillRect/>
+          </a:stretch>
+        </p:blipFill>
+        <p:spPr>
+          <a:xfrm>
+            <a:off x="10585151" y="264938"/>
+            <a:ext cx="1305117" cy="1098396"/>
+          </a:xfrm>
+          <a:prstGeom prst="rect">
+            <a:avLst/>
+          </a:prstGeom>
+        </p:spPr>
+      </p:pic>
+      <p:sp>
+        <p:nvSpPr>
+          <p:cNvPr id="8" name="TextBox 7">
+            <a:extLst>
+              <a:ext uri="{FF2B5EF4-FFF2-40B4-BE49-F238E27FC236}">
+                <a16:creationId xmlns:a16="http://schemas.microsoft.com/office/drawing/2014/main" id="{434CCB4D-254C-EBDE-2463-AB1821253B50}"/>
+              </a:ext>
+            </a:extLst>
+          </p:cNvPr>
+          <p:cNvSpPr txBox="1"/>
+          <p:nvPr/>
+        </p:nvSpPr>
+        <p:spPr>
+          <a:xfrm>
+            <a:off x="301732" y="1026849"/>
+            <a:ext cx="3997633" cy="369332"/>
+          </a:xfrm>
+          <a:prstGeom prst="rect">
+            <a:avLst/>
+          </a:prstGeom>
+          <a:noFill/>
+        </p:spPr>
+        <p:txBody>
           <a:bodyPr wrap="none" rtlCol="0">
             <a:spAutoFit/>
           </a:bodyPr>
           <a:lstStyle/>
           <a:p>
             <a:r>
-              <a:rPr lang="en-GB" sz="1600" dirty="0" err="1"/>
-              <a:t>Autori</a:t>
-            </a:r>
-            <a:r>
-              <a:rPr lang="en-GB" sz="1600" dirty="0"/>
-              <a:t> del </a:t>
-            </a:r>
-            <a:r>
-              <a:rPr lang="en-GB" sz="1600" dirty="0" err="1"/>
-              <a:t>progetto</a:t>
-            </a:r>
-            <a:r>
-              <a:rPr lang="en-GB" sz="1600" dirty="0"/>
-              <a:t>: Riccardo </a:t>
-            </a:r>
-            <a:r>
-              <a:rPr lang="en-GB" sz="1600" dirty="0" err="1"/>
-              <a:t>Polacchi</a:t>
-            </a:r>
-            <a:r>
-              <a:rPr lang="en-GB" sz="1600" dirty="0"/>
-              <a:t> &amp; Ignazio Emanuele Piccichè</a:t>
-            </a:r>
-          </a:p>
-        </p:txBody>
-      </p:sp>
+              <a:rPr lang="en-GB" dirty="0" err="1"/>
+              <a:t>Fotografia</a:t>
+            </a:r>
+            <a:r>
+              <a:rPr lang="en-GB" dirty="0"/>
+              <a:t> Deep Sky in </a:t>
+            </a:r>
+            <a:r>
+              <a:rPr lang="en-GB" dirty="0" err="1"/>
+              <a:t>buone</a:t>
+            </a:r>
+            <a:r>
+              <a:rPr lang="en-GB" dirty="0"/>
+              <a:t> </a:t>
+            </a:r>
+            <a:r>
+              <a:rPr lang="en-GB" dirty="0" err="1"/>
+              <a:t>condizioni</a:t>
+            </a:r>
+            <a:r>
+              <a:rPr lang="en-GB" dirty="0"/>
+              <a:t>.</a:t>
+            </a:r>
+          </a:p>
+        </p:txBody>
+      </p:sp>
+      <p:pic>
+        <p:nvPicPr>
+          <p:cNvPr id="7" name="Picture 6">
+            <a:extLst>
+              <a:ext uri="{FF2B5EF4-FFF2-40B4-BE49-F238E27FC236}">
+                <a16:creationId xmlns:a16="http://schemas.microsoft.com/office/drawing/2014/main" id="{ACDFA5FA-6E76-E836-C182-FBC2E0355CD3}"/>
+              </a:ext>
+            </a:extLst>
+          </p:cNvPr>
+          <p:cNvPicPr>
+            <a:picLocks noChangeAspect="1"/>
+          </p:cNvPicPr>
+          <p:nvPr/>
+        </p:nvPicPr>
+        <p:blipFill>
+          <a:blip r:embed="rId5"/>
+          <a:stretch>
+            <a:fillRect/>
+          </a:stretch>
+        </p:blipFill>
+        <p:spPr>
+          <a:xfrm>
+            <a:off x="1044926" y="1628272"/>
+            <a:ext cx="10055693" cy="5000521"/>
+          </a:xfrm>
+          <a:prstGeom prst="rect">
+            <a:avLst/>
+          </a:prstGeom>
+        </p:spPr>
+      </p:pic>
     </p:spTree>
     <p:extLst>
       <p:ext uri="{BB962C8B-B14F-4D97-AF65-F5344CB8AC3E}">
-        <p14:creationId xmlns:p14="http://schemas.microsoft.com/office/powerpoint/2010/main" val="2438667681"/>
+        <p14:creationId xmlns:p14="http://schemas.microsoft.com/office/powerpoint/2010/main" val="2940858589"/>
+      </p:ext>
+    </p:extLst>
+  </p:cSld>
+  <p:clrMapOvr>
+    <a:overrideClrMapping bg1="dk1" tx1="lt1" bg2="dk2" tx2="lt2" accent1="accent1" accent2="accent2" accent3="accent3" accent4="accent4" accent5="accent5" accent6="accent6" hlink="hlink" folHlink="folHlink"/>
+  </p:clrMapOvr>
+</p:sld>
+</file>
+
+<file path=ppt/slides/slide18.xml><?xml version="1.0" encoding="utf-8"?>
+<p:sld xmlns:a="http://schemas.openxmlformats.org/drawingml/2006/main" xmlns:r="http://schemas.openxmlformats.org/officeDocument/2006/relationships" xmlns:p="http://schemas.openxmlformats.org/presentationml/2006/main">
+  <p:cSld>
+    <p:bg>
+      <p:bgPr>
+        <a:solidFill>
+          <a:srgbClr val="000000"/>
+        </a:solidFill>
+        <a:effectLst/>
+      </p:bgPr>
+    </p:bg>
+    <p:spTree>
+      <p:nvGrpSpPr>
+        <p:cNvPr id="1" name=""/>
+        <p:cNvGrpSpPr/>
+        <p:nvPr/>
+      </p:nvGrpSpPr>
+      <p:grpSpPr>
+        <a:xfrm>
+          <a:off x="0" y="0"/>
+          <a:ext cx="0" cy="0"/>
+          <a:chOff x="0" y="0"/>
+          <a:chExt cx="0" cy="0"/>
+        </a:xfrm>
+      </p:grpSpPr>
+      <p:sp>
+        <p:nvSpPr>
+          <p:cNvPr id="10" name="Rectangle 9">
+            <a:extLst>
+              <a:ext uri="{FF2B5EF4-FFF2-40B4-BE49-F238E27FC236}">
+                <a16:creationId xmlns:a16="http://schemas.microsoft.com/office/drawing/2014/main" id="{71B2258F-86CA-4D4D-8270-BC05FCDEBFB3}"/>
+              </a:ext>
+              <a:ext uri="{C183D7F6-B498-43B3-948B-1728B52AA6E4}">
+                <adec:decorative xmlns:adec="http://schemas.microsoft.com/office/drawing/2017/decorative" val="1"/>
+              </a:ext>
+            </a:extLst>
+          </p:cNvPr>
+          <p:cNvSpPr>
+            <a:spLocks noGrp="1" noRot="1" noChangeAspect="1" noMove="1" noResize="1" noEditPoints="1" noAdjustHandles="1" noChangeArrowheads="1" noChangeShapeType="1" noTextEdit="1"/>
+          </p:cNvSpPr>
+          <p:nvPr>
+            <p:extLst>
+              <p:ext uri="{386F3935-93C4-4BCD-93E2-E3B085C9AB24}">
+                <p16:designElem xmlns:p16="http://schemas.microsoft.com/office/powerpoint/2015/main" val="1"/>
+              </p:ext>
+            </p:extLst>
+          </p:nvPr>
+        </p:nvSpPr>
+        <p:spPr>
+          <a:xfrm>
+            <a:off x="0" y="0"/>
+            <a:ext cx="12192000" cy="6857999"/>
+          </a:xfrm>
+          <a:prstGeom prst="rect">
+            <a:avLst/>
+          </a:prstGeom>
+          <a:solidFill>
+            <a:srgbClr val="000000"/>
+          </a:solidFill>
+          <a:ln>
+            <a:noFill/>
+          </a:ln>
+        </p:spPr>
+        <p:style>
+          <a:lnRef idx="2">
+            <a:schemeClr val="accent1">
+              <a:shade val="50000"/>
+            </a:schemeClr>
+          </a:lnRef>
+          <a:fillRef idx="1">
+            <a:schemeClr val="accent1"/>
+          </a:fillRef>
+          <a:effectRef idx="0">
+            <a:schemeClr val="accent1"/>
+          </a:effectRef>
+          <a:fontRef idx="minor">
+            <a:schemeClr val="lt1"/>
+          </a:fontRef>
+        </p:style>
+        <p:txBody>
+          <a:bodyPr rtlCol="0" anchor="ctr"/>
+          <a:lstStyle/>
+          <a:p>
+            <a:pPr algn="ctr"/>
+            <a:endParaRPr lang="en-US"/>
+          </a:p>
+        </p:txBody>
+      </p:sp>
+      <p:pic>
+        <p:nvPicPr>
+          <p:cNvPr id="5" name="Picture 4" descr="A galaxy in the sky&#10;&#10;Description automatically generated with medium confidence">
+            <a:extLst>
+              <a:ext uri="{FF2B5EF4-FFF2-40B4-BE49-F238E27FC236}">
+                <a16:creationId xmlns:a16="http://schemas.microsoft.com/office/drawing/2014/main" id="{B0F90A88-2372-3D69-96D2-BB8F636DDE9E}"/>
+              </a:ext>
+            </a:extLst>
+          </p:cNvPr>
+          <p:cNvPicPr>
+            <a:picLocks noChangeAspect="1"/>
+          </p:cNvPicPr>
+          <p:nvPr/>
+        </p:nvPicPr>
+        <p:blipFill rotWithShape="1">
+          <a:blip r:embed="rId3">
+            <a:alphaModFix amt="50000"/>
+            <a:extLst>
+              <a:ext uri="{28A0092B-C50C-407E-A947-70E740481C1C}">
+                <a14:useLocalDpi xmlns:a14="http://schemas.microsoft.com/office/drawing/2010/main" val="0"/>
+              </a:ext>
+            </a:extLst>
+          </a:blip>
+          <a:srcRect/>
+          <a:stretch/>
+        </p:blipFill>
+        <p:spPr>
+          <a:xfrm>
+            <a:off x="0" y="0"/>
+            <a:ext cx="12192000" cy="6858000"/>
+          </a:xfrm>
+          <a:prstGeom prst="rect">
+            <a:avLst/>
+          </a:prstGeom>
+        </p:spPr>
+      </p:pic>
+      <p:sp>
+        <p:nvSpPr>
+          <p:cNvPr id="9" name="TextBox 8">
+            <a:extLst>
+              <a:ext uri="{FF2B5EF4-FFF2-40B4-BE49-F238E27FC236}">
+                <a16:creationId xmlns:a16="http://schemas.microsoft.com/office/drawing/2014/main" id="{7DCA9D16-5034-279C-FF1F-96C45AF4B68F}"/>
+              </a:ext>
+            </a:extLst>
+          </p:cNvPr>
+          <p:cNvSpPr txBox="1"/>
+          <p:nvPr/>
+        </p:nvSpPr>
+        <p:spPr>
+          <a:xfrm>
+            <a:off x="301732" y="293576"/>
+            <a:ext cx="978428" cy="523220"/>
+          </a:xfrm>
+          <a:prstGeom prst="rect">
+            <a:avLst/>
+          </a:prstGeom>
+          <a:noFill/>
+        </p:spPr>
+        <p:txBody>
+          <a:bodyPr wrap="square" rtlCol="0">
+            <a:spAutoFit/>
+          </a:bodyPr>
+          <a:lstStyle/>
+          <a:p>
+            <a:r>
+              <a:rPr lang="en-GB" sz="2800" b="1" dirty="0"/>
+              <a:t>Test</a:t>
+            </a:r>
+          </a:p>
+        </p:txBody>
+      </p:sp>
+      <p:pic>
+        <p:nvPicPr>
+          <p:cNvPr id="15" name="Picture 14" descr="A blue and white logo&#10;&#10;Description automatically generated">
+            <a:extLst>
+              <a:ext uri="{FF2B5EF4-FFF2-40B4-BE49-F238E27FC236}">
+                <a16:creationId xmlns:a16="http://schemas.microsoft.com/office/drawing/2014/main" id="{6A2D2119-B5CD-B2DE-2CB9-9300E3B94F14}"/>
+              </a:ext>
+            </a:extLst>
+          </p:cNvPr>
+          <p:cNvPicPr>
+            <a:picLocks noChangeAspect="1"/>
+          </p:cNvPicPr>
+          <p:nvPr/>
+        </p:nvPicPr>
+        <p:blipFill>
+          <a:blip r:embed="rId4">
+            <a:extLst>
+              <a:ext uri="{28A0092B-C50C-407E-A947-70E740481C1C}">
+                <a14:useLocalDpi xmlns:a14="http://schemas.microsoft.com/office/drawing/2010/main" val="0"/>
+              </a:ext>
+            </a:extLst>
+          </a:blip>
+          <a:stretch>
+            <a:fillRect/>
+          </a:stretch>
+        </p:blipFill>
+        <p:spPr>
+          <a:xfrm>
+            <a:off x="10585151" y="264938"/>
+            <a:ext cx="1305117" cy="1098396"/>
+          </a:xfrm>
+          <a:prstGeom prst="rect">
+            <a:avLst/>
+          </a:prstGeom>
+        </p:spPr>
+      </p:pic>
+      <p:sp>
+        <p:nvSpPr>
+          <p:cNvPr id="8" name="TextBox 7">
+            <a:extLst>
+              <a:ext uri="{FF2B5EF4-FFF2-40B4-BE49-F238E27FC236}">
+                <a16:creationId xmlns:a16="http://schemas.microsoft.com/office/drawing/2014/main" id="{434CCB4D-254C-EBDE-2463-AB1821253B50}"/>
+              </a:ext>
+            </a:extLst>
+          </p:cNvPr>
+          <p:cNvSpPr txBox="1"/>
+          <p:nvPr/>
+        </p:nvSpPr>
+        <p:spPr>
+          <a:xfrm>
+            <a:off x="301732" y="1026849"/>
+            <a:ext cx="4149598" cy="369332"/>
+          </a:xfrm>
+          <a:prstGeom prst="rect">
+            <a:avLst/>
+          </a:prstGeom>
+          <a:noFill/>
+        </p:spPr>
+        <p:txBody>
+          <a:bodyPr wrap="none" rtlCol="0">
+            <a:spAutoFit/>
+          </a:bodyPr>
+          <a:lstStyle/>
+          <a:p>
+            <a:r>
+              <a:rPr lang="en-GB" dirty="0" err="1"/>
+              <a:t>Fotografia</a:t>
+            </a:r>
+            <a:r>
+              <a:rPr lang="en-GB" dirty="0"/>
+              <a:t> Deep Sky con </a:t>
+            </a:r>
+            <a:r>
+              <a:rPr lang="en-GB" dirty="0" err="1"/>
+              <a:t>condizioni</a:t>
+            </a:r>
+            <a:r>
+              <a:rPr lang="en-GB" dirty="0"/>
+              <a:t> </a:t>
+            </a:r>
+            <a:r>
+              <a:rPr lang="en-GB" dirty="0" err="1"/>
+              <a:t>medie</a:t>
+            </a:r>
+            <a:r>
+              <a:rPr lang="en-GB" dirty="0"/>
+              <a:t>.</a:t>
+            </a:r>
+          </a:p>
+        </p:txBody>
+      </p:sp>
+      <p:pic>
+        <p:nvPicPr>
+          <p:cNvPr id="3" name="Picture 2">
+            <a:extLst>
+              <a:ext uri="{FF2B5EF4-FFF2-40B4-BE49-F238E27FC236}">
+                <a16:creationId xmlns:a16="http://schemas.microsoft.com/office/drawing/2014/main" id="{C22C0336-A48B-FDC5-442E-8A35C27030F4}"/>
+              </a:ext>
+            </a:extLst>
+          </p:cNvPr>
+          <p:cNvPicPr>
+            <a:picLocks noChangeAspect="1"/>
+          </p:cNvPicPr>
+          <p:nvPr/>
+        </p:nvPicPr>
+        <p:blipFill>
+          <a:blip r:embed="rId5"/>
+          <a:stretch>
+            <a:fillRect/>
+          </a:stretch>
+        </p:blipFill>
+        <p:spPr>
+          <a:xfrm>
+            <a:off x="1205454" y="1729096"/>
+            <a:ext cx="9781092" cy="4863966"/>
+          </a:xfrm>
+          <a:prstGeom prst="rect">
+            <a:avLst/>
+          </a:prstGeom>
+        </p:spPr>
+      </p:pic>
+    </p:spTree>
+    <p:extLst>
+      <p:ext uri="{BB962C8B-B14F-4D97-AF65-F5344CB8AC3E}">
+        <p14:creationId xmlns:p14="http://schemas.microsoft.com/office/powerpoint/2010/main" val="1112807895"/>
+      </p:ext>
+    </p:extLst>
+  </p:cSld>
+  <p:clrMapOvr>
+    <a:overrideClrMapping bg1="dk1" tx1="lt1" bg2="dk2" tx2="lt2" accent1="accent1" accent2="accent2" accent3="accent3" accent4="accent4" accent5="accent5" accent6="accent6" hlink="hlink" folHlink="folHlink"/>
+  </p:clrMapOvr>
+</p:sld>
+</file>
+
+<file path=ppt/slides/slide19.xml><?xml version="1.0" encoding="utf-8"?>
+<p:sld xmlns:a="http://schemas.openxmlformats.org/drawingml/2006/main" xmlns:r="http://schemas.openxmlformats.org/officeDocument/2006/relationships" xmlns:p="http://schemas.openxmlformats.org/presentationml/2006/main">
+  <p:cSld>
+    <p:bg>
+      <p:bgPr>
+        <a:solidFill>
+          <a:srgbClr val="000000"/>
+        </a:solidFill>
+        <a:effectLst/>
+      </p:bgPr>
+    </p:bg>
+    <p:spTree>
+      <p:nvGrpSpPr>
+        <p:cNvPr id="1" name=""/>
+        <p:cNvGrpSpPr/>
+        <p:nvPr/>
+      </p:nvGrpSpPr>
+      <p:grpSpPr>
+        <a:xfrm>
+          <a:off x="0" y="0"/>
+          <a:ext cx="0" cy="0"/>
+          <a:chOff x="0" y="0"/>
+          <a:chExt cx="0" cy="0"/>
+        </a:xfrm>
+      </p:grpSpPr>
+      <p:sp>
+        <p:nvSpPr>
+          <p:cNvPr id="10" name="Rectangle 9">
+            <a:extLst>
+              <a:ext uri="{FF2B5EF4-FFF2-40B4-BE49-F238E27FC236}">
+                <a16:creationId xmlns:a16="http://schemas.microsoft.com/office/drawing/2014/main" id="{71B2258F-86CA-4D4D-8270-BC05FCDEBFB3}"/>
+              </a:ext>
+              <a:ext uri="{C183D7F6-B498-43B3-948B-1728B52AA6E4}">
+                <adec:decorative xmlns:adec="http://schemas.microsoft.com/office/drawing/2017/decorative" val="1"/>
+              </a:ext>
+            </a:extLst>
+          </p:cNvPr>
+          <p:cNvSpPr>
+            <a:spLocks noGrp="1" noRot="1" noChangeAspect="1" noMove="1" noResize="1" noEditPoints="1" noAdjustHandles="1" noChangeArrowheads="1" noChangeShapeType="1" noTextEdit="1"/>
+          </p:cNvSpPr>
+          <p:nvPr>
+            <p:extLst>
+              <p:ext uri="{386F3935-93C4-4BCD-93E2-E3B085C9AB24}">
+                <p16:designElem xmlns:p16="http://schemas.microsoft.com/office/powerpoint/2015/main" val="1"/>
+              </p:ext>
+            </p:extLst>
+          </p:nvPr>
+        </p:nvSpPr>
+        <p:spPr>
+          <a:xfrm>
+            <a:off x="0" y="0"/>
+            <a:ext cx="12192000" cy="6857999"/>
+          </a:xfrm>
+          <a:prstGeom prst="rect">
+            <a:avLst/>
+          </a:prstGeom>
+          <a:solidFill>
+            <a:srgbClr val="000000"/>
+          </a:solidFill>
+          <a:ln>
+            <a:noFill/>
+          </a:ln>
+        </p:spPr>
+        <p:style>
+          <a:lnRef idx="2">
+            <a:schemeClr val="accent1">
+              <a:shade val="50000"/>
+            </a:schemeClr>
+          </a:lnRef>
+          <a:fillRef idx="1">
+            <a:schemeClr val="accent1"/>
+          </a:fillRef>
+          <a:effectRef idx="0">
+            <a:schemeClr val="accent1"/>
+          </a:effectRef>
+          <a:fontRef idx="minor">
+            <a:schemeClr val="lt1"/>
+          </a:fontRef>
+        </p:style>
+        <p:txBody>
+          <a:bodyPr rtlCol="0" anchor="ctr"/>
+          <a:lstStyle/>
+          <a:p>
+            <a:pPr algn="ctr"/>
+            <a:endParaRPr lang="en-US"/>
+          </a:p>
+        </p:txBody>
+      </p:sp>
+      <p:pic>
+        <p:nvPicPr>
+          <p:cNvPr id="5" name="Picture 4" descr="A galaxy in the sky&#10;&#10;Description automatically generated with medium confidence">
+            <a:extLst>
+              <a:ext uri="{FF2B5EF4-FFF2-40B4-BE49-F238E27FC236}">
+                <a16:creationId xmlns:a16="http://schemas.microsoft.com/office/drawing/2014/main" id="{B0F90A88-2372-3D69-96D2-BB8F636DDE9E}"/>
+              </a:ext>
+            </a:extLst>
+          </p:cNvPr>
+          <p:cNvPicPr>
+            <a:picLocks noChangeAspect="1"/>
+          </p:cNvPicPr>
+          <p:nvPr/>
+        </p:nvPicPr>
+        <p:blipFill rotWithShape="1">
+          <a:blip r:embed="rId3">
+            <a:alphaModFix amt="50000"/>
+            <a:extLst>
+              <a:ext uri="{28A0092B-C50C-407E-A947-70E740481C1C}">
+                <a14:useLocalDpi xmlns:a14="http://schemas.microsoft.com/office/drawing/2010/main" val="0"/>
+              </a:ext>
+            </a:extLst>
+          </a:blip>
+          <a:srcRect/>
+          <a:stretch/>
+        </p:blipFill>
+        <p:spPr>
+          <a:xfrm>
+            <a:off x="0" y="0"/>
+            <a:ext cx="12192000" cy="6858000"/>
+          </a:xfrm>
+          <a:prstGeom prst="rect">
+            <a:avLst/>
+          </a:prstGeom>
+        </p:spPr>
+      </p:pic>
+      <p:sp>
+        <p:nvSpPr>
+          <p:cNvPr id="9" name="TextBox 8">
+            <a:extLst>
+              <a:ext uri="{FF2B5EF4-FFF2-40B4-BE49-F238E27FC236}">
+                <a16:creationId xmlns:a16="http://schemas.microsoft.com/office/drawing/2014/main" id="{7DCA9D16-5034-279C-FF1F-96C45AF4B68F}"/>
+              </a:ext>
+            </a:extLst>
+          </p:cNvPr>
+          <p:cNvSpPr txBox="1"/>
+          <p:nvPr/>
+        </p:nvSpPr>
+        <p:spPr>
+          <a:xfrm>
+            <a:off x="301732" y="293576"/>
+            <a:ext cx="978428" cy="523220"/>
+          </a:xfrm>
+          <a:prstGeom prst="rect">
+            <a:avLst/>
+          </a:prstGeom>
+          <a:noFill/>
+        </p:spPr>
+        <p:txBody>
+          <a:bodyPr wrap="square" rtlCol="0">
+            <a:spAutoFit/>
+          </a:bodyPr>
+          <a:lstStyle/>
+          <a:p>
+            <a:r>
+              <a:rPr lang="en-GB" sz="2800" b="1" dirty="0"/>
+              <a:t>Test</a:t>
+            </a:r>
+          </a:p>
+        </p:txBody>
+      </p:sp>
+      <p:pic>
+        <p:nvPicPr>
+          <p:cNvPr id="15" name="Picture 14" descr="A blue and white logo&#10;&#10;Description automatically generated">
+            <a:extLst>
+              <a:ext uri="{FF2B5EF4-FFF2-40B4-BE49-F238E27FC236}">
+                <a16:creationId xmlns:a16="http://schemas.microsoft.com/office/drawing/2014/main" id="{6A2D2119-B5CD-B2DE-2CB9-9300E3B94F14}"/>
+              </a:ext>
+            </a:extLst>
+          </p:cNvPr>
+          <p:cNvPicPr>
+            <a:picLocks noChangeAspect="1"/>
+          </p:cNvPicPr>
+          <p:nvPr/>
+        </p:nvPicPr>
+        <p:blipFill>
+          <a:blip r:embed="rId4">
+            <a:extLst>
+              <a:ext uri="{28A0092B-C50C-407E-A947-70E740481C1C}">
+                <a14:useLocalDpi xmlns:a14="http://schemas.microsoft.com/office/drawing/2010/main" val="0"/>
+              </a:ext>
+            </a:extLst>
+          </a:blip>
+          <a:stretch>
+            <a:fillRect/>
+          </a:stretch>
+        </p:blipFill>
+        <p:spPr>
+          <a:xfrm>
+            <a:off x="10585151" y="264938"/>
+            <a:ext cx="1305117" cy="1098396"/>
+          </a:xfrm>
+          <a:prstGeom prst="rect">
+            <a:avLst/>
+          </a:prstGeom>
+        </p:spPr>
+      </p:pic>
+    </p:spTree>
+    <p:extLst>
+      <p:ext uri="{BB962C8B-B14F-4D97-AF65-F5344CB8AC3E}">
+        <p14:creationId xmlns:p14="http://schemas.microsoft.com/office/powerpoint/2010/main" val="299009378"/>
       </p:ext>
     </p:extLst>
   </p:cSld>
@@ -11066,6 +12713,492 @@
     <p:extLst>
       <p:ext uri="{BB962C8B-B14F-4D97-AF65-F5344CB8AC3E}">
         <p14:creationId xmlns:p14="http://schemas.microsoft.com/office/powerpoint/2010/main" val="4172560365"/>
+      </p:ext>
+    </p:extLst>
+  </p:cSld>
+  <p:clrMapOvr>
+    <a:overrideClrMapping bg1="dk1" tx1="lt1" bg2="dk2" tx2="lt2" accent1="accent1" accent2="accent2" accent3="accent3" accent4="accent4" accent5="accent5" accent6="accent6" hlink="hlink" folHlink="folHlink"/>
+  </p:clrMapOvr>
+</p:sld>
+</file>
+
+<file path=ppt/slides/slide20.xml><?xml version="1.0" encoding="utf-8"?>
+<p:sld xmlns:a="http://schemas.openxmlformats.org/drawingml/2006/main" xmlns:r="http://schemas.openxmlformats.org/officeDocument/2006/relationships" xmlns:p="http://schemas.openxmlformats.org/presentationml/2006/main">
+  <p:cSld>
+    <p:bg>
+      <p:bgPr>
+        <a:solidFill>
+          <a:srgbClr val="000000"/>
+        </a:solidFill>
+        <a:effectLst/>
+      </p:bgPr>
+    </p:bg>
+    <p:spTree>
+      <p:nvGrpSpPr>
+        <p:cNvPr id="1" name=""/>
+        <p:cNvGrpSpPr/>
+        <p:nvPr/>
+      </p:nvGrpSpPr>
+      <p:grpSpPr>
+        <a:xfrm>
+          <a:off x="0" y="0"/>
+          <a:ext cx="0" cy="0"/>
+          <a:chOff x="0" y="0"/>
+          <a:chExt cx="0" cy="0"/>
+        </a:xfrm>
+      </p:grpSpPr>
+      <p:sp>
+        <p:nvSpPr>
+          <p:cNvPr id="10" name="Rectangle 9">
+            <a:extLst>
+              <a:ext uri="{FF2B5EF4-FFF2-40B4-BE49-F238E27FC236}">
+                <a16:creationId xmlns:a16="http://schemas.microsoft.com/office/drawing/2014/main" id="{71B2258F-86CA-4D4D-8270-BC05FCDEBFB3}"/>
+              </a:ext>
+              <a:ext uri="{C183D7F6-B498-43B3-948B-1728B52AA6E4}">
+                <adec:decorative xmlns:adec="http://schemas.microsoft.com/office/drawing/2017/decorative" val="1"/>
+              </a:ext>
+            </a:extLst>
+          </p:cNvPr>
+          <p:cNvSpPr>
+            <a:spLocks noGrp="1" noRot="1" noChangeAspect="1" noMove="1" noResize="1" noEditPoints="1" noAdjustHandles="1" noChangeArrowheads="1" noChangeShapeType="1" noTextEdit="1"/>
+          </p:cNvSpPr>
+          <p:nvPr>
+            <p:extLst>
+              <p:ext uri="{386F3935-93C4-4BCD-93E2-E3B085C9AB24}">
+                <p16:designElem xmlns:p16="http://schemas.microsoft.com/office/powerpoint/2015/main" val="1"/>
+              </p:ext>
+            </p:extLst>
+          </p:nvPr>
+        </p:nvSpPr>
+        <p:spPr>
+          <a:xfrm>
+            <a:off x="0" y="0"/>
+            <a:ext cx="12192000" cy="6857999"/>
+          </a:xfrm>
+          <a:prstGeom prst="rect">
+            <a:avLst/>
+          </a:prstGeom>
+          <a:solidFill>
+            <a:srgbClr val="000000"/>
+          </a:solidFill>
+          <a:ln>
+            <a:noFill/>
+          </a:ln>
+        </p:spPr>
+        <p:style>
+          <a:lnRef idx="2">
+            <a:schemeClr val="accent1">
+              <a:shade val="50000"/>
+            </a:schemeClr>
+          </a:lnRef>
+          <a:fillRef idx="1">
+            <a:schemeClr val="accent1"/>
+          </a:fillRef>
+          <a:effectRef idx="0">
+            <a:schemeClr val="accent1"/>
+          </a:effectRef>
+          <a:fontRef idx="minor">
+            <a:schemeClr val="lt1"/>
+          </a:fontRef>
+        </p:style>
+        <p:txBody>
+          <a:bodyPr rtlCol="0" anchor="ctr"/>
+          <a:lstStyle/>
+          <a:p>
+            <a:pPr algn="ctr"/>
+            <a:endParaRPr lang="en-US"/>
+          </a:p>
+        </p:txBody>
+      </p:sp>
+      <p:pic>
+        <p:nvPicPr>
+          <p:cNvPr id="5" name="Picture 4" descr="A galaxy in the sky&#10;&#10;Description automatically generated with medium confidence">
+            <a:extLst>
+              <a:ext uri="{FF2B5EF4-FFF2-40B4-BE49-F238E27FC236}">
+                <a16:creationId xmlns:a16="http://schemas.microsoft.com/office/drawing/2014/main" id="{B0F90A88-2372-3D69-96D2-BB8F636DDE9E}"/>
+              </a:ext>
+            </a:extLst>
+          </p:cNvPr>
+          <p:cNvPicPr>
+            <a:picLocks noChangeAspect="1"/>
+          </p:cNvPicPr>
+          <p:nvPr/>
+        </p:nvPicPr>
+        <p:blipFill rotWithShape="1">
+          <a:blip r:embed="rId3">
+            <a:alphaModFix amt="50000"/>
+            <a:extLst>
+              <a:ext uri="{28A0092B-C50C-407E-A947-70E740481C1C}">
+                <a14:useLocalDpi xmlns:a14="http://schemas.microsoft.com/office/drawing/2010/main" val="0"/>
+              </a:ext>
+            </a:extLst>
+          </a:blip>
+          <a:srcRect/>
+          <a:stretch/>
+        </p:blipFill>
+        <p:spPr>
+          <a:xfrm>
+            <a:off x="0" y="0"/>
+            <a:ext cx="12192000" cy="6858000"/>
+          </a:xfrm>
+          <a:prstGeom prst="rect">
+            <a:avLst/>
+          </a:prstGeom>
+        </p:spPr>
+      </p:pic>
+      <p:sp>
+        <p:nvSpPr>
+          <p:cNvPr id="9" name="TextBox 8">
+            <a:extLst>
+              <a:ext uri="{FF2B5EF4-FFF2-40B4-BE49-F238E27FC236}">
+                <a16:creationId xmlns:a16="http://schemas.microsoft.com/office/drawing/2014/main" id="{7DCA9D16-5034-279C-FF1F-96C45AF4B68F}"/>
+              </a:ext>
+            </a:extLst>
+          </p:cNvPr>
+          <p:cNvSpPr txBox="1"/>
+          <p:nvPr/>
+        </p:nvSpPr>
+        <p:spPr>
+          <a:xfrm>
+            <a:off x="301732" y="293576"/>
+            <a:ext cx="3456452" cy="523220"/>
+          </a:xfrm>
+          <a:prstGeom prst="rect">
+            <a:avLst/>
+          </a:prstGeom>
+          <a:noFill/>
+        </p:spPr>
+        <p:txBody>
+          <a:bodyPr wrap="square" rtlCol="0">
+            <a:spAutoFit/>
+          </a:bodyPr>
+          <a:lstStyle/>
+          <a:p>
+            <a:r>
+              <a:rPr lang="en-GB" sz="2800" b="1" dirty="0" err="1"/>
+              <a:t>Casi</a:t>
+            </a:r>
+            <a:r>
+              <a:rPr lang="en-GB" sz="2800" b="1" dirty="0"/>
+              <a:t> limite</a:t>
+            </a:r>
+          </a:p>
+        </p:txBody>
+      </p:sp>
+      <p:pic>
+        <p:nvPicPr>
+          <p:cNvPr id="15" name="Picture 14" descr="A blue and white logo&#10;&#10;Description automatically generated">
+            <a:extLst>
+              <a:ext uri="{FF2B5EF4-FFF2-40B4-BE49-F238E27FC236}">
+                <a16:creationId xmlns:a16="http://schemas.microsoft.com/office/drawing/2014/main" id="{6A2D2119-B5CD-B2DE-2CB9-9300E3B94F14}"/>
+              </a:ext>
+            </a:extLst>
+          </p:cNvPr>
+          <p:cNvPicPr>
+            <a:picLocks noChangeAspect="1"/>
+          </p:cNvPicPr>
+          <p:nvPr/>
+        </p:nvPicPr>
+        <p:blipFill>
+          <a:blip r:embed="rId4">
+            <a:extLst>
+              <a:ext uri="{28A0092B-C50C-407E-A947-70E740481C1C}">
+                <a14:useLocalDpi xmlns:a14="http://schemas.microsoft.com/office/drawing/2010/main" val="0"/>
+              </a:ext>
+            </a:extLst>
+          </a:blip>
+          <a:stretch>
+            <a:fillRect/>
+          </a:stretch>
+        </p:blipFill>
+        <p:spPr>
+          <a:xfrm>
+            <a:off x="10585151" y="264938"/>
+            <a:ext cx="1305117" cy="1098396"/>
+          </a:xfrm>
+          <a:prstGeom prst="rect">
+            <a:avLst/>
+          </a:prstGeom>
+        </p:spPr>
+      </p:pic>
+    </p:spTree>
+    <p:extLst>
+      <p:ext uri="{BB962C8B-B14F-4D97-AF65-F5344CB8AC3E}">
+        <p14:creationId xmlns:p14="http://schemas.microsoft.com/office/powerpoint/2010/main" val="1668053405"/>
+      </p:ext>
+    </p:extLst>
+  </p:cSld>
+  <p:clrMapOvr>
+    <a:overrideClrMapping bg1="dk1" tx1="lt1" bg2="dk2" tx2="lt2" accent1="accent1" accent2="accent2" accent3="accent3" accent4="accent4" accent5="accent5" accent6="accent6" hlink="hlink" folHlink="folHlink"/>
+  </p:clrMapOvr>
+</p:sld>
+</file>
+
+<file path=ppt/slides/slide21.xml><?xml version="1.0" encoding="utf-8"?>
+<p:sld xmlns:a="http://schemas.openxmlformats.org/drawingml/2006/main" xmlns:r="http://schemas.openxmlformats.org/officeDocument/2006/relationships" xmlns:p="http://schemas.openxmlformats.org/presentationml/2006/main">
+  <p:cSld>
+    <p:bg>
+      <p:bgPr>
+        <a:solidFill>
+          <a:srgbClr val="000000"/>
+        </a:solidFill>
+        <a:effectLst/>
+      </p:bgPr>
+    </p:bg>
+    <p:spTree>
+      <p:nvGrpSpPr>
+        <p:cNvPr id="1" name=""/>
+        <p:cNvGrpSpPr/>
+        <p:nvPr/>
+      </p:nvGrpSpPr>
+      <p:grpSpPr>
+        <a:xfrm>
+          <a:off x="0" y="0"/>
+          <a:ext cx="0" cy="0"/>
+          <a:chOff x="0" y="0"/>
+          <a:chExt cx="0" cy="0"/>
+        </a:xfrm>
+      </p:grpSpPr>
+      <p:sp>
+        <p:nvSpPr>
+          <p:cNvPr id="10" name="Rectangle 9">
+            <a:extLst>
+              <a:ext uri="{FF2B5EF4-FFF2-40B4-BE49-F238E27FC236}">
+                <a16:creationId xmlns:a16="http://schemas.microsoft.com/office/drawing/2014/main" id="{71B2258F-86CA-4D4D-8270-BC05FCDEBFB3}"/>
+              </a:ext>
+              <a:ext uri="{C183D7F6-B498-43B3-948B-1728B52AA6E4}">
+                <adec:decorative xmlns:adec="http://schemas.microsoft.com/office/drawing/2017/decorative" val="1"/>
+              </a:ext>
+            </a:extLst>
+          </p:cNvPr>
+          <p:cNvSpPr>
+            <a:spLocks noGrp="1" noRot="1" noChangeAspect="1" noMove="1" noResize="1" noEditPoints="1" noAdjustHandles="1" noChangeArrowheads="1" noChangeShapeType="1" noTextEdit="1"/>
+          </p:cNvSpPr>
+          <p:nvPr>
+            <p:extLst>
+              <p:ext uri="{386F3935-93C4-4BCD-93E2-E3B085C9AB24}">
+                <p16:designElem xmlns:p16="http://schemas.microsoft.com/office/powerpoint/2015/main" val="1"/>
+              </p:ext>
+            </p:extLst>
+          </p:nvPr>
+        </p:nvSpPr>
+        <p:spPr>
+          <a:xfrm>
+            <a:off x="0" y="0"/>
+            <a:ext cx="12192000" cy="6857999"/>
+          </a:xfrm>
+          <a:prstGeom prst="rect">
+            <a:avLst/>
+          </a:prstGeom>
+          <a:solidFill>
+            <a:srgbClr val="000000"/>
+          </a:solidFill>
+          <a:ln>
+            <a:noFill/>
+          </a:ln>
+        </p:spPr>
+        <p:style>
+          <a:lnRef idx="2">
+            <a:schemeClr val="accent1">
+              <a:shade val="50000"/>
+            </a:schemeClr>
+          </a:lnRef>
+          <a:fillRef idx="1">
+            <a:schemeClr val="accent1"/>
+          </a:fillRef>
+          <a:effectRef idx="0">
+            <a:schemeClr val="accent1"/>
+          </a:effectRef>
+          <a:fontRef idx="minor">
+            <a:schemeClr val="lt1"/>
+          </a:fontRef>
+        </p:style>
+        <p:txBody>
+          <a:bodyPr rtlCol="0" anchor="ctr"/>
+          <a:lstStyle/>
+          <a:p>
+            <a:pPr algn="ctr"/>
+            <a:endParaRPr lang="en-US"/>
+          </a:p>
+        </p:txBody>
+      </p:sp>
+      <p:pic>
+        <p:nvPicPr>
+          <p:cNvPr id="5" name="Picture 4" descr="A galaxy in the sky&#10;&#10;Description automatically generated with medium confidence">
+            <a:extLst>
+              <a:ext uri="{FF2B5EF4-FFF2-40B4-BE49-F238E27FC236}">
+                <a16:creationId xmlns:a16="http://schemas.microsoft.com/office/drawing/2014/main" id="{B0F90A88-2372-3D69-96D2-BB8F636DDE9E}"/>
+              </a:ext>
+            </a:extLst>
+          </p:cNvPr>
+          <p:cNvPicPr>
+            <a:picLocks noChangeAspect="1"/>
+          </p:cNvPicPr>
+          <p:nvPr/>
+        </p:nvPicPr>
+        <p:blipFill rotWithShape="1">
+          <a:blip r:embed="rId3">
+            <a:alphaModFix amt="50000"/>
+            <a:extLst>
+              <a:ext uri="{28A0092B-C50C-407E-A947-70E740481C1C}">
+                <a14:useLocalDpi xmlns:a14="http://schemas.microsoft.com/office/drawing/2010/main" val="0"/>
+              </a:ext>
+            </a:extLst>
+          </a:blip>
+          <a:srcRect/>
+          <a:stretch/>
+        </p:blipFill>
+        <p:spPr>
+          <a:xfrm>
+            <a:off x="0" y="0"/>
+            <a:ext cx="12192000" cy="6858000"/>
+          </a:xfrm>
+          <a:prstGeom prst="rect">
+            <a:avLst/>
+          </a:prstGeom>
+        </p:spPr>
+      </p:pic>
+      <p:pic>
+        <p:nvPicPr>
+          <p:cNvPr id="15" name="Picture 14" descr="A blue and white logo&#10;&#10;Description automatically generated">
+            <a:extLst>
+              <a:ext uri="{FF2B5EF4-FFF2-40B4-BE49-F238E27FC236}">
+                <a16:creationId xmlns:a16="http://schemas.microsoft.com/office/drawing/2014/main" id="{6A2D2119-B5CD-B2DE-2CB9-9300E3B94F14}"/>
+              </a:ext>
+            </a:extLst>
+          </p:cNvPr>
+          <p:cNvPicPr>
+            <a:picLocks noChangeAspect="1"/>
+          </p:cNvPicPr>
+          <p:nvPr/>
+        </p:nvPicPr>
+        <p:blipFill>
+          <a:blip r:embed="rId4">
+            <a:extLst>
+              <a:ext uri="{28A0092B-C50C-407E-A947-70E740481C1C}">
+                <a14:useLocalDpi xmlns:a14="http://schemas.microsoft.com/office/drawing/2010/main" val="0"/>
+              </a:ext>
+            </a:extLst>
+          </a:blip>
+          <a:stretch>
+            <a:fillRect/>
+          </a:stretch>
+        </p:blipFill>
+        <p:spPr>
+          <a:xfrm>
+            <a:off x="10585151" y="264938"/>
+            <a:ext cx="1305117" cy="1098396"/>
+          </a:xfrm>
+          <a:prstGeom prst="rect">
+            <a:avLst/>
+          </a:prstGeom>
+        </p:spPr>
+      </p:pic>
+      <p:sp>
+        <p:nvSpPr>
+          <p:cNvPr id="2" name="TextBox 1">
+            <a:extLst>
+              <a:ext uri="{FF2B5EF4-FFF2-40B4-BE49-F238E27FC236}">
+                <a16:creationId xmlns:a16="http://schemas.microsoft.com/office/drawing/2014/main" id="{A16A756F-7D09-52EE-CD05-3CF4139DC46D}"/>
+              </a:ext>
+            </a:extLst>
+          </p:cNvPr>
+          <p:cNvSpPr txBox="1"/>
+          <p:nvPr/>
+        </p:nvSpPr>
+        <p:spPr>
+          <a:xfrm>
+            <a:off x="2547817" y="2921167"/>
+            <a:ext cx="7096366" cy="1015663"/>
+          </a:xfrm>
+          <a:prstGeom prst="rect">
+            <a:avLst/>
+          </a:prstGeom>
+          <a:noFill/>
+        </p:spPr>
+        <p:txBody>
+          <a:bodyPr wrap="none" rtlCol="0">
+            <a:spAutoFit/>
+          </a:bodyPr>
+          <a:lstStyle/>
+          <a:p>
+            <a:r>
+              <a:rPr lang="en-GB" sz="6000" b="1" dirty="0">
+                <a:latin typeface="+mj-lt"/>
+              </a:rPr>
+              <a:t>Grazie per </a:t>
+            </a:r>
+            <a:r>
+              <a:rPr lang="en-GB" sz="6000" b="1" dirty="0" err="1">
+                <a:latin typeface="+mj-lt"/>
+              </a:rPr>
+              <a:t>l’attenzione</a:t>
+            </a:r>
+            <a:endParaRPr lang="en-GB" sz="6000" b="1" dirty="0">
+              <a:latin typeface="+mj-lt"/>
+            </a:endParaRPr>
+          </a:p>
+        </p:txBody>
+      </p:sp>
+      <p:sp>
+        <p:nvSpPr>
+          <p:cNvPr id="3" name="TextBox 2">
+            <a:extLst>
+              <a:ext uri="{FF2B5EF4-FFF2-40B4-BE49-F238E27FC236}">
+                <a16:creationId xmlns:a16="http://schemas.microsoft.com/office/drawing/2014/main" id="{C9D28ED9-E95D-507E-FC43-A20B7E08E910}"/>
+              </a:ext>
+            </a:extLst>
+          </p:cNvPr>
+          <p:cNvSpPr txBox="1"/>
+          <p:nvPr/>
+        </p:nvSpPr>
+        <p:spPr>
+          <a:xfrm>
+            <a:off x="228600" y="6350169"/>
+            <a:ext cx="5733429" cy="338554"/>
+          </a:xfrm>
+          <a:prstGeom prst="rect">
+            <a:avLst/>
+          </a:prstGeom>
+          <a:noFill/>
+        </p:spPr>
+        <p:txBody>
+          <a:bodyPr wrap="none" rtlCol="0">
+            <a:spAutoFit/>
+          </a:bodyPr>
+          <a:lstStyle/>
+          <a:p>
+            <a:r>
+              <a:rPr lang="en-GB" sz="1600" dirty="0" err="1"/>
+              <a:t>Autori</a:t>
+            </a:r>
+            <a:r>
+              <a:rPr lang="en-GB" sz="1600" dirty="0"/>
+              <a:t> del </a:t>
+            </a:r>
+            <a:r>
+              <a:rPr lang="en-GB" sz="1600" dirty="0" err="1"/>
+              <a:t>progetto</a:t>
+            </a:r>
+            <a:r>
+              <a:rPr lang="en-GB" sz="1600" dirty="0"/>
+              <a:t>: Riccardo </a:t>
+            </a:r>
+            <a:r>
+              <a:rPr lang="en-GB" sz="1600" dirty="0" err="1"/>
+              <a:t>Polacchi</a:t>
+            </a:r>
+            <a:r>
+              <a:rPr lang="en-GB" sz="1600" dirty="0"/>
+              <a:t> &amp; Ignazio Emanuele Piccichè</a:t>
+            </a:r>
+          </a:p>
+        </p:txBody>
+      </p:sp>
+    </p:spTree>
+    <p:extLst>
+      <p:ext uri="{BB962C8B-B14F-4D97-AF65-F5344CB8AC3E}">
+        <p14:creationId xmlns:p14="http://schemas.microsoft.com/office/powerpoint/2010/main" val="2438667681"/>
       </p:ext>
     </p:extLst>
   </p:cSld>
@@ -12601,8 +14734,8 @@
         </p:blipFill>
         <p:spPr>
           <a:xfrm>
-            <a:off x="7606258" y="1363334"/>
-            <a:ext cx="2956584" cy="1773951"/>
+            <a:off x="7234797" y="2032358"/>
+            <a:ext cx="4655471" cy="2793284"/>
           </a:xfrm>
           <a:prstGeom prst="rect">
             <a:avLst/>
@@ -12623,8 +14756,8 @@
         </p:nvSpPr>
         <p:spPr>
           <a:xfrm>
-            <a:off x="1055077" y="3643532"/>
-            <a:ext cx="6551181" cy="1200329"/>
+            <a:off x="301732" y="5459651"/>
+            <a:ext cx="11202010" cy="923330"/>
           </a:xfrm>
           <a:prstGeom prst="rect">
             <a:avLst/>
@@ -12886,8 +15019,8 @@
         </p:nvSpPr>
         <p:spPr>
           <a:xfrm>
-            <a:off x="301732" y="5022217"/>
-            <a:ext cx="9166733" cy="1200329"/>
+            <a:off x="301732" y="5340959"/>
+            <a:ext cx="11588536" cy="923330"/>
           </a:xfrm>
           <a:prstGeom prst="rect">
             <a:avLst/>
@@ -13157,7 +15290,7 @@
         </p:blipFill>
         <p:spPr>
           <a:xfrm>
-            <a:off x="7612337" y="1517041"/>
+            <a:off x="7310605" y="1959808"/>
             <a:ext cx="4579663" cy="2784676"/>
           </a:xfrm>
           <a:prstGeom prst="rect">
@@ -13399,8 +15532,8 @@
         </p:nvSpPr>
         <p:spPr>
           <a:xfrm>
-            <a:off x="301732" y="5022218"/>
-            <a:ext cx="10553081" cy="1477328"/>
+            <a:off x="301732" y="5100391"/>
+            <a:ext cx="11588536" cy="1200329"/>
           </a:xfrm>
           <a:prstGeom prst="rect">
             <a:avLst/>
@@ -13774,8 +15907,8 @@
         </p:blipFill>
         <p:spPr>
           <a:xfrm>
-            <a:off x="2951847" y="1034258"/>
-            <a:ext cx="6284643" cy="3809031"/>
+            <a:off x="7423355" y="1835782"/>
+            <a:ext cx="4466913" cy="2707331"/>
           </a:xfrm>
           <a:prstGeom prst="rect">
             <a:avLst/>
@@ -14024,8 +16157,8 @@
         </p:nvSpPr>
         <p:spPr>
           <a:xfrm>
-            <a:off x="301732" y="5022217"/>
-            <a:ext cx="9373210" cy="923330"/>
+            <a:off x="301732" y="5634578"/>
+            <a:ext cx="11588536" cy="646331"/>
           </a:xfrm>
           <a:prstGeom prst="rect">
             <a:avLst/>
@@ -14239,8 +16372,8 @@
         </p:blipFill>
         <p:spPr>
           <a:xfrm>
-            <a:off x="2951127" y="1068089"/>
-            <a:ext cx="6277974" cy="3741368"/>
+            <a:off x="7128386" y="2080031"/>
+            <a:ext cx="4761882" cy="2837850"/>
           </a:xfrm>
           <a:prstGeom prst="rect">
             <a:avLst/>
